--- a/slides/15-single-proportion.pptx
+++ b/slides/15-single-proportion.pptx
@@ -6,7 +6,7 @@
     <p:sldMasterId id="2147483684" r:id="rId2"/>
   </p:sldMasterIdLst>
   <p:notesMasterIdLst>
-    <p:notesMasterId r:id="rId63"/>
+    <p:notesMasterId r:id="rId65"/>
   </p:notesMasterIdLst>
   <p:sldIdLst>
     <p:sldId id="256" r:id="rId3"/>
@@ -30,45 +30,47 @@
     <p:sldId id="274" r:id="rId21"/>
     <p:sldId id="275" r:id="rId22"/>
     <p:sldId id="301" r:id="rId23"/>
-    <p:sldId id="277" r:id="rId24"/>
-    <p:sldId id="278" r:id="rId25"/>
-    <p:sldId id="279" r:id="rId26"/>
-    <p:sldId id="280" r:id="rId27"/>
-    <p:sldId id="302" r:id="rId28"/>
-    <p:sldId id="281" r:id="rId29"/>
-    <p:sldId id="282" r:id="rId30"/>
-    <p:sldId id="283" r:id="rId31"/>
-    <p:sldId id="284" r:id="rId32"/>
-    <p:sldId id="285" r:id="rId33"/>
-    <p:sldId id="287" r:id="rId34"/>
-    <p:sldId id="303" r:id="rId35"/>
-    <p:sldId id="304" r:id="rId36"/>
-    <p:sldId id="305" r:id="rId37"/>
-    <p:sldId id="309" r:id="rId38"/>
-    <p:sldId id="286" r:id="rId39"/>
-    <p:sldId id="310" r:id="rId40"/>
-    <p:sldId id="306" r:id="rId41"/>
-    <p:sldId id="311" r:id="rId42"/>
-    <p:sldId id="307" r:id="rId43"/>
-    <p:sldId id="312" r:id="rId44"/>
-    <p:sldId id="313" r:id="rId45"/>
-    <p:sldId id="314" r:id="rId46"/>
-    <p:sldId id="315" r:id="rId47"/>
-    <p:sldId id="316" r:id="rId48"/>
-    <p:sldId id="317" r:id="rId49"/>
-    <p:sldId id="318" r:id="rId50"/>
-    <p:sldId id="319" r:id="rId51"/>
-    <p:sldId id="320" r:id="rId52"/>
-    <p:sldId id="321" r:id="rId53"/>
-    <p:sldId id="322" r:id="rId54"/>
-    <p:sldId id="293" r:id="rId55"/>
-    <p:sldId id="294" r:id="rId56"/>
-    <p:sldId id="323" r:id="rId57"/>
-    <p:sldId id="324" r:id="rId58"/>
-    <p:sldId id="325" r:id="rId59"/>
-    <p:sldId id="295" r:id="rId60"/>
-    <p:sldId id="296" r:id="rId61"/>
-    <p:sldId id="297" r:id="rId62"/>
+    <p:sldId id="326" r:id="rId24"/>
+    <p:sldId id="327" r:id="rId25"/>
+    <p:sldId id="277" r:id="rId26"/>
+    <p:sldId id="278" r:id="rId27"/>
+    <p:sldId id="279" r:id="rId28"/>
+    <p:sldId id="302" r:id="rId29"/>
+    <p:sldId id="328" r:id="rId30"/>
+    <p:sldId id="281" r:id="rId31"/>
+    <p:sldId id="282" r:id="rId32"/>
+    <p:sldId id="283" r:id="rId33"/>
+    <p:sldId id="284" r:id="rId34"/>
+    <p:sldId id="285" r:id="rId35"/>
+    <p:sldId id="287" r:id="rId36"/>
+    <p:sldId id="303" r:id="rId37"/>
+    <p:sldId id="304" r:id="rId38"/>
+    <p:sldId id="305" r:id="rId39"/>
+    <p:sldId id="309" r:id="rId40"/>
+    <p:sldId id="286" r:id="rId41"/>
+    <p:sldId id="310" r:id="rId42"/>
+    <p:sldId id="306" r:id="rId43"/>
+    <p:sldId id="311" r:id="rId44"/>
+    <p:sldId id="307" r:id="rId45"/>
+    <p:sldId id="312" r:id="rId46"/>
+    <p:sldId id="313" r:id="rId47"/>
+    <p:sldId id="314" r:id="rId48"/>
+    <p:sldId id="315" r:id="rId49"/>
+    <p:sldId id="316" r:id="rId50"/>
+    <p:sldId id="317" r:id="rId51"/>
+    <p:sldId id="318" r:id="rId52"/>
+    <p:sldId id="319" r:id="rId53"/>
+    <p:sldId id="320" r:id="rId54"/>
+    <p:sldId id="321" r:id="rId55"/>
+    <p:sldId id="322" r:id="rId56"/>
+    <p:sldId id="293" r:id="rId57"/>
+    <p:sldId id="294" r:id="rId58"/>
+    <p:sldId id="323" r:id="rId59"/>
+    <p:sldId id="324" r:id="rId60"/>
+    <p:sldId id="325" r:id="rId61"/>
+    <p:sldId id="295" r:id="rId62"/>
+    <p:sldId id="296" r:id="rId63"/>
+    <p:sldId id="297" r:id="rId64"/>
   </p:sldIdLst>
   <p:sldSz cx="12192000" cy="6858000"/>
   <p:notesSz cx="6858000" cy="9144000"/>
@@ -257,7 +259,7 @@
           <a:p>
             <a:fld id="{2DA3ADC8-0AFD-F647-904F-5290280CD8F0}" type="datetimeFigureOut">
               <a:rPr lang="en-US" smtClean="0"/>
-              <a:t>11/13/23</a:t>
+              <a:t>11/14/23</a:t>
             </a:fld>
             <a:endParaRPr lang="en-US"/>
           </a:p>
@@ -1574,7 +1576,7 @@
   <p:cSld>
     <p:spTree>
       <p:nvGrpSpPr>
-        <p:cNvPr id="1" name="Shape 190"/>
+        <p:cNvPr id="1" name="Shape 174"/>
         <p:cNvGrpSpPr/>
         <p:nvPr/>
       </p:nvGrpSpPr>
@@ -1588,7 +1590,7 @@
       </p:grpSpPr>
       <p:sp>
         <p:nvSpPr>
-          <p:cNvPr id="191" name="Google Shape;191;g2bfff8405_068:notes"/>
+          <p:cNvPr id="175" name="Google Shape;175;g2bfff8405_060:notes"/>
           <p:cNvSpPr>
             <a:spLocks noGrp="1" noRot="1" noChangeAspect="1"/>
           </p:cNvSpPr>
@@ -1629,7 +1631,7 @@
       </p:sp>
       <p:sp>
         <p:nvSpPr>
-          <p:cNvPr id="192" name="Google Shape;192;g2bfff8405_068:notes"/>
+          <p:cNvPr id="176" name="Google Shape;176;g2bfff8405_060:notes"/>
           <p:cNvSpPr txBox="1">
             <a:spLocks noGrp="1"/>
           </p:cNvSpPr>
@@ -1666,6 +1668,11 @@
         </p:txBody>
       </p:sp>
     </p:spTree>
+    <p:extLst>
+      <p:ext uri="{BB962C8B-B14F-4D97-AF65-F5344CB8AC3E}">
+        <p14:creationId xmlns:p14="http://schemas.microsoft.com/office/powerpoint/2010/main" val="1564895228"/>
+      </p:ext>
+    </p:extLst>
   </p:cSld>
   <p:clrMapOvr>
     <a:masterClrMapping/>
@@ -1787,7 +1794,7 @@
   <p:cSld>
     <p:spTree>
       <p:nvGrpSpPr>
-        <p:cNvPr id="1" name="Shape 196"/>
+        <p:cNvPr id="1" name="Shape 174"/>
         <p:cNvGrpSpPr/>
         <p:nvPr/>
       </p:nvGrpSpPr>
@@ -1801,7 +1808,7 @@
       </p:grpSpPr>
       <p:sp>
         <p:nvSpPr>
-          <p:cNvPr id="197" name="Google Shape;197;g18eb21b77d_0_207:notes"/>
+          <p:cNvPr id="175" name="Google Shape;175;g2bfff8405_060:notes"/>
           <p:cNvSpPr>
             <a:spLocks noGrp="1" noRot="1" noChangeAspect="1"/>
           </p:cNvSpPr>
@@ -1842,7 +1849,7 @@
       </p:sp>
       <p:sp>
         <p:nvSpPr>
-          <p:cNvPr id="198" name="Google Shape;198;g18eb21b77d_0_207:notes"/>
+          <p:cNvPr id="176" name="Google Shape;176;g2bfff8405_060:notes"/>
           <p:cNvSpPr txBox="1">
             <a:spLocks noGrp="1"/>
           </p:cNvSpPr>
@@ -1879,6 +1886,11 @@
         </p:txBody>
       </p:sp>
     </p:spTree>
+    <p:extLst>
+      <p:ext uri="{BB962C8B-B14F-4D97-AF65-F5344CB8AC3E}">
+        <p14:creationId xmlns:p14="http://schemas.microsoft.com/office/powerpoint/2010/main" val="70243712"/>
+      </p:ext>
+    </p:extLst>
   </p:cSld>
   <p:clrMapOvr>
     <a:masterClrMapping/>
@@ -1891,7 +1903,7 @@
   <p:cSld>
     <p:spTree>
       <p:nvGrpSpPr>
-        <p:cNvPr id="1" name="Shape 203"/>
+        <p:cNvPr id="1" name="Shape 190"/>
         <p:cNvGrpSpPr/>
         <p:nvPr/>
       </p:nvGrpSpPr>
@@ -1905,7 +1917,7 @@
       </p:grpSpPr>
       <p:sp>
         <p:nvSpPr>
-          <p:cNvPr id="204" name="Google Shape;204;g18eb21b77d_0_197:notes"/>
+          <p:cNvPr id="191" name="Google Shape;191;g2bfff8405_068:notes"/>
           <p:cNvSpPr>
             <a:spLocks noGrp="1" noRot="1" noChangeAspect="1"/>
           </p:cNvSpPr>
@@ -1946,7 +1958,7 @@
       </p:sp>
       <p:sp>
         <p:nvSpPr>
-          <p:cNvPr id="205" name="Google Shape;205;g18eb21b77d_0_197:notes"/>
+          <p:cNvPr id="192" name="Google Shape;192;g2bfff8405_068:notes"/>
           <p:cNvSpPr txBox="1">
             <a:spLocks noGrp="1"/>
           </p:cNvSpPr>
@@ -1995,7 +2007,7 @@
   <p:cSld>
     <p:spTree>
       <p:nvGrpSpPr>
-        <p:cNvPr id="1" name="Shape 211"/>
+        <p:cNvPr id="1" name="Shape 196"/>
         <p:cNvGrpSpPr/>
         <p:nvPr/>
       </p:nvGrpSpPr>
@@ -2009,7 +2021,7 @@
       </p:grpSpPr>
       <p:sp>
         <p:nvSpPr>
-          <p:cNvPr id="212" name="Google Shape;212;g18eb21b77d_0_187:notes"/>
+          <p:cNvPr id="197" name="Google Shape;197;g18eb21b77d_0_207:notes"/>
           <p:cNvSpPr>
             <a:spLocks noGrp="1" noRot="1" noChangeAspect="1"/>
           </p:cNvSpPr>
@@ -2050,7 +2062,7 @@
       </p:sp>
       <p:sp>
         <p:nvSpPr>
-          <p:cNvPr id="213" name="Google Shape;213;g18eb21b77d_0_187:notes"/>
+          <p:cNvPr id="198" name="Google Shape;198;g18eb21b77d_0_207:notes"/>
           <p:cNvSpPr txBox="1">
             <a:spLocks noGrp="1"/>
           </p:cNvSpPr>
@@ -2099,7 +2111,7 @@
   <p:cSld>
     <p:spTree>
       <p:nvGrpSpPr>
-        <p:cNvPr id="1" name="Shape 211"/>
+        <p:cNvPr id="1" name="Shape 203"/>
         <p:cNvGrpSpPr/>
         <p:nvPr/>
       </p:nvGrpSpPr>
@@ -2113,7 +2125,7 @@
       </p:grpSpPr>
       <p:sp>
         <p:nvSpPr>
-          <p:cNvPr id="212" name="Google Shape;212;g18eb21b77d_0_187:notes"/>
+          <p:cNvPr id="204" name="Google Shape;204;g18eb21b77d_0_197:notes"/>
           <p:cNvSpPr>
             <a:spLocks noGrp="1" noRot="1" noChangeAspect="1"/>
           </p:cNvSpPr>
@@ -2154,7 +2166,7 @@
       </p:sp>
       <p:sp>
         <p:nvSpPr>
-          <p:cNvPr id="213" name="Google Shape;213;g18eb21b77d_0_187:notes"/>
+          <p:cNvPr id="205" name="Google Shape;205;g18eb21b77d_0_197:notes"/>
           <p:cNvSpPr txBox="1">
             <a:spLocks noGrp="1"/>
           </p:cNvSpPr>
@@ -2191,11 +2203,6 @@
         </p:txBody>
       </p:sp>
     </p:spTree>
-    <p:extLst>
-      <p:ext uri="{BB962C8B-B14F-4D97-AF65-F5344CB8AC3E}">
-        <p14:creationId xmlns:p14="http://schemas.microsoft.com/office/powerpoint/2010/main" val="1761499584"/>
-      </p:ext>
-    </p:extLst>
   </p:cSld>
   <p:clrMapOvr>
     <a:masterClrMapping/>
@@ -2208,7 +2215,7 @@
   <p:cSld>
     <p:spTree>
       <p:nvGrpSpPr>
-        <p:cNvPr id="1" name="Shape 220"/>
+        <p:cNvPr id="1" name="Shape 211"/>
         <p:cNvGrpSpPr/>
         <p:nvPr/>
       </p:nvGrpSpPr>
@@ -2222,7 +2229,7 @@
       </p:grpSpPr>
       <p:sp>
         <p:nvSpPr>
-          <p:cNvPr id="221" name="Google Shape;221;g18eb21b77d_0_177:notes"/>
+          <p:cNvPr id="212" name="Google Shape;212;g18eb21b77d_0_187:notes"/>
           <p:cNvSpPr>
             <a:spLocks noGrp="1" noRot="1" noChangeAspect="1"/>
           </p:cNvSpPr>
@@ -2263,7 +2270,7 @@
       </p:sp>
       <p:sp>
         <p:nvSpPr>
-          <p:cNvPr id="222" name="Google Shape;222;g18eb21b77d_0_177:notes"/>
+          <p:cNvPr id="213" name="Google Shape;213;g18eb21b77d_0_187:notes"/>
           <p:cNvSpPr txBox="1">
             <a:spLocks noGrp="1"/>
           </p:cNvSpPr>
@@ -2300,6 +2307,11 @@
         </p:txBody>
       </p:sp>
     </p:spTree>
+    <p:extLst>
+      <p:ext uri="{BB962C8B-B14F-4D97-AF65-F5344CB8AC3E}">
+        <p14:creationId xmlns:p14="http://schemas.microsoft.com/office/powerpoint/2010/main" val="1761499584"/>
+      </p:ext>
+    </p:extLst>
   </p:cSld>
   <p:clrMapOvr>
     <a:masterClrMapping/>
@@ -2312,7 +2324,7 @@
   <p:cSld>
     <p:spTree>
       <p:nvGrpSpPr>
-        <p:cNvPr id="1" name="Shape 230"/>
+        <p:cNvPr id="1" name="Shape 211"/>
         <p:cNvGrpSpPr/>
         <p:nvPr/>
       </p:nvGrpSpPr>
@@ -2326,7 +2338,7 @@
       </p:grpSpPr>
       <p:sp>
         <p:nvSpPr>
-          <p:cNvPr id="231" name="Google Shape;231;g18eb21b77d_0_167:notes"/>
+          <p:cNvPr id="212" name="Google Shape;212;g18eb21b77d_0_187:notes"/>
           <p:cNvSpPr>
             <a:spLocks noGrp="1" noRot="1" noChangeAspect="1"/>
           </p:cNvSpPr>
@@ -2367,7 +2379,7 @@
       </p:sp>
       <p:sp>
         <p:nvSpPr>
-          <p:cNvPr id="232" name="Google Shape;232;g18eb21b77d_0_167:notes"/>
+          <p:cNvPr id="213" name="Google Shape;213;g18eb21b77d_0_187:notes"/>
           <p:cNvSpPr txBox="1">
             <a:spLocks noGrp="1"/>
           </p:cNvSpPr>
@@ -2404,6 +2416,11 @@
         </p:txBody>
       </p:sp>
     </p:spTree>
+    <p:extLst>
+      <p:ext uri="{BB962C8B-B14F-4D97-AF65-F5344CB8AC3E}">
+        <p14:creationId xmlns:p14="http://schemas.microsoft.com/office/powerpoint/2010/main" val="2502763818"/>
+      </p:ext>
+    </p:extLst>
   </p:cSld>
   <p:clrMapOvr>
     <a:masterClrMapping/>
@@ -2416,7 +2433,7 @@
   <p:cSld>
     <p:spTree>
       <p:nvGrpSpPr>
-        <p:cNvPr id="1" name="Shape 241"/>
+        <p:cNvPr id="1" name="Shape 220"/>
         <p:cNvGrpSpPr/>
         <p:nvPr/>
       </p:nvGrpSpPr>
@@ -2430,7 +2447,7 @@
       </p:grpSpPr>
       <p:sp>
         <p:nvSpPr>
-          <p:cNvPr id="242" name="Google Shape;242;g2bfff8405_078:notes"/>
+          <p:cNvPr id="221" name="Google Shape;221;g18eb21b77d_0_177:notes"/>
           <p:cNvSpPr>
             <a:spLocks noGrp="1" noRot="1" noChangeAspect="1"/>
           </p:cNvSpPr>
@@ -2471,7 +2488,7 @@
       </p:sp>
       <p:sp>
         <p:nvSpPr>
-          <p:cNvPr id="243" name="Google Shape;243;g2bfff8405_078:notes"/>
+          <p:cNvPr id="222" name="Google Shape;222;g18eb21b77d_0_177:notes"/>
           <p:cNvSpPr txBox="1">
             <a:spLocks noGrp="1"/>
           </p:cNvSpPr>
@@ -2520,7 +2537,7 @@
   <p:cSld>
     <p:spTree>
       <p:nvGrpSpPr>
-        <p:cNvPr id="1" name="Shape 247"/>
+        <p:cNvPr id="1" name="Shape 230"/>
         <p:cNvGrpSpPr/>
         <p:nvPr/>
       </p:nvGrpSpPr>
@@ -2534,7 +2551,7 @@
       </p:grpSpPr>
       <p:sp>
         <p:nvSpPr>
-          <p:cNvPr id="248" name="Google Shape;248;g18eb21b77d_0_222:notes"/>
+          <p:cNvPr id="231" name="Google Shape;231;g18eb21b77d_0_167:notes"/>
           <p:cNvSpPr>
             <a:spLocks noGrp="1" noRot="1" noChangeAspect="1"/>
           </p:cNvSpPr>
@@ -2575,7 +2592,7 @@
       </p:sp>
       <p:sp>
         <p:nvSpPr>
-          <p:cNvPr id="249" name="Google Shape;249;g18eb21b77d_0_222:notes"/>
+          <p:cNvPr id="232" name="Google Shape;232;g18eb21b77d_0_167:notes"/>
           <p:cNvSpPr txBox="1">
             <a:spLocks noGrp="1"/>
           </p:cNvSpPr>
@@ -2624,7 +2641,7 @@
   <p:cSld>
     <p:spTree>
       <p:nvGrpSpPr>
-        <p:cNvPr id="1" name="Shape 253"/>
+        <p:cNvPr id="1" name="Shape 241"/>
         <p:cNvGrpSpPr/>
         <p:nvPr/>
       </p:nvGrpSpPr>
@@ -2638,7 +2655,7 @@
       </p:grpSpPr>
       <p:sp>
         <p:nvSpPr>
-          <p:cNvPr id="254" name="Google Shape;254;g18eb21b77d_0_217:notes"/>
+          <p:cNvPr id="242" name="Google Shape;242;g2bfff8405_078:notes"/>
           <p:cNvSpPr>
             <a:spLocks noGrp="1" noRot="1" noChangeAspect="1"/>
           </p:cNvSpPr>
@@ -2679,7 +2696,7 @@
       </p:sp>
       <p:sp>
         <p:nvSpPr>
-          <p:cNvPr id="255" name="Google Shape;255;g18eb21b77d_0_217:notes"/>
+          <p:cNvPr id="243" name="Google Shape;243;g2bfff8405_078:notes"/>
           <p:cNvSpPr txBox="1">
             <a:spLocks noGrp="1"/>
           </p:cNvSpPr>
@@ -2728,7 +2745,7 @@
   <p:cSld>
     <p:spTree>
       <p:nvGrpSpPr>
-        <p:cNvPr id="1" name="Shape 267"/>
+        <p:cNvPr id="1" name="Shape 247"/>
         <p:cNvGrpSpPr/>
         <p:nvPr/>
       </p:nvGrpSpPr>
@@ -2742,7 +2759,7 @@
       </p:grpSpPr>
       <p:sp>
         <p:nvSpPr>
-          <p:cNvPr id="268" name="Google Shape;268;g2bec3cab4_021:notes"/>
+          <p:cNvPr id="248" name="Google Shape;248;g18eb21b77d_0_222:notes"/>
           <p:cNvSpPr>
             <a:spLocks noGrp="1" noRot="1" noChangeAspect="1"/>
           </p:cNvSpPr>
@@ -2783,7 +2800,7 @@
       </p:sp>
       <p:sp>
         <p:nvSpPr>
-          <p:cNvPr id="269" name="Google Shape;269;g2bec3cab4_021:notes"/>
+          <p:cNvPr id="249" name="Google Shape;249;g18eb21b77d_0_222:notes"/>
           <p:cNvSpPr txBox="1">
             <a:spLocks noGrp="1"/>
           </p:cNvSpPr>
@@ -2936,7 +2953,7 @@
   <p:cSld>
     <p:spTree>
       <p:nvGrpSpPr>
-        <p:cNvPr id="1" name="Shape 267"/>
+        <p:cNvPr id="1" name="Shape 253"/>
         <p:cNvGrpSpPr/>
         <p:nvPr/>
       </p:nvGrpSpPr>
@@ -2950,7 +2967,7 @@
       </p:grpSpPr>
       <p:sp>
         <p:nvSpPr>
-          <p:cNvPr id="268" name="Google Shape;268;g2bec3cab4_021:notes"/>
+          <p:cNvPr id="254" name="Google Shape;254;g18eb21b77d_0_217:notes"/>
           <p:cNvSpPr>
             <a:spLocks noGrp="1" noRot="1" noChangeAspect="1"/>
           </p:cNvSpPr>
@@ -2991,7 +3008,7 @@
       </p:sp>
       <p:sp>
         <p:nvSpPr>
-          <p:cNvPr id="269" name="Google Shape;269;g2bec3cab4_021:notes"/>
+          <p:cNvPr id="255" name="Google Shape;255;g18eb21b77d_0_217:notes"/>
           <p:cNvSpPr txBox="1">
             <a:spLocks noGrp="1"/>
           </p:cNvSpPr>
@@ -3028,11 +3045,6 @@
         </p:txBody>
       </p:sp>
     </p:spTree>
-    <p:extLst>
-      <p:ext uri="{BB962C8B-B14F-4D97-AF65-F5344CB8AC3E}">
-        <p14:creationId xmlns:p14="http://schemas.microsoft.com/office/powerpoint/2010/main" val="613919264"/>
-      </p:ext>
-    </p:extLst>
   </p:cSld>
   <p:clrMapOvr>
     <a:masterClrMapping/>
@@ -3137,11 +3149,6 @@
         </p:txBody>
       </p:sp>
     </p:spTree>
-    <p:extLst>
-      <p:ext uri="{BB962C8B-B14F-4D97-AF65-F5344CB8AC3E}">
-        <p14:creationId xmlns:p14="http://schemas.microsoft.com/office/powerpoint/2010/main" val="1029360533"/>
-      </p:ext>
-    </p:extLst>
   </p:cSld>
   <p:clrMapOvr>
     <a:masterClrMapping/>
@@ -3248,7 +3255,7 @@
     </p:spTree>
     <p:extLst>
       <p:ext uri="{BB962C8B-B14F-4D97-AF65-F5344CB8AC3E}">
-        <p14:creationId xmlns:p14="http://schemas.microsoft.com/office/powerpoint/2010/main" val="3621554061"/>
+        <p14:creationId xmlns:p14="http://schemas.microsoft.com/office/powerpoint/2010/main" val="613919264"/>
       </p:ext>
     </p:extLst>
   </p:cSld>
@@ -3357,7 +3364,7 @@
     </p:spTree>
     <p:extLst>
       <p:ext uri="{BB962C8B-B14F-4D97-AF65-F5344CB8AC3E}">
-        <p14:creationId xmlns:p14="http://schemas.microsoft.com/office/powerpoint/2010/main" val="868275832"/>
+        <p14:creationId xmlns:p14="http://schemas.microsoft.com/office/powerpoint/2010/main" val="1029360533"/>
       </p:ext>
     </p:extLst>
   </p:cSld>
@@ -3372,7 +3379,7 @@
   <p:cSld>
     <p:spTree>
       <p:nvGrpSpPr>
-        <p:cNvPr id="1" name="Shape 259"/>
+        <p:cNvPr id="1" name="Shape 267"/>
         <p:cNvGrpSpPr/>
         <p:nvPr/>
       </p:nvGrpSpPr>
@@ -3386,7 +3393,7 @@
       </p:grpSpPr>
       <p:sp>
         <p:nvSpPr>
-          <p:cNvPr id="260" name="Google Shape;260;g2bec3cab4_014:notes"/>
+          <p:cNvPr id="268" name="Google Shape;268;g2bec3cab4_021:notes"/>
           <p:cNvSpPr>
             <a:spLocks noGrp="1" noRot="1" noChangeAspect="1"/>
           </p:cNvSpPr>
@@ -3427,7 +3434,7 @@
       </p:sp>
       <p:sp>
         <p:nvSpPr>
-          <p:cNvPr id="261" name="Google Shape;261;g2bec3cab4_014:notes"/>
+          <p:cNvPr id="269" name="Google Shape;269;g2bec3cab4_021:notes"/>
           <p:cNvSpPr txBox="1">
             <a:spLocks noGrp="1"/>
           </p:cNvSpPr>
@@ -3464,6 +3471,11 @@
         </p:txBody>
       </p:sp>
     </p:spTree>
+    <p:extLst>
+      <p:ext uri="{BB962C8B-B14F-4D97-AF65-F5344CB8AC3E}">
+        <p14:creationId xmlns:p14="http://schemas.microsoft.com/office/powerpoint/2010/main" val="3621554061"/>
+      </p:ext>
+    </p:extLst>
   </p:cSld>
   <p:clrMapOvr>
     <a:masterClrMapping/>
@@ -3570,7 +3582,7 @@
     </p:spTree>
     <p:extLst>
       <p:ext uri="{BB962C8B-B14F-4D97-AF65-F5344CB8AC3E}">
-        <p14:creationId xmlns:p14="http://schemas.microsoft.com/office/powerpoint/2010/main" val="3076819359"/>
+        <p14:creationId xmlns:p14="http://schemas.microsoft.com/office/powerpoint/2010/main" val="868275832"/>
       </p:ext>
     </p:extLst>
   </p:cSld>
@@ -3585,7 +3597,7 @@
   <p:cSld>
     <p:spTree>
       <p:nvGrpSpPr>
-        <p:cNvPr id="1" name="Shape 267"/>
+        <p:cNvPr id="1" name="Shape 259"/>
         <p:cNvGrpSpPr/>
         <p:nvPr/>
       </p:nvGrpSpPr>
@@ -3599,7 +3611,7 @@
       </p:grpSpPr>
       <p:sp>
         <p:nvSpPr>
-          <p:cNvPr id="268" name="Google Shape;268;g2bec3cab4_021:notes"/>
+          <p:cNvPr id="260" name="Google Shape;260;g2bec3cab4_014:notes"/>
           <p:cNvSpPr>
             <a:spLocks noGrp="1" noRot="1" noChangeAspect="1"/>
           </p:cNvSpPr>
@@ -3640,7 +3652,7 @@
       </p:sp>
       <p:sp>
         <p:nvSpPr>
-          <p:cNvPr id="269" name="Google Shape;269;g2bec3cab4_021:notes"/>
+          <p:cNvPr id="261" name="Google Shape;261;g2bec3cab4_014:notes"/>
           <p:cNvSpPr txBox="1">
             <a:spLocks noGrp="1"/>
           </p:cNvSpPr>
@@ -3677,11 +3689,6 @@
         </p:txBody>
       </p:sp>
     </p:spTree>
-    <p:extLst>
-      <p:ext uri="{BB962C8B-B14F-4D97-AF65-F5344CB8AC3E}">
-        <p14:creationId xmlns:p14="http://schemas.microsoft.com/office/powerpoint/2010/main" val="1075968681"/>
-      </p:ext>
-    </p:extLst>
   </p:cSld>
   <p:clrMapOvr>
     <a:masterClrMapping/>
@@ -3788,7 +3795,7 @@
     </p:spTree>
     <p:extLst>
       <p:ext uri="{BB962C8B-B14F-4D97-AF65-F5344CB8AC3E}">
-        <p14:creationId xmlns:p14="http://schemas.microsoft.com/office/powerpoint/2010/main" val="1174912738"/>
+        <p14:creationId xmlns:p14="http://schemas.microsoft.com/office/powerpoint/2010/main" val="3076819359"/>
       </p:ext>
     </p:extLst>
   </p:cSld>
@@ -3803,7 +3810,7 @@
   <p:cSld>
     <p:spTree>
       <p:nvGrpSpPr>
-        <p:cNvPr id="1" name="Shape 259"/>
+        <p:cNvPr id="1" name="Shape 267"/>
         <p:cNvGrpSpPr/>
         <p:nvPr/>
       </p:nvGrpSpPr>
@@ -3817,7 +3824,7 @@
       </p:grpSpPr>
       <p:sp>
         <p:nvSpPr>
-          <p:cNvPr id="260" name="Google Shape;260;g2bec3cab4_014:notes"/>
+          <p:cNvPr id="268" name="Google Shape;268;g2bec3cab4_021:notes"/>
           <p:cNvSpPr>
             <a:spLocks noGrp="1" noRot="1" noChangeAspect="1"/>
           </p:cNvSpPr>
@@ -3858,7 +3865,7 @@
       </p:sp>
       <p:sp>
         <p:nvSpPr>
-          <p:cNvPr id="261" name="Google Shape;261;g2bec3cab4_014:notes"/>
+          <p:cNvPr id="269" name="Google Shape;269;g2bec3cab4_021:notes"/>
           <p:cNvSpPr txBox="1">
             <a:spLocks noGrp="1"/>
           </p:cNvSpPr>
@@ -3897,7 +3904,7 @@
     </p:spTree>
     <p:extLst>
       <p:ext uri="{BB962C8B-B14F-4D97-AF65-F5344CB8AC3E}">
-        <p14:creationId xmlns:p14="http://schemas.microsoft.com/office/powerpoint/2010/main" val="2830476836"/>
+        <p14:creationId xmlns:p14="http://schemas.microsoft.com/office/powerpoint/2010/main" val="1075968681"/>
       </p:ext>
     </p:extLst>
   </p:cSld>
@@ -4006,7 +4013,7 @@
     </p:spTree>
     <p:extLst>
       <p:ext uri="{BB962C8B-B14F-4D97-AF65-F5344CB8AC3E}">
-        <p14:creationId xmlns:p14="http://schemas.microsoft.com/office/powerpoint/2010/main" val="2012820248"/>
+        <p14:creationId xmlns:p14="http://schemas.microsoft.com/office/powerpoint/2010/main" val="1174912738"/>
       </p:ext>
     </p:extLst>
   </p:cSld>
@@ -4125,7 +4132,7 @@
   <p:cSld>
     <p:spTree>
       <p:nvGrpSpPr>
-        <p:cNvPr id="1" name="Shape 267"/>
+        <p:cNvPr id="1" name="Shape 259"/>
         <p:cNvGrpSpPr/>
         <p:nvPr/>
       </p:nvGrpSpPr>
@@ -4139,7 +4146,7 @@
       </p:grpSpPr>
       <p:sp>
         <p:nvSpPr>
-          <p:cNvPr id="268" name="Google Shape;268;g2bec3cab4_021:notes"/>
+          <p:cNvPr id="260" name="Google Shape;260;g2bec3cab4_014:notes"/>
           <p:cNvSpPr>
             <a:spLocks noGrp="1" noRot="1" noChangeAspect="1"/>
           </p:cNvSpPr>
@@ -4180,7 +4187,7 @@
       </p:sp>
       <p:sp>
         <p:nvSpPr>
-          <p:cNvPr id="269" name="Google Shape;269;g2bec3cab4_021:notes"/>
+          <p:cNvPr id="261" name="Google Shape;261;g2bec3cab4_014:notes"/>
           <p:cNvSpPr txBox="1">
             <a:spLocks noGrp="1"/>
           </p:cNvSpPr>
@@ -4219,7 +4226,7 @@
     </p:spTree>
     <p:extLst>
       <p:ext uri="{BB962C8B-B14F-4D97-AF65-F5344CB8AC3E}">
-        <p14:creationId xmlns:p14="http://schemas.microsoft.com/office/powerpoint/2010/main" val="622992528"/>
+        <p14:creationId xmlns:p14="http://schemas.microsoft.com/office/powerpoint/2010/main" val="2830476836"/>
       </p:ext>
     </p:extLst>
   </p:cSld>
@@ -4328,7 +4335,7 @@
     </p:spTree>
     <p:extLst>
       <p:ext uri="{BB962C8B-B14F-4D97-AF65-F5344CB8AC3E}">
-        <p14:creationId xmlns:p14="http://schemas.microsoft.com/office/powerpoint/2010/main" val="1862975749"/>
+        <p14:creationId xmlns:p14="http://schemas.microsoft.com/office/powerpoint/2010/main" val="2012820248"/>
       </p:ext>
     </p:extLst>
   </p:cSld>
@@ -4437,7 +4444,7 @@
     </p:spTree>
     <p:extLst>
       <p:ext uri="{BB962C8B-B14F-4D97-AF65-F5344CB8AC3E}">
-        <p14:creationId xmlns:p14="http://schemas.microsoft.com/office/powerpoint/2010/main" val="995242391"/>
+        <p14:creationId xmlns:p14="http://schemas.microsoft.com/office/powerpoint/2010/main" val="622992528"/>
       </p:ext>
     </p:extLst>
   </p:cSld>
@@ -4546,7 +4553,7 @@
     </p:spTree>
     <p:extLst>
       <p:ext uri="{BB962C8B-B14F-4D97-AF65-F5344CB8AC3E}">
-        <p14:creationId xmlns:p14="http://schemas.microsoft.com/office/powerpoint/2010/main" val="1892160654"/>
+        <p14:creationId xmlns:p14="http://schemas.microsoft.com/office/powerpoint/2010/main" val="1862975749"/>
       </p:ext>
     </p:extLst>
   </p:cSld>
@@ -4655,7 +4662,7 @@
     </p:spTree>
     <p:extLst>
       <p:ext uri="{BB962C8B-B14F-4D97-AF65-F5344CB8AC3E}">
-        <p14:creationId xmlns:p14="http://schemas.microsoft.com/office/powerpoint/2010/main" val="1135465642"/>
+        <p14:creationId xmlns:p14="http://schemas.microsoft.com/office/powerpoint/2010/main" val="995242391"/>
       </p:ext>
     </p:extLst>
   </p:cSld>
@@ -4764,7 +4771,7 @@
     </p:spTree>
     <p:extLst>
       <p:ext uri="{BB962C8B-B14F-4D97-AF65-F5344CB8AC3E}">
-        <p14:creationId xmlns:p14="http://schemas.microsoft.com/office/powerpoint/2010/main" val="1584082183"/>
+        <p14:creationId xmlns:p14="http://schemas.microsoft.com/office/powerpoint/2010/main" val="1892160654"/>
       </p:ext>
     </p:extLst>
   </p:cSld>
@@ -4873,7 +4880,7 @@
     </p:spTree>
     <p:extLst>
       <p:ext uri="{BB962C8B-B14F-4D97-AF65-F5344CB8AC3E}">
-        <p14:creationId xmlns:p14="http://schemas.microsoft.com/office/powerpoint/2010/main" val="3149443652"/>
+        <p14:creationId xmlns:p14="http://schemas.microsoft.com/office/powerpoint/2010/main" val="1135465642"/>
       </p:ext>
     </p:extLst>
   </p:cSld>
@@ -4982,7 +4989,7 @@
     </p:spTree>
     <p:extLst>
       <p:ext uri="{BB962C8B-B14F-4D97-AF65-F5344CB8AC3E}">
-        <p14:creationId xmlns:p14="http://schemas.microsoft.com/office/powerpoint/2010/main" val="330527751"/>
+        <p14:creationId xmlns:p14="http://schemas.microsoft.com/office/powerpoint/2010/main" val="1584082183"/>
       </p:ext>
     </p:extLst>
   </p:cSld>
@@ -5091,7 +5098,7 @@
     </p:spTree>
     <p:extLst>
       <p:ext uri="{BB962C8B-B14F-4D97-AF65-F5344CB8AC3E}">
-        <p14:creationId xmlns:p14="http://schemas.microsoft.com/office/powerpoint/2010/main" val="195899564"/>
+        <p14:creationId xmlns:p14="http://schemas.microsoft.com/office/powerpoint/2010/main" val="3149443652"/>
       </p:ext>
     </p:extLst>
   </p:cSld>
@@ -5200,7 +5207,7 @@
     </p:spTree>
     <p:extLst>
       <p:ext uri="{BB962C8B-B14F-4D97-AF65-F5344CB8AC3E}">
-        <p14:creationId xmlns:p14="http://schemas.microsoft.com/office/powerpoint/2010/main" val="447812835"/>
+        <p14:creationId xmlns:p14="http://schemas.microsoft.com/office/powerpoint/2010/main" val="330527751"/>
       </p:ext>
     </p:extLst>
   </p:cSld>
@@ -5319,7 +5326,7 @@
   <p:cSld>
     <p:spTree>
       <p:nvGrpSpPr>
-        <p:cNvPr id="1" name="Shape 320"/>
+        <p:cNvPr id="1" name="Shape 267"/>
         <p:cNvGrpSpPr/>
         <p:nvPr/>
       </p:nvGrpSpPr>
@@ -5333,7 +5340,7 @@
       </p:grpSpPr>
       <p:sp>
         <p:nvSpPr>
-          <p:cNvPr id="321" name="Google Shape;321;g2bfff8405_0128:notes"/>
+          <p:cNvPr id="268" name="Google Shape;268;g2bec3cab4_021:notes"/>
           <p:cNvSpPr>
             <a:spLocks noGrp="1" noRot="1" noChangeAspect="1"/>
           </p:cNvSpPr>
@@ -5374,7 +5381,7 @@
       </p:sp>
       <p:sp>
         <p:nvSpPr>
-          <p:cNvPr id="322" name="Google Shape;322;g2bfff8405_0128:notes"/>
+          <p:cNvPr id="269" name="Google Shape;269;g2bec3cab4_021:notes"/>
           <p:cNvSpPr txBox="1">
             <a:spLocks noGrp="1"/>
           </p:cNvSpPr>
@@ -5411,6 +5418,11 @@
         </p:txBody>
       </p:sp>
     </p:spTree>
+    <p:extLst>
+      <p:ext uri="{BB962C8B-B14F-4D97-AF65-F5344CB8AC3E}">
+        <p14:creationId xmlns:p14="http://schemas.microsoft.com/office/powerpoint/2010/main" val="195899564"/>
+      </p:ext>
+    </p:extLst>
   </p:cSld>
   <p:clrMapOvr>
     <a:masterClrMapping/>
@@ -5423,7 +5435,7 @@
   <p:cSld>
     <p:spTree>
       <p:nvGrpSpPr>
-        <p:cNvPr id="1" name="Shape 326"/>
+        <p:cNvPr id="1" name="Shape 267"/>
         <p:cNvGrpSpPr/>
         <p:nvPr/>
       </p:nvGrpSpPr>
@@ -5437,7 +5449,7 @@
       </p:grpSpPr>
       <p:sp>
         <p:nvSpPr>
-          <p:cNvPr id="327" name="Google Shape;327;g1dd659cad_078:notes"/>
+          <p:cNvPr id="268" name="Google Shape;268;g2bec3cab4_021:notes"/>
           <p:cNvSpPr>
             <a:spLocks noGrp="1" noRot="1" noChangeAspect="1"/>
           </p:cNvSpPr>
@@ -5478,7 +5490,7 @@
       </p:sp>
       <p:sp>
         <p:nvSpPr>
-          <p:cNvPr id="328" name="Google Shape;328;g1dd659cad_078:notes"/>
+          <p:cNvPr id="269" name="Google Shape;269;g2bec3cab4_021:notes"/>
           <p:cNvSpPr txBox="1">
             <a:spLocks noGrp="1"/>
           </p:cNvSpPr>
@@ -5515,6 +5527,11 @@
         </p:txBody>
       </p:sp>
     </p:spTree>
+    <p:extLst>
+      <p:ext uri="{BB962C8B-B14F-4D97-AF65-F5344CB8AC3E}">
+        <p14:creationId xmlns:p14="http://schemas.microsoft.com/office/powerpoint/2010/main" val="447812835"/>
+      </p:ext>
+    </p:extLst>
   </p:cSld>
   <p:clrMapOvr>
     <a:masterClrMapping/>
@@ -5527,7 +5544,7 @@
   <p:cSld>
     <p:spTree>
       <p:nvGrpSpPr>
-        <p:cNvPr id="1" name="Shape 326"/>
+        <p:cNvPr id="1" name="Shape 320"/>
         <p:cNvGrpSpPr/>
         <p:nvPr/>
       </p:nvGrpSpPr>
@@ -5541,7 +5558,7 @@
       </p:grpSpPr>
       <p:sp>
         <p:nvSpPr>
-          <p:cNvPr id="327" name="Google Shape;327;g1dd659cad_078:notes"/>
+          <p:cNvPr id="321" name="Google Shape;321;g2bfff8405_0128:notes"/>
           <p:cNvSpPr>
             <a:spLocks noGrp="1" noRot="1" noChangeAspect="1"/>
           </p:cNvSpPr>
@@ -5582,7 +5599,7 @@
       </p:sp>
       <p:sp>
         <p:nvSpPr>
-          <p:cNvPr id="328" name="Google Shape;328;g1dd659cad_078:notes"/>
+          <p:cNvPr id="322" name="Google Shape;322;g2bfff8405_0128:notes"/>
           <p:cNvSpPr txBox="1">
             <a:spLocks noGrp="1"/>
           </p:cNvSpPr>
@@ -5619,11 +5636,6 @@
         </p:txBody>
       </p:sp>
     </p:spTree>
-    <p:extLst>
-      <p:ext uri="{BB962C8B-B14F-4D97-AF65-F5344CB8AC3E}">
-        <p14:creationId xmlns:p14="http://schemas.microsoft.com/office/powerpoint/2010/main" val="3608035711"/>
-      </p:ext>
-    </p:extLst>
   </p:cSld>
   <p:clrMapOvr>
     <a:masterClrMapping/>
@@ -5728,11 +5740,6 @@
         </p:txBody>
       </p:sp>
     </p:spTree>
-    <p:extLst>
-      <p:ext uri="{BB962C8B-B14F-4D97-AF65-F5344CB8AC3E}">
-        <p14:creationId xmlns:p14="http://schemas.microsoft.com/office/powerpoint/2010/main" val="379731489"/>
-      </p:ext>
-    </p:extLst>
   </p:cSld>
   <p:clrMapOvr>
     <a:masterClrMapping/>
@@ -5839,7 +5846,7 @@
     </p:spTree>
     <p:extLst>
       <p:ext uri="{BB962C8B-B14F-4D97-AF65-F5344CB8AC3E}">
-        <p14:creationId xmlns:p14="http://schemas.microsoft.com/office/powerpoint/2010/main" val="3594537089"/>
+        <p14:creationId xmlns:p14="http://schemas.microsoft.com/office/powerpoint/2010/main" val="3608035711"/>
       </p:ext>
     </p:extLst>
   </p:cSld>
@@ -5854,7 +5861,7 @@
   <p:cSld>
     <p:spTree>
       <p:nvGrpSpPr>
-        <p:cNvPr id="1" name="Shape 332"/>
+        <p:cNvPr id="1" name="Shape 326"/>
         <p:cNvGrpSpPr/>
         <p:nvPr/>
       </p:nvGrpSpPr>
@@ -5868,7 +5875,7 @@
       </p:grpSpPr>
       <p:sp>
         <p:nvSpPr>
-          <p:cNvPr id="333" name="Google Shape;333;g2bec3cab4_034:notes"/>
+          <p:cNvPr id="327" name="Google Shape;327;g1dd659cad_078:notes"/>
           <p:cNvSpPr>
             <a:spLocks noGrp="1" noRot="1" noChangeAspect="1"/>
           </p:cNvSpPr>
@@ -5909,7 +5916,7 @@
       </p:sp>
       <p:sp>
         <p:nvSpPr>
-          <p:cNvPr id="334" name="Google Shape;334;g2bec3cab4_034:notes"/>
+          <p:cNvPr id="328" name="Google Shape;328;g1dd659cad_078:notes"/>
           <p:cNvSpPr txBox="1">
             <a:spLocks noGrp="1"/>
           </p:cNvSpPr>
@@ -5946,6 +5953,11 @@
         </p:txBody>
       </p:sp>
     </p:spTree>
+    <p:extLst>
+      <p:ext uri="{BB962C8B-B14F-4D97-AF65-F5344CB8AC3E}">
+        <p14:creationId xmlns:p14="http://schemas.microsoft.com/office/powerpoint/2010/main" val="379731489"/>
+      </p:ext>
+    </p:extLst>
   </p:cSld>
   <p:clrMapOvr>
     <a:masterClrMapping/>
@@ -5958,7 +5970,7 @@
   <p:cSld>
     <p:spTree>
       <p:nvGrpSpPr>
-        <p:cNvPr id="1" name="Shape 338"/>
+        <p:cNvPr id="1" name="Shape 326"/>
         <p:cNvGrpSpPr/>
         <p:nvPr/>
       </p:nvGrpSpPr>
@@ -5972,7 +5984,7 @@
       </p:grpSpPr>
       <p:sp>
         <p:nvSpPr>
-          <p:cNvPr id="339" name="Google Shape;339;g18eb21b77d_0_301:notes"/>
+          <p:cNvPr id="327" name="Google Shape;327;g1dd659cad_078:notes"/>
           <p:cNvSpPr>
             <a:spLocks noGrp="1" noRot="1" noChangeAspect="1"/>
           </p:cNvSpPr>
@@ -6013,7 +6025,116 @@
       </p:sp>
       <p:sp>
         <p:nvSpPr>
-          <p:cNvPr id="340" name="Google Shape;340;g18eb21b77d_0_301:notes"/>
+          <p:cNvPr id="328" name="Google Shape;328;g1dd659cad_078:notes"/>
+          <p:cNvSpPr txBox="1">
+            <a:spLocks noGrp="1"/>
+          </p:cNvSpPr>
+          <p:nvPr>
+            <p:ph type="body" idx="1"/>
+          </p:nvPr>
+        </p:nvSpPr>
+        <p:spPr>
+          <a:xfrm>
+            <a:off x="685800" y="4343400"/>
+            <a:ext cx="5486400" cy="4114800"/>
+          </a:xfrm>
+          <a:prstGeom prst="rect">
+            <a:avLst/>
+          </a:prstGeom>
+        </p:spPr>
+        <p:txBody>
+          <a:bodyPr spcFirstLastPara="1" wrap="square" lIns="91425" tIns="91425" rIns="91425" bIns="91425" anchor="t" anchorCtr="0">
+            <a:noAutofit/>
+          </a:bodyPr>
+          <a:lstStyle/>
+          <a:p>
+            <a:pPr marL="0" lvl="0" indent="0" algn="l" rtl="0">
+              <a:spcBef>
+                <a:spcPts val="0"/>
+              </a:spcBef>
+              <a:spcAft>
+                <a:spcPts val="0"/>
+              </a:spcAft>
+              <a:buNone/>
+            </a:pPr>
+            <a:endParaRPr/>
+          </a:p>
+        </p:txBody>
+      </p:sp>
+    </p:spTree>
+    <p:extLst>
+      <p:ext uri="{BB962C8B-B14F-4D97-AF65-F5344CB8AC3E}">
+        <p14:creationId xmlns:p14="http://schemas.microsoft.com/office/powerpoint/2010/main" val="3594537089"/>
+      </p:ext>
+    </p:extLst>
+  </p:cSld>
+  <p:clrMapOvr>
+    <a:masterClrMapping/>
+  </p:clrMapOvr>
+</p:notes>
+</file>
+
+<file path=ppt/notesSlides/notesSlide57.xml><?xml version="1.0" encoding="utf-8"?>
+<p:notes xmlns:a="http://schemas.openxmlformats.org/drawingml/2006/main" xmlns:r="http://schemas.openxmlformats.org/officeDocument/2006/relationships" xmlns:p="http://schemas.openxmlformats.org/presentationml/2006/main" showMasterSp="0" showMasterPhAnim="0">
+  <p:cSld>
+    <p:spTree>
+      <p:nvGrpSpPr>
+        <p:cNvPr id="1" name="Shape 332"/>
+        <p:cNvGrpSpPr/>
+        <p:nvPr/>
+      </p:nvGrpSpPr>
+      <p:grpSpPr>
+        <a:xfrm>
+          <a:off x="0" y="0"/>
+          <a:ext cx="0" cy="0"/>
+          <a:chOff x="0" y="0"/>
+          <a:chExt cx="0" cy="0"/>
+        </a:xfrm>
+      </p:grpSpPr>
+      <p:sp>
+        <p:nvSpPr>
+          <p:cNvPr id="333" name="Google Shape;333;g2bec3cab4_034:notes"/>
+          <p:cNvSpPr>
+            <a:spLocks noGrp="1" noRot="1" noChangeAspect="1"/>
+          </p:cNvSpPr>
+          <p:nvPr>
+            <p:ph type="sldImg" idx="2"/>
+          </p:nvPr>
+        </p:nvSpPr>
+        <p:spPr>
+          <a:xfrm>
+            <a:off x="381000" y="685800"/>
+            <a:ext cx="6096000" cy="3429000"/>
+          </a:xfrm>
+          <a:custGeom>
+            <a:avLst/>
+            <a:gdLst/>
+            <a:ahLst/>
+            <a:cxnLst/>
+            <a:rect l="l" t="t" r="r" b="b"/>
+            <a:pathLst>
+              <a:path w="120000" h="120000" extrusionOk="0">
+                <a:moveTo>
+                  <a:pt x="0" y="0"/>
+                </a:moveTo>
+                <a:lnTo>
+                  <a:pt x="120000" y="0"/>
+                </a:lnTo>
+                <a:lnTo>
+                  <a:pt x="120000" y="120000"/>
+                </a:lnTo>
+                <a:lnTo>
+                  <a:pt x="0" y="120000"/>
+                </a:lnTo>
+                <a:close/>
+              </a:path>
+            </a:pathLst>
+          </a:custGeom>
+        </p:spPr>
+      </p:sp>
+      <p:sp>
+        <p:nvSpPr>
+          <p:cNvPr id="334" name="Google Shape;334;g2bec3cab4_034:notes"/>
           <p:cNvSpPr txBox="1">
             <a:spLocks noGrp="1"/>
           </p:cNvSpPr>
@@ -6057,7 +6178,111 @@
 </p:notes>
 </file>
 
-<file path=ppt/notesSlides/notesSlide57.xml><?xml version="1.0" encoding="utf-8"?>
+<file path=ppt/notesSlides/notesSlide58.xml><?xml version="1.0" encoding="utf-8"?>
+<p:notes xmlns:a="http://schemas.openxmlformats.org/drawingml/2006/main" xmlns:r="http://schemas.openxmlformats.org/officeDocument/2006/relationships" xmlns:p="http://schemas.openxmlformats.org/presentationml/2006/main" showMasterSp="0" showMasterPhAnim="0">
+  <p:cSld>
+    <p:spTree>
+      <p:nvGrpSpPr>
+        <p:cNvPr id="1" name="Shape 338"/>
+        <p:cNvGrpSpPr/>
+        <p:nvPr/>
+      </p:nvGrpSpPr>
+      <p:grpSpPr>
+        <a:xfrm>
+          <a:off x="0" y="0"/>
+          <a:ext cx="0" cy="0"/>
+          <a:chOff x="0" y="0"/>
+          <a:chExt cx="0" cy="0"/>
+        </a:xfrm>
+      </p:grpSpPr>
+      <p:sp>
+        <p:nvSpPr>
+          <p:cNvPr id="339" name="Google Shape;339;g18eb21b77d_0_301:notes"/>
+          <p:cNvSpPr>
+            <a:spLocks noGrp="1" noRot="1" noChangeAspect="1"/>
+          </p:cNvSpPr>
+          <p:nvPr>
+            <p:ph type="sldImg" idx="2"/>
+          </p:nvPr>
+        </p:nvSpPr>
+        <p:spPr>
+          <a:xfrm>
+            <a:off x="381000" y="685800"/>
+            <a:ext cx="6096000" cy="3429000"/>
+          </a:xfrm>
+          <a:custGeom>
+            <a:avLst/>
+            <a:gdLst/>
+            <a:ahLst/>
+            <a:cxnLst/>
+            <a:rect l="l" t="t" r="r" b="b"/>
+            <a:pathLst>
+              <a:path w="120000" h="120000" extrusionOk="0">
+                <a:moveTo>
+                  <a:pt x="0" y="0"/>
+                </a:moveTo>
+                <a:lnTo>
+                  <a:pt x="120000" y="0"/>
+                </a:lnTo>
+                <a:lnTo>
+                  <a:pt x="120000" y="120000"/>
+                </a:lnTo>
+                <a:lnTo>
+                  <a:pt x="0" y="120000"/>
+                </a:lnTo>
+                <a:close/>
+              </a:path>
+            </a:pathLst>
+          </a:custGeom>
+        </p:spPr>
+      </p:sp>
+      <p:sp>
+        <p:nvSpPr>
+          <p:cNvPr id="340" name="Google Shape;340;g18eb21b77d_0_301:notes"/>
+          <p:cNvSpPr txBox="1">
+            <a:spLocks noGrp="1"/>
+          </p:cNvSpPr>
+          <p:nvPr>
+            <p:ph type="body" idx="1"/>
+          </p:nvPr>
+        </p:nvSpPr>
+        <p:spPr>
+          <a:xfrm>
+            <a:off x="685800" y="4343400"/>
+            <a:ext cx="5486400" cy="4114800"/>
+          </a:xfrm>
+          <a:prstGeom prst="rect">
+            <a:avLst/>
+          </a:prstGeom>
+        </p:spPr>
+        <p:txBody>
+          <a:bodyPr spcFirstLastPara="1" wrap="square" lIns="91425" tIns="91425" rIns="91425" bIns="91425" anchor="t" anchorCtr="0">
+            <a:noAutofit/>
+          </a:bodyPr>
+          <a:lstStyle/>
+          <a:p>
+            <a:pPr marL="0" lvl="0" indent="0" algn="l" rtl="0">
+              <a:spcBef>
+                <a:spcPts val="0"/>
+              </a:spcBef>
+              <a:spcAft>
+                <a:spcPts val="0"/>
+              </a:spcAft>
+              <a:buNone/>
+            </a:pPr>
+            <a:endParaRPr/>
+          </a:p>
+        </p:txBody>
+      </p:sp>
+    </p:spTree>
+  </p:cSld>
+  <p:clrMapOvr>
+    <a:masterClrMapping/>
+  </p:clrMapOvr>
+</p:notes>
+</file>
+
+<file path=ppt/notesSlides/notesSlide59.xml><?xml version="1.0" encoding="utf-8"?>
 <p:notes xmlns:a="http://schemas.openxmlformats.org/drawingml/2006/main" xmlns:r="http://schemas.openxmlformats.org/officeDocument/2006/relationships" xmlns:p="http://schemas.openxmlformats.org/presentationml/2006/main" showMasterSp="0" showMasterPhAnim="0">
   <p:cSld>
     <p:spTree>
@@ -6801,7 +7026,7 @@
           <a:p>
             <a:fld id="{42BD1637-0D27-F54B-A3CE-C829B5942E2D}" type="datetimeFigureOut">
               <a:rPr lang="en-US" smtClean="0"/>
-              <a:t>11/13/23</a:t>
+              <a:t>11/14/23</a:t>
             </a:fld>
             <a:endParaRPr lang="en-US"/>
           </a:p>
@@ -6971,7 +7196,7 @@
           <a:p>
             <a:fld id="{42BD1637-0D27-F54B-A3CE-C829B5942E2D}" type="datetimeFigureOut">
               <a:rPr lang="en-US" smtClean="0"/>
-              <a:t>11/13/23</a:t>
+              <a:t>11/14/23</a:t>
             </a:fld>
             <a:endParaRPr lang="en-US"/>
           </a:p>
@@ -7151,7 +7376,7 @@
           <a:p>
             <a:fld id="{42BD1637-0D27-F54B-A3CE-C829B5942E2D}" type="datetimeFigureOut">
               <a:rPr lang="en-US" smtClean="0"/>
-              <a:t>11/13/23</a:t>
+              <a:t>11/14/23</a:t>
             </a:fld>
             <a:endParaRPr lang="en-US"/>
           </a:p>
@@ -8744,7 +8969,7 @@
           <a:p>
             <a:fld id="{42BD1637-0D27-F54B-A3CE-C829B5942E2D}" type="datetimeFigureOut">
               <a:rPr lang="en-US" smtClean="0"/>
-              <a:t>11/13/23</a:t>
+              <a:t>11/14/23</a:t>
             </a:fld>
             <a:endParaRPr lang="en-US"/>
           </a:p>
@@ -8998,7 +9223,7 @@
           <a:p>
             <a:fld id="{42BD1637-0D27-F54B-A3CE-C829B5942E2D}" type="datetimeFigureOut">
               <a:rPr lang="en-US" smtClean="0"/>
-              <a:t>11/13/23</a:t>
+              <a:t>11/14/23</a:t>
             </a:fld>
             <a:endParaRPr lang="en-US"/>
           </a:p>
@@ -9286,7 +9511,7 @@
           <a:p>
             <a:fld id="{42BD1637-0D27-F54B-A3CE-C829B5942E2D}" type="datetimeFigureOut">
               <a:rPr lang="en-US" smtClean="0"/>
-              <a:t>11/13/23</a:t>
+              <a:t>11/14/23</a:t>
             </a:fld>
             <a:endParaRPr lang="en-US"/>
           </a:p>
@@ -9728,7 +9953,7 @@
           <a:p>
             <a:fld id="{42BD1637-0D27-F54B-A3CE-C829B5942E2D}" type="datetimeFigureOut">
               <a:rPr lang="en-US" smtClean="0"/>
-              <a:t>11/13/23</a:t>
+              <a:t>11/14/23</a:t>
             </a:fld>
             <a:endParaRPr lang="en-US"/>
           </a:p>
@@ -9846,7 +10071,7 @@
           <a:p>
             <a:fld id="{42BD1637-0D27-F54B-A3CE-C829B5942E2D}" type="datetimeFigureOut">
               <a:rPr lang="en-US" smtClean="0"/>
-              <a:t>11/13/23</a:t>
+              <a:t>11/14/23</a:t>
             </a:fld>
             <a:endParaRPr lang="en-US"/>
           </a:p>
@@ -9941,7 +10166,7 @@
           <a:p>
             <a:fld id="{42BD1637-0D27-F54B-A3CE-C829B5942E2D}" type="datetimeFigureOut">
               <a:rPr lang="en-US" smtClean="0"/>
-              <a:t>11/13/23</a:t>
+              <a:t>11/14/23</a:t>
             </a:fld>
             <a:endParaRPr lang="en-US"/>
           </a:p>
@@ -10229,7 +10454,7 @@
           <a:p>
             <a:fld id="{42BD1637-0D27-F54B-A3CE-C829B5942E2D}" type="datetimeFigureOut">
               <a:rPr lang="en-US" smtClean="0"/>
-              <a:t>11/13/23</a:t>
+              <a:t>11/14/23</a:t>
             </a:fld>
             <a:endParaRPr lang="en-US"/>
           </a:p>
@@ -10502,7 +10727,7 @@
           <a:p>
             <a:fld id="{42BD1637-0D27-F54B-A3CE-C829B5942E2D}" type="datetimeFigureOut">
               <a:rPr lang="en-US" smtClean="0"/>
-              <a:t>11/13/23</a:t>
+              <a:t>11/14/23</a:t>
             </a:fld>
             <a:endParaRPr lang="en-US"/>
           </a:p>
@@ -10799,7 +11024,7 @@
           <a:p>
             <a:fld id="{42BD1637-0D27-F54B-A3CE-C829B5942E2D}" type="datetimeFigureOut">
               <a:rPr lang="en-US" smtClean="0"/>
-              <a:t>11/13/23</a:t>
+              <a:t>11/14/23</a:t>
             </a:fld>
             <a:endParaRPr lang="en-US"/>
           </a:p>
@@ -16434,6 +16659,858 @@
   <p:cSld>
     <p:spTree>
       <p:nvGrpSpPr>
+        <p:cNvPr id="1" name="Shape 177"/>
+        <p:cNvGrpSpPr/>
+        <p:nvPr/>
+      </p:nvGrpSpPr>
+      <p:grpSpPr>
+        <a:xfrm>
+          <a:off x="0" y="0"/>
+          <a:ext cx="0" cy="0"/>
+          <a:chOff x="0" y="0"/>
+          <a:chExt cx="0" cy="0"/>
+        </a:xfrm>
+      </p:grpSpPr>
+      <p:sp>
+        <p:nvSpPr>
+          <p:cNvPr id="178" name="Google Shape;178;p34"/>
+          <p:cNvSpPr txBox="1">
+            <a:spLocks noGrp="1"/>
+          </p:cNvSpPr>
+          <p:nvPr>
+            <p:ph type="title"/>
+          </p:nvPr>
+        </p:nvSpPr>
+        <p:spPr>
+          <a:xfrm>
+            <a:off x="1981200" y="-12"/>
+            <a:ext cx="8229600" cy="1143000"/>
+          </a:xfrm>
+          <a:prstGeom prst="rect">
+            <a:avLst/>
+          </a:prstGeom>
+        </p:spPr>
+        <p:txBody>
+          <a:bodyPr spcFirstLastPara="1" wrap="square" lIns="91425" tIns="91425" rIns="91425" bIns="91425" anchor="b" anchorCtr="0">
+            <a:noAutofit/>
+          </a:bodyPr>
+          <a:lstStyle/>
+          <a:p>
+            <a:r>
+              <a:rPr lang="en">
+                <a:solidFill>
+                  <a:schemeClr val="accent1"/>
+                </a:solidFill>
+              </a:rPr>
+              <a:t>Practice</a:t>
+            </a:r>
+            <a:endParaRPr baseline="30000">
+              <a:solidFill>
+                <a:schemeClr val="accent1"/>
+              </a:solidFill>
+            </a:endParaRPr>
+          </a:p>
+        </p:txBody>
+      </p:sp>
+      <p:sp>
+        <p:nvSpPr>
+          <p:cNvPr id="179" name="Google Shape;179;p34"/>
+          <p:cNvSpPr txBox="1">
+            <a:spLocks noGrp="1"/>
+          </p:cNvSpPr>
+          <p:nvPr>
+            <p:ph type="body" idx="1"/>
+          </p:nvPr>
+        </p:nvSpPr>
+        <p:spPr>
+          <a:xfrm flipH="1">
+            <a:off x="1981075" y="1305775"/>
+            <a:ext cx="7822200" cy="4845000"/>
+          </a:xfrm>
+          <a:prstGeom prst="rect">
+            <a:avLst/>
+          </a:prstGeom>
+        </p:spPr>
+        <p:txBody>
+          <a:bodyPr spcFirstLastPara="1" wrap="square" lIns="91425" tIns="91425" rIns="91425" bIns="91425" anchor="t" anchorCtr="0">
+            <a:noAutofit/>
+          </a:bodyPr>
+          <a:lstStyle/>
+          <a:p>
+            <a:pPr marL="0" indent="0">
+              <a:lnSpc>
+                <a:spcPct val="115000"/>
+              </a:lnSpc>
+              <a:spcBef>
+                <a:spcPts val="0"/>
+              </a:spcBef>
+              <a:buSzPts val="1100"/>
+              <a:buNone/>
+            </a:pPr>
+            <a:r>
+              <a:rPr lang="en" sz="1800" dirty="0">
+                <a:solidFill>
+                  <a:schemeClr val="tx1"/>
+                </a:solidFill>
+              </a:rPr>
+              <a:t>We are given</a:t>
+            </a:r>
+          </a:p>
+          <a:p>
+            <a:pPr marL="0" indent="0">
+              <a:lnSpc>
+                <a:spcPct val="115000"/>
+              </a:lnSpc>
+              <a:spcBef>
+                <a:spcPts val="0"/>
+              </a:spcBef>
+              <a:buSzPts val="1100"/>
+              <a:buNone/>
+            </a:pPr>
+            <a:r>
+              <a:rPr lang="en" sz="1800" dirty="0">
+                <a:solidFill>
+                  <a:schemeClr val="tx1"/>
+                </a:solidFill>
+              </a:rPr>
+              <a:t> </a:t>
+            </a:r>
+            <a:r>
+              <a:rPr lang="en" sz="1800" i="1" dirty="0">
+                <a:solidFill>
+                  <a:schemeClr val="tx1"/>
+                </a:solidFill>
+              </a:rPr>
+              <a:t>n</a:t>
+            </a:r>
+            <a:r>
+              <a:rPr lang="en" sz="1800" dirty="0">
+                <a:solidFill>
+                  <a:schemeClr val="tx1"/>
+                </a:solidFill>
+              </a:rPr>
+              <a:t> = 670, </a:t>
+            </a:r>
+            <a:r>
+              <a:rPr lang="en" sz="1800" i="1" dirty="0">
+                <a:solidFill>
+                  <a:schemeClr val="tx1"/>
+                </a:solidFill>
+              </a:rPr>
+              <a:t>p̂</a:t>
+            </a:r>
+            <a:r>
+              <a:rPr lang="en" sz="1800" dirty="0">
+                <a:solidFill>
+                  <a:schemeClr val="tx1"/>
+                </a:solidFill>
+              </a:rPr>
+              <a:t> = 0.85</a:t>
+            </a:r>
+          </a:p>
+          <a:p>
+            <a:pPr marL="0" indent="0">
+              <a:lnSpc>
+                <a:spcPct val="115000"/>
+              </a:lnSpc>
+              <a:spcBef>
+                <a:spcPts val="0"/>
+              </a:spcBef>
+              <a:buSzPts val="1100"/>
+              <a:buNone/>
+            </a:pPr>
+            <a:r>
+              <a:rPr lang="en" sz="1800" dirty="0">
+                <a:solidFill>
+                  <a:schemeClr val="tx1"/>
+                </a:solidFill>
+              </a:rPr>
+              <a:t>We know: </a:t>
+            </a:r>
+          </a:p>
+          <a:p>
+            <a:pPr marL="0" indent="0">
+              <a:lnSpc>
+                <a:spcPct val="115000"/>
+              </a:lnSpc>
+              <a:spcBef>
+                <a:spcPts val="0"/>
+              </a:spcBef>
+              <a:buSzPts val="1100"/>
+              <a:buNone/>
+            </a:pPr>
+            <a:r>
+              <a:rPr lang="en" sz="1800" i="1" dirty="0">
+                <a:solidFill>
+                  <a:schemeClr val="tx1"/>
+                </a:solidFill>
+              </a:rPr>
+              <a:t>CI = point estimate ± critical value * SE,</a:t>
+            </a:r>
+            <a:endParaRPr sz="1800" dirty="0">
+              <a:solidFill>
+                <a:srgbClr val="4A86E8"/>
+              </a:solidFill>
+            </a:endParaRPr>
+          </a:p>
+          <a:p>
+            <a:pPr marL="0" indent="0">
+              <a:lnSpc>
+                <a:spcPct val="115000"/>
+              </a:lnSpc>
+              <a:spcBef>
+                <a:spcPts val="1000"/>
+              </a:spcBef>
+              <a:spcAft>
+                <a:spcPts val="1000"/>
+              </a:spcAft>
+              <a:buSzPts val="1100"/>
+              <a:buNone/>
+            </a:pPr>
+            <a:r>
+              <a:rPr lang="en" sz="1800" dirty="0">
+                <a:solidFill>
+                  <a:schemeClr val="tx1"/>
+                </a:solidFill>
+              </a:rPr>
+              <a:t>Which of the below is the correct calculation of the 95% confidence interval?</a:t>
+            </a:r>
+          </a:p>
+          <a:p>
+            <a:pPr marL="0" indent="0">
+              <a:lnSpc>
+                <a:spcPct val="115000"/>
+              </a:lnSpc>
+              <a:spcBef>
+                <a:spcPts val="1000"/>
+              </a:spcBef>
+              <a:spcAft>
+                <a:spcPts val="1000"/>
+              </a:spcAft>
+              <a:buSzPts val="1100"/>
+              <a:buNone/>
+            </a:pPr>
+            <a:r>
+              <a:rPr lang="en" sz="1800" dirty="0">
+                <a:solidFill>
+                  <a:schemeClr val="tx1"/>
+                </a:solidFill>
+              </a:rPr>
+              <a:t>				</a:t>
+            </a:r>
+            <a:r>
+              <a:rPr lang="en" sz="1800" dirty="0">
+                <a:solidFill>
+                  <a:schemeClr val="tx1"/>
+                </a:solidFill>
+                <a:sym typeface="Wingdings" pitchFamily="2" charset="2"/>
+              </a:rPr>
+              <a:t> (0.82, 0.88) </a:t>
+            </a:r>
+            <a:endParaRPr sz="1800" dirty="0">
+              <a:solidFill>
+                <a:schemeClr val="tx1"/>
+              </a:solidFill>
+            </a:endParaRPr>
+          </a:p>
+        </p:txBody>
+      </p:sp>
+      <p:pic>
+        <p:nvPicPr>
+          <p:cNvPr id="180" name="Google Shape;180;p34"/>
+          <p:cNvPicPr preferRelativeResize="0"/>
+          <p:nvPr/>
+        </p:nvPicPr>
+        <p:blipFill>
+          <a:blip r:embed="rId3">
+            <a:alphaModFix/>
+          </a:blip>
+          <a:stretch>
+            <a:fillRect/>
+          </a:stretch>
+        </p:blipFill>
+        <p:spPr>
+          <a:xfrm>
+            <a:off x="6294368" y="2069039"/>
+            <a:ext cx="1980750" cy="737025"/>
+          </a:xfrm>
+          <a:prstGeom prst="rect">
+            <a:avLst/>
+          </a:prstGeom>
+          <a:noFill/>
+          <a:ln>
+            <a:noFill/>
+          </a:ln>
+        </p:spPr>
+      </p:pic>
+      <p:pic>
+        <p:nvPicPr>
+          <p:cNvPr id="181" name="Google Shape;181;p34"/>
+          <p:cNvPicPr preferRelativeResize="0"/>
+          <p:nvPr/>
+        </p:nvPicPr>
+        <p:blipFill>
+          <a:blip r:embed="rId4">
+            <a:alphaModFix/>
+          </a:blip>
+          <a:stretch>
+            <a:fillRect/>
+          </a:stretch>
+        </p:blipFill>
+        <p:spPr>
+          <a:xfrm>
+            <a:off x="1981076" y="3491575"/>
+            <a:ext cx="3044875" cy="2249424"/>
+          </a:xfrm>
+          <a:prstGeom prst="rect">
+            <a:avLst/>
+          </a:prstGeom>
+          <a:noFill/>
+          <a:ln>
+            <a:noFill/>
+          </a:ln>
+        </p:spPr>
+      </p:pic>
+      <p:sp>
+        <p:nvSpPr>
+          <p:cNvPr id="2" name="Frame 1">
+            <a:extLst>
+              <a:ext uri="{FF2B5EF4-FFF2-40B4-BE49-F238E27FC236}">
+                <a16:creationId xmlns:a16="http://schemas.microsoft.com/office/drawing/2014/main" id="{B5218A25-0F7F-47E2-F0AE-38165EF6554A}"/>
+              </a:ext>
+            </a:extLst>
+          </p:cNvPr>
+          <p:cNvSpPr/>
+          <p:nvPr/>
+        </p:nvSpPr>
+        <p:spPr>
+          <a:xfrm>
+            <a:off x="1793630" y="3587262"/>
+            <a:ext cx="5697415" cy="464675"/>
+          </a:xfrm>
+          <a:prstGeom prst="frame">
+            <a:avLst/>
+          </a:prstGeom>
+          <a:solidFill>
+            <a:srgbClr val="FFC000"/>
+          </a:solidFill>
+          <a:ln>
+            <a:noFill/>
+          </a:ln>
+        </p:spPr>
+        <p:style>
+          <a:lnRef idx="2">
+            <a:schemeClr val="accent1">
+              <a:shade val="15000"/>
+            </a:schemeClr>
+          </a:lnRef>
+          <a:fillRef idx="1">
+            <a:schemeClr val="accent1"/>
+          </a:fillRef>
+          <a:effectRef idx="0">
+            <a:schemeClr val="accent1"/>
+          </a:effectRef>
+          <a:fontRef idx="minor">
+            <a:schemeClr val="lt1"/>
+          </a:fontRef>
+        </p:style>
+        <p:txBody>
+          <a:bodyPr rtlCol="0" anchor="ctr"/>
+          <a:lstStyle/>
+          <a:p>
+            <a:pPr algn="ctr"/>
+            <a:endParaRPr lang="en-US">
+              <a:solidFill>
+                <a:schemeClr val="tx1"/>
+              </a:solidFill>
+            </a:endParaRPr>
+          </a:p>
+        </p:txBody>
+      </p:sp>
+      <p:sp>
+        <p:nvSpPr>
+          <p:cNvPr id="3" name="TextBox 2">
+            <a:extLst>
+              <a:ext uri="{FF2B5EF4-FFF2-40B4-BE49-F238E27FC236}">
+                <a16:creationId xmlns:a16="http://schemas.microsoft.com/office/drawing/2014/main" id="{E8A87E86-D07F-9A23-C139-0CA15CE65173}"/>
+              </a:ext>
+            </a:extLst>
+          </p:cNvPr>
+          <p:cNvSpPr txBox="1"/>
+          <p:nvPr/>
+        </p:nvSpPr>
+        <p:spPr>
+          <a:xfrm>
+            <a:off x="7620626" y="3659159"/>
+            <a:ext cx="4365298" cy="369332"/>
+          </a:xfrm>
+          <a:prstGeom prst="rect">
+            <a:avLst/>
+          </a:prstGeom>
+          <a:noFill/>
+        </p:spPr>
+        <p:txBody>
+          <a:bodyPr wrap="none" rtlCol="0">
+            <a:spAutoFit/>
+          </a:bodyPr>
+          <a:lstStyle/>
+          <a:p>
+            <a:r>
+              <a:rPr lang="en-US" dirty="0"/>
+              <a:t>What is the interpretation of this interval?</a:t>
+            </a:r>
+          </a:p>
+        </p:txBody>
+      </p:sp>
+    </p:spTree>
+    <p:extLst>
+      <p:ext uri="{BB962C8B-B14F-4D97-AF65-F5344CB8AC3E}">
+        <p14:creationId xmlns:p14="http://schemas.microsoft.com/office/powerpoint/2010/main" val="2985263877"/>
+      </p:ext>
+    </p:extLst>
+  </p:cSld>
+  <p:clrMapOvr>
+    <a:masterClrMapping/>
+  </p:clrMapOvr>
+</p:sld>
+</file>
+
+<file path=ppt/slides/slide23.xml><?xml version="1.0" encoding="utf-8"?>
+<p:sld xmlns:a="http://schemas.openxmlformats.org/drawingml/2006/main" xmlns:r="http://schemas.openxmlformats.org/officeDocument/2006/relationships" xmlns:p="http://schemas.openxmlformats.org/presentationml/2006/main">
+  <p:cSld>
+    <p:spTree>
+      <p:nvGrpSpPr>
+        <p:cNvPr id="1" name="Shape 177"/>
+        <p:cNvGrpSpPr/>
+        <p:nvPr/>
+      </p:nvGrpSpPr>
+      <p:grpSpPr>
+        <a:xfrm>
+          <a:off x="0" y="0"/>
+          <a:ext cx="0" cy="0"/>
+          <a:chOff x="0" y="0"/>
+          <a:chExt cx="0" cy="0"/>
+        </a:xfrm>
+      </p:grpSpPr>
+      <p:sp>
+        <p:nvSpPr>
+          <p:cNvPr id="178" name="Google Shape;178;p34"/>
+          <p:cNvSpPr txBox="1">
+            <a:spLocks noGrp="1"/>
+          </p:cNvSpPr>
+          <p:nvPr>
+            <p:ph type="title"/>
+          </p:nvPr>
+        </p:nvSpPr>
+        <p:spPr>
+          <a:xfrm>
+            <a:off x="1981200" y="-12"/>
+            <a:ext cx="8229600" cy="1143000"/>
+          </a:xfrm>
+          <a:prstGeom prst="rect">
+            <a:avLst/>
+          </a:prstGeom>
+        </p:spPr>
+        <p:txBody>
+          <a:bodyPr spcFirstLastPara="1" wrap="square" lIns="91425" tIns="91425" rIns="91425" bIns="91425" anchor="b" anchorCtr="0">
+            <a:noAutofit/>
+          </a:bodyPr>
+          <a:lstStyle/>
+          <a:p>
+            <a:r>
+              <a:rPr lang="en">
+                <a:solidFill>
+                  <a:schemeClr val="accent1"/>
+                </a:solidFill>
+              </a:rPr>
+              <a:t>Practice</a:t>
+            </a:r>
+            <a:endParaRPr baseline="30000">
+              <a:solidFill>
+                <a:schemeClr val="accent1"/>
+              </a:solidFill>
+            </a:endParaRPr>
+          </a:p>
+        </p:txBody>
+      </p:sp>
+      <p:sp>
+        <p:nvSpPr>
+          <p:cNvPr id="179" name="Google Shape;179;p34"/>
+          <p:cNvSpPr txBox="1">
+            <a:spLocks noGrp="1"/>
+          </p:cNvSpPr>
+          <p:nvPr>
+            <p:ph type="body" idx="1"/>
+          </p:nvPr>
+        </p:nvSpPr>
+        <p:spPr>
+          <a:xfrm flipH="1">
+            <a:off x="1981075" y="1305775"/>
+            <a:ext cx="7822200" cy="4845000"/>
+          </a:xfrm>
+          <a:prstGeom prst="rect">
+            <a:avLst/>
+          </a:prstGeom>
+        </p:spPr>
+        <p:txBody>
+          <a:bodyPr spcFirstLastPara="1" wrap="square" lIns="91425" tIns="91425" rIns="91425" bIns="91425" anchor="t" anchorCtr="0">
+            <a:noAutofit/>
+          </a:bodyPr>
+          <a:lstStyle/>
+          <a:p>
+            <a:pPr marL="0" indent="0">
+              <a:lnSpc>
+                <a:spcPct val="115000"/>
+              </a:lnSpc>
+              <a:spcBef>
+                <a:spcPts val="0"/>
+              </a:spcBef>
+              <a:buSzPts val="1100"/>
+              <a:buNone/>
+            </a:pPr>
+            <a:r>
+              <a:rPr lang="en" sz="1800" dirty="0">
+                <a:solidFill>
+                  <a:schemeClr val="tx1"/>
+                </a:solidFill>
+              </a:rPr>
+              <a:t>We are given</a:t>
+            </a:r>
+          </a:p>
+          <a:p>
+            <a:pPr marL="0" indent="0">
+              <a:lnSpc>
+                <a:spcPct val="115000"/>
+              </a:lnSpc>
+              <a:spcBef>
+                <a:spcPts val="0"/>
+              </a:spcBef>
+              <a:buSzPts val="1100"/>
+              <a:buNone/>
+            </a:pPr>
+            <a:r>
+              <a:rPr lang="en" sz="1800" dirty="0">
+                <a:solidFill>
+                  <a:schemeClr val="tx1"/>
+                </a:solidFill>
+              </a:rPr>
+              <a:t> </a:t>
+            </a:r>
+            <a:r>
+              <a:rPr lang="en" sz="1800" i="1" dirty="0">
+                <a:solidFill>
+                  <a:schemeClr val="tx1"/>
+                </a:solidFill>
+              </a:rPr>
+              <a:t>n</a:t>
+            </a:r>
+            <a:r>
+              <a:rPr lang="en" sz="1800" dirty="0">
+                <a:solidFill>
+                  <a:schemeClr val="tx1"/>
+                </a:solidFill>
+              </a:rPr>
+              <a:t> = 670, </a:t>
+            </a:r>
+            <a:r>
+              <a:rPr lang="en" sz="1800" i="1" dirty="0">
+                <a:solidFill>
+                  <a:schemeClr val="tx1"/>
+                </a:solidFill>
+              </a:rPr>
+              <a:t>p̂</a:t>
+            </a:r>
+            <a:r>
+              <a:rPr lang="en" sz="1800" dirty="0">
+                <a:solidFill>
+                  <a:schemeClr val="tx1"/>
+                </a:solidFill>
+              </a:rPr>
+              <a:t> = 0.85</a:t>
+            </a:r>
+          </a:p>
+          <a:p>
+            <a:pPr marL="0" indent="0">
+              <a:lnSpc>
+                <a:spcPct val="115000"/>
+              </a:lnSpc>
+              <a:spcBef>
+                <a:spcPts val="0"/>
+              </a:spcBef>
+              <a:buSzPts val="1100"/>
+              <a:buNone/>
+            </a:pPr>
+            <a:r>
+              <a:rPr lang="en" sz="1800" dirty="0">
+                <a:solidFill>
+                  <a:schemeClr val="tx1"/>
+                </a:solidFill>
+              </a:rPr>
+              <a:t>We know: </a:t>
+            </a:r>
+          </a:p>
+          <a:p>
+            <a:pPr marL="0" indent="0">
+              <a:lnSpc>
+                <a:spcPct val="115000"/>
+              </a:lnSpc>
+              <a:spcBef>
+                <a:spcPts val="0"/>
+              </a:spcBef>
+              <a:buSzPts val="1100"/>
+              <a:buNone/>
+            </a:pPr>
+            <a:r>
+              <a:rPr lang="en" sz="1800" i="1" dirty="0">
+                <a:solidFill>
+                  <a:schemeClr val="tx1"/>
+                </a:solidFill>
+              </a:rPr>
+              <a:t>CI = point estimate ± critical value * SE,</a:t>
+            </a:r>
+            <a:endParaRPr sz="1800" dirty="0">
+              <a:solidFill>
+                <a:srgbClr val="4A86E8"/>
+              </a:solidFill>
+            </a:endParaRPr>
+          </a:p>
+          <a:p>
+            <a:pPr marL="0" indent="0">
+              <a:lnSpc>
+                <a:spcPct val="115000"/>
+              </a:lnSpc>
+              <a:spcBef>
+                <a:spcPts val="1000"/>
+              </a:spcBef>
+              <a:spcAft>
+                <a:spcPts val="1000"/>
+              </a:spcAft>
+              <a:buSzPts val="1100"/>
+              <a:buNone/>
+            </a:pPr>
+            <a:r>
+              <a:rPr lang="en" sz="1800" dirty="0">
+                <a:solidFill>
+                  <a:schemeClr val="tx1"/>
+                </a:solidFill>
+              </a:rPr>
+              <a:t>Which of the below is the correct calculation of the 95% confidence interval?</a:t>
+            </a:r>
+          </a:p>
+          <a:p>
+            <a:pPr marL="0" indent="0">
+              <a:lnSpc>
+                <a:spcPct val="115000"/>
+              </a:lnSpc>
+              <a:spcBef>
+                <a:spcPts val="1000"/>
+              </a:spcBef>
+              <a:spcAft>
+                <a:spcPts val="1000"/>
+              </a:spcAft>
+              <a:buSzPts val="1100"/>
+              <a:buNone/>
+            </a:pPr>
+            <a:r>
+              <a:rPr lang="en" sz="1800" dirty="0">
+                <a:solidFill>
+                  <a:schemeClr val="tx1"/>
+                </a:solidFill>
+              </a:rPr>
+              <a:t>				</a:t>
+            </a:r>
+            <a:r>
+              <a:rPr lang="en" sz="1800" dirty="0">
+                <a:solidFill>
+                  <a:schemeClr val="tx1"/>
+                </a:solidFill>
+                <a:sym typeface="Wingdings" pitchFamily="2" charset="2"/>
+              </a:rPr>
+              <a:t> (0.82, 0.88) </a:t>
+            </a:r>
+            <a:endParaRPr sz="1800" dirty="0">
+              <a:solidFill>
+                <a:schemeClr val="tx1"/>
+              </a:solidFill>
+            </a:endParaRPr>
+          </a:p>
+        </p:txBody>
+      </p:sp>
+      <p:pic>
+        <p:nvPicPr>
+          <p:cNvPr id="180" name="Google Shape;180;p34"/>
+          <p:cNvPicPr preferRelativeResize="0"/>
+          <p:nvPr/>
+        </p:nvPicPr>
+        <p:blipFill>
+          <a:blip r:embed="rId3">
+            <a:alphaModFix/>
+          </a:blip>
+          <a:stretch>
+            <a:fillRect/>
+          </a:stretch>
+        </p:blipFill>
+        <p:spPr>
+          <a:xfrm>
+            <a:off x="6294368" y="2069039"/>
+            <a:ext cx="1980750" cy="737025"/>
+          </a:xfrm>
+          <a:prstGeom prst="rect">
+            <a:avLst/>
+          </a:prstGeom>
+          <a:noFill/>
+          <a:ln>
+            <a:noFill/>
+          </a:ln>
+        </p:spPr>
+      </p:pic>
+      <p:pic>
+        <p:nvPicPr>
+          <p:cNvPr id="181" name="Google Shape;181;p34"/>
+          <p:cNvPicPr preferRelativeResize="0"/>
+          <p:nvPr/>
+        </p:nvPicPr>
+        <p:blipFill>
+          <a:blip r:embed="rId4">
+            <a:alphaModFix/>
+          </a:blip>
+          <a:stretch>
+            <a:fillRect/>
+          </a:stretch>
+        </p:blipFill>
+        <p:spPr>
+          <a:xfrm>
+            <a:off x="1981076" y="3491575"/>
+            <a:ext cx="3044875" cy="2249424"/>
+          </a:xfrm>
+          <a:prstGeom prst="rect">
+            <a:avLst/>
+          </a:prstGeom>
+          <a:noFill/>
+          <a:ln>
+            <a:noFill/>
+          </a:ln>
+        </p:spPr>
+      </p:pic>
+      <p:sp>
+        <p:nvSpPr>
+          <p:cNvPr id="2" name="Frame 1">
+            <a:extLst>
+              <a:ext uri="{FF2B5EF4-FFF2-40B4-BE49-F238E27FC236}">
+                <a16:creationId xmlns:a16="http://schemas.microsoft.com/office/drawing/2014/main" id="{B5218A25-0F7F-47E2-F0AE-38165EF6554A}"/>
+              </a:ext>
+            </a:extLst>
+          </p:cNvPr>
+          <p:cNvSpPr/>
+          <p:nvPr/>
+        </p:nvSpPr>
+        <p:spPr>
+          <a:xfrm>
+            <a:off x="1793630" y="3587262"/>
+            <a:ext cx="5697415" cy="464675"/>
+          </a:xfrm>
+          <a:prstGeom prst="frame">
+            <a:avLst/>
+          </a:prstGeom>
+          <a:solidFill>
+            <a:srgbClr val="FFC000"/>
+          </a:solidFill>
+          <a:ln>
+            <a:noFill/>
+          </a:ln>
+        </p:spPr>
+        <p:style>
+          <a:lnRef idx="2">
+            <a:schemeClr val="accent1">
+              <a:shade val="15000"/>
+            </a:schemeClr>
+          </a:lnRef>
+          <a:fillRef idx="1">
+            <a:schemeClr val="accent1"/>
+          </a:fillRef>
+          <a:effectRef idx="0">
+            <a:schemeClr val="accent1"/>
+          </a:effectRef>
+          <a:fontRef idx="minor">
+            <a:schemeClr val="lt1"/>
+          </a:fontRef>
+        </p:style>
+        <p:txBody>
+          <a:bodyPr rtlCol="0" anchor="ctr"/>
+          <a:lstStyle/>
+          <a:p>
+            <a:pPr algn="ctr"/>
+            <a:endParaRPr lang="en-US">
+              <a:solidFill>
+                <a:schemeClr val="tx1"/>
+              </a:solidFill>
+            </a:endParaRPr>
+          </a:p>
+        </p:txBody>
+      </p:sp>
+      <p:sp>
+        <p:nvSpPr>
+          <p:cNvPr id="3" name="TextBox 2">
+            <a:extLst>
+              <a:ext uri="{FF2B5EF4-FFF2-40B4-BE49-F238E27FC236}">
+                <a16:creationId xmlns:a16="http://schemas.microsoft.com/office/drawing/2014/main" id="{E8A87E86-D07F-9A23-C139-0CA15CE65173}"/>
+              </a:ext>
+            </a:extLst>
+          </p:cNvPr>
+          <p:cNvSpPr txBox="1"/>
+          <p:nvPr/>
+        </p:nvSpPr>
+        <p:spPr>
+          <a:xfrm>
+            <a:off x="7620627" y="3659159"/>
+            <a:ext cx="4336912" cy="1200329"/>
+          </a:xfrm>
+          <a:prstGeom prst="rect">
+            <a:avLst/>
+          </a:prstGeom>
+          <a:noFill/>
+        </p:spPr>
+        <p:txBody>
+          <a:bodyPr wrap="square" rtlCol="0">
+            <a:spAutoFit/>
+          </a:bodyPr>
+          <a:lstStyle/>
+          <a:p>
+            <a:r>
+              <a:rPr lang="en-US" dirty="0"/>
+              <a:t>What is the interpretation of this interval?</a:t>
+            </a:r>
+          </a:p>
+          <a:p>
+            <a:r>
+              <a:rPr lang="en-US" b="1" dirty="0">
+                <a:solidFill>
+                  <a:srgbClr val="FFC000"/>
+                </a:solidFill>
+              </a:rPr>
+              <a:t>We are 95% confident that 82 – 88% of all Americans have good intuition about experimental design. </a:t>
+            </a:r>
+          </a:p>
+        </p:txBody>
+      </p:sp>
+    </p:spTree>
+    <p:extLst>
+      <p:ext uri="{BB962C8B-B14F-4D97-AF65-F5344CB8AC3E}">
+        <p14:creationId xmlns:p14="http://schemas.microsoft.com/office/powerpoint/2010/main" val="1613753555"/>
+      </p:ext>
+    </p:extLst>
+  </p:cSld>
+  <p:clrMapOvr>
+    <a:masterClrMapping/>
+  </p:clrMapOvr>
+</p:sld>
+</file>
+
+<file path=ppt/slides/slide24.xml><?xml version="1.0" encoding="utf-8"?>
+<p:sld xmlns:a="http://schemas.openxmlformats.org/drawingml/2006/main" xmlns:r="http://schemas.openxmlformats.org/officeDocument/2006/relationships" xmlns:p="http://schemas.openxmlformats.org/presentationml/2006/main">
+  <p:cSld>
+    <p:spTree>
+      <p:nvGrpSpPr>
         <p:cNvPr id="1" name="Shape 193"/>
         <p:cNvGrpSpPr/>
         <p:nvPr/>
@@ -16549,7 +17626,7 @@
 </p:sld>
 </file>
 
-<file path=ppt/slides/slide23.xml><?xml version="1.0" encoding="utf-8"?>
+<file path=ppt/slides/slide25.xml><?xml version="1.0" encoding="utf-8"?>
 <p:sld xmlns:a="http://schemas.openxmlformats.org/drawingml/2006/main" xmlns:r="http://schemas.openxmlformats.org/officeDocument/2006/relationships" xmlns:p="http://schemas.openxmlformats.org/presentationml/2006/main">
   <p:cSld>
     <p:spTree>
@@ -16610,7 +17687,7 @@
                   <a:schemeClr val="tx1"/>
                 </a:solidFill>
               </a:rPr>
-              <a:t>How many people should you sample in order to cut the margin of error of a 95% confidence interval down to 1%.</a:t>
+              <a:t>How many people should you sample in order to cut the margin of error of a 95% confidence interval down to 1%?</a:t>
             </a:r>
             <a:endParaRPr sz="1800" dirty="0">
               <a:solidFill>
@@ -16697,7 +17774,7 @@
 </p:sld>
 </file>
 
-<file path=ppt/slides/slide24.xml><?xml version="1.0" encoding="utf-8"?>
+<file path=ppt/slides/slide26.xml><?xml version="1.0" encoding="utf-8"?>
 <p:sld xmlns:a="http://schemas.openxmlformats.org/drawingml/2006/main" xmlns:r="http://schemas.openxmlformats.org/officeDocument/2006/relationships" xmlns:p="http://schemas.openxmlformats.org/presentationml/2006/main">
   <p:cSld>
     <p:spTree>
@@ -16760,7 +17837,7 @@
                       <a:schemeClr val="tx1"/>
                     </a:solidFill>
                   </a:rPr>
-                  <a:t>How many people should you sample in order to cut the margin of error of a 95% confidence interval down to 1%.</a:t>
+                  <a:t>How many people should you sample in order to cut the margin of error of a 95% confidence interval down to 1%?</a:t>
                 </a:r>
               </a:p>
               <a:p>
@@ -17095,7 +18172,7 @@
 </p:sld>
 </file>
 
-<file path=ppt/slides/slide25.xml><?xml version="1.0" encoding="utf-8"?>
+<file path=ppt/slides/slide27.xml><?xml version="1.0" encoding="utf-8"?>
 <p:sld xmlns:a="http://schemas.openxmlformats.org/drawingml/2006/main" xmlns:r="http://schemas.openxmlformats.org/officeDocument/2006/relationships" xmlns:p="http://schemas.openxmlformats.org/presentationml/2006/main">
   <p:cSld>
     <p:spTree>
@@ -17156,7 +18233,7 @@
                   <a:schemeClr val="tx1"/>
                 </a:solidFill>
               </a:rPr>
-              <a:t>How many people should you sample in order to cut the margin of error of a 95% confidence interval down to 1%.</a:t>
+              <a:t>How many people should you sample in order to cut the margin of error of a 95% confidence interval down to 1%?</a:t>
             </a:r>
             <a:endParaRPr sz="1800" dirty="0">
               <a:solidFill>
@@ -17263,35 +18340,47 @@
           </a:ln>
         </p:spPr>
       </p:pic>
-      <p:pic>
-        <p:nvPicPr>
-          <p:cNvPr id="219" name="Google Shape;219;p39"/>
-          <p:cNvPicPr preferRelativeResize="0"/>
+      <p:sp>
+        <p:nvSpPr>
+          <p:cNvPr id="2" name="TextBox 1">
+            <a:extLst>
+              <a:ext uri="{FF2B5EF4-FFF2-40B4-BE49-F238E27FC236}">
+                <a16:creationId xmlns:a16="http://schemas.microsoft.com/office/drawing/2014/main" id="{F8631F20-079F-BB0A-99D8-5FC2FE90FF26}"/>
+              </a:ext>
+            </a:extLst>
+          </p:cNvPr>
+          <p:cNvSpPr txBox="1"/>
           <p:nvPr/>
-        </p:nvPicPr>
-        <p:blipFill>
-          <a:blip r:embed="rId5">
-            <a:alphaModFix/>
-          </a:blip>
-          <a:stretch>
-            <a:fillRect/>
-          </a:stretch>
-        </p:blipFill>
+        </p:nvSpPr>
         <p:spPr>
           <a:xfrm>
-            <a:off x="2638326" y="3544525"/>
-            <a:ext cx="3408425" cy="596100"/>
+            <a:off x="6046751" y="3593796"/>
+            <a:ext cx="2543908" cy="369332"/>
           </a:xfrm>
           <a:prstGeom prst="rect">
             <a:avLst/>
           </a:prstGeom>
           <a:noFill/>
-          <a:ln>
-            <a:noFill/>
-          </a:ln>
-        </p:spPr>
-      </p:pic>
+        </p:spPr>
+        <p:txBody>
+          <a:bodyPr wrap="square" rtlCol="0">
+            <a:spAutoFit/>
+          </a:bodyPr>
+          <a:lstStyle/>
+          <a:p>
+            <a:r>
+              <a:rPr lang="en-US" dirty="0"/>
+              <a:t>solve for n </a:t>
+            </a:r>
+          </a:p>
+        </p:txBody>
+      </p:sp>
     </p:spTree>
+    <p:extLst>
+      <p:ext uri="{BB962C8B-B14F-4D97-AF65-F5344CB8AC3E}">
+        <p14:creationId xmlns:p14="http://schemas.microsoft.com/office/powerpoint/2010/main" val="1482740347"/>
+      </p:ext>
+    </p:extLst>
   </p:cSld>
   <p:clrMapOvr>
     <a:masterClrMapping/>
@@ -17299,7 +18388,7 @@
 </p:sld>
 </file>
 
-<file path=ppt/slides/slide26.xml><?xml version="1.0" encoding="utf-8"?>
+<file path=ppt/slides/slide28.xml><?xml version="1.0" encoding="utf-8"?>
 <p:sld xmlns:a="http://schemas.openxmlformats.org/drawingml/2006/main" xmlns:r="http://schemas.openxmlformats.org/officeDocument/2006/relationships" xmlns:p="http://schemas.openxmlformats.org/presentationml/2006/main">
   <p:cSld>
     <p:spTree>
@@ -17360,7 +18449,7 @@
                   <a:schemeClr val="tx1"/>
                 </a:solidFill>
               </a:rPr>
-              <a:t>How many people should you sample in order to cut the margin of error of a 95% confidence interval down to 1%.</a:t>
+              <a:t>How many people should you sample in order to cut the margin of error of a 95% confidence interval down to 1%?</a:t>
             </a:r>
             <a:endParaRPr sz="1800" dirty="0">
               <a:solidFill>
@@ -17533,7 +18622,7 @@
     </p:spTree>
     <p:extLst>
       <p:ext uri="{BB962C8B-B14F-4D97-AF65-F5344CB8AC3E}">
-        <p14:creationId xmlns:p14="http://schemas.microsoft.com/office/powerpoint/2010/main" val="1482740347"/>
+        <p14:creationId xmlns:p14="http://schemas.microsoft.com/office/powerpoint/2010/main" val="1861428530"/>
       </p:ext>
     </p:extLst>
   </p:cSld>
@@ -17543,7 +18632,7 @@
 </p:sld>
 </file>
 
-<file path=ppt/slides/slide27.xml><?xml version="1.0" encoding="utf-8"?>
+<file path=ppt/slides/slide29.xml><?xml version="1.0" encoding="utf-8"?>
 <p:sld xmlns:a="http://schemas.openxmlformats.org/drawingml/2006/main" xmlns:r="http://schemas.openxmlformats.org/officeDocument/2006/relationships" xmlns:p="http://schemas.openxmlformats.org/presentationml/2006/main">
   <p:cSld>
     <p:spTree>
@@ -17604,7 +18693,7 @@
                   <a:schemeClr val="tx1"/>
                 </a:solidFill>
               </a:rPr>
-              <a:t>How many people should you sample in order to cut the margin of error of a 95% confidence interval down to 1%.</a:t>
+              <a:t>How many people should you sample in order to cut the margin of error of a 95% confidence interval down to 1%?</a:t>
             </a:r>
             <a:endParaRPr sz="1800" dirty="0">
               <a:solidFill>
@@ -17767,427 +18856,6 @@
           </a:ln>
         </p:spPr>
       </p:pic>
-    </p:spTree>
-  </p:cSld>
-  <p:clrMapOvr>
-    <a:masterClrMapping/>
-  </p:clrMapOvr>
-</p:sld>
-</file>
-
-<file path=ppt/slides/slide28.xml><?xml version="1.0" encoding="utf-8"?>
-<p:sld xmlns:a="http://schemas.openxmlformats.org/drawingml/2006/main" xmlns:r="http://schemas.openxmlformats.org/officeDocument/2006/relationships" xmlns:p="http://schemas.openxmlformats.org/presentationml/2006/main">
-  <p:cSld>
-    <p:spTree>
-      <p:nvGrpSpPr>
-        <p:cNvPr id="1" name="Shape 233"/>
-        <p:cNvGrpSpPr/>
-        <p:nvPr/>
-      </p:nvGrpSpPr>
-      <p:grpSpPr>
-        <a:xfrm>
-          <a:off x="0" y="0"/>
-          <a:ext cx="0" cy="0"/>
-          <a:chOff x="0" y="0"/>
-          <a:chExt cx="0" cy="0"/>
-        </a:xfrm>
-      </p:grpSpPr>
-      <p:sp>
-        <p:nvSpPr>
-          <p:cNvPr id="234" name="Google Shape;234;p41"/>
-          <p:cNvSpPr txBox="1">
-            <a:spLocks noGrp="1"/>
-          </p:cNvSpPr>
-          <p:nvPr>
-            <p:ph type="body" idx="1"/>
-          </p:nvPr>
-        </p:nvSpPr>
-        <p:spPr>
-          <a:xfrm flipH="1">
-            <a:off x="1981075" y="1305775"/>
-            <a:ext cx="7822200" cy="882900"/>
-          </a:xfrm>
-          <a:prstGeom prst="rect">
-            <a:avLst/>
-          </a:prstGeom>
-        </p:spPr>
-        <p:txBody>
-          <a:bodyPr spcFirstLastPara="1" wrap="square" lIns="91425" tIns="91425" rIns="91425" bIns="91425" anchor="t" anchorCtr="0">
-            <a:noAutofit/>
-          </a:bodyPr>
-          <a:lstStyle/>
-          <a:p>
-            <a:pPr marL="0" indent="0">
-              <a:lnSpc>
-                <a:spcPct val="115000"/>
-              </a:lnSpc>
-              <a:spcBef>
-                <a:spcPts val="0"/>
-              </a:spcBef>
-              <a:spcAft>
-                <a:spcPts val="1000"/>
-              </a:spcAft>
-              <a:buSzPts val="1100"/>
-              <a:buNone/>
-            </a:pPr>
-            <a:r>
-              <a:rPr lang="en" sz="1800" dirty="0">
-                <a:solidFill>
-                  <a:schemeClr val="tx1"/>
-                </a:solidFill>
-              </a:rPr>
-              <a:t>How many people should you sample in order to cut the margin of error of a 95% confidence interval down to 1%.</a:t>
-            </a:r>
-            <a:endParaRPr sz="1800" dirty="0">
-              <a:solidFill>
-                <a:schemeClr val="tx1"/>
-              </a:solidFill>
-            </a:endParaRPr>
-          </a:p>
-        </p:txBody>
-      </p:sp>
-      <p:sp>
-        <p:nvSpPr>
-          <p:cNvPr id="235" name="Google Shape;235;p41"/>
-          <p:cNvSpPr txBox="1">
-            <a:spLocks noGrp="1"/>
-          </p:cNvSpPr>
-          <p:nvPr>
-            <p:ph type="title"/>
-          </p:nvPr>
-        </p:nvSpPr>
-        <p:spPr>
-          <a:xfrm>
-            <a:off x="1981200" y="-12"/>
-            <a:ext cx="8229600" cy="1143000"/>
-          </a:xfrm>
-          <a:prstGeom prst="rect">
-            <a:avLst/>
-          </a:prstGeom>
-        </p:spPr>
-        <p:txBody>
-          <a:bodyPr spcFirstLastPara="1" wrap="square" lIns="91425" tIns="91425" rIns="91425" bIns="91425" anchor="b" anchorCtr="0">
-            <a:noAutofit/>
-          </a:bodyPr>
-          <a:lstStyle/>
-          <a:p>
-            <a:r>
-              <a:rPr lang="en">
-                <a:solidFill>
-                  <a:schemeClr val="accent1"/>
-                </a:solidFill>
-              </a:rPr>
-              <a:t>Choosing a sample size</a:t>
-            </a:r>
-            <a:endParaRPr baseline="30000">
-              <a:solidFill>
-                <a:schemeClr val="accent1"/>
-              </a:solidFill>
-            </a:endParaRPr>
-          </a:p>
-        </p:txBody>
-      </p:sp>
-      <p:pic>
-        <p:nvPicPr>
-          <p:cNvPr id="236" name="Google Shape;236;p41"/>
-          <p:cNvPicPr preferRelativeResize="0"/>
-          <p:nvPr/>
-        </p:nvPicPr>
-        <p:blipFill>
-          <a:blip r:embed="rId3">
-            <a:alphaModFix/>
-          </a:blip>
-          <a:stretch>
-            <a:fillRect/>
-          </a:stretch>
-        </p:blipFill>
-        <p:spPr>
-          <a:xfrm>
-            <a:off x="5076225" y="2237374"/>
-            <a:ext cx="1760325" cy="365650"/>
-          </a:xfrm>
-          <a:prstGeom prst="rect">
-            <a:avLst/>
-          </a:prstGeom>
-          <a:noFill/>
-          <a:ln>
-            <a:noFill/>
-          </a:ln>
-        </p:spPr>
-      </p:pic>
-      <p:pic>
-        <p:nvPicPr>
-          <p:cNvPr id="237" name="Google Shape;237;p41"/>
-          <p:cNvPicPr preferRelativeResize="0"/>
-          <p:nvPr/>
-        </p:nvPicPr>
-        <p:blipFill>
-          <a:blip r:embed="rId4">
-            <a:alphaModFix/>
-          </a:blip>
-          <a:stretch>
-            <a:fillRect/>
-          </a:stretch>
-        </p:blipFill>
-        <p:spPr>
-          <a:xfrm>
-            <a:off x="2562113" y="2813352"/>
-            <a:ext cx="7677374" cy="731175"/>
-          </a:xfrm>
-          <a:prstGeom prst="rect">
-            <a:avLst/>
-          </a:prstGeom>
-          <a:noFill/>
-          <a:ln>
-            <a:noFill/>
-          </a:ln>
-        </p:spPr>
-      </p:pic>
-      <p:pic>
-        <p:nvPicPr>
-          <p:cNvPr id="238" name="Google Shape;238;p41"/>
-          <p:cNvPicPr preferRelativeResize="0"/>
-          <p:nvPr/>
-        </p:nvPicPr>
-        <p:blipFill>
-          <a:blip r:embed="rId5">
-            <a:alphaModFix/>
-          </a:blip>
-          <a:stretch>
-            <a:fillRect/>
-          </a:stretch>
-        </p:blipFill>
-        <p:spPr>
-          <a:xfrm>
-            <a:off x="2638326" y="3544525"/>
-            <a:ext cx="3408425" cy="596100"/>
-          </a:xfrm>
-          <a:prstGeom prst="rect">
-            <a:avLst/>
-          </a:prstGeom>
-          <a:noFill/>
-          <a:ln>
-            <a:noFill/>
-          </a:ln>
-        </p:spPr>
-      </p:pic>
-      <p:pic>
-        <p:nvPicPr>
-          <p:cNvPr id="239" name="Google Shape;239;p41"/>
-          <p:cNvPicPr preferRelativeResize="0"/>
-          <p:nvPr/>
-        </p:nvPicPr>
-        <p:blipFill>
-          <a:blip r:embed="rId6">
-            <a:alphaModFix/>
-          </a:blip>
-          <a:stretch>
-            <a:fillRect/>
-          </a:stretch>
-        </p:blipFill>
-        <p:spPr>
-          <a:xfrm>
-            <a:off x="2362201" y="4169201"/>
-            <a:ext cx="3731738" cy="613195"/>
-          </a:xfrm>
-          <a:prstGeom prst="rect">
-            <a:avLst/>
-          </a:prstGeom>
-          <a:noFill/>
-          <a:ln>
-            <a:noFill/>
-          </a:ln>
-        </p:spPr>
-      </p:pic>
-      <p:pic>
-        <p:nvPicPr>
-          <p:cNvPr id="240" name="Google Shape;240;p41"/>
-          <p:cNvPicPr preferRelativeResize="0"/>
-          <p:nvPr/>
-        </p:nvPicPr>
-        <p:blipFill>
-          <a:blip r:embed="rId7">
-            <a:alphaModFix/>
-          </a:blip>
-          <a:stretch>
-            <a:fillRect/>
-          </a:stretch>
-        </p:blipFill>
-        <p:spPr>
-          <a:xfrm>
-            <a:off x="2362200" y="4905870"/>
-            <a:ext cx="5722826" cy="347081"/>
-          </a:xfrm>
-          <a:prstGeom prst="rect">
-            <a:avLst/>
-          </a:prstGeom>
-          <a:noFill/>
-          <a:ln>
-            <a:noFill/>
-          </a:ln>
-        </p:spPr>
-      </p:pic>
-    </p:spTree>
-  </p:cSld>
-  <p:clrMapOvr>
-    <a:masterClrMapping/>
-  </p:clrMapOvr>
-</p:sld>
-</file>
-
-<file path=ppt/slides/slide29.xml><?xml version="1.0" encoding="utf-8"?>
-<p:sld xmlns:a="http://schemas.openxmlformats.org/drawingml/2006/main" xmlns:r="http://schemas.openxmlformats.org/officeDocument/2006/relationships" xmlns:p="http://schemas.openxmlformats.org/presentationml/2006/main">
-  <p:cSld>
-    <p:spTree>
-      <p:nvGrpSpPr>
-        <p:cNvPr id="1" name="Shape 244"/>
-        <p:cNvGrpSpPr/>
-        <p:nvPr/>
-      </p:nvGrpSpPr>
-      <p:grpSpPr>
-        <a:xfrm>
-          <a:off x="0" y="0"/>
-          <a:ext cx="0" cy="0"/>
-          <a:chOff x="0" y="0"/>
-          <a:chExt cx="0" cy="0"/>
-        </a:xfrm>
-      </p:grpSpPr>
-      <p:sp>
-        <p:nvSpPr>
-          <p:cNvPr id="245" name="Google Shape;245;p42"/>
-          <p:cNvSpPr txBox="1">
-            <a:spLocks noGrp="1"/>
-          </p:cNvSpPr>
-          <p:nvPr>
-            <p:ph type="body" idx="1"/>
-          </p:nvPr>
-        </p:nvSpPr>
-        <p:spPr>
-          <a:xfrm flipH="1">
-            <a:off x="1981075" y="1305775"/>
-            <a:ext cx="7822200" cy="4946100"/>
-          </a:xfrm>
-          <a:prstGeom prst="rect">
-            <a:avLst/>
-          </a:prstGeom>
-        </p:spPr>
-        <p:txBody>
-          <a:bodyPr spcFirstLastPara="1" wrap="square" lIns="91425" tIns="91425" rIns="91425" bIns="91425" anchor="t" anchorCtr="0">
-            <a:noAutofit/>
-          </a:bodyPr>
-          <a:lstStyle/>
-          <a:p>
-            <a:pPr marL="0" indent="0">
-              <a:lnSpc>
-                <a:spcPct val="115000"/>
-              </a:lnSpc>
-              <a:spcBef>
-                <a:spcPts val="0"/>
-              </a:spcBef>
-              <a:buNone/>
-            </a:pPr>
-            <a:r>
-              <a:rPr lang="en" sz="2200"/>
-              <a:t>... use </a:t>
-            </a:r>
-            <a:r>
-              <a:rPr lang="en" sz="2200" i="1"/>
-              <a:t>p̂ </a:t>
-            </a:r>
-            <a:r>
-              <a:rPr lang="en" sz="2200"/>
-              <a:t>= 0.5</a:t>
-            </a:r>
-            <a:br>
-              <a:rPr lang="en" sz="2200"/>
-            </a:br>
-            <a:br>
-              <a:rPr lang="en" sz="2200"/>
-            </a:br>
-            <a:r>
-              <a:rPr lang="en" sz="2200">
-                <a:solidFill>
-                  <a:schemeClr val="accent1"/>
-                </a:solidFill>
-              </a:rPr>
-              <a:t>why?</a:t>
-            </a:r>
-            <a:endParaRPr sz="2200">
-              <a:solidFill>
-                <a:schemeClr val="accent1"/>
-              </a:solidFill>
-            </a:endParaRPr>
-          </a:p>
-          <a:p>
-            <a:pPr marL="0" indent="0">
-              <a:lnSpc>
-                <a:spcPct val="115000"/>
-              </a:lnSpc>
-              <a:spcBef>
-                <a:spcPts val="1000"/>
-              </a:spcBef>
-              <a:buNone/>
-            </a:pPr>
-            <a:endParaRPr sz="2200"/>
-          </a:p>
-          <a:p>
-            <a:pPr marL="0" indent="0">
-              <a:lnSpc>
-                <a:spcPct val="115000"/>
-              </a:lnSpc>
-              <a:spcBef>
-                <a:spcPts val="1000"/>
-              </a:spcBef>
-              <a:spcAft>
-                <a:spcPts val="1000"/>
-              </a:spcAft>
-              <a:buNone/>
-            </a:pPr>
-            <a:endParaRPr sz="2200"/>
-          </a:p>
-        </p:txBody>
-      </p:sp>
-      <p:sp>
-        <p:nvSpPr>
-          <p:cNvPr id="246" name="Google Shape;246;p42"/>
-          <p:cNvSpPr txBox="1">
-            <a:spLocks noGrp="1"/>
-          </p:cNvSpPr>
-          <p:nvPr>
-            <p:ph type="title"/>
-          </p:nvPr>
-        </p:nvSpPr>
-        <p:spPr>
-          <a:xfrm>
-            <a:off x="1981200" y="-12"/>
-            <a:ext cx="8229600" cy="1143000"/>
-          </a:xfrm>
-          <a:prstGeom prst="rect">
-            <a:avLst/>
-          </a:prstGeom>
-        </p:spPr>
-        <p:txBody>
-          <a:bodyPr spcFirstLastPara="1" wrap="square" lIns="91425" tIns="91425" rIns="91425" bIns="91425" anchor="b" anchorCtr="0">
-            <a:noAutofit/>
-          </a:bodyPr>
-          <a:lstStyle/>
-          <a:p>
-            <a:r>
-              <a:rPr lang="en">
-                <a:solidFill>
-                  <a:schemeClr val="accent1"/>
-                </a:solidFill>
-              </a:rPr>
-              <a:t>What if there isn't a previous study?</a:t>
-            </a:r>
-            <a:endParaRPr baseline="30000">
-              <a:solidFill>
-                <a:schemeClr val="accent1"/>
-              </a:solidFill>
-            </a:endParaRPr>
-          </a:p>
-        </p:txBody>
-      </p:sp>
     </p:spTree>
   </p:cSld>
   <p:clrMapOvr>
@@ -18305,6 +18973,427 @@
   <p:cSld>
     <p:spTree>
       <p:nvGrpSpPr>
+        <p:cNvPr id="1" name="Shape 233"/>
+        <p:cNvGrpSpPr/>
+        <p:nvPr/>
+      </p:nvGrpSpPr>
+      <p:grpSpPr>
+        <a:xfrm>
+          <a:off x="0" y="0"/>
+          <a:ext cx="0" cy="0"/>
+          <a:chOff x="0" y="0"/>
+          <a:chExt cx="0" cy="0"/>
+        </a:xfrm>
+      </p:grpSpPr>
+      <p:sp>
+        <p:nvSpPr>
+          <p:cNvPr id="234" name="Google Shape;234;p41"/>
+          <p:cNvSpPr txBox="1">
+            <a:spLocks noGrp="1"/>
+          </p:cNvSpPr>
+          <p:nvPr>
+            <p:ph type="body" idx="1"/>
+          </p:nvPr>
+        </p:nvSpPr>
+        <p:spPr>
+          <a:xfrm flipH="1">
+            <a:off x="1981075" y="1305775"/>
+            <a:ext cx="7822200" cy="882900"/>
+          </a:xfrm>
+          <a:prstGeom prst="rect">
+            <a:avLst/>
+          </a:prstGeom>
+        </p:spPr>
+        <p:txBody>
+          <a:bodyPr spcFirstLastPara="1" wrap="square" lIns="91425" tIns="91425" rIns="91425" bIns="91425" anchor="t" anchorCtr="0">
+            <a:noAutofit/>
+          </a:bodyPr>
+          <a:lstStyle/>
+          <a:p>
+            <a:pPr marL="0" indent="0">
+              <a:lnSpc>
+                <a:spcPct val="115000"/>
+              </a:lnSpc>
+              <a:spcBef>
+                <a:spcPts val="0"/>
+              </a:spcBef>
+              <a:spcAft>
+                <a:spcPts val="1000"/>
+              </a:spcAft>
+              <a:buSzPts val="1100"/>
+              <a:buNone/>
+            </a:pPr>
+            <a:r>
+              <a:rPr lang="en" sz="1800" dirty="0">
+                <a:solidFill>
+                  <a:schemeClr val="tx1"/>
+                </a:solidFill>
+              </a:rPr>
+              <a:t>How many people should you sample in order to cut the margin of error of a 95% confidence interval down to 1%?</a:t>
+            </a:r>
+            <a:endParaRPr sz="1800" dirty="0">
+              <a:solidFill>
+                <a:schemeClr val="tx1"/>
+              </a:solidFill>
+            </a:endParaRPr>
+          </a:p>
+        </p:txBody>
+      </p:sp>
+      <p:sp>
+        <p:nvSpPr>
+          <p:cNvPr id="235" name="Google Shape;235;p41"/>
+          <p:cNvSpPr txBox="1">
+            <a:spLocks noGrp="1"/>
+          </p:cNvSpPr>
+          <p:nvPr>
+            <p:ph type="title"/>
+          </p:nvPr>
+        </p:nvSpPr>
+        <p:spPr>
+          <a:xfrm>
+            <a:off x="1981200" y="-12"/>
+            <a:ext cx="8229600" cy="1143000"/>
+          </a:xfrm>
+          <a:prstGeom prst="rect">
+            <a:avLst/>
+          </a:prstGeom>
+        </p:spPr>
+        <p:txBody>
+          <a:bodyPr spcFirstLastPara="1" wrap="square" lIns="91425" tIns="91425" rIns="91425" bIns="91425" anchor="b" anchorCtr="0">
+            <a:noAutofit/>
+          </a:bodyPr>
+          <a:lstStyle/>
+          <a:p>
+            <a:r>
+              <a:rPr lang="en">
+                <a:solidFill>
+                  <a:schemeClr val="accent1"/>
+                </a:solidFill>
+              </a:rPr>
+              <a:t>Choosing a sample size</a:t>
+            </a:r>
+            <a:endParaRPr baseline="30000">
+              <a:solidFill>
+                <a:schemeClr val="accent1"/>
+              </a:solidFill>
+            </a:endParaRPr>
+          </a:p>
+        </p:txBody>
+      </p:sp>
+      <p:pic>
+        <p:nvPicPr>
+          <p:cNvPr id="236" name="Google Shape;236;p41"/>
+          <p:cNvPicPr preferRelativeResize="0"/>
+          <p:nvPr/>
+        </p:nvPicPr>
+        <p:blipFill>
+          <a:blip r:embed="rId3">
+            <a:alphaModFix/>
+          </a:blip>
+          <a:stretch>
+            <a:fillRect/>
+          </a:stretch>
+        </p:blipFill>
+        <p:spPr>
+          <a:xfrm>
+            <a:off x="5076225" y="2237374"/>
+            <a:ext cx="1760325" cy="365650"/>
+          </a:xfrm>
+          <a:prstGeom prst="rect">
+            <a:avLst/>
+          </a:prstGeom>
+          <a:noFill/>
+          <a:ln>
+            <a:noFill/>
+          </a:ln>
+        </p:spPr>
+      </p:pic>
+      <p:pic>
+        <p:nvPicPr>
+          <p:cNvPr id="237" name="Google Shape;237;p41"/>
+          <p:cNvPicPr preferRelativeResize="0"/>
+          <p:nvPr/>
+        </p:nvPicPr>
+        <p:blipFill>
+          <a:blip r:embed="rId4">
+            <a:alphaModFix/>
+          </a:blip>
+          <a:stretch>
+            <a:fillRect/>
+          </a:stretch>
+        </p:blipFill>
+        <p:spPr>
+          <a:xfrm>
+            <a:off x="2562113" y="2813352"/>
+            <a:ext cx="7677374" cy="731175"/>
+          </a:xfrm>
+          <a:prstGeom prst="rect">
+            <a:avLst/>
+          </a:prstGeom>
+          <a:noFill/>
+          <a:ln>
+            <a:noFill/>
+          </a:ln>
+        </p:spPr>
+      </p:pic>
+      <p:pic>
+        <p:nvPicPr>
+          <p:cNvPr id="238" name="Google Shape;238;p41"/>
+          <p:cNvPicPr preferRelativeResize="0"/>
+          <p:nvPr/>
+        </p:nvPicPr>
+        <p:blipFill>
+          <a:blip r:embed="rId5">
+            <a:alphaModFix/>
+          </a:blip>
+          <a:stretch>
+            <a:fillRect/>
+          </a:stretch>
+        </p:blipFill>
+        <p:spPr>
+          <a:xfrm>
+            <a:off x="2638326" y="3544525"/>
+            <a:ext cx="3408425" cy="596100"/>
+          </a:xfrm>
+          <a:prstGeom prst="rect">
+            <a:avLst/>
+          </a:prstGeom>
+          <a:noFill/>
+          <a:ln>
+            <a:noFill/>
+          </a:ln>
+        </p:spPr>
+      </p:pic>
+      <p:pic>
+        <p:nvPicPr>
+          <p:cNvPr id="239" name="Google Shape;239;p41"/>
+          <p:cNvPicPr preferRelativeResize="0"/>
+          <p:nvPr/>
+        </p:nvPicPr>
+        <p:blipFill>
+          <a:blip r:embed="rId6">
+            <a:alphaModFix/>
+          </a:blip>
+          <a:stretch>
+            <a:fillRect/>
+          </a:stretch>
+        </p:blipFill>
+        <p:spPr>
+          <a:xfrm>
+            <a:off x="2362201" y="4169201"/>
+            <a:ext cx="3731738" cy="613195"/>
+          </a:xfrm>
+          <a:prstGeom prst="rect">
+            <a:avLst/>
+          </a:prstGeom>
+          <a:noFill/>
+          <a:ln>
+            <a:noFill/>
+          </a:ln>
+        </p:spPr>
+      </p:pic>
+      <p:pic>
+        <p:nvPicPr>
+          <p:cNvPr id="240" name="Google Shape;240;p41"/>
+          <p:cNvPicPr preferRelativeResize="0"/>
+          <p:nvPr/>
+        </p:nvPicPr>
+        <p:blipFill>
+          <a:blip r:embed="rId7">
+            <a:alphaModFix/>
+          </a:blip>
+          <a:stretch>
+            <a:fillRect/>
+          </a:stretch>
+        </p:blipFill>
+        <p:spPr>
+          <a:xfrm>
+            <a:off x="2362200" y="4905870"/>
+            <a:ext cx="5722826" cy="347081"/>
+          </a:xfrm>
+          <a:prstGeom prst="rect">
+            <a:avLst/>
+          </a:prstGeom>
+          <a:noFill/>
+          <a:ln>
+            <a:noFill/>
+          </a:ln>
+        </p:spPr>
+      </p:pic>
+    </p:spTree>
+  </p:cSld>
+  <p:clrMapOvr>
+    <a:masterClrMapping/>
+  </p:clrMapOvr>
+</p:sld>
+</file>
+
+<file path=ppt/slides/slide31.xml><?xml version="1.0" encoding="utf-8"?>
+<p:sld xmlns:a="http://schemas.openxmlformats.org/drawingml/2006/main" xmlns:r="http://schemas.openxmlformats.org/officeDocument/2006/relationships" xmlns:p="http://schemas.openxmlformats.org/presentationml/2006/main">
+  <p:cSld>
+    <p:spTree>
+      <p:nvGrpSpPr>
+        <p:cNvPr id="1" name="Shape 244"/>
+        <p:cNvGrpSpPr/>
+        <p:nvPr/>
+      </p:nvGrpSpPr>
+      <p:grpSpPr>
+        <a:xfrm>
+          <a:off x="0" y="0"/>
+          <a:ext cx="0" cy="0"/>
+          <a:chOff x="0" y="0"/>
+          <a:chExt cx="0" cy="0"/>
+        </a:xfrm>
+      </p:grpSpPr>
+      <p:sp>
+        <p:nvSpPr>
+          <p:cNvPr id="245" name="Google Shape;245;p42"/>
+          <p:cNvSpPr txBox="1">
+            <a:spLocks noGrp="1"/>
+          </p:cNvSpPr>
+          <p:nvPr>
+            <p:ph type="body" idx="1"/>
+          </p:nvPr>
+        </p:nvSpPr>
+        <p:spPr>
+          <a:xfrm flipH="1">
+            <a:off x="1981075" y="1305775"/>
+            <a:ext cx="7822200" cy="4946100"/>
+          </a:xfrm>
+          <a:prstGeom prst="rect">
+            <a:avLst/>
+          </a:prstGeom>
+        </p:spPr>
+        <p:txBody>
+          <a:bodyPr spcFirstLastPara="1" wrap="square" lIns="91425" tIns="91425" rIns="91425" bIns="91425" anchor="t" anchorCtr="0">
+            <a:noAutofit/>
+          </a:bodyPr>
+          <a:lstStyle/>
+          <a:p>
+            <a:pPr marL="0" indent="0">
+              <a:lnSpc>
+                <a:spcPct val="115000"/>
+              </a:lnSpc>
+              <a:spcBef>
+                <a:spcPts val="0"/>
+              </a:spcBef>
+              <a:buNone/>
+            </a:pPr>
+            <a:r>
+              <a:rPr lang="en" sz="2200"/>
+              <a:t>... use </a:t>
+            </a:r>
+            <a:r>
+              <a:rPr lang="en" sz="2200" i="1"/>
+              <a:t>p̂ </a:t>
+            </a:r>
+            <a:r>
+              <a:rPr lang="en" sz="2200"/>
+              <a:t>= 0.5</a:t>
+            </a:r>
+            <a:br>
+              <a:rPr lang="en" sz="2200"/>
+            </a:br>
+            <a:br>
+              <a:rPr lang="en" sz="2200"/>
+            </a:br>
+            <a:r>
+              <a:rPr lang="en" sz="2200">
+                <a:solidFill>
+                  <a:schemeClr val="accent1"/>
+                </a:solidFill>
+              </a:rPr>
+              <a:t>why?</a:t>
+            </a:r>
+            <a:endParaRPr sz="2200">
+              <a:solidFill>
+                <a:schemeClr val="accent1"/>
+              </a:solidFill>
+            </a:endParaRPr>
+          </a:p>
+          <a:p>
+            <a:pPr marL="0" indent="0">
+              <a:lnSpc>
+                <a:spcPct val="115000"/>
+              </a:lnSpc>
+              <a:spcBef>
+                <a:spcPts val="1000"/>
+              </a:spcBef>
+              <a:buNone/>
+            </a:pPr>
+            <a:endParaRPr sz="2200"/>
+          </a:p>
+          <a:p>
+            <a:pPr marL="0" indent="0">
+              <a:lnSpc>
+                <a:spcPct val="115000"/>
+              </a:lnSpc>
+              <a:spcBef>
+                <a:spcPts val="1000"/>
+              </a:spcBef>
+              <a:spcAft>
+                <a:spcPts val="1000"/>
+              </a:spcAft>
+              <a:buNone/>
+            </a:pPr>
+            <a:endParaRPr sz="2200"/>
+          </a:p>
+        </p:txBody>
+      </p:sp>
+      <p:sp>
+        <p:nvSpPr>
+          <p:cNvPr id="246" name="Google Shape;246;p42"/>
+          <p:cNvSpPr txBox="1">
+            <a:spLocks noGrp="1"/>
+          </p:cNvSpPr>
+          <p:nvPr>
+            <p:ph type="title"/>
+          </p:nvPr>
+        </p:nvSpPr>
+        <p:spPr>
+          <a:xfrm>
+            <a:off x="1981200" y="-12"/>
+            <a:ext cx="8229600" cy="1143000"/>
+          </a:xfrm>
+          <a:prstGeom prst="rect">
+            <a:avLst/>
+          </a:prstGeom>
+        </p:spPr>
+        <p:txBody>
+          <a:bodyPr spcFirstLastPara="1" wrap="square" lIns="91425" tIns="91425" rIns="91425" bIns="91425" anchor="b" anchorCtr="0">
+            <a:noAutofit/>
+          </a:bodyPr>
+          <a:lstStyle/>
+          <a:p>
+            <a:r>
+              <a:rPr lang="en">
+                <a:solidFill>
+                  <a:schemeClr val="accent1"/>
+                </a:solidFill>
+              </a:rPr>
+              <a:t>What if there isn't a previous study?</a:t>
+            </a:r>
+            <a:endParaRPr baseline="30000">
+              <a:solidFill>
+                <a:schemeClr val="accent1"/>
+              </a:solidFill>
+            </a:endParaRPr>
+          </a:p>
+        </p:txBody>
+      </p:sp>
+    </p:spTree>
+  </p:cSld>
+  <p:clrMapOvr>
+    <a:masterClrMapping/>
+  </p:clrMapOvr>
+</p:sld>
+</file>
+
+<file path=ppt/slides/slide32.xml><?xml version="1.0" encoding="utf-8"?>
+<p:sld xmlns:a="http://schemas.openxmlformats.org/drawingml/2006/main" xmlns:r="http://schemas.openxmlformats.org/officeDocument/2006/relationships" xmlns:p="http://schemas.openxmlformats.org/presentationml/2006/main">
+  <p:cSld>
+    <p:spTree>
+      <p:nvGrpSpPr>
         <p:cNvPr id="1" name="Shape 250"/>
         <p:cNvGrpSpPr/>
         <p:nvPr/>
@@ -18477,7 +19566,7 @@
 </p:sld>
 </file>
 
-<file path=ppt/slides/slide31.xml><?xml version="1.0" encoding="utf-8"?>
+<file path=ppt/slides/slide33.xml><?xml version="1.0" encoding="utf-8"?>
 <p:sld xmlns:a="http://schemas.openxmlformats.org/drawingml/2006/main" xmlns:r="http://schemas.openxmlformats.org/officeDocument/2006/relationships" xmlns:p="http://schemas.openxmlformats.org/presentationml/2006/main">
   <p:cSld>
     <p:spTree>
@@ -18652,316 +19741,6 @@
         </p:txBody>
       </p:sp>
     </p:spTree>
-  </p:cSld>
-  <p:clrMapOvr>
-    <a:masterClrMapping/>
-  </p:clrMapOvr>
-</p:sld>
-</file>
-
-<file path=ppt/slides/slide32.xml><?xml version="1.0" encoding="utf-8"?>
-<p:sld xmlns:a="http://schemas.openxmlformats.org/drawingml/2006/main" xmlns:r="http://schemas.openxmlformats.org/officeDocument/2006/relationships" xmlns:p="http://schemas.openxmlformats.org/presentationml/2006/main">
-  <p:cSld>
-    <p:spTree>
-      <p:nvGrpSpPr>
-        <p:cNvPr id="1" name="Shape 270"/>
-        <p:cNvGrpSpPr/>
-        <p:nvPr/>
-      </p:nvGrpSpPr>
-      <p:grpSpPr>
-        <a:xfrm>
-          <a:off x="0" y="0"/>
-          <a:ext cx="0" cy="0"/>
-          <a:chOff x="0" y="0"/>
-          <a:chExt cx="0" cy="0"/>
-        </a:xfrm>
-      </p:grpSpPr>
-      <p:sp>
-        <p:nvSpPr>
-          <p:cNvPr id="271" name="Google Shape;271;p46"/>
-          <p:cNvSpPr txBox="1">
-            <a:spLocks noGrp="1"/>
-          </p:cNvSpPr>
-          <p:nvPr>
-            <p:ph type="title"/>
-          </p:nvPr>
-        </p:nvSpPr>
-        <p:spPr>
-          <a:xfrm>
-            <a:off x="1981200" y="-12"/>
-            <a:ext cx="8229600" cy="1143000"/>
-          </a:xfrm>
-          <a:prstGeom prst="rect">
-            <a:avLst/>
-          </a:prstGeom>
-        </p:spPr>
-        <p:txBody>
-          <a:bodyPr spcFirstLastPara="1" wrap="square" lIns="91425" tIns="91425" rIns="91425" bIns="91425" anchor="b" anchorCtr="0">
-            <a:noAutofit/>
-          </a:bodyPr>
-          <a:lstStyle/>
-          <a:p>
-            <a:r>
-              <a:rPr lang="en" dirty="0">
-                <a:solidFill>
-                  <a:schemeClr val="accent1"/>
-                </a:solidFill>
-              </a:rPr>
-              <a:t>Hypothesis Testing </a:t>
-            </a:r>
-            <a:endParaRPr dirty="0">
-              <a:solidFill>
-                <a:schemeClr val="accent1"/>
-              </a:solidFill>
-            </a:endParaRPr>
-          </a:p>
-        </p:txBody>
-      </p:sp>
-      <p:sp>
-        <p:nvSpPr>
-          <p:cNvPr id="272" name="Google Shape;272;p46"/>
-          <p:cNvSpPr txBox="1">
-            <a:spLocks noGrp="1"/>
-          </p:cNvSpPr>
-          <p:nvPr>
-            <p:ph type="body" idx="1"/>
-          </p:nvPr>
-        </p:nvSpPr>
-        <p:spPr>
-          <a:xfrm flipH="1">
-            <a:off x="1981075" y="1305775"/>
-            <a:ext cx="7822200" cy="1343100"/>
-          </a:xfrm>
-          <a:prstGeom prst="rect">
-            <a:avLst/>
-          </a:prstGeom>
-        </p:spPr>
-        <p:txBody>
-          <a:bodyPr spcFirstLastPara="1" wrap="square" lIns="91425" tIns="91425" rIns="91425" bIns="91425" anchor="t" anchorCtr="0">
-            <a:noAutofit/>
-          </a:bodyPr>
-          <a:lstStyle/>
-          <a:p>
-            <a:pPr marL="0" indent="0">
-              <a:lnSpc>
-                <a:spcPct val="115000"/>
-              </a:lnSpc>
-              <a:spcBef>
-                <a:spcPts val="0"/>
-              </a:spcBef>
-              <a:buNone/>
-            </a:pPr>
-            <a:r>
-              <a:rPr lang="en" sz="1900" dirty="0">
-                <a:solidFill>
-                  <a:schemeClr val="tx1"/>
-                </a:solidFill>
-              </a:rPr>
-              <a:t>The GSS found that 571 out of 670 (85%) of Americans answered the question on experimental design correctly. </a:t>
-            </a:r>
-          </a:p>
-          <a:p>
-            <a:pPr marL="0" indent="0">
-              <a:lnSpc>
-                <a:spcPct val="115000"/>
-              </a:lnSpc>
-              <a:spcBef>
-                <a:spcPts val="0"/>
-              </a:spcBef>
-              <a:buNone/>
-            </a:pPr>
-            <a:r>
-              <a:rPr lang="en" sz="1900" i="1" dirty="0">
-                <a:solidFill>
-                  <a:schemeClr val="tx1"/>
-                </a:solidFill>
-              </a:rPr>
-              <a:t>Do these data provide convincing evidence that more than 80% of Americans have a good intuition about experimental design?</a:t>
-            </a:r>
-            <a:endParaRPr sz="1900" i="1" dirty="0">
-              <a:solidFill>
-                <a:schemeClr val="tx1"/>
-              </a:solidFill>
-            </a:endParaRPr>
-          </a:p>
-        </p:txBody>
-      </p:sp>
-    </p:spTree>
-  </p:cSld>
-  <p:clrMapOvr>
-    <a:masterClrMapping/>
-  </p:clrMapOvr>
-</p:sld>
-</file>
-
-<file path=ppt/slides/slide33.xml><?xml version="1.0" encoding="utf-8"?>
-<p:sld xmlns:a="http://schemas.openxmlformats.org/drawingml/2006/main" xmlns:r="http://schemas.openxmlformats.org/officeDocument/2006/relationships" xmlns:p="http://schemas.openxmlformats.org/presentationml/2006/main">
-  <p:cSld>
-    <p:spTree>
-      <p:nvGrpSpPr>
-        <p:cNvPr id="1" name="Shape 270"/>
-        <p:cNvGrpSpPr/>
-        <p:nvPr/>
-      </p:nvGrpSpPr>
-      <p:grpSpPr>
-        <a:xfrm>
-          <a:off x="0" y="0"/>
-          <a:ext cx="0" cy="0"/>
-          <a:chOff x="0" y="0"/>
-          <a:chExt cx="0" cy="0"/>
-        </a:xfrm>
-      </p:grpSpPr>
-      <p:sp>
-        <p:nvSpPr>
-          <p:cNvPr id="271" name="Google Shape;271;p46"/>
-          <p:cNvSpPr txBox="1">
-            <a:spLocks noGrp="1"/>
-          </p:cNvSpPr>
-          <p:nvPr>
-            <p:ph type="title"/>
-          </p:nvPr>
-        </p:nvSpPr>
-        <p:spPr>
-          <a:xfrm>
-            <a:off x="1981200" y="-12"/>
-            <a:ext cx="8229600" cy="1143000"/>
-          </a:xfrm>
-          <a:prstGeom prst="rect">
-            <a:avLst/>
-          </a:prstGeom>
-        </p:spPr>
-        <p:txBody>
-          <a:bodyPr spcFirstLastPara="1" wrap="square" lIns="91425" tIns="91425" rIns="91425" bIns="91425" anchor="b" anchorCtr="0">
-            <a:noAutofit/>
-          </a:bodyPr>
-          <a:lstStyle/>
-          <a:p>
-            <a:r>
-              <a:rPr lang="en" dirty="0">
-                <a:solidFill>
-                  <a:schemeClr val="accent1"/>
-                </a:solidFill>
-              </a:rPr>
-              <a:t>Hypothesis Testing </a:t>
-            </a:r>
-            <a:endParaRPr dirty="0">
-              <a:solidFill>
-                <a:schemeClr val="accent1"/>
-              </a:solidFill>
-            </a:endParaRPr>
-          </a:p>
-        </p:txBody>
-      </p:sp>
-      <p:sp>
-        <p:nvSpPr>
-          <p:cNvPr id="272" name="Google Shape;272;p46"/>
-          <p:cNvSpPr txBox="1">
-            <a:spLocks noGrp="1"/>
-          </p:cNvSpPr>
-          <p:nvPr>
-            <p:ph type="body" idx="1"/>
-          </p:nvPr>
-        </p:nvSpPr>
-        <p:spPr>
-          <a:xfrm flipH="1">
-            <a:off x="1981075" y="1305775"/>
-            <a:ext cx="7822200" cy="1343100"/>
-          </a:xfrm>
-          <a:prstGeom prst="rect">
-            <a:avLst/>
-          </a:prstGeom>
-        </p:spPr>
-        <p:txBody>
-          <a:bodyPr spcFirstLastPara="1" wrap="square" lIns="91425" tIns="91425" rIns="91425" bIns="91425" anchor="t" anchorCtr="0">
-            <a:noAutofit/>
-          </a:bodyPr>
-          <a:lstStyle/>
-          <a:p>
-            <a:pPr marL="0" indent="0">
-              <a:lnSpc>
-                <a:spcPct val="115000"/>
-              </a:lnSpc>
-              <a:spcBef>
-                <a:spcPts val="0"/>
-              </a:spcBef>
-              <a:buNone/>
-            </a:pPr>
-            <a:r>
-              <a:rPr lang="en" sz="1900" dirty="0">
-                <a:solidFill>
-                  <a:schemeClr val="tx1"/>
-                </a:solidFill>
-              </a:rPr>
-              <a:t>The GSS found that 571 out of 670 (85%) of Americans answered the question on experimental design correctly. </a:t>
-            </a:r>
-          </a:p>
-          <a:p>
-            <a:pPr marL="0" indent="0">
-              <a:lnSpc>
-                <a:spcPct val="115000"/>
-              </a:lnSpc>
-              <a:spcBef>
-                <a:spcPts val="0"/>
-              </a:spcBef>
-              <a:buNone/>
-            </a:pPr>
-            <a:r>
-              <a:rPr lang="en" sz="1900" i="1" dirty="0">
-                <a:solidFill>
-                  <a:schemeClr val="tx1"/>
-                </a:solidFill>
-              </a:rPr>
-              <a:t>Do these data provide convincing evidence that more than 80% of Americans have a good intuition about experimental design?</a:t>
-            </a:r>
-          </a:p>
-          <a:p>
-            <a:pPr marL="0" indent="0">
-              <a:lnSpc>
-                <a:spcPct val="115000"/>
-              </a:lnSpc>
-              <a:spcBef>
-                <a:spcPts val="0"/>
-              </a:spcBef>
-              <a:buNone/>
-            </a:pPr>
-            <a:endParaRPr lang="en" sz="1900" i="1" dirty="0">
-              <a:solidFill>
-                <a:schemeClr val="tx1"/>
-              </a:solidFill>
-            </a:endParaRPr>
-          </a:p>
-          <a:p>
-            <a:pPr marL="0" indent="0">
-              <a:lnSpc>
-                <a:spcPct val="115000"/>
-              </a:lnSpc>
-              <a:spcBef>
-                <a:spcPts val="0"/>
-              </a:spcBef>
-              <a:buNone/>
-            </a:pPr>
-            <a:r>
-              <a:rPr lang="en" sz="1900" dirty="0">
-                <a:solidFill>
-                  <a:schemeClr val="tx1"/>
-                </a:solidFill>
-              </a:rPr>
-              <a:t>What are the hypotheses?</a:t>
-            </a:r>
-            <a:endParaRPr sz="1900" dirty="0">
-              <a:solidFill>
-                <a:schemeClr val="tx1"/>
-              </a:solidFill>
-            </a:endParaRPr>
-          </a:p>
-        </p:txBody>
-      </p:sp>
-    </p:spTree>
-    <p:extLst>
-      <p:ext uri="{BB962C8B-B14F-4D97-AF65-F5344CB8AC3E}">
-        <p14:creationId xmlns:p14="http://schemas.microsoft.com/office/powerpoint/2010/main" val="4261185120"/>
-      </p:ext>
-    </p:extLst>
   </p:cSld>
   <p:clrMapOvr>
     <a:masterClrMapping/>
@@ -19088,116 +19867,15 @@
               </a:rPr>
               <a:t>Do these data provide convincing evidence that more than 80% of Americans have a good intuition about experimental design?</a:t>
             </a:r>
-          </a:p>
-          <a:p>
-            <a:pPr marL="0" indent="0">
-              <a:lnSpc>
-                <a:spcPct val="115000"/>
-              </a:lnSpc>
-              <a:spcBef>
-                <a:spcPts val="0"/>
-              </a:spcBef>
-              <a:buNone/>
-            </a:pPr>
-            <a:endParaRPr lang="en" sz="1900" i="1" dirty="0">
+            <a:endParaRPr sz="1900" i="1" dirty="0">
               <a:solidFill>
                 <a:schemeClr val="tx1"/>
               </a:solidFill>
             </a:endParaRPr>
           </a:p>
-          <a:p>
-            <a:pPr marL="0" indent="0">
-              <a:lnSpc>
-                <a:spcPct val="115000"/>
-              </a:lnSpc>
-              <a:spcBef>
-                <a:spcPts val="0"/>
-              </a:spcBef>
-              <a:buNone/>
-            </a:pPr>
-            <a:endParaRPr lang="en" sz="1900" i="1" dirty="0">
-              <a:solidFill>
-                <a:schemeClr val="tx1"/>
-              </a:solidFill>
-            </a:endParaRPr>
-          </a:p>
-          <a:p>
-            <a:pPr marL="0" indent="0">
-              <a:lnSpc>
-                <a:spcPct val="115000"/>
-              </a:lnSpc>
-              <a:spcBef>
-                <a:spcPts val="0"/>
-              </a:spcBef>
-              <a:buNone/>
-            </a:pPr>
-            <a:endParaRPr lang="en" sz="1900" i="1" dirty="0">
-              <a:solidFill>
-                <a:schemeClr val="tx1"/>
-              </a:solidFill>
-            </a:endParaRPr>
-          </a:p>
-          <a:p>
-            <a:pPr marL="0" indent="0">
-              <a:lnSpc>
-                <a:spcPct val="115000"/>
-              </a:lnSpc>
-              <a:spcBef>
-                <a:spcPts val="0"/>
-              </a:spcBef>
-              <a:buNone/>
-            </a:pPr>
-            <a:r>
-              <a:rPr lang="en" sz="1900" dirty="0">
-                <a:solidFill>
-                  <a:schemeClr val="tx1"/>
-                </a:solidFill>
-              </a:rPr>
-              <a:t>What test should we use? </a:t>
-            </a:r>
-          </a:p>
         </p:txBody>
       </p:sp>
-      <p:pic>
-        <p:nvPicPr>
-          <p:cNvPr id="2" name="Google Shape;279;p47">
-            <a:extLst>
-              <a:ext uri="{FF2B5EF4-FFF2-40B4-BE49-F238E27FC236}">
-                <a16:creationId xmlns:a16="http://schemas.microsoft.com/office/drawing/2014/main" id="{9C64D319-7E42-3521-97C3-944FB5105914}"/>
-              </a:ext>
-            </a:extLst>
-          </p:cNvPr>
-          <p:cNvPicPr preferRelativeResize="0"/>
-          <p:nvPr/>
-        </p:nvPicPr>
-        <p:blipFill>
-          <a:blip r:embed="rId3">
-            <a:alphaModFix/>
-          </a:blip>
-          <a:stretch>
-            <a:fillRect/>
-          </a:stretch>
-        </p:blipFill>
-        <p:spPr>
-          <a:xfrm>
-            <a:off x="2831219" y="2811662"/>
-            <a:ext cx="5154928" cy="819122"/>
-          </a:xfrm>
-          <a:prstGeom prst="rect">
-            <a:avLst/>
-          </a:prstGeom>
-          <a:noFill/>
-          <a:ln>
-            <a:noFill/>
-          </a:ln>
-        </p:spPr>
-      </p:pic>
     </p:spTree>
-    <p:extLst>
-      <p:ext uri="{BB962C8B-B14F-4D97-AF65-F5344CB8AC3E}">
-        <p14:creationId xmlns:p14="http://schemas.microsoft.com/office/powerpoint/2010/main" val="2203184400"/>
-      </p:ext>
-    </p:extLst>
   </p:cSld>
   <p:clrMapOvr>
     <a:masterClrMapping/>
@@ -19351,106 +20029,26 @@
               </a:spcBef>
               <a:buNone/>
             </a:pPr>
-            <a:endParaRPr lang="en" sz="1900" i="1" dirty="0">
-              <a:solidFill>
-                <a:schemeClr val="tx1"/>
-              </a:solidFill>
-            </a:endParaRPr>
-          </a:p>
-          <a:p>
-            <a:pPr marL="0" indent="0">
-              <a:lnSpc>
-                <a:spcPct val="115000"/>
-              </a:lnSpc>
-              <a:spcBef>
-                <a:spcPts val="0"/>
-              </a:spcBef>
-              <a:buNone/>
-            </a:pPr>
-            <a:endParaRPr lang="en" sz="1900" i="1" dirty="0">
-              <a:solidFill>
-                <a:schemeClr val="tx1"/>
-              </a:solidFill>
-            </a:endParaRPr>
-          </a:p>
-          <a:p>
-            <a:pPr marL="0" indent="0">
-              <a:lnSpc>
-                <a:spcPct val="115000"/>
-              </a:lnSpc>
-              <a:spcBef>
-                <a:spcPts val="0"/>
-              </a:spcBef>
-              <a:buNone/>
-            </a:pPr>
             <a:r>
               <a:rPr lang="en" sz="1900" dirty="0">
                 <a:solidFill>
                   <a:schemeClr val="tx1"/>
                 </a:solidFill>
               </a:rPr>
-              <a:t>What test should we use? </a:t>
-            </a:r>
-          </a:p>
-          <a:p>
-            <a:pPr marL="0" indent="0">
-              <a:lnSpc>
-                <a:spcPct val="115000"/>
-              </a:lnSpc>
-              <a:spcBef>
-                <a:spcPts val="0"/>
-              </a:spcBef>
-              <a:buNone/>
-            </a:pPr>
-            <a:r>
-              <a:rPr lang="en" sz="1900" dirty="0">
-                <a:solidFill>
-                  <a:schemeClr val="tx1"/>
-                </a:solidFill>
-              </a:rPr>
-              <a:t>	- Z-test, N &gt; 50 </a:t>
-            </a:r>
+              <a:t>What are the hypotheses?</a:t>
+            </a:r>
+            <a:endParaRPr sz="1900" dirty="0">
+              <a:solidFill>
+                <a:schemeClr val="tx1"/>
+              </a:solidFill>
+            </a:endParaRPr>
           </a:p>
         </p:txBody>
       </p:sp>
-      <p:pic>
-        <p:nvPicPr>
-          <p:cNvPr id="2" name="Google Shape;279;p47">
-            <a:extLst>
-              <a:ext uri="{FF2B5EF4-FFF2-40B4-BE49-F238E27FC236}">
-                <a16:creationId xmlns:a16="http://schemas.microsoft.com/office/drawing/2014/main" id="{9C64D319-7E42-3521-97C3-944FB5105914}"/>
-              </a:ext>
-            </a:extLst>
-          </p:cNvPr>
-          <p:cNvPicPr preferRelativeResize="0"/>
-          <p:nvPr/>
-        </p:nvPicPr>
-        <p:blipFill>
-          <a:blip r:embed="rId3">
-            <a:alphaModFix/>
-          </a:blip>
-          <a:stretch>
-            <a:fillRect/>
-          </a:stretch>
-        </p:blipFill>
-        <p:spPr>
-          <a:xfrm>
-            <a:off x="2831219" y="2811662"/>
-            <a:ext cx="5154928" cy="819122"/>
-          </a:xfrm>
-          <a:prstGeom prst="rect">
-            <a:avLst/>
-          </a:prstGeom>
-          <a:noFill/>
-          <a:ln>
-            <a:noFill/>
-          </a:ln>
-        </p:spPr>
-      </p:pic>
     </p:spTree>
     <p:extLst>
       <p:ext uri="{BB962C8B-B14F-4D97-AF65-F5344CB8AC3E}">
-        <p14:creationId xmlns:p14="http://schemas.microsoft.com/office/powerpoint/2010/main" val="3624248498"/>
+        <p14:creationId xmlns:p14="http://schemas.microsoft.com/office/powerpoint/2010/main" val="4261185120"/>
       </p:ext>
     </p:extLst>
   </p:cSld>
@@ -19647,44 +20245,6 @@
               <a:t>What test should we use? </a:t>
             </a:r>
           </a:p>
-          <a:p>
-            <a:pPr marL="0" indent="0">
-              <a:lnSpc>
-                <a:spcPct val="115000"/>
-              </a:lnSpc>
-              <a:spcBef>
-                <a:spcPts val="0"/>
-              </a:spcBef>
-              <a:buNone/>
-            </a:pPr>
-            <a:r>
-              <a:rPr lang="en" sz="1900" dirty="0">
-                <a:solidFill>
-                  <a:schemeClr val="tx1"/>
-                </a:solidFill>
-              </a:rPr>
-              <a:t>	- Z-test, N &gt; 50 </a:t>
-            </a:r>
-          </a:p>
-          <a:p>
-            <a:pPr marL="0" indent="0">
-              <a:lnSpc>
-                <a:spcPct val="115000"/>
-              </a:lnSpc>
-              <a:spcBef>
-                <a:spcPts val="0"/>
-              </a:spcBef>
-              <a:buNone/>
-            </a:pPr>
-            <a:r>
-              <a:rPr lang="en" sz="1900" dirty="0">
-                <a:solidFill>
-                  <a:schemeClr val="tx1"/>
-                </a:solidFill>
-              </a:rPr>
-              <a:t>Do we meet the conditions to use it? </a:t>
-            </a:r>
-          </a:p>
         </p:txBody>
       </p:sp>
       <p:pic>
@@ -19724,6 +20284,535 @@
     </p:spTree>
     <p:extLst>
       <p:ext uri="{BB962C8B-B14F-4D97-AF65-F5344CB8AC3E}">
+        <p14:creationId xmlns:p14="http://schemas.microsoft.com/office/powerpoint/2010/main" val="2203184400"/>
+      </p:ext>
+    </p:extLst>
+  </p:cSld>
+  <p:clrMapOvr>
+    <a:masterClrMapping/>
+  </p:clrMapOvr>
+</p:sld>
+</file>
+
+<file path=ppt/slides/slide37.xml><?xml version="1.0" encoding="utf-8"?>
+<p:sld xmlns:a="http://schemas.openxmlformats.org/drawingml/2006/main" xmlns:r="http://schemas.openxmlformats.org/officeDocument/2006/relationships" xmlns:p="http://schemas.openxmlformats.org/presentationml/2006/main">
+  <p:cSld>
+    <p:spTree>
+      <p:nvGrpSpPr>
+        <p:cNvPr id="1" name="Shape 270"/>
+        <p:cNvGrpSpPr/>
+        <p:nvPr/>
+      </p:nvGrpSpPr>
+      <p:grpSpPr>
+        <a:xfrm>
+          <a:off x="0" y="0"/>
+          <a:ext cx="0" cy="0"/>
+          <a:chOff x="0" y="0"/>
+          <a:chExt cx="0" cy="0"/>
+        </a:xfrm>
+      </p:grpSpPr>
+      <p:sp>
+        <p:nvSpPr>
+          <p:cNvPr id="271" name="Google Shape;271;p46"/>
+          <p:cNvSpPr txBox="1">
+            <a:spLocks noGrp="1"/>
+          </p:cNvSpPr>
+          <p:nvPr>
+            <p:ph type="title"/>
+          </p:nvPr>
+        </p:nvSpPr>
+        <p:spPr>
+          <a:xfrm>
+            <a:off x="1981200" y="-12"/>
+            <a:ext cx="8229600" cy="1143000"/>
+          </a:xfrm>
+          <a:prstGeom prst="rect">
+            <a:avLst/>
+          </a:prstGeom>
+        </p:spPr>
+        <p:txBody>
+          <a:bodyPr spcFirstLastPara="1" wrap="square" lIns="91425" tIns="91425" rIns="91425" bIns="91425" anchor="b" anchorCtr="0">
+            <a:noAutofit/>
+          </a:bodyPr>
+          <a:lstStyle/>
+          <a:p>
+            <a:r>
+              <a:rPr lang="en" dirty="0">
+                <a:solidFill>
+                  <a:schemeClr val="accent1"/>
+                </a:solidFill>
+              </a:rPr>
+              <a:t>Hypothesis Testing </a:t>
+            </a:r>
+            <a:endParaRPr dirty="0">
+              <a:solidFill>
+                <a:schemeClr val="accent1"/>
+              </a:solidFill>
+            </a:endParaRPr>
+          </a:p>
+        </p:txBody>
+      </p:sp>
+      <p:sp>
+        <p:nvSpPr>
+          <p:cNvPr id="272" name="Google Shape;272;p46"/>
+          <p:cNvSpPr txBox="1">
+            <a:spLocks noGrp="1"/>
+          </p:cNvSpPr>
+          <p:nvPr>
+            <p:ph type="body" idx="1"/>
+          </p:nvPr>
+        </p:nvSpPr>
+        <p:spPr>
+          <a:xfrm flipH="1">
+            <a:off x="1981075" y="1305775"/>
+            <a:ext cx="7822200" cy="1343100"/>
+          </a:xfrm>
+          <a:prstGeom prst="rect">
+            <a:avLst/>
+          </a:prstGeom>
+        </p:spPr>
+        <p:txBody>
+          <a:bodyPr spcFirstLastPara="1" wrap="square" lIns="91425" tIns="91425" rIns="91425" bIns="91425" anchor="t" anchorCtr="0">
+            <a:noAutofit/>
+          </a:bodyPr>
+          <a:lstStyle/>
+          <a:p>
+            <a:pPr marL="0" indent="0">
+              <a:lnSpc>
+                <a:spcPct val="115000"/>
+              </a:lnSpc>
+              <a:spcBef>
+                <a:spcPts val="0"/>
+              </a:spcBef>
+              <a:buNone/>
+            </a:pPr>
+            <a:r>
+              <a:rPr lang="en" sz="1900" dirty="0">
+                <a:solidFill>
+                  <a:schemeClr val="tx1"/>
+                </a:solidFill>
+              </a:rPr>
+              <a:t>The GSS found that 571 out of 670 (85%) of Americans answered the question on experimental design correctly. </a:t>
+            </a:r>
+          </a:p>
+          <a:p>
+            <a:pPr marL="0" indent="0">
+              <a:lnSpc>
+                <a:spcPct val="115000"/>
+              </a:lnSpc>
+              <a:spcBef>
+                <a:spcPts val="0"/>
+              </a:spcBef>
+              <a:buNone/>
+            </a:pPr>
+            <a:r>
+              <a:rPr lang="en" sz="1900" i="1" dirty="0">
+                <a:solidFill>
+                  <a:schemeClr val="tx1"/>
+                </a:solidFill>
+              </a:rPr>
+              <a:t>Do these data provide convincing evidence that more than 80% of Americans have a good intuition about experimental design?</a:t>
+            </a:r>
+          </a:p>
+          <a:p>
+            <a:pPr marL="0" indent="0">
+              <a:lnSpc>
+                <a:spcPct val="115000"/>
+              </a:lnSpc>
+              <a:spcBef>
+                <a:spcPts val="0"/>
+              </a:spcBef>
+              <a:buNone/>
+            </a:pPr>
+            <a:endParaRPr lang="en" sz="1900" i="1" dirty="0">
+              <a:solidFill>
+                <a:schemeClr val="tx1"/>
+              </a:solidFill>
+            </a:endParaRPr>
+          </a:p>
+          <a:p>
+            <a:pPr marL="0" indent="0">
+              <a:lnSpc>
+                <a:spcPct val="115000"/>
+              </a:lnSpc>
+              <a:spcBef>
+                <a:spcPts val="0"/>
+              </a:spcBef>
+              <a:buNone/>
+            </a:pPr>
+            <a:endParaRPr lang="en" sz="1900" i="1" dirty="0">
+              <a:solidFill>
+                <a:schemeClr val="tx1"/>
+              </a:solidFill>
+            </a:endParaRPr>
+          </a:p>
+          <a:p>
+            <a:pPr marL="0" indent="0">
+              <a:lnSpc>
+                <a:spcPct val="115000"/>
+              </a:lnSpc>
+              <a:spcBef>
+                <a:spcPts val="0"/>
+              </a:spcBef>
+              <a:buNone/>
+            </a:pPr>
+            <a:endParaRPr lang="en" sz="1900" i="1" dirty="0">
+              <a:solidFill>
+                <a:schemeClr val="tx1"/>
+              </a:solidFill>
+            </a:endParaRPr>
+          </a:p>
+          <a:p>
+            <a:pPr marL="0" indent="0">
+              <a:lnSpc>
+                <a:spcPct val="115000"/>
+              </a:lnSpc>
+              <a:spcBef>
+                <a:spcPts val="0"/>
+              </a:spcBef>
+              <a:buNone/>
+            </a:pPr>
+            <a:r>
+              <a:rPr lang="en" sz="1900" dirty="0">
+                <a:solidFill>
+                  <a:schemeClr val="tx1"/>
+                </a:solidFill>
+              </a:rPr>
+              <a:t>What test should we use? </a:t>
+            </a:r>
+          </a:p>
+          <a:p>
+            <a:pPr marL="0" indent="0">
+              <a:lnSpc>
+                <a:spcPct val="115000"/>
+              </a:lnSpc>
+              <a:spcBef>
+                <a:spcPts val="0"/>
+              </a:spcBef>
+              <a:buNone/>
+            </a:pPr>
+            <a:r>
+              <a:rPr lang="en" sz="1900" dirty="0">
+                <a:solidFill>
+                  <a:schemeClr val="tx1"/>
+                </a:solidFill>
+              </a:rPr>
+              <a:t>	- Z-test, N &gt; 50 </a:t>
+            </a:r>
+          </a:p>
+        </p:txBody>
+      </p:sp>
+      <p:pic>
+        <p:nvPicPr>
+          <p:cNvPr id="2" name="Google Shape;279;p47">
+            <a:extLst>
+              <a:ext uri="{FF2B5EF4-FFF2-40B4-BE49-F238E27FC236}">
+                <a16:creationId xmlns:a16="http://schemas.microsoft.com/office/drawing/2014/main" id="{9C64D319-7E42-3521-97C3-944FB5105914}"/>
+              </a:ext>
+            </a:extLst>
+          </p:cNvPr>
+          <p:cNvPicPr preferRelativeResize="0"/>
+          <p:nvPr/>
+        </p:nvPicPr>
+        <p:blipFill>
+          <a:blip r:embed="rId3">
+            <a:alphaModFix/>
+          </a:blip>
+          <a:stretch>
+            <a:fillRect/>
+          </a:stretch>
+        </p:blipFill>
+        <p:spPr>
+          <a:xfrm>
+            <a:off x="2831219" y="2811662"/>
+            <a:ext cx="5154928" cy="819122"/>
+          </a:xfrm>
+          <a:prstGeom prst="rect">
+            <a:avLst/>
+          </a:prstGeom>
+          <a:noFill/>
+          <a:ln>
+            <a:noFill/>
+          </a:ln>
+        </p:spPr>
+      </p:pic>
+    </p:spTree>
+    <p:extLst>
+      <p:ext uri="{BB962C8B-B14F-4D97-AF65-F5344CB8AC3E}">
+        <p14:creationId xmlns:p14="http://schemas.microsoft.com/office/powerpoint/2010/main" val="3624248498"/>
+      </p:ext>
+    </p:extLst>
+  </p:cSld>
+  <p:clrMapOvr>
+    <a:masterClrMapping/>
+  </p:clrMapOvr>
+</p:sld>
+</file>
+
+<file path=ppt/slides/slide38.xml><?xml version="1.0" encoding="utf-8"?>
+<p:sld xmlns:a="http://schemas.openxmlformats.org/drawingml/2006/main" xmlns:r="http://schemas.openxmlformats.org/officeDocument/2006/relationships" xmlns:p="http://schemas.openxmlformats.org/presentationml/2006/main">
+  <p:cSld>
+    <p:spTree>
+      <p:nvGrpSpPr>
+        <p:cNvPr id="1" name="Shape 270"/>
+        <p:cNvGrpSpPr/>
+        <p:nvPr/>
+      </p:nvGrpSpPr>
+      <p:grpSpPr>
+        <a:xfrm>
+          <a:off x="0" y="0"/>
+          <a:ext cx="0" cy="0"/>
+          <a:chOff x="0" y="0"/>
+          <a:chExt cx="0" cy="0"/>
+        </a:xfrm>
+      </p:grpSpPr>
+      <p:sp>
+        <p:nvSpPr>
+          <p:cNvPr id="271" name="Google Shape;271;p46"/>
+          <p:cNvSpPr txBox="1">
+            <a:spLocks noGrp="1"/>
+          </p:cNvSpPr>
+          <p:nvPr>
+            <p:ph type="title"/>
+          </p:nvPr>
+        </p:nvSpPr>
+        <p:spPr>
+          <a:xfrm>
+            <a:off x="1981200" y="-12"/>
+            <a:ext cx="8229600" cy="1143000"/>
+          </a:xfrm>
+          <a:prstGeom prst="rect">
+            <a:avLst/>
+          </a:prstGeom>
+        </p:spPr>
+        <p:txBody>
+          <a:bodyPr spcFirstLastPara="1" wrap="square" lIns="91425" tIns="91425" rIns="91425" bIns="91425" anchor="b" anchorCtr="0">
+            <a:noAutofit/>
+          </a:bodyPr>
+          <a:lstStyle/>
+          <a:p>
+            <a:r>
+              <a:rPr lang="en" dirty="0">
+                <a:solidFill>
+                  <a:schemeClr val="accent1"/>
+                </a:solidFill>
+              </a:rPr>
+              <a:t>Hypothesis Testing </a:t>
+            </a:r>
+            <a:endParaRPr dirty="0">
+              <a:solidFill>
+                <a:schemeClr val="accent1"/>
+              </a:solidFill>
+            </a:endParaRPr>
+          </a:p>
+        </p:txBody>
+      </p:sp>
+      <p:sp>
+        <p:nvSpPr>
+          <p:cNvPr id="272" name="Google Shape;272;p46"/>
+          <p:cNvSpPr txBox="1">
+            <a:spLocks noGrp="1"/>
+          </p:cNvSpPr>
+          <p:nvPr>
+            <p:ph type="body" idx="1"/>
+          </p:nvPr>
+        </p:nvSpPr>
+        <p:spPr>
+          <a:xfrm flipH="1">
+            <a:off x="1981075" y="1305775"/>
+            <a:ext cx="7822200" cy="1343100"/>
+          </a:xfrm>
+          <a:prstGeom prst="rect">
+            <a:avLst/>
+          </a:prstGeom>
+        </p:spPr>
+        <p:txBody>
+          <a:bodyPr spcFirstLastPara="1" wrap="square" lIns="91425" tIns="91425" rIns="91425" bIns="91425" anchor="t" anchorCtr="0">
+            <a:noAutofit/>
+          </a:bodyPr>
+          <a:lstStyle/>
+          <a:p>
+            <a:pPr marL="0" indent="0">
+              <a:lnSpc>
+                <a:spcPct val="115000"/>
+              </a:lnSpc>
+              <a:spcBef>
+                <a:spcPts val="0"/>
+              </a:spcBef>
+              <a:buNone/>
+            </a:pPr>
+            <a:r>
+              <a:rPr lang="en" sz="1900" dirty="0">
+                <a:solidFill>
+                  <a:schemeClr val="tx1"/>
+                </a:solidFill>
+              </a:rPr>
+              <a:t>The GSS found that 571 out of 670 (85%) of Americans answered the question on experimental design correctly. </a:t>
+            </a:r>
+          </a:p>
+          <a:p>
+            <a:pPr marL="0" indent="0">
+              <a:lnSpc>
+                <a:spcPct val="115000"/>
+              </a:lnSpc>
+              <a:spcBef>
+                <a:spcPts val="0"/>
+              </a:spcBef>
+              <a:buNone/>
+            </a:pPr>
+            <a:r>
+              <a:rPr lang="en" sz="1900" i="1" dirty="0">
+                <a:solidFill>
+                  <a:schemeClr val="tx1"/>
+                </a:solidFill>
+              </a:rPr>
+              <a:t>Do these data provide convincing evidence that more than 80% of Americans have a good intuition about experimental design?</a:t>
+            </a:r>
+          </a:p>
+          <a:p>
+            <a:pPr marL="0" indent="0">
+              <a:lnSpc>
+                <a:spcPct val="115000"/>
+              </a:lnSpc>
+              <a:spcBef>
+                <a:spcPts val="0"/>
+              </a:spcBef>
+              <a:buNone/>
+            </a:pPr>
+            <a:endParaRPr lang="en" sz="1900" i="1" dirty="0">
+              <a:solidFill>
+                <a:schemeClr val="tx1"/>
+              </a:solidFill>
+            </a:endParaRPr>
+          </a:p>
+          <a:p>
+            <a:pPr marL="0" indent="0">
+              <a:lnSpc>
+                <a:spcPct val="115000"/>
+              </a:lnSpc>
+              <a:spcBef>
+                <a:spcPts val="0"/>
+              </a:spcBef>
+              <a:buNone/>
+            </a:pPr>
+            <a:endParaRPr lang="en" sz="1900" i="1" dirty="0">
+              <a:solidFill>
+                <a:schemeClr val="tx1"/>
+              </a:solidFill>
+            </a:endParaRPr>
+          </a:p>
+          <a:p>
+            <a:pPr marL="0" indent="0">
+              <a:lnSpc>
+                <a:spcPct val="115000"/>
+              </a:lnSpc>
+              <a:spcBef>
+                <a:spcPts val="0"/>
+              </a:spcBef>
+              <a:buNone/>
+            </a:pPr>
+            <a:endParaRPr lang="en" sz="1900" i="1" dirty="0">
+              <a:solidFill>
+                <a:schemeClr val="tx1"/>
+              </a:solidFill>
+            </a:endParaRPr>
+          </a:p>
+          <a:p>
+            <a:pPr marL="0" indent="0">
+              <a:lnSpc>
+                <a:spcPct val="115000"/>
+              </a:lnSpc>
+              <a:spcBef>
+                <a:spcPts val="0"/>
+              </a:spcBef>
+              <a:buNone/>
+            </a:pPr>
+            <a:r>
+              <a:rPr lang="en" sz="1900" dirty="0">
+                <a:solidFill>
+                  <a:schemeClr val="tx1"/>
+                </a:solidFill>
+              </a:rPr>
+              <a:t>What test should we use? </a:t>
+            </a:r>
+          </a:p>
+          <a:p>
+            <a:pPr marL="0" indent="0">
+              <a:lnSpc>
+                <a:spcPct val="115000"/>
+              </a:lnSpc>
+              <a:spcBef>
+                <a:spcPts val="0"/>
+              </a:spcBef>
+              <a:buNone/>
+            </a:pPr>
+            <a:r>
+              <a:rPr lang="en" sz="1900" dirty="0">
+                <a:solidFill>
+                  <a:schemeClr val="tx1"/>
+                </a:solidFill>
+              </a:rPr>
+              <a:t>	- Z-test, N &gt; 50 </a:t>
+            </a:r>
+          </a:p>
+          <a:p>
+            <a:pPr marL="0" indent="0">
+              <a:lnSpc>
+                <a:spcPct val="115000"/>
+              </a:lnSpc>
+              <a:spcBef>
+                <a:spcPts val="0"/>
+              </a:spcBef>
+              <a:buNone/>
+            </a:pPr>
+            <a:r>
+              <a:rPr lang="en" sz="1900" dirty="0">
+                <a:solidFill>
+                  <a:schemeClr val="tx1"/>
+                </a:solidFill>
+              </a:rPr>
+              <a:t>Do we meet the conditions to use it? </a:t>
+            </a:r>
+          </a:p>
+        </p:txBody>
+      </p:sp>
+      <p:pic>
+        <p:nvPicPr>
+          <p:cNvPr id="2" name="Google Shape;279;p47">
+            <a:extLst>
+              <a:ext uri="{FF2B5EF4-FFF2-40B4-BE49-F238E27FC236}">
+                <a16:creationId xmlns:a16="http://schemas.microsoft.com/office/drawing/2014/main" id="{9C64D319-7E42-3521-97C3-944FB5105914}"/>
+              </a:ext>
+            </a:extLst>
+          </p:cNvPr>
+          <p:cNvPicPr preferRelativeResize="0"/>
+          <p:nvPr/>
+        </p:nvPicPr>
+        <p:blipFill>
+          <a:blip r:embed="rId3">
+            <a:alphaModFix/>
+          </a:blip>
+          <a:stretch>
+            <a:fillRect/>
+          </a:stretch>
+        </p:blipFill>
+        <p:spPr>
+          <a:xfrm>
+            <a:off x="2831219" y="2811662"/>
+            <a:ext cx="5154928" cy="819122"/>
+          </a:xfrm>
+          <a:prstGeom prst="rect">
+            <a:avLst/>
+          </a:prstGeom>
+          <a:noFill/>
+          <a:ln>
+            <a:noFill/>
+          </a:ln>
+        </p:spPr>
+      </p:pic>
+    </p:spTree>
+    <p:extLst>
+      <p:ext uri="{BB962C8B-B14F-4D97-AF65-F5344CB8AC3E}">
         <p14:creationId xmlns:p14="http://schemas.microsoft.com/office/powerpoint/2010/main" val="510883188"/>
       </p:ext>
     </p:extLst>
@@ -19734,7 +20823,7 @@
 </p:sld>
 </file>
 
-<file path=ppt/slides/slide37.xml><?xml version="1.0" encoding="utf-8"?>
+<file path=ppt/slides/slide39.xml><?xml version="1.0" encoding="utf-8"?>
 <p:sld xmlns:a="http://schemas.openxmlformats.org/drawingml/2006/main" xmlns:r="http://schemas.openxmlformats.org/officeDocument/2006/relationships" xmlns:p="http://schemas.openxmlformats.org/presentationml/2006/main">
   <p:cSld>
     <p:spTree>
@@ -19910,7 +20999,208 @@
 </p:sld>
 </file>
 
-<file path=ppt/slides/slide38.xml><?xml version="1.0" encoding="utf-8"?>
+<file path=ppt/slides/slide4.xml><?xml version="1.0" encoding="utf-8"?>
+<p:sld xmlns:a="http://schemas.openxmlformats.org/drawingml/2006/main" xmlns:r="http://schemas.openxmlformats.org/officeDocument/2006/relationships" xmlns:p="http://schemas.openxmlformats.org/presentationml/2006/main">
+  <p:cSld>
+    <p:spTree>
+      <p:nvGrpSpPr>
+        <p:cNvPr id="1" name="Shape 56"/>
+        <p:cNvGrpSpPr/>
+        <p:nvPr/>
+      </p:nvGrpSpPr>
+      <p:grpSpPr>
+        <a:xfrm>
+          <a:off x="0" y="0"/>
+          <a:ext cx="0" cy="0"/>
+          <a:chOff x="0" y="0"/>
+          <a:chExt cx="0" cy="0"/>
+        </a:xfrm>
+      </p:grpSpPr>
+      <p:sp>
+        <p:nvSpPr>
+          <p:cNvPr id="57" name="Google Shape;57;p17"/>
+          <p:cNvSpPr txBox="1">
+            <a:spLocks noGrp="1"/>
+          </p:cNvSpPr>
+          <p:nvPr>
+            <p:ph type="body" idx="1"/>
+          </p:nvPr>
+        </p:nvSpPr>
+        <p:spPr>
+          <a:xfrm flipH="1">
+            <a:off x="246184" y="1305775"/>
+            <a:ext cx="11465169" cy="3418500"/>
+          </a:xfrm>
+          <a:prstGeom prst="rect">
+            <a:avLst/>
+          </a:prstGeom>
+        </p:spPr>
+        <p:txBody>
+          <a:bodyPr spcFirstLastPara="1" wrap="square" lIns="91425" tIns="91425" rIns="91425" bIns="91425" anchor="t" anchorCtr="0">
+            <a:noAutofit/>
+          </a:bodyPr>
+          <a:lstStyle/>
+          <a:p>
+            <a:pPr marL="0" indent="0">
+              <a:lnSpc>
+                <a:spcPct val="115000"/>
+              </a:lnSpc>
+              <a:spcBef>
+                <a:spcPts val="0"/>
+              </a:spcBef>
+              <a:buNone/>
+            </a:pPr>
+            <a:r>
+              <a:rPr lang="en" sz="2400" dirty="0">
+                <a:solidFill>
+                  <a:schemeClr val="tx1"/>
+                </a:solidFill>
+              </a:rPr>
+              <a:t>The following survey was used to determine if American’s have a good understanding of experimental design. </a:t>
+            </a:r>
+          </a:p>
+          <a:p>
+            <a:pPr marL="0" indent="0">
+              <a:lnSpc>
+                <a:spcPct val="115000"/>
+              </a:lnSpc>
+              <a:spcBef>
+                <a:spcPts val="0"/>
+              </a:spcBef>
+              <a:buNone/>
+            </a:pPr>
+            <a:endParaRPr lang="en" sz="2200" dirty="0">
+              <a:solidFill>
+                <a:schemeClr val="accent1"/>
+              </a:solidFill>
+            </a:endParaRPr>
+          </a:p>
+          <a:p>
+            <a:pPr marL="0" indent="0">
+              <a:lnSpc>
+                <a:spcPct val="115000"/>
+              </a:lnSpc>
+              <a:spcBef>
+                <a:spcPts val="0"/>
+              </a:spcBef>
+              <a:buNone/>
+            </a:pPr>
+            <a:r>
+              <a:rPr lang="en" sz="2200" dirty="0">
+                <a:solidFill>
+                  <a:schemeClr val="accent1"/>
+                </a:solidFill>
+              </a:rPr>
+              <a:t>Two scientists want to know if a certain drug is effective against high blood pressure. The first scientist wants to give the drug to 1000 people with high blood pressure and see how many of them experience lower blood pressure levels. The second scientist wants to give the drug to 500 people with high blood pressure, and not give the drug to another 500 people with high blood pressure, and see how many in both groups experience lower blood pressure levels. Which is the better way to test this drug?</a:t>
+            </a:r>
+            <a:endParaRPr sz="2200" dirty="0">
+              <a:solidFill>
+                <a:schemeClr val="accent1"/>
+              </a:solidFill>
+            </a:endParaRPr>
+          </a:p>
+          <a:p>
+            <a:pPr marL="0" indent="0">
+              <a:lnSpc>
+                <a:spcPct val="115000"/>
+              </a:lnSpc>
+              <a:spcBef>
+                <a:spcPts val="0"/>
+              </a:spcBef>
+              <a:buNone/>
+            </a:pPr>
+            <a:endParaRPr sz="2200" dirty="0">
+              <a:solidFill>
+                <a:schemeClr val="accent1"/>
+              </a:solidFill>
+            </a:endParaRPr>
+          </a:p>
+          <a:p>
+            <a:pPr indent="-368300">
+              <a:lnSpc>
+                <a:spcPct val="115000"/>
+              </a:lnSpc>
+              <a:spcBef>
+                <a:spcPts val="0"/>
+              </a:spcBef>
+              <a:buSzPts val="2200"/>
+              <a:buAutoNum type="alphaLcParenBoth"/>
+            </a:pPr>
+            <a:r>
+              <a:rPr lang="en" sz="2200" dirty="0"/>
+              <a:t>All 1000 get the drug</a:t>
+            </a:r>
+            <a:endParaRPr sz="2200" dirty="0"/>
+          </a:p>
+          <a:p>
+            <a:pPr indent="-368300">
+              <a:lnSpc>
+                <a:spcPct val="115000"/>
+              </a:lnSpc>
+              <a:spcBef>
+                <a:spcPts val="0"/>
+              </a:spcBef>
+              <a:buSzPts val="2200"/>
+              <a:buAutoNum type="alphaLcParenBoth"/>
+            </a:pPr>
+            <a:r>
+              <a:rPr lang="en" sz="2200" dirty="0"/>
+              <a:t>500 get the drug, 500 don’t</a:t>
+            </a:r>
+            <a:endParaRPr sz="2200" dirty="0"/>
+          </a:p>
+        </p:txBody>
+      </p:sp>
+      <p:sp>
+        <p:nvSpPr>
+          <p:cNvPr id="58" name="Google Shape;58;p17"/>
+          <p:cNvSpPr txBox="1">
+            <a:spLocks noGrp="1"/>
+          </p:cNvSpPr>
+          <p:nvPr>
+            <p:ph type="title"/>
+          </p:nvPr>
+        </p:nvSpPr>
+        <p:spPr>
+          <a:xfrm>
+            <a:off x="1981200" y="-12"/>
+            <a:ext cx="8229600" cy="1143000"/>
+          </a:xfrm>
+          <a:prstGeom prst="rect">
+            <a:avLst/>
+          </a:prstGeom>
+        </p:spPr>
+        <p:txBody>
+          <a:bodyPr spcFirstLastPara="1" wrap="square" lIns="91425" tIns="91425" rIns="91425" bIns="91425" anchor="b" anchorCtr="0">
+            <a:noAutofit/>
+          </a:bodyPr>
+          <a:lstStyle/>
+          <a:p>
+            <a:r>
+              <a:rPr lang="en" dirty="0">
+                <a:solidFill>
+                  <a:schemeClr val="accent1"/>
+                </a:solidFill>
+              </a:rPr>
+              <a:t>Motivating Example</a:t>
+            </a:r>
+            <a:endParaRPr baseline="30000" dirty="0">
+              <a:solidFill>
+                <a:schemeClr val="accent1"/>
+              </a:solidFill>
+            </a:endParaRPr>
+          </a:p>
+        </p:txBody>
+      </p:sp>
+    </p:spTree>
+  </p:cSld>
+  <p:clrMapOvr>
+    <a:masterClrMapping/>
+  </p:clrMapOvr>
+</p:sld>
+</file>
+
+<file path=ppt/slides/slide40.xml><?xml version="1.0" encoding="utf-8"?>
 <p:sld xmlns:a="http://schemas.openxmlformats.org/drawingml/2006/main" xmlns:r="http://schemas.openxmlformats.org/officeDocument/2006/relationships" xmlns:p="http://schemas.openxmlformats.org/presentationml/2006/main">
   <p:cSld>
     <p:spTree>
@@ -20330,7 +21620,7 @@
 </p:sld>
 </file>
 
-<file path=ppt/slides/slide39.xml><?xml version="1.0" encoding="utf-8"?>
+<file path=ppt/slides/slide41.xml><?xml version="1.0" encoding="utf-8"?>
 <p:sld xmlns:a="http://schemas.openxmlformats.org/drawingml/2006/main" xmlns:r="http://schemas.openxmlformats.org/officeDocument/2006/relationships" xmlns:p="http://schemas.openxmlformats.org/presentationml/2006/main">
   <p:cSld>
     <p:spTree>
@@ -20566,208 +21856,7 @@
 </p:sld>
 </file>
 
-<file path=ppt/slides/slide4.xml><?xml version="1.0" encoding="utf-8"?>
-<p:sld xmlns:a="http://schemas.openxmlformats.org/drawingml/2006/main" xmlns:r="http://schemas.openxmlformats.org/officeDocument/2006/relationships" xmlns:p="http://schemas.openxmlformats.org/presentationml/2006/main">
-  <p:cSld>
-    <p:spTree>
-      <p:nvGrpSpPr>
-        <p:cNvPr id="1" name="Shape 56"/>
-        <p:cNvGrpSpPr/>
-        <p:nvPr/>
-      </p:nvGrpSpPr>
-      <p:grpSpPr>
-        <a:xfrm>
-          <a:off x="0" y="0"/>
-          <a:ext cx="0" cy="0"/>
-          <a:chOff x="0" y="0"/>
-          <a:chExt cx="0" cy="0"/>
-        </a:xfrm>
-      </p:grpSpPr>
-      <p:sp>
-        <p:nvSpPr>
-          <p:cNvPr id="57" name="Google Shape;57;p17"/>
-          <p:cNvSpPr txBox="1">
-            <a:spLocks noGrp="1"/>
-          </p:cNvSpPr>
-          <p:nvPr>
-            <p:ph type="body" idx="1"/>
-          </p:nvPr>
-        </p:nvSpPr>
-        <p:spPr>
-          <a:xfrm flipH="1">
-            <a:off x="246184" y="1305775"/>
-            <a:ext cx="11465169" cy="3418500"/>
-          </a:xfrm>
-          <a:prstGeom prst="rect">
-            <a:avLst/>
-          </a:prstGeom>
-        </p:spPr>
-        <p:txBody>
-          <a:bodyPr spcFirstLastPara="1" wrap="square" lIns="91425" tIns="91425" rIns="91425" bIns="91425" anchor="t" anchorCtr="0">
-            <a:noAutofit/>
-          </a:bodyPr>
-          <a:lstStyle/>
-          <a:p>
-            <a:pPr marL="0" indent="0">
-              <a:lnSpc>
-                <a:spcPct val="115000"/>
-              </a:lnSpc>
-              <a:spcBef>
-                <a:spcPts val="0"/>
-              </a:spcBef>
-              <a:buNone/>
-            </a:pPr>
-            <a:r>
-              <a:rPr lang="en" sz="2400" dirty="0">
-                <a:solidFill>
-                  <a:schemeClr val="tx1"/>
-                </a:solidFill>
-              </a:rPr>
-              <a:t>The following survey was used to determine if American’s have a good understanding of experimental design. </a:t>
-            </a:r>
-          </a:p>
-          <a:p>
-            <a:pPr marL="0" indent="0">
-              <a:lnSpc>
-                <a:spcPct val="115000"/>
-              </a:lnSpc>
-              <a:spcBef>
-                <a:spcPts val="0"/>
-              </a:spcBef>
-              <a:buNone/>
-            </a:pPr>
-            <a:endParaRPr lang="en" sz="2200" dirty="0">
-              <a:solidFill>
-                <a:schemeClr val="accent1"/>
-              </a:solidFill>
-            </a:endParaRPr>
-          </a:p>
-          <a:p>
-            <a:pPr marL="0" indent="0">
-              <a:lnSpc>
-                <a:spcPct val="115000"/>
-              </a:lnSpc>
-              <a:spcBef>
-                <a:spcPts val="0"/>
-              </a:spcBef>
-              <a:buNone/>
-            </a:pPr>
-            <a:r>
-              <a:rPr lang="en" sz="2200" dirty="0">
-                <a:solidFill>
-                  <a:schemeClr val="accent1"/>
-                </a:solidFill>
-              </a:rPr>
-              <a:t>Two scientists want to know if a certain drug is effective against high blood pressure. The first scientist wants to give the drug to 1000 people with high blood pressure and see how many of them experience lower blood pressure levels. The second scientist wants to give the drug to 500 people with high blood pressure, and not give the drug to another 500 people with high blood pressure, and see how many in both groups experience lower blood pressure levels. Which is the better way to test this drug?</a:t>
-            </a:r>
-            <a:endParaRPr sz="2200" dirty="0">
-              <a:solidFill>
-                <a:schemeClr val="accent1"/>
-              </a:solidFill>
-            </a:endParaRPr>
-          </a:p>
-          <a:p>
-            <a:pPr marL="0" indent="0">
-              <a:lnSpc>
-                <a:spcPct val="115000"/>
-              </a:lnSpc>
-              <a:spcBef>
-                <a:spcPts val="0"/>
-              </a:spcBef>
-              <a:buNone/>
-            </a:pPr>
-            <a:endParaRPr sz="2200" dirty="0">
-              <a:solidFill>
-                <a:schemeClr val="accent1"/>
-              </a:solidFill>
-            </a:endParaRPr>
-          </a:p>
-          <a:p>
-            <a:pPr indent="-368300">
-              <a:lnSpc>
-                <a:spcPct val="115000"/>
-              </a:lnSpc>
-              <a:spcBef>
-                <a:spcPts val="0"/>
-              </a:spcBef>
-              <a:buSzPts val="2200"/>
-              <a:buAutoNum type="alphaLcParenBoth"/>
-            </a:pPr>
-            <a:r>
-              <a:rPr lang="en" sz="2200" dirty="0"/>
-              <a:t>All 1000 get the drug</a:t>
-            </a:r>
-            <a:endParaRPr sz="2200" dirty="0"/>
-          </a:p>
-          <a:p>
-            <a:pPr indent="-368300">
-              <a:lnSpc>
-                <a:spcPct val="115000"/>
-              </a:lnSpc>
-              <a:spcBef>
-                <a:spcPts val="0"/>
-              </a:spcBef>
-              <a:buSzPts val="2200"/>
-              <a:buAutoNum type="alphaLcParenBoth"/>
-            </a:pPr>
-            <a:r>
-              <a:rPr lang="en" sz="2200" dirty="0"/>
-              <a:t>500 get the drug, 500 don’t</a:t>
-            </a:r>
-            <a:endParaRPr sz="2200" dirty="0"/>
-          </a:p>
-        </p:txBody>
-      </p:sp>
-      <p:sp>
-        <p:nvSpPr>
-          <p:cNvPr id="58" name="Google Shape;58;p17"/>
-          <p:cNvSpPr txBox="1">
-            <a:spLocks noGrp="1"/>
-          </p:cNvSpPr>
-          <p:nvPr>
-            <p:ph type="title"/>
-          </p:nvPr>
-        </p:nvSpPr>
-        <p:spPr>
-          <a:xfrm>
-            <a:off x="1981200" y="-12"/>
-            <a:ext cx="8229600" cy="1143000"/>
-          </a:xfrm>
-          <a:prstGeom prst="rect">
-            <a:avLst/>
-          </a:prstGeom>
-        </p:spPr>
-        <p:txBody>
-          <a:bodyPr spcFirstLastPara="1" wrap="square" lIns="91425" tIns="91425" rIns="91425" bIns="91425" anchor="b" anchorCtr="0">
-            <a:noAutofit/>
-          </a:bodyPr>
-          <a:lstStyle/>
-          <a:p>
-            <a:r>
-              <a:rPr lang="en" dirty="0">
-                <a:solidFill>
-                  <a:schemeClr val="accent1"/>
-                </a:solidFill>
-              </a:rPr>
-              <a:t>Motivating Example</a:t>
-            </a:r>
-            <a:endParaRPr baseline="30000" dirty="0">
-              <a:solidFill>
-                <a:schemeClr val="accent1"/>
-              </a:solidFill>
-            </a:endParaRPr>
-          </a:p>
-        </p:txBody>
-      </p:sp>
-    </p:spTree>
-  </p:cSld>
-  <p:clrMapOvr>
-    <a:masterClrMapping/>
-  </p:clrMapOvr>
-</p:sld>
-</file>
-
-<file path=ppt/slides/slide40.xml><?xml version="1.0" encoding="utf-8"?>
+<file path=ppt/slides/slide42.xml><?xml version="1.0" encoding="utf-8"?>
 <p:sld xmlns:a="http://schemas.openxmlformats.org/drawingml/2006/main" xmlns:r="http://schemas.openxmlformats.org/officeDocument/2006/relationships" xmlns:p="http://schemas.openxmlformats.org/presentationml/2006/main">
   <p:cSld>
     <p:spTree>
@@ -21028,8 +22117,8 @@
           </a:ln>
         </p:spPr>
       </p:pic>
-      <mc:AlternateContent xmlns:mc="http://schemas.openxmlformats.org/markup-compatibility/2006">
-        <mc:Choice xmlns:a14="http://schemas.microsoft.com/office/drawing/2010/main" Requires="a14">
+      <mc:AlternateContent xmlns:mc="http://schemas.openxmlformats.org/markup-compatibility/2006" xmlns:a14="http://schemas.microsoft.com/office/drawing/2010/main">
+        <mc:Choice Requires="a14">
           <p:sp>
             <p:nvSpPr>
               <p:cNvPr id="3" name="TextBox 2">
@@ -21058,6 +22147,7 @@
               </a:bodyPr>
               <a:lstStyle/>
               <a:p>
+                <a:pPr/>
                 <a14:m>
                   <m:oMathPara xmlns:m="http://schemas.openxmlformats.org/officeDocument/2006/math">
                     <m:oMathParaPr>
@@ -21121,7 +22211,7 @@
             </p:txBody>
           </p:sp>
         </mc:Choice>
-        <mc:Fallback>
+        <mc:Fallback xmlns="">
           <p:sp>
             <p:nvSpPr>
               <p:cNvPr id="3" name="TextBox 2">
@@ -21179,7 +22269,7 @@
 </p:sld>
 </file>
 
-<file path=ppt/slides/slide41.xml><?xml version="1.0" encoding="utf-8"?>
+<file path=ppt/slides/slide43.xml><?xml version="1.0" encoding="utf-8"?>
 <p:sld xmlns:a="http://schemas.openxmlformats.org/drawingml/2006/main" xmlns:r="http://schemas.openxmlformats.org/officeDocument/2006/relationships" xmlns:p="http://schemas.openxmlformats.org/presentationml/2006/main">
   <p:cSld>
     <p:spTree>
@@ -21417,7 +22507,7 @@
 </p:sld>
 </file>
 
-<file path=ppt/slides/slide42.xml><?xml version="1.0" encoding="utf-8"?>
+<file path=ppt/slides/slide44.xml><?xml version="1.0" encoding="utf-8"?>
 <p:sld xmlns:a="http://schemas.openxmlformats.org/drawingml/2006/main" xmlns:r="http://schemas.openxmlformats.org/officeDocument/2006/relationships" xmlns:p="http://schemas.openxmlformats.org/presentationml/2006/main">
   <p:cSld>
     <p:spTree>
@@ -21678,8 +22768,8 @@
           </a:ln>
         </p:spPr>
       </p:pic>
-      <mc:AlternateContent xmlns:mc="http://schemas.openxmlformats.org/markup-compatibility/2006">
-        <mc:Choice xmlns:a14="http://schemas.microsoft.com/office/drawing/2010/main" Requires="a14">
+      <mc:AlternateContent xmlns:mc="http://schemas.openxmlformats.org/markup-compatibility/2006" xmlns:a14="http://schemas.microsoft.com/office/drawing/2010/main">
+        <mc:Choice Requires="a14">
           <p:sp>
             <p:nvSpPr>
               <p:cNvPr id="3" name="TextBox 2">
@@ -21708,6 +22798,7 @@
               </a:bodyPr>
               <a:lstStyle/>
               <a:p>
+                <a:pPr/>
                 <a14:m>
                   <m:oMathPara xmlns:m="http://schemas.openxmlformats.org/officeDocument/2006/math">
                     <m:oMathParaPr>
@@ -21771,7 +22862,7 @@
             </p:txBody>
           </p:sp>
         </mc:Choice>
-        <mc:Fallback>
+        <mc:Fallback xmlns="">
           <p:sp>
             <p:nvSpPr>
               <p:cNvPr id="3" name="TextBox 2">
@@ -21863,7 +22954,7 @@
 </p:sld>
 </file>
 
-<file path=ppt/slides/slide43.xml><?xml version="1.0" encoding="utf-8"?>
+<file path=ppt/slides/slide45.xml><?xml version="1.0" encoding="utf-8"?>
 <p:sld xmlns:a="http://schemas.openxmlformats.org/drawingml/2006/main" xmlns:r="http://schemas.openxmlformats.org/officeDocument/2006/relationships" xmlns:p="http://schemas.openxmlformats.org/presentationml/2006/main">
   <p:cSld>
     <p:spTree>
@@ -22124,8 +23215,8 @@
           </a:ln>
         </p:spPr>
       </p:pic>
-      <mc:AlternateContent xmlns:mc="http://schemas.openxmlformats.org/markup-compatibility/2006">
-        <mc:Choice xmlns:a14="http://schemas.microsoft.com/office/drawing/2010/main" Requires="a14">
+      <mc:AlternateContent xmlns:mc="http://schemas.openxmlformats.org/markup-compatibility/2006" xmlns:a14="http://schemas.microsoft.com/office/drawing/2010/main">
+        <mc:Choice Requires="a14">
           <p:sp>
             <p:nvSpPr>
               <p:cNvPr id="3" name="TextBox 2">
@@ -22154,6 +23245,7 @@
               </a:bodyPr>
               <a:lstStyle/>
               <a:p>
+                <a:pPr/>
                 <a14:m>
                   <m:oMathPara xmlns:m="http://schemas.openxmlformats.org/officeDocument/2006/math">
                     <m:oMathParaPr>
@@ -22217,7 +23309,7 @@
             </p:txBody>
           </p:sp>
         </mc:Choice>
-        <mc:Fallback>
+        <mc:Fallback xmlns="">
           <p:sp>
             <p:nvSpPr>
               <p:cNvPr id="3" name="TextBox 2">
@@ -22296,8 +23388,8 @@
           </a:ln>
         </p:spPr>
       </p:pic>
-      <mc:AlternateContent xmlns:mc="http://schemas.openxmlformats.org/markup-compatibility/2006">
-        <mc:Choice xmlns:a14="http://schemas.microsoft.com/office/drawing/2010/main" Requires="a14">
+      <mc:AlternateContent xmlns:mc="http://schemas.openxmlformats.org/markup-compatibility/2006" xmlns:a14="http://schemas.microsoft.com/office/drawing/2010/main">
+        <mc:Choice Requires="a14">
           <p:sp>
             <p:nvSpPr>
               <p:cNvPr id="5" name="TextBox 4">
@@ -22432,7 +23524,7 @@
             </p:txBody>
           </p:sp>
         </mc:Choice>
-        <mc:Fallback>
+        <mc:Fallback xmlns="">
           <p:sp>
             <p:nvSpPr>
               <p:cNvPr id="5" name="TextBox 4">
@@ -22477,8 +23569,8 @@
           </p:sp>
         </mc:Fallback>
       </mc:AlternateContent>
-      <mc:AlternateContent xmlns:mc="http://schemas.openxmlformats.org/markup-compatibility/2006">
-        <mc:Choice xmlns:a14="http://schemas.microsoft.com/office/drawing/2010/main" Requires="a14">
+      <mc:AlternateContent xmlns:mc="http://schemas.openxmlformats.org/markup-compatibility/2006" xmlns:a14="http://schemas.microsoft.com/office/drawing/2010/main">
+        <mc:Choice Requires="a14">
           <p:sp>
             <p:nvSpPr>
               <p:cNvPr id="6" name="TextBox 5">
@@ -22507,6 +23599,7 @@
               </a:bodyPr>
               <a:lstStyle/>
               <a:p>
+                <a:pPr/>
                 <a14:m>
                   <m:oMathPara xmlns:m="http://schemas.openxmlformats.org/officeDocument/2006/math">
                     <m:oMathParaPr>
@@ -22701,7 +23794,7 @@
             </p:txBody>
           </p:sp>
         </mc:Choice>
-        <mc:Fallback>
+        <mc:Fallback xmlns="">
           <p:sp>
             <p:nvSpPr>
               <p:cNvPr id="6" name="TextBox 5">
@@ -22746,8 +23839,8 @@
           </p:sp>
         </mc:Fallback>
       </mc:AlternateContent>
-      <mc:AlternateContent xmlns:mc="http://schemas.openxmlformats.org/markup-compatibility/2006">
-        <mc:Choice xmlns:a14="http://schemas.microsoft.com/office/drawing/2010/main" Requires="a14">
+      <mc:AlternateContent xmlns:mc="http://schemas.openxmlformats.org/markup-compatibility/2006" xmlns:a14="http://schemas.microsoft.com/office/drawing/2010/main">
+        <mc:Choice Requires="a14">
           <p:sp>
             <p:nvSpPr>
               <p:cNvPr id="7" name="TextBox 6">
@@ -22798,19 +23891,7 @@
                           <a:rPr lang="en-US" i="1">
                             <a:latin typeface="Cambria Math" panose="02040503050406030204" pitchFamily="18" charset="0"/>
                           </a:rPr>
-                          <m:t>0.85</m:t>
-                        </m:r>
-                        <m:r>
-                          <a:rPr lang="en-US" i="1">
-                            <a:latin typeface="Cambria Math" panose="02040503050406030204" pitchFamily="18" charset="0"/>
-                          </a:rPr>
-                          <m:t> −</m:t>
-                        </m:r>
-                        <m:r>
-                          <a:rPr lang="en-US" i="1">
-                            <a:latin typeface="Cambria Math" panose="02040503050406030204" pitchFamily="18" charset="0"/>
-                          </a:rPr>
-                          <m:t> .8</m:t>
+                          <m:t>0.85 − .8</m:t>
                         </m:r>
                         <m:r>
                           <a:rPr lang="en-US" b="0" i="1" smtClean="0">
@@ -22844,7 +23925,7 @@
             </p:txBody>
           </p:sp>
         </mc:Choice>
-        <mc:Fallback>
+        <mc:Fallback xmlns="">
           <p:sp>
             <p:nvSpPr>
               <p:cNvPr id="7" name="TextBox 6">
@@ -22902,7 +23983,7 @@
 </p:sld>
 </file>
 
-<file path=ppt/slides/slide44.xml><?xml version="1.0" encoding="utf-8"?>
+<file path=ppt/slides/slide46.xml><?xml version="1.0" encoding="utf-8"?>
 <p:sld xmlns:a="http://schemas.openxmlformats.org/drawingml/2006/main" xmlns:r="http://schemas.openxmlformats.org/officeDocument/2006/relationships" xmlns:p="http://schemas.openxmlformats.org/presentationml/2006/main">
   <p:cSld>
     <p:spTree>
@@ -23163,8 +24244,8 @@
           </a:ln>
         </p:spPr>
       </p:pic>
-      <mc:AlternateContent xmlns:mc="http://schemas.openxmlformats.org/markup-compatibility/2006">
-        <mc:Choice xmlns:a14="http://schemas.microsoft.com/office/drawing/2010/main" Requires="a14">
+      <mc:AlternateContent xmlns:mc="http://schemas.openxmlformats.org/markup-compatibility/2006" xmlns:a14="http://schemas.microsoft.com/office/drawing/2010/main">
+        <mc:Choice Requires="a14">
           <p:sp>
             <p:nvSpPr>
               <p:cNvPr id="3" name="TextBox 2">
@@ -23193,6 +24274,7 @@
               </a:bodyPr>
               <a:lstStyle/>
               <a:p>
+                <a:pPr/>
                 <a14:m>
                   <m:oMathPara xmlns:m="http://schemas.openxmlformats.org/officeDocument/2006/math">
                     <m:oMathParaPr>
@@ -23256,7 +24338,7 @@
             </p:txBody>
           </p:sp>
         </mc:Choice>
-        <mc:Fallback>
+        <mc:Fallback xmlns="">
           <p:sp>
             <p:nvSpPr>
               <p:cNvPr id="3" name="TextBox 2">
@@ -23335,8 +24417,8 @@
           </a:ln>
         </p:spPr>
       </p:pic>
-      <mc:AlternateContent xmlns:mc="http://schemas.openxmlformats.org/markup-compatibility/2006">
-        <mc:Choice xmlns:a14="http://schemas.microsoft.com/office/drawing/2010/main" Requires="a14">
+      <mc:AlternateContent xmlns:mc="http://schemas.openxmlformats.org/markup-compatibility/2006" xmlns:a14="http://schemas.microsoft.com/office/drawing/2010/main">
+        <mc:Choice Requires="a14">
           <p:sp>
             <p:nvSpPr>
               <p:cNvPr id="5" name="TextBox 4">
@@ -23471,7 +24553,7 @@
             </p:txBody>
           </p:sp>
         </mc:Choice>
-        <mc:Fallback>
+        <mc:Fallback xmlns="">
           <p:sp>
             <p:nvSpPr>
               <p:cNvPr id="5" name="TextBox 4">
@@ -23516,8 +24598,8 @@
           </p:sp>
         </mc:Fallback>
       </mc:AlternateContent>
-      <mc:AlternateContent xmlns:mc="http://schemas.openxmlformats.org/markup-compatibility/2006">
-        <mc:Choice xmlns:a14="http://schemas.microsoft.com/office/drawing/2010/main" Requires="a14">
+      <mc:AlternateContent xmlns:mc="http://schemas.openxmlformats.org/markup-compatibility/2006" xmlns:a14="http://schemas.microsoft.com/office/drawing/2010/main">
+        <mc:Choice Requires="a14">
           <p:sp>
             <p:nvSpPr>
               <p:cNvPr id="6" name="TextBox 5">
@@ -23546,6 +24628,7 @@
               </a:bodyPr>
               <a:lstStyle/>
               <a:p>
+                <a:pPr/>
                 <a14:m>
                   <m:oMathPara xmlns:m="http://schemas.openxmlformats.org/officeDocument/2006/math">
                     <m:oMathParaPr>
@@ -23740,7 +24823,7 @@
             </p:txBody>
           </p:sp>
         </mc:Choice>
-        <mc:Fallback>
+        <mc:Fallback xmlns="">
           <p:sp>
             <p:nvSpPr>
               <p:cNvPr id="6" name="TextBox 5">
@@ -23785,8 +24868,8 @@
           </p:sp>
         </mc:Fallback>
       </mc:AlternateContent>
-      <mc:AlternateContent xmlns:mc="http://schemas.openxmlformats.org/markup-compatibility/2006">
-        <mc:Choice xmlns:a14="http://schemas.microsoft.com/office/drawing/2010/main" Requires="a14">
+      <mc:AlternateContent xmlns:mc="http://schemas.openxmlformats.org/markup-compatibility/2006" xmlns:a14="http://schemas.microsoft.com/office/drawing/2010/main">
+        <mc:Choice Requires="a14">
           <p:sp>
             <p:nvSpPr>
               <p:cNvPr id="7" name="TextBox 6">
@@ -23837,19 +24920,7 @@
                           <a:rPr lang="en-US" i="1">
                             <a:latin typeface="Cambria Math" panose="02040503050406030204" pitchFamily="18" charset="0"/>
                           </a:rPr>
-                          <m:t>0.85</m:t>
-                        </m:r>
-                        <m:r>
-                          <a:rPr lang="en-US" i="1">
-                            <a:latin typeface="Cambria Math" panose="02040503050406030204" pitchFamily="18" charset="0"/>
-                          </a:rPr>
-                          <m:t> −</m:t>
-                        </m:r>
-                        <m:r>
-                          <a:rPr lang="en-US" i="1">
-                            <a:latin typeface="Cambria Math" panose="02040503050406030204" pitchFamily="18" charset="0"/>
-                          </a:rPr>
-                          <m:t> .8</m:t>
+                          <m:t>0.85 − .8</m:t>
                         </m:r>
                         <m:r>
                           <a:rPr lang="en-US" b="0" i="1" smtClean="0">
@@ -23883,7 +24954,7 @@
             </p:txBody>
           </p:sp>
         </mc:Choice>
-        <mc:Fallback>
+        <mc:Fallback xmlns="">
           <p:sp>
             <p:nvSpPr>
               <p:cNvPr id="7" name="TextBox 6">
@@ -23989,7 +25060,7 @@
 </p:sld>
 </file>
 
-<file path=ppt/slides/slide45.xml><?xml version="1.0" encoding="utf-8"?>
+<file path=ppt/slides/slide47.xml><?xml version="1.0" encoding="utf-8"?>
 <p:sld xmlns:a="http://schemas.openxmlformats.org/drawingml/2006/main" xmlns:r="http://schemas.openxmlformats.org/officeDocument/2006/relationships" xmlns:p="http://schemas.openxmlformats.org/presentationml/2006/main">
   <p:cSld>
     <p:spTree>
@@ -24250,8 +25321,8 @@
           </a:ln>
         </p:spPr>
       </p:pic>
-      <mc:AlternateContent xmlns:mc="http://schemas.openxmlformats.org/markup-compatibility/2006">
-        <mc:Choice xmlns:a14="http://schemas.microsoft.com/office/drawing/2010/main" Requires="a14">
+      <mc:AlternateContent xmlns:mc="http://schemas.openxmlformats.org/markup-compatibility/2006" xmlns:a14="http://schemas.microsoft.com/office/drawing/2010/main">
+        <mc:Choice Requires="a14">
           <p:sp>
             <p:nvSpPr>
               <p:cNvPr id="3" name="TextBox 2">
@@ -24280,6 +25351,7 @@
               </a:bodyPr>
               <a:lstStyle/>
               <a:p>
+                <a:pPr/>
                 <a14:m>
                   <m:oMathPara xmlns:m="http://schemas.openxmlformats.org/officeDocument/2006/math">
                     <m:oMathParaPr>
@@ -24343,7 +25415,7 @@
             </p:txBody>
           </p:sp>
         </mc:Choice>
-        <mc:Fallback>
+        <mc:Fallback xmlns="">
           <p:sp>
             <p:nvSpPr>
               <p:cNvPr id="3" name="TextBox 2">
@@ -24422,8 +25494,8 @@
           </a:ln>
         </p:spPr>
       </p:pic>
-      <mc:AlternateContent xmlns:mc="http://schemas.openxmlformats.org/markup-compatibility/2006">
-        <mc:Choice xmlns:a14="http://schemas.microsoft.com/office/drawing/2010/main" Requires="a14">
+      <mc:AlternateContent xmlns:mc="http://schemas.openxmlformats.org/markup-compatibility/2006" xmlns:a14="http://schemas.microsoft.com/office/drawing/2010/main">
+        <mc:Choice Requires="a14">
           <p:sp>
             <p:nvSpPr>
               <p:cNvPr id="5" name="TextBox 4">
@@ -24558,7 +25630,7 @@
             </p:txBody>
           </p:sp>
         </mc:Choice>
-        <mc:Fallback>
+        <mc:Fallback xmlns="">
           <p:sp>
             <p:nvSpPr>
               <p:cNvPr id="5" name="TextBox 4">
@@ -24603,8 +25675,8 @@
           </p:sp>
         </mc:Fallback>
       </mc:AlternateContent>
-      <mc:AlternateContent xmlns:mc="http://schemas.openxmlformats.org/markup-compatibility/2006">
-        <mc:Choice xmlns:a14="http://schemas.microsoft.com/office/drawing/2010/main" Requires="a14">
+      <mc:AlternateContent xmlns:mc="http://schemas.openxmlformats.org/markup-compatibility/2006" xmlns:a14="http://schemas.microsoft.com/office/drawing/2010/main">
+        <mc:Choice Requires="a14">
           <p:sp>
             <p:nvSpPr>
               <p:cNvPr id="6" name="TextBox 5">
@@ -24633,6 +25705,7 @@
               </a:bodyPr>
               <a:lstStyle/>
               <a:p>
+                <a:pPr/>
                 <a14:m>
                   <m:oMathPara xmlns:m="http://schemas.openxmlformats.org/officeDocument/2006/math">
                     <m:oMathParaPr>
@@ -24827,7 +25900,7 @@
             </p:txBody>
           </p:sp>
         </mc:Choice>
-        <mc:Fallback>
+        <mc:Fallback xmlns="">
           <p:sp>
             <p:nvSpPr>
               <p:cNvPr id="6" name="TextBox 5">
@@ -24872,8 +25945,8 @@
           </p:sp>
         </mc:Fallback>
       </mc:AlternateContent>
-      <mc:AlternateContent xmlns:mc="http://schemas.openxmlformats.org/markup-compatibility/2006">
-        <mc:Choice xmlns:a14="http://schemas.microsoft.com/office/drawing/2010/main" Requires="a14">
+      <mc:AlternateContent xmlns:mc="http://schemas.openxmlformats.org/markup-compatibility/2006" xmlns:a14="http://schemas.microsoft.com/office/drawing/2010/main">
+        <mc:Choice Requires="a14">
           <p:sp>
             <p:nvSpPr>
               <p:cNvPr id="7" name="TextBox 6">
@@ -24924,19 +25997,7 @@
                           <a:rPr lang="en-US" i="1">
                             <a:latin typeface="Cambria Math" panose="02040503050406030204" pitchFamily="18" charset="0"/>
                           </a:rPr>
-                          <m:t>0.85</m:t>
-                        </m:r>
-                        <m:r>
-                          <a:rPr lang="en-US" i="1">
-                            <a:latin typeface="Cambria Math" panose="02040503050406030204" pitchFamily="18" charset="0"/>
-                          </a:rPr>
-                          <m:t> −</m:t>
-                        </m:r>
-                        <m:r>
-                          <a:rPr lang="en-US" i="1">
-                            <a:latin typeface="Cambria Math" panose="02040503050406030204" pitchFamily="18" charset="0"/>
-                          </a:rPr>
-                          <m:t> .8</m:t>
+                          <m:t>0.85 − .8</m:t>
                         </m:r>
                         <m:r>
                           <a:rPr lang="en-US" b="0" i="1" smtClean="0">
@@ -24970,7 +26031,7 @@
             </p:txBody>
           </p:sp>
         </mc:Choice>
-        <mc:Fallback>
+        <mc:Fallback xmlns="">
           <p:sp>
             <p:nvSpPr>
               <p:cNvPr id="7" name="TextBox 6">
@@ -25106,7 +26167,7 @@
 </p:sld>
 </file>
 
-<file path=ppt/slides/slide46.xml><?xml version="1.0" encoding="utf-8"?>
+<file path=ppt/slides/slide48.xml><?xml version="1.0" encoding="utf-8"?>
 <p:sld xmlns:a="http://schemas.openxmlformats.org/drawingml/2006/main" xmlns:r="http://schemas.openxmlformats.org/officeDocument/2006/relationships" xmlns:p="http://schemas.openxmlformats.org/presentationml/2006/main">
   <p:cSld>
     <p:spTree>
@@ -25367,8 +26428,8 @@
           </a:ln>
         </p:spPr>
       </p:pic>
-      <mc:AlternateContent xmlns:mc="http://schemas.openxmlformats.org/markup-compatibility/2006">
-        <mc:Choice xmlns:a14="http://schemas.microsoft.com/office/drawing/2010/main" Requires="a14">
+      <mc:AlternateContent xmlns:mc="http://schemas.openxmlformats.org/markup-compatibility/2006" xmlns:a14="http://schemas.microsoft.com/office/drawing/2010/main">
+        <mc:Choice Requires="a14">
           <p:sp>
             <p:nvSpPr>
               <p:cNvPr id="7" name="TextBox 6">
@@ -25433,7 +26494,7 @@
             </p:txBody>
           </p:sp>
         </mc:Choice>
-        <mc:Fallback>
+        <mc:Fallback xmlns="">
           <p:sp>
             <p:nvSpPr>
               <p:cNvPr id="7" name="TextBox 6">
@@ -25585,7 +26646,7 @@
 </p:sld>
 </file>
 
-<file path=ppt/slides/slide47.xml><?xml version="1.0" encoding="utf-8"?>
+<file path=ppt/slides/slide49.xml><?xml version="1.0" encoding="utf-8"?>
 <p:sld xmlns:a="http://schemas.openxmlformats.org/drawingml/2006/main" xmlns:r="http://schemas.openxmlformats.org/officeDocument/2006/relationships" xmlns:p="http://schemas.openxmlformats.org/presentationml/2006/main">
   <p:cSld>
     <p:spTree>
@@ -25846,8 +26907,8 @@
           </a:ln>
         </p:spPr>
       </p:pic>
-      <mc:AlternateContent xmlns:mc="http://schemas.openxmlformats.org/markup-compatibility/2006">
-        <mc:Choice xmlns:a14="http://schemas.microsoft.com/office/drawing/2010/main" Requires="a14">
+      <mc:AlternateContent xmlns:mc="http://schemas.openxmlformats.org/markup-compatibility/2006" xmlns:a14="http://schemas.microsoft.com/office/drawing/2010/main">
+        <mc:Choice Requires="a14">
           <p:sp>
             <p:nvSpPr>
               <p:cNvPr id="7" name="TextBox 6">
@@ -25912,7 +26973,7 @@
             </p:txBody>
           </p:sp>
         </mc:Choice>
-        <mc:Fallback>
+        <mc:Fallback xmlns="">
           <p:sp>
             <p:nvSpPr>
               <p:cNvPr id="7" name="TextBox 6">
@@ -26145,7 +27206,221 @@
 </p:sld>
 </file>
 
-<file path=ppt/slides/slide48.xml><?xml version="1.0" encoding="utf-8"?>
+<file path=ppt/slides/slide5.xml><?xml version="1.0" encoding="utf-8"?>
+<p:sld xmlns:a="http://schemas.openxmlformats.org/drawingml/2006/main" xmlns:r="http://schemas.openxmlformats.org/officeDocument/2006/relationships" xmlns:p="http://schemas.openxmlformats.org/presentationml/2006/main">
+  <p:cSld>
+    <p:spTree>
+      <p:nvGrpSpPr>
+        <p:cNvPr id="1" name="Shape 56"/>
+        <p:cNvGrpSpPr/>
+        <p:nvPr/>
+      </p:nvGrpSpPr>
+      <p:grpSpPr>
+        <a:xfrm>
+          <a:off x="0" y="0"/>
+          <a:ext cx="0" cy="0"/>
+          <a:chOff x="0" y="0"/>
+          <a:chExt cx="0" cy="0"/>
+        </a:xfrm>
+      </p:grpSpPr>
+      <p:sp>
+        <p:nvSpPr>
+          <p:cNvPr id="57" name="Google Shape;57;p17"/>
+          <p:cNvSpPr txBox="1">
+            <a:spLocks noGrp="1"/>
+          </p:cNvSpPr>
+          <p:nvPr>
+            <p:ph type="body" idx="1"/>
+          </p:nvPr>
+        </p:nvSpPr>
+        <p:spPr>
+          <a:xfrm flipH="1">
+            <a:off x="246184" y="1305775"/>
+            <a:ext cx="11465169" cy="3418500"/>
+          </a:xfrm>
+          <a:prstGeom prst="rect">
+            <a:avLst/>
+          </a:prstGeom>
+        </p:spPr>
+        <p:txBody>
+          <a:bodyPr spcFirstLastPara="1" wrap="square" lIns="91425" tIns="91425" rIns="91425" bIns="91425" anchor="t" anchorCtr="0">
+            <a:noAutofit/>
+          </a:bodyPr>
+          <a:lstStyle/>
+          <a:p>
+            <a:pPr marL="0" indent="0">
+              <a:lnSpc>
+                <a:spcPct val="115000"/>
+              </a:lnSpc>
+              <a:spcBef>
+                <a:spcPts val="0"/>
+              </a:spcBef>
+              <a:buNone/>
+            </a:pPr>
+            <a:r>
+              <a:rPr lang="en" sz="2400" dirty="0">
+                <a:solidFill>
+                  <a:schemeClr val="tx1"/>
+                </a:solidFill>
+              </a:rPr>
+              <a:t>The following survey was used to determine if American’s have a good understanding of experimental design. </a:t>
+            </a:r>
+          </a:p>
+          <a:p>
+            <a:pPr marL="0" indent="0">
+              <a:lnSpc>
+                <a:spcPct val="115000"/>
+              </a:lnSpc>
+              <a:spcBef>
+                <a:spcPts val="0"/>
+              </a:spcBef>
+              <a:buNone/>
+            </a:pPr>
+            <a:endParaRPr lang="en" sz="2200" dirty="0">
+              <a:solidFill>
+                <a:schemeClr val="accent1"/>
+              </a:solidFill>
+            </a:endParaRPr>
+          </a:p>
+          <a:p>
+            <a:pPr marL="0" indent="0">
+              <a:lnSpc>
+                <a:spcPct val="115000"/>
+              </a:lnSpc>
+              <a:spcBef>
+                <a:spcPts val="0"/>
+              </a:spcBef>
+              <a:buNone/>
+            </a:pPr>
+            <a:r>
+              <a:rPr lang="en" sz="2200" dirty="0">
+                <a:solidFill>
+                  <a:schemeClr val="accent1"/>
+                </a:solidFill>
+              </a:rPr>
+              <a:t>Two scientists want to know if a certain drug is effective against high blood pressure. The first scientist wants to give the drug to 1000 people with high blood pressure and see how many of them experience lower blood pressure levels. The second scientist wants to give the drug to 500 people with high blood pressure, and not give the drug to another 500 people with high blood pressure, and see how many in both groups experience lower blood pressure levels. Which is the better way to test this drug?</a:t>
+            </a:r>
+            <a:endParaRPr sz="2200" dirty="0">
+              <a:solidFill>
+                <a:schemeClr val="accent1"/>
+              </a:solidFill>
+            </a:endParaRPr>
+          </a:p>
+          <a:p>
+            <a:pPr marL="0" indent="0">
+              <a:lnSpc>
+                <a:spcPct val="115000"/>
+              </a:lnSpc>
+              <a:spcBef>
+                <a:spcPts val="0"/>
+              </a:spcBef>
+              <a:buNone/>
+            </a:pPr>
+            <a:endParaRPr sz="2200" dirty="0">
+              <a:solidFill>
+                <a:schemeClr val="accent1"/>
+              </a:solidFill>
+            </a:endParaRPr>
+          </a:p>
+          <a:p>
+            <a:pPr indent="-368300">
+              <a:lnSpc>
+                <a:spcPct val="115000"/>
+              </a:lnSpc>
+              <a:spcBef>
+                <a:spcPts val="0"/>
+              </a:spcBef>
+              <a:buSzPts val="2200"/>
+              <a:buAutoNum type="alphaLcParenBoth"/>
+            </a:pPr>
+            <a:r>
+              <a:rPr lang="en" sz="2200" dirty="0"/>
+              <a:t>All 1000 get the drug</a:t>
+            </a:r>
+            <a:endParaRPr sz="2200" dirty="0"/>
+          </a:p>
+          <a:p>
+            <a:pPr indent="-368300">
+              <a:lnSpc>
+                <a:spcPct val="115000"/>
+              </a:lnSpc>
+              <a:spcBef>
+                <a:spcPts val="0"/>
+              </a:spcBef>
+              <a:buSzPts val="2200"/>
+              <a:buAutoNum type="alphaLcParenBoth"/>
+            </a:pPr>
+            <a:r>
+              <a:rPr lang="en" sz="2200" dirty="0">
+                <a:solidFill>
+                  <a:srgbClr val="FFC000"/>
+                </a:solidFill>
+              </a:rPr>
+              <a:t>500 get the drug, 500 don’t</a:t>
+            </a:r>
+            <a:endParaRPr sz="2200" dirty="0">
+              <a:solidFill>
+                <a:srgbClr val="FFC000"/>
+              </a:solidFill>
+            </a:endParaRPr>
+          </a:p>
+        </p:txBody>
+      </p:sp>
+      <p:sp>
+        <p:nvSpPr>
+          <p:cNvPr id="58" name="Google Shape;58;p17"/>
+          <p:cNvSpPr txBox="1">
+            <a:spLocks noGrp="1"/>
+          </p:cNvSpPr>
+          <p:nvPr>
+            <p:ph type="title"/>
+          </p:nvPr>
+        </p:nvSpPr>
+        <p:spPr>
+          <a:xfrm>
+            <a:off x="1981200" y="-12"/>
+            <a:ext cx="8229600" cy="1143000"/>
+          </a:xfrm>
+          <a:prstGeom prst="rect">
+            <a:avLst/>
+          </a:prstGeom>
+        </p:spPr>
+        <p:txBody>
+          <a:bodyPr spcFirstLastPara="1" wrap="square" lIns="91425" tIns="91425" rIns="91425" bIns="91425" anchor="b" anchorCtr="0">
+            <a:noAutofit/>
+          </a:bodyPr>
+          <a:lstStyle/>
+          <a:p>
+            <a:r>
+              <a:rPr lang="en" dirty="0">
+                <a:solidFill>
+                  <a:schemeClr val="accent1"/>
+                </a:solidFill>
+              </a:rPr>
+              <a:t>Motivating Example</a:t>
+            </a:r>
+            <a:endParaRPr baseline="30000" dirty="0">
+              <a:solidFill>
+                <a:schemeClr val="accent1"/>
+              </a:solidFill>
+            </a:endParaRPr>
+          </a:p>
+        </p:txBody>
+      </p:sp>
+    </p:spTree>
+    <p:extLst>
+      <p:ext uri="{BB962C8B-B14F-4D97-AF65-F5344CB8AC3E}">
+        <p14:creationId xmlns:p14="http://schemas.microsoft.com/office/powerpoint/2010/main" val="568848114"/>
+      </p:ext>
+    </p:extLst>
+  </p:cSld>
+  <p:clrMapOvr>
+    <a:masterClrMapping/>
+  </p:clrMapOvr>
+</p:sld>
+</file>
+
+<file path=ppt/slides/slide50.xml><?xml version="1.0" encoding="utf-8"?>
 <p:sld xmlns:a="http://schemas.openxmlformats.org/drawingml/2006/main" xmlns:r="http://schemas.openxmlformats.org/officeDocument/2006/relationships" xmlns:p="http://schemas.openxmlformats.org/presentationml/2006/main">
   <p:cSld>
     <p:spTree>
@@ -26406,8 +27681,8 @@
           </a:ln>
         </p:spPr>
       </p:pic>
-      <mc:AlternateContent xmlns:mc="http://schemas.openxmlformats.org/markup-compatibility/2006">
-        <mc:Choice xmlns:a14="http://schemas.microsoft.com/office/drawing/2010/main" Requires="a14">
+      <mc:AlternateContent xmlns:mc="http://schemas.openxmlformats.org/markup-compatibility/2006" xmlns:a14="http://schemas.microsoft.com/office/drawing/2010/main">
+        <mc:Choice Requires="a14">
           <p:sp>
             <p:nvSpPr>
               <p:cNvPr id="7" name="TextBox 6">
@@ -26472,7 +27747,7 @@
             </p:txBody>
           </p:sp>
         </mc:Choice>
-        <mc:Fallback>
+        <mc:Fallback xmlns="">
           <p:sp>
             <p:nvSpPr>
               <p:cNvPr id="7" name="TextBox 6">
@@ -26847,7 +28122,7 @@
 </p:sld>
 </file>
 
-<file path=ppt/slides/slide49.xml><?xml version="1.0" encoding="utf-8"?>
+<file path=ppt/slides/slide51.xml><?xml version="1.0" encoding="utf-8"?>
 <p:sld xmlns:a="http://schemas.openxmlformats.org/drawingml/2006/main" xmlns:r="http://schemas.openxmlformats.org/officeDocument/2006/relationships" xmlns:p="http://schemas.openxmlformats.org/presentationml/2006/main">
   <p:cSld>
     <p:spTree>
@@ -27108,8 +28383,8 @@
           </a:ln>
         </p:spPr>
       </p:pic>
-      <mc:AlternateContent xmlns:mc="http://schemas.openxmlformats.org/markup-compatibility/2006">
-        <mc:Choice xmlns:a14="http://schemas.microsoft.com/office/drawing/2010/main" Requires="a14">
+      <mc:AlternateContent xmlns:mc="http://schemas.openxmlformats.org/markup-compatibility/2006" xmlns:a14="http://schemas.microsoft.com/office/drawing/2010/main">
+        <mc:Choice Requires="a14">
           <p:sp>
             <p:nvSpPr>
               <p:cNvPr id="7" name="TextBox 6">
@@ -27174,7 +28449,7 @@
             </p:txBody>
           </p:sp>
         </mc:Choice>
-        <mc:Fallback>
+        <mc:Fallback xmlns="">
           <p:sp>
             <p:nvSpPr>
               <p:cNvPr id="7" name="TextBox 6">
@@ -27888,221 +29163,7 @@
 </p:sld>
 </file>
 
-<file path=ppt/slides/slide5.xml><?xml version="1.0" encoding="utf-8"?>
-<p:sld xmlns:a="http://schemas.openxmlformats.org/drawingml/2006/main" xmlns:r="http://schemas.openxmlformats.org/officeDocument/2006/relationships" xmlns:p="http://schemas.openxmlformats.org/presentationml/2006/main">
-  <p:cSld>
-    <p:spTree>
-      <p:nvGrpSpPr>
-        <p:cNvPr id="1" name="Shape 56"/>
-        <p:cNvGrpSpPr/>
-        <p:nvPr/>
-      </p:nvGrpSpPr>
-      <p:grpSpPr>
-        <a:xfrm>
-          <a:off x="0" y="0"/>
-          <a:ext cx="0" cy="0"/>
-          <a:chOff x="0" y="0"/>
-          <a:chExt cx="0" cy="0"/>
-        </a:xfrm>
-      </p:grpSpPr>
-      <p:sp>
-        <p:nvSpPr>
-          <p:cNvPr id="57" name="Google Shape;57;p17"/>
-          <p:cNvSpPr txBox="1">
-            <a:spLocks noGrp="1"/>
-          </p:cNvSpPr>
-          <p:nvPr>
-            <p:ph type="body" idx="1"/>
-          </p:nvPr>
-        </p:nvSpPr>
-        <p:spPr>
-          <a:xfrm flipH="1">
-            <a:off x="246184" y="1305775"/>
-            <a:ext cx="11465169" cy="3418500"/>
-          </a:xfrm>
-          <a:prstGeom prst="rect">
-            <a:avLst/>
-          </a:prstGeom>
-        </p:spPr>
-        <p:txBody>
-          <a:bodyPr spcFirstLastPara="1" wrap="square" lIns="91425" tIns="91425" rIns="91425" bIns="91425" anchor="t" anchorCtr="0">
-            <a:noAutofit/>
-          </a:bodyPr>
-          <a:lstStyle/>
-          <a:p>
-            <a:pPr marL="0" indent="0">
-              <a:lnSpc>
-                <a:spcPct val="115000"/>
-              </a:lnSpc>
-              <a:spcBef>
-                <a:spcPts val="0"/>
-              </a:spcBef>
-              <a:buNone/>
-            </a:pPr>
-            <a:r>
-              <a:rPr lang="en" sz="2400" dirty="0">
-                <a:solidFill>
-                  <a:schemeClr val="tx1"/>
-                </a:solidFill>
-              </a:rPr>
-              <a:t>The following survey was used to determine if American’s have a good understanding of experimental design. </a:t>
-            </a:r>
-          </a:p>
-          <a:p>
-            <a:pPr marL="0" indent="0">
-              <a:lnSpc>
-                <a:spcPct val="115000"/>
-              </a:lnSpc>
-              <a:spcBef>
-                <a:spcPts val="0"/>
-              </a:spcBef>
-              <a:buNone/>
-            </a:pPr>
-            <a:endParaRPr lang="en" sz="2200" dirty="0">
-              <a:solidFill>
-                <a:schemeClr val="accent1"/>
-              </a:solidFill>
-            </a:endParaRPr>
-          </a:p>
-          <a:p>
-            <a:pPr marL="0" indent="0">
-              <a:lnSpc>
-                <a:spcPct val="115000"/>
-              </a:lnSpc>
-              <a:spcBef>
-                <a:spcPts val="0"/>
-              </a:spcBef>
-              <a:buNone/>
-            </a:pPr>
-            <a:r>
-              <a:rPr lang="en" sz="2200" dirty="0">
-                <a:solidFill>
-                  <a:schemeClr val="accent1"/>
-                </a:solidFill>
-              </a:rPr>
-              <a:t>Two scientists want to know if a certain drug is effective against high blood pressure. The first scientist wants to give the drug to 1000 people with high blood pressure and see how many of them experience lower blood pressure levels. The second scientist wants to give the drug to 500 people with high blood pressure, and not give the drug to another 500 people with high blood pressure, and see how many in both groups experience lower blood pressure levels. Which is the better way to test this drug?</a:t>
-            </a:r>
-            <a:endParaRPr sz="2200" dirty="0">
-              <a:solidFill>
-                <a:schemeClr val="accent1"/>
-              </a:solidFill>
-            </a:endParaRPr>
-          </a:p>
-          <a:p>
-            <a:pPr marL="0" indent="0">
-              <a:lnSpc>
-                <a:spcPct val="115000"/>
-              </a:lnSpc>
-              <a:spcBef>
-                <a:spcPts val="0"/>
-              </a:spcBef>
-              <a:buNone/>
-            </a:pPr>
-            <a:endParaRPr sz="2200" dirty="0">
-              <a:solidFill>
-                <a:schemeClr val="accent1"/>
-              </a:solidFill>
-            </a:endParaRPr>
-          </a:p>
-          <a:p>
-            <a:pPr indent="-368300">
-              <a:lnSpc>
-                <a:spcPct val="115000"/>
-              </a:lnSpc>
-              <a:spcBef>
-                <a:spcPts val="0"/>
-              </a:spcBef>
-              <a:buSzPts val="2200"/>
-              <a:buAutoNum type="alphaLcParenBoth"/>
-            </a:pPr>
-            <a:r>
-              <a:rPr lang="en" sz="2200" dirty="0"/>
-              <a:t>All 1000 get the drug</a:t>
-            </a:r>
-            <a:endParaRPr sz="2200" dirty="0"/>
-          </a:p>
-          <a:p>
-            <a:pPr indent="-368300">
-              <a:lnSpc>
-                <a:spcPct val="115000"/>
-              </a:lnSpc>
-              <a:spcBef>
-                <a:spcPts val="0"/>
-              </a:spcBef>
-              <a:buSzPts val="2200"/>
-              <a:buAutoNum type="alphaLcParenBoth"/>
-            </a:pPr>
-            <a:r>
-              <a:rPr lang="en" sz="2200" dirty="0">
-                <a:solidFill>
-                  <a:srgbClr val="FFC000"/>
-                </a:solidFill>
-              </a:rPr>
-              <a:t>500 get the drug, 500 don’t</a:t>
-            </a:r>
-            <a:endParaRPr sz="2200" dirty="0">
-              <a:solidFill>
-                <a:srgbClr val="FFC000"/>
-              </a:solidFill>
-            </a:endParaRPr>
-          </a:p>
-        </p:txBody>
-      </p:sp>
-      <p:sp>
-        <p:nvSpPr>
-          <p:cNvPr id="58" name="Google Shape;58;p17"/>
-          <p:cNvSpPr txBox="1">
-            <a:spLocks noGrp="1"/>
-          </p:cNvSpPr>
-          <p:nvPr>
-            <p:ph type="title"/>
-          </p:nvPr>
-        </p:nvSpPr>
-        <p:spPr>
-          <a:xfrm>
-            <a:off x="1981200" y="-12"/>
-            <a:ext cx="8229600" cy="1143000"/>
-          </a:xfrm>
-          <a:prstGeom prst="rect">
-            <a:avLst/>
-          </a:prstGeom>
-        </p:spPr>
-        <p:txBody>
-          <a:bodyPr spcFirstLastPara="1" wrap="square" lIns="91425" tIns="91425" rIns="91425" bIns="91425" anchor="b" anchorCtr="0">
-            <a:noAutofit/>
-          </a:bodyPr>
-          <a:lstStyle/>
-          <a:p>
-            <a:r>
-              <a:rPr lang="en" dirty="0">
-                <a:solidFill>
-                  <a:schemeClr val="accent1"/>
-                </a:solidFill>
-              </a:rPr>
-              <a:t>Motivating Example</a:t>
-            </a:r>
-            <a:endParaRPr baseline="30000" dirty="0">
-              <a:solidFill>
-                <a:schemeClr val="accent1"/>
-              </a:solidFill>
-            </a:endParaRPr>
-          </a:p>
-        </p:txBody>
-      </p:sp>
-    </p:spTree>
-    <p:extLst>
-      <p:ext uri="{BB962C8B-B14F-4D97-AF65-F5344CB8AC3E}">
-        <p14:creationId xmlns:p14="http://schemas.microsoft.com/office/powerpoint/2010/main" val="568848114"/>
-      </p:ext>
-    </p:extLst>
-  </p:cSld>
-  <p:clrMapOvr>
-    <a:masterClrMapping/>
-  </p:clrMapOvr>
-</p:sld>
-</file>
-
-<file path=ppt/slides/slide50.xml><?xml version="1.0" encoding="utf-8"?>
+<file path=ppt/slides/slide52.xml><?xml version="1.0" encoding="utf-8"?>
 <p:sld xmlns:a="http://schemas.openxmlformats.org/drawingml/2006/main" xmlns:r="http://schemas.openxmlformats.org/officeDocument/2006/relationships" xmlns:p="http://schemas.openxmlformats.org/presentationml/2006/main">
   <p:cSld>
     <p:spTree>
@@ -28363,8 +29424,8 @@
           </a:ln>
         </p:spPr>
       </p:pic>
-      <mc:AlternateContent xmlns:mc="http://schemas.openxmlformats.org/markup-compatibility/2006">
-        <mc:Choice xmlns:a14="http://schemas.microsoft.com/office/drawing/2010/main" Requires="a14">
+      <mc:AlternateContent xmlns:mc="http://schemas.openxmlformats.org/markup-compatibility/2006" xmlns:a14="http://schemas.microsoft.com/office/drawing/2010/main">
+        <mc:Choice Requires="a14">
           <p:sp>
             <p:nvSpPr>
               <p:cNvPr id="7" name="TextBox 6">
@@ -28429,7 +29490,7 @@
             </p:txBody>
           </p:sp>
         </mc:Choice>
-        <mc:Fallback>
+        <mc:Fallback xmlns="">
           <p:sp>
             <p:nvSpPr>
               <p:cNvPr id="7" name="TextBox 6">
@@ -28988,8 +30049,8 @@
           </a:p>
         </p:txBody>
       </p:sp>
-      <mc:AlternateContent xmlns:mc="http://schemas.openxmlformats.org/markup-compatibility/2006">
-        <mc:Choice xmlns:a14="http://schemas.microsoft.com/office/drawing/2010/main" Requires="a14">
+      <mc:AlternateContent xmlns:mc="http://schemas.openxmlformats.org/markup-compatibility/2006" xmlns:a14="http://schemas.microsoft.com/office/drawing/2010/main">
+        <mc:Choice Requires="a14">
           <p:sp>
             <p:nvSpPr>
               <p:cNvPr id="13" name="TextBox 12">
@@ -29018,6 +30079,7 @@
               </a:bodyPr>
               <a:lstStyle/>
               <a:p>
+                <a:pPr/>
                 <a14:m>
                   <m:oMathPara xmlns:m="http://schemas.openxmlformats.org/officeDocument/2006/math">
                     <m:oMathParaPr>
@@ -29044,7 +30106,7 @@
             </p:txBody>
           </p:sp>
         </mc:Choice>
-        <mc:Fallback>
+        <mc:Fallback xmlns="">
           <p:sp>
             <p:nvSpPr>
               <p:cNvPr id="13" name="TextBox 12">
@@ -29102,7 +30164,7 @@
 </p:sld>
 </file>
 
-<file path=ppt/slides/slide51.xml><?xml version="1.0" encoding="utf-8"?>
+<file path=ppt/slides/slide53.xml><?xml version="1.0" encoding="utf-8"?>
 <p:sld xmlns:a="http://schemas.openxmlformats.org/drawingml/2006/main" xmlns:r="http://schemas.openxmlformats.org/officeDocument/2006/relationships" xmlns:p="http://schemas.openxmlformats.org/presentationml/2006/main">
   <p:cSld>
     <p:spTree>
@@ -29363,8 +30425,8 @@
           </a:ln>
         </p:spPr>
       </p:pic>
-      <mc:AlternateContent xmlns:mc="http://schemas.openxmlformats.org/markup-compatibility/2006">
-        <mc:Choice xmlns:a14="http://schemas.microsoft.com/office/drawing/2010/main" Requires="a14">
+      <mc:AlternateContent xmlns:mc="http://schemas.openxmlformats.org/markup-compatibility/2006" xmlns:a14="http://schemas.microsoft.com/office/drawing/2010/main">
+        <mc:Choice Requires="a14">
           <p:sp>
             <p:nvSpPr>
               <p:cNvPr id="7" name="TextBox 6">
@@ -29429,7 +30491,7 @@
             </p:txBody>
           </p:sp>
         </mc:Choice>
-        <mc:Fallback>
+        <mc:Fallback xmlns="">
           <p:sp>
             <p:nvSpPr>
               <p:cNvPr id="7" name="TextBox 6">
@@ -29988,8 +31050,8 @@
           </a:p>
         </p:txBody>
       </p:sp>
-      <mc:AlternateContent xmlns:mc="http://schemas.openxmlformats.org/markup-compatibility/2006">
-        <mc:Choice xmlns:a14="http://schemas.microsoft.com/office/drawing/2010/main" Requires="a14">
+      <mc:AlternateContent xmlns:mc="http://schemas.openxmlformats.org/markup-compatibility/2006" xmlns:a14="http://schemas.microsoft.com/office/drawing/2010/main">
+        <mc:Choice Requires="a14">
           <p:sp>
             <p:nvSpPr>
               <p:cNvPr id="13" name="TextBox 12">
@@ -30064,7 +31126,7 @@
             </p:txBody>
           </p:sp>
         </mc:Choice>
-        <mc:Fallback>
+        <mc:Fallback xmlns="">
           <p:sp>
             <p:nvSpPr>
               <p:cNvPr id="13" name="TextBox 12">
@@ -30122,7 +31184,7 @@
 </p:sld>
 </file>
 
-<file path=ppt/slides/slide52.xml><?xml version="1.0" encoding="utf-8"?>
+<file path=ppt/slides/slide54.xml><?xml version="1.0" encoding="utf-8"?>
 <p:sld xmlns:a="http://schemas.openxmlformats.org/drawingml/2006/main" xmlns:r="http://schemas.openxmlformats.org/officeDocument/2006/relationships" xmlns:p="http://schemas.openxmlformats.org/presentationml/2006/main">
   <p:cSld>
     <p:spTree>
@@ -30780,8 +31842,8 @@
           </a:p>
         </p:txBody>
       </p:sp>
-      <mc:AlternateContent xmlns:mc="http://schemas.openxmlformats.org/markup-compatibility/2006">
-        <mc:Choice xmlns:a14="http://schemas.microsoft.com/office/drawing/2010/main" Requires="a14">
+      <mc:AlternateContent xmlns:mc="http://schemas.openxmlformats.org/markup-compatibility/2006" xmlns:a14="http://schemas.microsoft.com/office/drawing/2010/main">
+        <mc:Choice Requires="a14">
           <p:sp>
             <p:nvSpPr>
               <p:cNvPr id="13" name="TextBox 12">
@@ -30856,7 +31918,7 @@
             </p:txBody>
           </p:sp>
         </mc:Choice>
-        <mc:Fallback>
+        <mc:Fallback xmlns="">
           <p:sp>
             <p:nvSpPr>
               <p:cNvPr id="13" name="TextBox 12">
@@ -30980,7 +32042,7 @@
 </p:sld>
 </file>
 
-<file path=ppt/slides/slide53.xml><?xml version="1.0" encoding="utf-8"?>
+<file path=ppt/slides/slide55.xml><?xml version="1.0" encoding="utf-8"?>
 <p:sld xmlns:a="http://schemas.openxmlformats.org/drawingml/2006/main" xmlns:r="http://schemas.openxmlformats.org/officeDocument/2006/relationships" xmlns:p="http://schemas.openxmlformats.org/presentationml/2006/main">
   <p:cSld>
     <p:spTree>
@@ -31140,315 +32202,6 @@
         </p:txBody>
       </p:sp>
     </p:spTree>
-  </p:cSld>
-  <p:clrMapOvr>
-    <a:masterClrMapping/>
-  </p:clrMapOvr>
-</p:sld>
-</file>
-
-<file path=ppt/slides/slide54.xml><?xml version="1.0" encoding="utf-8"?>
-<p:sld xmlns:a="http://schemas.openxmlformats.org/drawingml/2006/main" xmlns:r="http://schemas.openxmlformats.org/officeDocument/2006/relationships" xmlns:p="http://schemas.openxmlformats.org/presentationml/2006/main">
-  <p:cSld>
-    <p:spTree>
-      <p:nvGrpSpPr>
-        <p:cNvPr id="1" name="Shape 329"/>
-        <p:cNvGrpSpPr/>
-        <p:nvPr/>
-      </p:nvGrpSpPr>
-      <p:grpSpPr>
-        <a:xfrm>
-          <a:off x="0" y="0"/>
-          <a:ext cx="0" cy="0"/>
-          <a:chOff x="0" y="0"/>
-          <a:chExt cx="0" cy="0"/>
-        </a:xfrm>
-      </p:grpSpPr>
-      <p:sp>
-        <p:nvSpPr>
-          <p:cNvPr id="330" name="Google Shape;330;p53"/>
-          <p:cNvSpPr txBox="1">
-            <a:spLocks noGrp="1"/>
-          </p:cNvSpPr>
-          <p:nvPr>
-            <p:ph type="body" idx="1"/>
-          </p:nvPr>
-        </p:nvSpPr>
-        <p:spPr>
-          <a:xfrm flipH="1">
-            <a:off x="1981075" y="1305775"/>
-            <a:ext cx="7822200" cy="4126800"/>
-          </a:xfrm>
-          <a:prstGeom prst="rect">
-            <a:avLst/>
-          </a:prstGeom>
-        </p:spPr>
-        <p:txBody>
-          <a:bodyPr spcFirstLastPara="1" wrap="square" lIns="91425" tIns="91425" rIns="91425" bIns="91425" anchor="t" anchorCtr="0">
-            <a:noAutofit/>
-          </a:bodyPr>
-          <a:lstStyle/>
-          <a:p>
-            <a:pPr marL="0" indent="0">
-              <a:lnSpc>
-                <a:spcPct val="115000"/>
-              </a:lnSpc>
-              <a:spcBef>
-                <a:spcPts val="0"/>
-              </a:spcBef>
-              <a:buNone/>
-            </a:pPr>
-            <a:r>
-              <a:rPr lang="en" sz="2200">
-                <a:solidFill>
-                  <a:schemeClr val="accent1"/>
-                </a:solidFill>
-              </a:rPr>
-              <a:t>11% of 1,001 Americans responding to a 2006 Gallup survey stated that they have objections to celebrating Halloween on religious grounds. At 95% confidence level, the margin of error for this survey is ±3%. A news piece on this study's findings states: "More than 10% of all Americans have objections on religious grounds to celebrating Halloween." At 95% confidence level, is this news piece's statement justified?</a:t>
-            </a:r>
-            <a:endParaRPr sz="2200">
-              <a:solidFill>
-                <a:schemeClr val="accent1"/>
-              </a:solidFill>
-            </a:endParaRPr>
-          </a:p>
-          <a:p>
-            <a:pPr indent="-368300">
-              <a:lnSpc>
-                <a:spcPct val="115000"/>
-              </a:lnSpc>
-              <a:spcBef>
-                <a:spcPts val="1000"/>
-              </a:spcBef>
-              <a:buSzPts val="2200"/>
-              <a:buAutoNum type="alphaLcParenBoth"/>
-            </a:pPr>
-            <a:r>
-              <a:rPr lang="en" sz="2200"/>
-              <a:t>Yes</a:t>
-            </a:r>
-            <a:endParaRPr sz="2200"/>
-          </a:p>
-          <a:p>
-            <a:pPr indent="-368300">
-              <a:lnSpc>
-                <a:spcPct val="115000"/>
-              </a:lnSpc>
-              <a:spcBef>
-                <a:spcPts val="0"/>
-              </a:spcBef>
-              <a:buClr>
-                <a:srgbClr val="FF9900"/>
-              </a:buClr>
-              <a:buSzPts val="2200"/>
-              <a:buAutoNum type="alphaLcParenBoth"/>
-            </a:pPr>
-            <a:r>
-              <a:rPr lang="en" sz="2200" i="1">
-                <a:solidFill>
-                  <a:srgbClr val="FF9900"/>
-                </a:solidFill>
-              </a:rPr>
-              <a:t>No</a:t>
-            </a:r>
-            <a:endParaRPr sz="2200" i="1">
-              <a:solidFill>
-                <a:srgbClr val="FF9900"/>
-              </a:solidFill>
-            </a:endParaRPr>
-          </a:p>
-          <a:p>
-            <a:pPr indent="-368300">
-              <a:lnSpc>
-                <a:spcPct val="115000"/>
-              </a:lnSpc>
-              <a:spcBef>
-                <a:spcPts val="0"/>
-              </a:spcBef>
-              <a:buSzPts val="2200"/>
-              <a:buAutoNum type="alphaLcParenBoth"/>
-            </a:pPr>
-            <a:r>
-              <a:rPr lang="en" sz="2200"/>
-              <a:t>Can’t tell</a:t>
-            </a:r>
-            <a:endParaRPr sz="2200"/>
-          </a:p>
-        </p:txBody>
-      </p:sp>
-      <p:sp>
-        <p:nvSpPr>
-          <p:cNvPr id="331" name="Google Shape;331;p53"/>
-          <p:cNvSpPr txBox="1">
-            <a:spLocks noGrp="1"/>
-          </p:cNvSpPr>
-          <p:nvPr>
-            <p:ph type="title"/>
-          </p:nvPr>
-        </p:nvSpPr>
-        <p:spPr>
-          <a:xfrm>
-            <a:off x="1981200" y="-12"/>
-            <a:ext cx="8229600" cy="1143000"/>
-          </a:xfrm>
-          <a:prstGeom prst="rect">
-            <a:avLst/>
-          </a:prstGeom>
-        </p:spPr>
-        <p:txBody>
-          <a:bodyPr spcFirstLastPara="1" wrap="square" lIns="91425" tIns="91425" rIns="91425" bIns="91425" anchor="b" anchorCtr="0">
-            <a:noAutofit/>
-          </a:bodyPr>
-          <a:lstStyle/>
-          <a:p>
-            <a:r>
-              <a:rPr lang="en">
-                <a:solidFill>
-                  <a:schemeClr val="accent1"/>
-                </a:solidFill>
-              </a:rPr>
-              <a:t>Practice</a:t>
-            </a:r>
-            <a:endParaRPr>
-              <a:solidFill>
-                <a:schemeClr val="accent1"/>
-              </a:solidFill>
-            </a:endParaRPr>
-          </a:p>
-        </p:txBody>
-      </p:sp>
-    </p:spTree>
-  </p:cSld>
-  <p:clrMapOvr>
-    <a:masterClrMapping/>
-  </p:clrMapOvr>
-</p:sld>
-</file>
-
-<file path=ppt/slides/slide55.xml><?xml version="1.0" encoding="utf-8"?>
-<p:sld xmlns:a="http://schemas.openxmlformats.org/drawingml/2006/main" xmlns:r="http://schemas.openxmlformats.org/officeDocument/2006/relationships" xmlns:p="http://schemas.openxmlformats.org/presentationml/2006/main">
-  <p:cSld>
-    <p:spTree>
-      <p:nvGrpSpPr>
-        <p:cNvPr id="1" name="Shape 329"/>
-        <p:cNvGrpSpPr/>
-        <p:nvPr/>
-      </p:nvGrpSpPr>
-      <p:grpSpPr>
-        <a:xfrm>
-          <a:off x="0" y="0"/>
-          <a:ext cx="0" cy="0"/>
-          <a:chOff x="0" y="0"/>
-          <a:chExt cx="0" cy="0"/>
-        </a:xfrm>
-      </p:grpSpPr>
-      <p:sp>
-        <p:nvSpPr>
-          <p:cNvPr id="331" name="Google Shape;331;p53"/>
-          <p:cNvSpPr txBox="1">
-            <a:spLocks noGrp="1"/>
-          </p:cNvSpPr>
-          <p:nvPr>
-            <p:ph type="title"/>
-          </p:nvPr>
-        </p:nvSpPr>
-        <p:spPr>
-          <a:xfrm>
-            <a:off x="1981200" y="-12"/>
-            <a:ext cx="8229600" cy="1143000"/>
-          </a:xfrm>
-          <a:prstGeom prst="rect">
-            <a:avLst/>
-          </a:prstGeom>
-        </p:spPr>
-        <p:txBody>
-          <a:bodyPr spcFirstLastPara="1" wrap="square" lIns="91425" tIns="91425" rIns="91425" bIns="91425" anchor="b" anchorCtr="0">
-            <a:noAutofit/>
-          </a:bodyPr>
-          <a:lstStyle/>
-          <a:p>
-            <a:r>
-              <a:rPr lang="en">
-                <a:solidFill>
-                  <a:schemeClr val="accent1"/>
-                </a:solidFill>
-              </a:rPr>
-              <a:t>Practice</a:t>
-            </a:r>
-            <a:endParaRPr>
-              <a:solidFill>
-                <a:schemeClr val="accent1"/>
-              </a:solidFill>
-            </a:endParaRPr>
-          </a:p>
-        </p:txBody>
-      </p:sp>
-      <p:pic>
-        <p:nvPicPr>
-          <p:cNvPr id="5" name="Picture 4" descr="A close-up of a text&#10;&#10;Description automatically generated">
-            <a:extLst>
-              <a:ext uri="{FF2B5EF4-FFF2-40B4-BE49-F238E27FC236}">
-                <a16:creationId xmlns:a16="http://schemas.microsoft.com/office/drawing/2014/main" id="{AB626374-4986-F701-3C96-5CA06B612792}"/>
-              </a:ext>
-            </a:extLst>
-          </p:cNvPr>
-          <p:cNvPicPr>
-            <a:picLocks noChangeAspect="1"/>
-          </p:cNvPicPr>
-          <p:nvPr/>
-        </p:nvPicPr>
-        <p:blipFill>
-          <a:blip r:embed="rId3"/>
-          <a:stretch>
-            <a:fillRect/>
-          </a:stretch>
-        </p:blipFill>
-        <p:spPr>
-          <a:xfrm>
-            <a:off x="641349" y="1264138"/>
-            <a:ext cx="10697519" cy="2545862"/>
-          </a:xfrm>
-          <a:prstGeom prst="rect">
-            <a:avLst/>
-          </a:prstGeom>
-        </p:spPr>
-      </p:pic>
-      <p:pic>
-        <p:nvPicPr>
-          <p:cNvPr id="7" name="Picture 6" descr="A close-up of a text&#10;&#10;Description automatically generated">
-            <a:extLst>
-              <a:ext uri="{FF2B5EF4-FFF2-40B4-BE49-F238E27FC236}">
-                <a16:creationId xmlns:a16="http://schemas.microsoft.com/office/drawing/2014/main" id="{F44A0A60-16F2-0C5C-D80E-E78AD79906CC}"/>
-              </a:ext>
-            </a:extLst>
-          </p:cNvPr>
-          <p:cNvPicPr>
-            <a:picLocks noChangeAspect="1"/>
-          </p:cNvPicPr>
-          <p:nvPr/>
-        </p:nvPicPr>
-        <p:blipFill>
-          <a:blip r:embed="rId4"/>
-          <a:stretch>
-            <a:fillRect/>
-          </a:stretch>
-        </p:blipFill>
-        <p:spPr>
-          <a:xfrm>
-            <a:off x="641349" y="3810000"/>
-            <a:ext cx="10697518" cy="2532028"/>
-          </a:xfrm>
-          <a:prstGeom prst="rect">
-            <a:avLst/>
-          </a:prstGeom>
-        </p:spPr>
-      </p:pic>
-    </p:spTree>
-    <p:extLst>
-      <p:ext uri="{BB962C8B-B14F-4D97-AF65-F5344CB8AC3E}">
-        <p14:creationId xmlns:p14="http://schemas.microsoft.com/office/powerpoint/2010/main" val="777352758"/>
-      </p:ext>
-    </p:extLst>
   </p:cSld>
   <p:clrMapOvr>
     <a:masterClrMapping/>
@@ -31475,6 +32228,127 @@
       </p:grpSpPr>
       <p:sp>
         <p:nvSpPr>
+          <p:cNvPr id="330" name="Google Shape;330;p53"/>
+          <p:cNvSpPr txBox="1">
+            <a:spLocks noGrp="1"/>
+          </p:cNvSpPr>
+          <p:nvPr>
+            <p:ph type="body" idx="1"/>
+          </p:nvPr>
+        </p:nvSpPr>
+        <p:spPr>
+          <a:xfrm flipH="1">
+            <a:off x="1981075" y="1305775"/>
+            <a:ext cx="7822200" cy="4126800"/>
+          </a:xfrm>
+          <a:prstGeom prst="rect">
+            <a:avLst/>
+          </a:prstGeom>
+        </p:spPr>
+        <p:txBody>
+          <a:bodyPr spcFirstLastPara="1" wrap="square" lIns="91425" tIns="91425" rIns="91425" bIns="91425" anchor="t" anchorCtr="0">
+            <a:noAutofit/>
+          </a:bodyPr>
+          <a:lstStyle/>
+          <a:p>
+            <a:pPr marL="0" indent="0">
+              <a:lnSpc>
+                <a:spcPct val="115000"/>
+              </a:lnSpc>
+              <a:spcBef>
+                <a:spcPts val="0"/>
+              </a:spcBef>
+              <a:buNone/>
+            </a:pPr>
+            <a:r>
+              <a:rPr lang="en" sz="2200" dirty="0">
+                <a:solidFill>
+                  <a:schemeClr val="accent1"/>
+                </a:solidFill>
+              </a:rPr>
+              <a:t>11% of 1,001 Americans responding to a 2006 Gallup survey stated that they have objections to celebrating Halloween on religious grounds. At 95% confidence level, the margin of error for this survey is ±3%. A news piece on this study's findings states: "More than 10% of all Americans have objections on religious grounds to celebrating Halloween." At 95% confidence level, is this news piece's statement justified?</a:t>
+            </a:r>
+            <a:endParaRPr sz="2200" dirty="0">
+              <a:solidFill>
+                <a:schemeClr val="accent1"/>
+              </a:solidFill>
+            </a:endParaRPr>
+          </a:p>
+          <a:p>
+            <a:pPr indent="-368300">
+              <a:lnSpc>
+                <a:spcPct val="115000"/>
+              </a:lnSpc>
+              <a:spcBef>
+                <a:spcPts val="1000"/>
+              </a:spcBef>
+              <a:buSzPts val="2200"/>
+              <a:buAutoNum type="alphaLcParenBoth"/>
+            </a:pPr>
+            <a:r>
+              <a:rPr lang="en" sz="2200" dirty="0"/>
+              <a:t>Yes</a:t>
+            </a:r>
+            <a:endParaRPr sz="2200" dirty="0"/>
+          </a:p>
+          <a:p>
+            <a:pPr indent="-368300">
+              <a:lnSpc>
+                <a:spcPct val="115000"/>
+              </a:lnSpc>
+              <a:spcBef>
+                <a:spcPts val="0"/>
+              </a:spcBef>
+              <a:buClr>
+                <a:srgbClr val="FF9900"/>
+              </a:buClr>
+              <a:buSzPts val="2200"/>
+              <a:buAutoNum type="alphaLcParenBoth"/>
+            </a:pPr>
+            <a:r>
+              <a:rPr lang="en" sz="2200" i="1" dirty="0">
+                <a:solidFill>
+                  <a:srgbClr val="FF9900"/>
+                </a:solidFill>
+              </a:rPr>
+              <a:t>No </a:t>
+            </a:r>
+            <a:r>
+              <a:rPr lang="en" sz="2200" i="1" dirty="0">
+                <a:solidFill>
+                  <a:srgbClr val="FF9900"/>
+                </a:solidFill>
+                <a:sym typeface="Wingdings" pitchFamily="2" charset="2"/>
+              </a:rPr>
+              <a:t> (8%, 14%) includes 8%, 9%, 10% </a:t>
+            </a:r>
+            <a:endParaRPr sz="2200" i="1" dirty="0">
+              <a:solidFill>
+                <a:srgbClr val="FF9900"/>
+              </a:solidFill>
+            </a:endParaRPr>
+          </a:p>
+          <a:p>
+            <a:pPr indent="-368300">
+              <a:lnSpc>
+                <a:spcPct val="115000"/>
+              </a:lnSpc>
+              <a:spcBef>
+                <a:spcPts val="0"/>
+              </a:spcBef>
+              <a:buSzPts val="2200"/>
+              <a:buAutoNum type="alphaLcParenBoth"/>
+            </a:pPr>
+            <a:r>
+              <a:rPr lang="en" sz="2200" dirty="0"/>
+              <a:t>Can’t tell</a:t>
+            </a:r>
+            <a:endParaRPr sz="2200" dirty="0"/>
+          </a:p>
+        </p:txBody>
+      </p:sp>
+      <p:sp>
+        <p:nvSpPr>
           <p:cNvPr id="331" name="Google Shape;331;p53"/>
           <p:cNvSpPr txBox="1">
             <a:spLocks noGrp="1"/>
@@ -31514,82 +32388,7 @@
           </a:p>
         </p:txBody>
       </p:sp>
-      <p:pic>
-        <p:nvPicPr>
-          <p:cNvPr id="3" name="Picture 2" descr="A math problem with numbers and equations&#10;&#10;Description automatically generated with medium confidence">
-            <a:extLst>
-              <a:ext uri="{FF2B5EF4-FFF2-40B4-BE49-F238E27FC236}">
-                <a16:creationId xmlns:a16="http://schemas.microsoft.com/office/drawing/2014/main" id="{7D502E57-ECA9-FD85-35AB-3727646D08A3}"/>
-              </a:ext>
-            </a:extLst>
-          </p:cNvPr>
-          <p:cNvPicPr>
-            <a:picLocks noChangeAspect="1"/>
-          </p:cNvPicPr>
-          <p:nvPr/>
-        </p:nvPicPr>
-        <p:blipFill>
-          <a:blip r:embed="rId3"/>
-          <a:stretch>
-            <a:fillRect/>
-          </a:stretch>
-        </p:blipFill>
-        <p:spPr>
-          <a:xfrm>
-            <a:off x="1324707" y="1274041"/>
-            <a:ext cx="10120218" cy="4309918"/>
-          </a:xfrm>
-          <a:prstGeom prst="rect">
-            <a:avLst/>
-          </a:prstGeom>
-        </p:spPr>
-      </p:pic>
-      <p:sp>
-        <p:nvSpPr>
-          <p:cNvPr id="4" name="TextBox 3">
-            <a:extLst>
-              <a:ext uri="{FF2B5EF4-FFF2-40B4-BE49-F238E27FC236}">
-                <a16:creationId xmlns:a16="http://schemas.microsoft.com/office/drawing/2014/main" id="{6B1284E4-0CD2-1191-522B-90FC4D9D6CF3}"/>
-              </a:ext>
-            </a:extLst>
-          </p:cNvPr>
-          <p:cNvSpPr txBox="1"/>
-          <p:nvPr/>
-        </p:nvSpPr>
-        <p:spPr>
-          <a:xfrm>
-            <a:off x="1899138" y="4297324"/>
-            <a:ext cx="8698523" cy="923330"/>
-          </a:xfrm>
-          <a:prstGeom prst="rect">
-            <a:avLst/>
-          </a:prstGeom>
-          <a:solidFill>
-            <a:schemeClr val="bg1"/>
-          </a:solidFill>
-        </p:spPr>
-        <p:txBody>
-          <a:bodyPr wrap="square" rtlCol="0">
-            <a:spAutoFit/>
-          </a:bodyPr>
-          <a:lstStyle/>
-          <a:p>
-            <a:r>
-              <a:rPr lang="en-US" dirty="0"/>
-              <a:t>No, our confidence interval is right around 2/3, it doesn’t suggest a higher proportion than that is true of the population. </a:t>
-            </a:r>
-          </a:p>
-          <a:p>
-            <a:endParaRPr lang="en-US" dirty="0"/>
-          </a:p>
-        </p:txBody>
-      </p:sp>
     </p:spTree>
-    <p:extLst>
-      <p:ext uri="{BB962C8B-B14F-4D97-AF65-F5344CB8AC3E}">
-        <p14:creationId xmlns:p14="http://schemas.microsoft.com/office/powerpoint/2010/main" val="1399765246"/>
-      </p:ext>
-    </p:extLst>
   </p:cSld>
   <p:clrMapOvr>
     <a:masterClrMapping/>
@@ -31657,6 +32456,278 @@
       </p:sp>
       <p:pic>
         <p:nvPicPr>
+          <p:cNvPr id="5" name="Picture 4" descr="A close-up of a text&#10;&#10;Description automatically generated">
+            <a:extLst>
+              <a:ext uri="{FF2B5EF4-FFF2-40B4-BE49-F238E27FC236}">
+                <a16:creationId xmlns:a16="http://schemas.microsoft.com/office/drawing/2014/main" id="{AB626374-4986-F701-3C96-5CA06B612792}"/>
+              </a:ext>
+            </a:extLst>
+          </p:cNvPr>
+          <p:cNvPicPr>
+            <a:picLocks noChangeAspect="1"/>
+          </p:cNvPicPr>
+          <p:nvPr/>
+        </p:nvPicPr>
+        <p:blipFill>
+          <a:blip r:embed="rId3"/>
+          <a:stretch>
+            <a:fillRect/>
+          </a:stretch>
+        </p:blipFill>
+        <p:spPr>
+          <a:xfrm>
+            <a:off x="641349" y="1264138"/>
+            <a:ext cx="10697519" cy="2545862"/>
+          </a:xfrm>
+          <a:prstGeom prst="rect">
+            <a:avLst/>
+          </a:prstGeom>
+        </p:spPr>
+      </p:pic>
+      <p:pic>
+        <p:nvPicPr>
+          <p:cNvPr id="7" name="Picture 6" descr="A close-up of a text&#10;&#10;Description automatically generated">
+            <a:extLst>
+              <a:ext uri="{FF2B5EF4-FFF2-40B4-BE49-F238E27FC236}">
+                <a16:creationId xmlns:a16="http://schemas.microsoft.com/office/drawing/2014/main" id="{F44A0A60-16F2-0C5C-D80E-E78AD79906CC}"/>
+              </a:ext>
+            </a:extLst>
+          </p:cNvPr>
+          <p:cNvPicPr>
+            <a:picLocks noChangeAspect="1"/>
+          </p:cNvPicPr>
+          <p:nvPr/>
+        </p:nvPicPr>
+        <p:blipFill>
+          <a:blip r:embed="rId4"/>
+          <a:stretch>
+            <a:fillRect/>
+          </a:stretch>
+        </p:blipFill>
+        <p:spPr>
+          <a:xfrm>
+            <a:off x="641349" y="3810000"/>
+            <a:ext cx="10697518" cy="2532028"/>
+          </a:xfrm>
+          <a:prstGeom prst="rect">
+            <a:avLst/>
+          </a:prstGeom>
+        </p:spPr>
+      </p:pic>
+    </p:spTree>
+    <p:extLst>
+      <p:ext uri="{BB962C8B-B14F-4D97-AF65-F5344CB8AC3E}">
+        <p14:creationId xmlns:p14="http://schemas.microsoft.com/office/powerpoint/2010/main" val="777352758"/>
+      </p:ext>
+    </p:extLst>
+  </p:cSld>
+  <p:clrMapOvr>
+    <a:masterClrMapping/>
+  </p:clrMapOvr>
+</p:sld>
+</file>
+
+<file path=ppt/slides/slide58.xml><?xml version="1.0" encoding="utf-8"?>
+<p:sld xmlns:a="http://schemas.openxmlformats.org/drawingml/2006/main" xmlns:r="http://schemas.openxmlformats.org/officeDocument/2006/relationships" xmlns:p="http://schemas.openxmlformats.org/presentationml/2006/main">
+  <p:cSld>
+    <p:spTree>
+      <p:nvGrpSpPr>
+        <p:cNvPr id="1" name="Shape 329"/>
+        <p:cNvGrpSpPr/>
+        <p:nvPr/>
+      </p:nvGrpSpPr>
+      <p:grpSpPr>
+        <a:xfrm>
+          <a:off x="0" y="0"/>
+          <a:ext cx="0" cy="0"/>
+          <a:chOff x="0" y="0"/>
+          <a:chExt cx="0" cy="0"/>
+        </a:xfrm>
+      </p:grpSpPr>
+      <p:sp>
+        <p:nvSpPr>
+          <p:cNvPr id="331" name="Google Shape;331;p53"/>
+          <p:cNvSpPr txBox="1">
+            <a:spLocks noGrp="1"/>
+          </p:cNvSpPr>
+          <p:nvPr>
+            <p:ph type="title"/>
+          </p:nvPr>
+        </p:nvSpPr>
+        <p:spPr>
+          <a:xfrm>
+            <a:off x="1981200" y="-12"/>
+            <a:ext cx="8229600" cy="1143000"/>
+          </a:xfrm>
+          <a:prstGeom prst="rect">
+            <a:avLst/>
+          </a:prstGeom>
+        </p:spPr>
+        <p:txBody>
+          <a:bodyPr spcFirstLastPara="1" wrap="square" lIns="91425" tIns="91425" rIns="91425" bIns="91425" anchor="b" anchorCtr="0">
+            <a:noAutofit/>
+          </a:bodyPr>
+          <a:lstStyle/>
+          <a:p>
+            <a:r>
+              <a:rPr lang="en">
+                <a:solidFill>
+                  <a:schemeClr val="accent1"/>
+                </a:solidFill>
+              </a:rPr>
+              <a:t>Practice</a:t>
+            </a:r>
+            <a:endParaRPr>
+              <a:solidFill>
+                <a:schemeClr val="accent1"/>
+              </a:solidFill>
+            </a:endParaRPr>
+          </a:p>
+        </p:txBody>
+      </p:sp>
+      <p:pic>
+        <p:nvPicPr>
+          <p:cNvPr id="3" name="Picture 2" descr="A math problem with numbers and equations&#10;&#10;Description automatically generated with medium confidence">
+            <a:extLst>
+              <a:ext uri="{FF2B5EF4-FFF2-40B4-BE49-F238E27FC236}">
+                <a16:creationId xmlns:a16="http://schemas.microsoft.com/office/drawing/2014/main" id="{7D502E57-ECA9-FD85-35AB-3727646D08A3}"/>
+              </a:ext>
+            </a:extLst>
+          </p:cNvPr>
+          <p:cNvPicPr>
+            <a:picLocks noChangeAspect="1"/>
+          </p:cNvPicPr>
+          <p:nvPr/>
+        </p:nvPicPr>
+        <p:blipFill>
+          <a:blip r:embed="rId3"/>
+          <a:stretch>
+            <a:fillRect/>
+          </a:stretch>
+        </p:blipFill>
+        <p:spPr>
+          <a:xfrm>
+            <a:off x="1324707" y="1274041"/>
+            <a:ext cx="10120218" cy="4309918"/>
+          </a:xfrm>
+          <a:prstGeom prst="rect">
+            <a:avLst/>
+          </a:prstGeom>
+        </p:spPr>
+      </p:pic>
+      <p:sp>
+        <p:nvSpPr>
+          <p:cNvPr id="4" name="TextBox 3">
+            <a:extLst>
+              <a:ext uri="{FF2B5EF4-FFF2-40B4-BE49-F238E27FC236}">
+                <a16:creationId xmlns:a16="http://schemas.microsoft.com/office/drawing/2014/main" id="{6B1284E4-0CD2-1191-522B-90FC4D9D6CF3}"/>
+              </a:ext>
+            </a:extLst>
+          </p:cNvPr>
+          <p:cNvSpPr txBox="1"/>
+          <p:nvPr/>
+        </p:nvSpPr>
+        <p:spPr>
+          <a:xfrm>
+            <a:off x="1899138" y="4297324"/>
+            <a:ext cx="8698523" cy="923330"/>
+          </a:xfrm>
+          <a:prstGeom prst="rect">
+            <a:avLst/>
+          </a:prstGeom>
+          <a:solidFill>
+            <a:schemeClr val="bg1"/>
+          </a:solidFill>
+        </p:spPr>
+        <p:txBody>
+          <a:bodyPr wrap="square" rtlCol="0">
+            <a:spAutoFit/>
+          </a:bodyPr>
+          <a:lstStyle/>
+          <a:p>
+            <a:r>
+              <a:rPr lang="en-US" dirty="0"/>
+              <a:t>No, our confidence interval is below 70%, it suggests less than 70% of Americans think drivers should be required to re-take the road test. </a:t>
+            </a:r>
+          </a:p>
+          <a:p>
+            <a:endParaRPr lang="en-US" dirty="0"/>
+          </a:p>
+        </p:txBody>
+      </p:sp>
+    </p:spTree>
+    <p:extLst>
+      <p:ext uri="{BB962C8B-B14F-4D97-AF65-F5344CB8AC3E}">
+        <p14:creationId xmlns:p14="http://schemas.microsoft.com/office/powerpoint/2010/main" val="1399765246"/>
+      </p:ext>
+    </p:extLst>
+  </p:cSld>
+  <p:clrMapOvr>
+    <a:masterClrMapping/>
+  </p:clrMapOvr>
+</p:sld>
+</file>
+
+<file path=ppt/slides/slide59.xml><?xml version="1.0" encoding="utf-8"?>
+<p:sld xmlns:a="http://schemas.openxmlformats.org/drawingml/2006/main" xmlns:r="http://schemas.openxmlformats.org/officeDocument/2006/relationships" xmlns:p="http://schemas.openxmlformats.org/presentationml/2006/main">
+  <p:cSld>
+    <p:spTree>
+      <p:nvGrpSpPr>
+        <p:cNvPr id="1" name="Shape 329"/>
+        <p:cNvGrpSpPr/>
+        <p:nvPr/>
+      </p:nvGrpSpPr>
+      <p:grpSpPr>
+        <a:xfrm>
+          <a:off x="0" y="0"/>
+          <a:ext cx="0" cy="0"/>
+          <a:chOff x="0" y="0"/>
+          <a:chExt cx="0" cy="0"/>
+        </a:xfrm>
+      </p:grpSpPr>
+      <p:sp>
+        <p:nvSpPr>
+          <p:cNvPr id="331" name="Google Shape;331;p53"/>
+          <p:cNvSpPr txBox="1">
+            <a:spLocks noGrp="1"/>
+          </p:cNvSpPr>
+          <p:nvPr>
+            <p:ph type="title"/>
+          </p:nvPr>
+        </p:nvSpPr>
+        <p:spPr>
+          <a:xfrm>
+            <a:off x="1981200" y="-12"/>
+            <a:ext cx="8229600" cy="1143000"/>
+          </a:xfrm>
+          <a:prstGeom prst="rect">
+            <a:avLst/>
+          </a:prstGeom>
+        </p:spPr>
+        <p:txBody>
+          <a:bodyPr spcFirstLastPara="1" wrap="square" lIns="91425" tIns="91425" rIns="91425" bIns="91425" anchor="b" anchorCtr="0">
+            <a:noAutofit/>
+          </a:bodyPr>
+          <a:lstStyle/>
+          <a:p>
+            <a:r>
+              <a:rPr lang="en">
+                <a:solidFill>
+                  <a:schemeClr val="accent1"/>
+                </a:solidFill>
+              </a:rPr>
+              <a:t>Practice</a:t>
+            </a:r>
+            <a:endParaRPr>
+              <a:solidFill>
+                <a:schemeClr val="accent1"/>
+              </a:solidFill>
+            </a:endParaRPr>
+          </a:p>
+        </p:txBody>
+      </p:sp>
+      <p:pic>
+        <p:nvPicPr>
           <p:cNvPr id="3" name="Picture 2" descr="A math equations and numbers on a page&#10;&#10;Description automatically generated with medium confidence">
             <a:extLst>
               <a:ext uri="{FF2B5EF4-FFF2-40B4-BE49-F238E27FC236}">
@@ -31691,355 +32762,6 @@
         <p14:creationId xmlns:p14="http://schemas.microsoft.com/office/powerpoint/2010/main" val="3506898347"/>
       </p:ext>
     </p:extLst>
-  </p:cSld>
-  <p:clrMapOvr>
-    <a:masterClrMapping/>
-  </p:clrMapOvr>
-</p:sld>
-</file>
-
-<file path=ppt/slides/slide58.xml><?xml version="1.0" encoding="utf-8"?>
-<p:sld xmlns:a="http://schemas.openxmlformats.org/drawingml/2006/main" xmlns:r="http://schemas.openxmlformats.org/officeDocument/2006/relationships" xmlns:p="http://schemas.openxmlformats.org/presentationml/2006/main">
-  <p:cSld>
-    <p:spTree>
-      <p:nvGrpSpPr>
-        <p:cNvPr id="1" name="Shape 335"/>
-        <p:cNvGrpSpPr/>
-        <p:nvPr/>
-      </p:nvGrpSpPr>
-      <p:grpSpPr>
-        <a:xfrm>
-          <a:off x="0" y="0"/>
-          <a:ext cx="0" cy="0"/>
-          <a:chOff x="0" y="0"/>
-          <a:chExt cx="0" cy="0"/>
-        </a:xfrm>
-      </p:grpSpPr>
-      <p:sp>
-        <p:nvSpPr>
-          <p:cNvPr id="336" name="Google Shape;336;p54"/>
-          <p:cNvSpPr txBox="1">
-            <a:spLocks noGrp="1"/>
-          </p:cNvSpPr>
-          <p:nvPr>
-            <p:ph type="body" idx="1"/>
-          </p:nvPr>
-        </p:nvSpPr>
-        <p:spPr>
-          <a:xfrm flipH="1">
-            <a:off x="1981200" y="1319800"/>
-            <a:ext cx="7822200" cy="621900"/>
-          </a:xfrm>
-          <a:prstGeom prst="rect">
-            <a:avLst/>
-          </a:prstGeom>
-        </p:spPr>
-        <p:txBody>
-          <a:bodyPr spcFirstLastPara="1" wrap="square" lIns="91425" tIns="91425" rIns="91425" bIns="91425" anchor="t" anchorCtr="0">
-            <a:noAutofit/>
-          </a:bodyPr>
-          <a:lstStyle/>
-          <a:p>
-            <a:pPr marL="0" indent="0">
-              <a:lnSpc>
-                <a:spcPct val="115000"/>
-              </a:lnSpc>
-              <a:spcBef>
-                <a:spcPts val="0"/>
-              </a:spcBef>
-              <a:spcAft>
-                <a:spcPts val="1000"/>
-              </a:spcAft>
-              <a:buNone/>
-            </a:pPr>
-            <a:r>
-              <a:rPr lang="en" sz="2200"/>
-              <a:t>Population parameter: </a:t>
-            </a:r>
-            <a:r>
-              <a:rPr lang="en" sz="2200" i="1"/>
-              <a:t>p</a:t>
-            </a:r>
-            <a:r>
-              <a:rPr lang="en" sz="2200"/>
-              <a:t>, point estimate: </a:t>
-            </a:r>
-            <a:r>
-              <a:rPr lang="en" sz="2200" i="1"/>
-              <a:t>p̂</a:t>
-            </a:r>
-            <a:endParaRPr sz="2200" i="1"/>
-          </a:p>
-        </p:txBody>
-      </p:sp>
-      <p:sp>
-        <p:nvSpPr>
-          <p:cNvPr id="337" name="Google Shape;337;p54"/>
-          <p:cNvSpPr txBox="1">
-            <a:spLocks noGrp="1"/>
-          </p:cNvSpPr>
-          <p:nvPr>
-            <p:ph type="title"/>
-          </p:nvPr>
-        </p:nvSpPr>
-        <p:spPr>
-          <a:xfrm>
-            <a:off x="1981200" y="-12"/>
-            <a:ext cx="8229600" cy="1143000"/>
-          </a:xfrm>
-          <a:prstGeom prst="rect">
-            <a:avLst/>
-          </a:prstGeom>
-        </p:spPr>
-        <p:txBody>
-          <a:bodyPr spcFirstLastPara="1" wrap="square" lIns="91425" tIns="91425" rIns="91425" bIns="91425" anchor="b" anchorCtr="0">
-            <a:noAutofit/>
-          </a:bodyPr>
-          <a:lstStyle/>
-          <a:p>
-            <a:r>
-              <a:rPr lang="en">
-                <a:solidFill>
-                  <a:schemeClr val="accent1"/>
-                </a:solidFill>
-              </a:rPr>
-              <a:t>Recap - inference for one proportion</a:t>
-            </a:r>
-            <a:endParaRPr>
-              <a:solidFill>
-                <a:schemeClr val="accent1"/>
-              </a:solidFill>
-            </a:endParaRPr>
-          </a:p>
-        </p:txBody>
-      </p:sp>
-    </p:spTree>
-  </p:cSld>
-  <p:clrMapOvr>
-    <a:masterClrMapping/>
-  </p:clrMapOvr>
-</p:sld>
-</file>
-
-<file path=ppt/slides/slide59.xml><?xml version="1.0" encoding="utf-8"?>
-<p:sld xmlns:a="http://schemas.openxmlformats.org/drawingml/2006/main" xmlns:r="http://schemas.openxmlformats.org/officeDocument/2006/relationships" xmlns:p="http://schemas.openxmlformats.org/presentationml/2006/main">
-  <p:cSld>
-    <p:spTree>
-      <p:nvGrpSpPr>
-        <p:cNvPr id="1" name="Shape 341"/>
-        <p:cNvGrpSpPr/>
-        <p:nvPr/>
-      </p:nvGrpSpPr>
-      <p:grpSpPr>
-        <a:xfrm>
-          <a:off x="0" y="0"/>
-          <a:ext cx="0" cy="0"/>
-          <a:chOff x="0" y="0"/>
-          <a:chExt cx="0" cy="0"/>
-        </a:xfrm>
-      </p:grpSpPr>
-      <p:sp>
-        <p:nvSpPr>
-          <p:cNvPr id="342" name="Google Shape;342;p55"/>
-          <p:cNvSpPr txBox="1">
-            <a:spLocks noGrp="1"/>
-          </p:cNvSpPr>
-          <p:nvPr>
-            <p:ph type="body" idx="1"/>
-          </p:nvPr>
-        </p:nvSpPr>
-        <p:spPr>
-          <a:xfrm flipH="1">
-            <a:off x="1981200" y="1319800"/>
-            <a:ext cx="7822200" cy="621900"/>
-          </a:xfrm>
-          <a:prstGeom prst="rect">
-            <a:avLst/>
-          </a:prstGeom>
-        </p:spPr>
-        <p:txBody>
-          <a:bodyPr spcFirstLastPara="1" wrap="square" lIns="91425" tIns="91425" rIns="91425" bIns="91425" anchor="t" anchorCtr="0">
-            <a:noAutofit/>
-          </a:bodyPr>
-          <a:lstStyle/>
-          <a:p>
-            <a:pPr marL="0" indent="0">
-              <a:lnSpc>
-                <a:spcPct val="115000"/>
-              </a:lnSpc>
-              <a:spcBef>
-                <a:spcPts val="0"/>
-              </a:spcBef>
-              <a:spcAft>
-                <a:spcPts val="1000"/>
-              </a:spcAft>
-              <a:buNone/>
-            </a:pPr>
-            <a:r>
-              <a:rPr lang="en" sz="2200"/>
-              <a:t>Population parameter: </a:t>
-            </a:r>
-            <a:r>
-              <a:rPr lang="en" sz="2200" i="1"/>
-              <a:t>p</a:t>
-            </a:r>
-            <a:r>
-              <a:rPr lang="en" sz="2200"/>
-              <a:t>, point estimate: </a:t>
-            </a:r>
-            <a:r>
-              <a:rPr lang="en" sz="2200" i="1"/>
-              <a:t>p̂</a:t>
-            </a:r>
-            <a:endParaRPr sz="2200" i="1"/>
-          </a:p>
-        </p:txBody>
-      </p:sp>
-      <p:sp>
-        <p:nvSpPr>
-          <p:cNvPr id="343" name="Google Shape;343;p55"/>
-          <p:cNvSpPr txBox="1">
-            <a:spLocks noGrp="1"/>
-          </p:cNvSpPr>
-          <p:nvPr>
-            <p:ph type="title"/>
-          </p:nvPr>
-        </p:nvSpPr>
-        <p:spPr>
-          <a:xfrm>
-            <a:off x="1981200" y="-12"/>
-            <a:ext cx="8229600" cy="1143000"/>
-          </a:xfrm>
-          <a:prstGeom prst="rect">
-            <a:avLst/>
-          </a:prstGeom>
-        </p:spPr>
-        <p:txBody>
-          <a:bodyPr spcFirstLastPara="1" wrap="square" lIns="91425" tIns="91425" rIns="91425" bIns="91425" anchor="b" anchorCtr="0">
-            <a:noAutofit/>
-          </a:bodyPr>
-          <a:lstStyle/>
-          <a:p>
-            <a:r>
-              <a:rPr lang="en">
-                <a:solidFill>
-                  <a:schemeClr val="accent1"/>
-                </a:solidFill>
-              </a:rPr>
-              <a:t>Recap - inference for one proportion</a:t>
-            </a:r>
-            <a:endParaRPr>
-              <a:solidFill>
-                <a:schemeClr val="accent1"/>
-              </a:solidFill>
-            </a:endParaRPr>
-          </a:p>
-        </p:txBody>
-      </p:sp>
-      <p:sp>
-        <p:nvSpPr>
-          <p:cNvPr id="344" name="Google Shape;344;p55"/>
-          <p:cNvSpPr txBox="1">
-            <a:spLocks noGrp="1"/>
-          </p:cNvSpPr>
-          <p:nvPr>
-            <p:ph type="body" idx="1"/>
-          </p:nvPr>
-        </p:nvSpPr>
-        <p:spPr>
-          <a:xfrm flipH="1">
-            <a:off x="1981200" y="1941700"/>
-            <a:ext cx="7822200" cy="2244900"/>
-          </a:xfrm>
-          <a:prstGeom prst="rect">
-            <a:avLst/>
-          </a:prstGeom>
-        </p:spPr>
-        <p:txBody>
-          <a:bodyPr spcFirstLastPara="1" wrap="square" lIns="91425" tIns="91425" rIns="91425" bIns="91425" anchor="t" anchorCtr="0">
-            <a:noAutofit/>
-          </a:bodyPr>
-          <a:lstStyle/>
-          <a:p>
-            <a:pPr marL="0" indent="0">
-              <a:lnSpc>
-                <a:spcPct val="115000"/>
-              </a:lnSpc>
-              <a:spcBef>
-                <a:spcPts val="0"/>
-              </a:spcBef>
-              <a:buNone/>
-            </a:pPr>
-            <a:r>
-              <a:rPr lang="en" sz="2200"/>
-              <a:t>Conditions</a:t>
-            </a:r>
-            <a:endParaRPr sz="2200"/>
-          </a:p>
-          <a:p>
-            <a:pPr indent="-368300">
-              <a:lnSpc>
-                <a:spcPct val="115000"/>
-              </a:lnSpc>
-              <a:spcBef>
-                <a:spcPts val="0"/>
-              </a:spcBef>
-              <a:buSzPts val="2200"/>
-            </a:pPr>
-            <a:r>
-              <a:rPr lang="en" sz="2200"/>
-              <a:t>independence</a:t>
-            </a:r>
-            <a:br>
-              <a:rPr lang="en" sz="2200"/>
-            </a:br>
-            <a:r>
-              <a:rPr lang="en" sz="2200"/>
-              <a:t>- random sample and 10% condition</a:t>
-            </a:r>
-            <a:endParaRPr sz="2200"/>
-          </a:p>
-          <a:p>
-            <a:pPr indent="-368300">
-              <a:lnSpc>
-                <a:spcPct val="115000"/>
-              </a:lnSpc>
-              <a:spcBef>
-                <a:spcPts val="0"/>
-              </a:spcBef>
-              <a:buSzPts val="2200"/>
-            </a:pPr>
-            <a:r>
-              <a:rPr lang="en" sz="2200"/>
-              <a:t>at least 10 successes and failures</a:t>
-            </a:r>
-            <a:br>
-              <a:rPr lang="en" sz="2200"/>
-            </a:br>
-            <a:r>
-              <a:rPr lang="en" sz="2200"/>
-              <a:t>- if not → randomization</a:t>
-            </a:r>
-            <a:endParaRPr sz="2200"/>
-          </a:p>
-          <a:p>
-            <a:pPr marL="0" indent="0">
-              <a:lnSpc>
-                <a:spcPct val="115000"/>
-              </a:lnSpc>
-              <a:spcBef>
-                <a:spcPts val="1000"/>
-              </a:spcBef>
-              <a:spcAft>
-                <a:spcPts val="1000"/>
-              </a:spcAft>
-              <a:buNone/>
-            </a:pPr>
-            <a:endParaRPr sz="2200"/>
-          </a:p>
-        </p:txBody>
-      </p:sp>
-    </p:spTree>
   </p:cSld>
   <p:clrMapOvr>
     <a:masterClrMapping/>
@@ -32188,6 +32910,355 @@
 </file>
 
 <file path=ppt/slides/slide60.xml><?xml version="1.0" encoding="utf-8"?>
+<p:sld xmlns:a="http://schemas.openxmlformats.org/drawingml/2006/main" xmlns:r="http://schemas.openxmlformats.org/officeDocument/2006/relationships" xmlns:p="http://schemas.openxmlformats.org/presentationml/2006/main">
+  <p:cSld>
+    <p:spTree>
+      <p:nvGrpSpPr>
+        <p:cNvPr id="1" name="Shape 335"/>
+        <p:cNvGrpSpPr/>
+        <p:nvPr/>
+      </p:nvGrpSpPr>
+      <p:grpSpPr>
+        <a:xfrm>
+          <a:off x="0" y="0"/>
+          <a:ext cx="0" cy="0"/>
+          <a:chOff x="0" y="0"/>
+          <a:chExt cx="0" cy="0"/>
+        </a:xfrm>
+      </p:grpSpPr>
+      <p:sp>
+        <p:nvSpPr>
+          <p:cNvPr id="336" name="Google Shape;336;p54"/>
+          <p:cNvSpPr txBox="1">
+            <a:spLocks noGrp="1"/>
+          </p:cNvSpPr>
+          <p:nvPr>
+            <p:ph type="body" idx="1"/>
+          </p:nvPr>
+        </p:nvSpPr>
+        <p:spPr>
+          <a:xfrm flipH="1">
+            <a:off x="1981200" y="1319800"/>
+            <a:ext cx="7822200" cy="621900"/>
+          </a:xfrm>
+          <a:prstGeom prst="rect">
+            <a:avLst/>
+          </a:prstGeom>
+        </p:spPr>
+        <p:txBody>
+          <a:bodyPr spcFirstLastPara="1" wrap="square" lIns="91425" tIns="91425" rIns="91425" bIns="91425" anchor="t" anchorCtr="0">
+            <a:noAutofit/>
+          </a:bodyPr>
+          <a:lstStyle/>
+          <a:p>
+            <a:pPr marL="0" indent="0">
+              <a:lnSpc>
+                <a:spcPct val="115000"/>
+              </a:lnSpc>
+              <a:spcBef>
+                <a:spcPts val="0"/>
+              </a:spcBef>
+              <a:spcAft>
+                <a:spcPts val="1000"/>
+              </a:spcAft>
+              <a:buNone/>
+            </a:pPr>
+            <a:r>
+              <a:rPr lang="en" sz="2200"/>
+              <a:t>Population parameter: </a:t>
+            </a:r>
+            <a:r>
+              <a:rPr lang="en" sz="2200" i="1"/>
+              <a:t>p</a:t>
+            </a:r>
+            <a:r>
+              <a:rPr lang="en" sz="2200"/>
+              <a:t>, point estimate: </a:t>
+            </a:r>
+            <a:r>
+              <a:rPr lang="en" sz="2200" i="1"/>
+              <a:t>p̂</a:t>
+            </a:r>
+            <a:endParaRPr sz="2200" i="1"/>
+          </a:p>
+        </p:txBody>
+      </p:sp>
+      <p:sp>
+        <p:nvSpPr>
+          <p:cNvPr id="337" name="Google Shape;337;p54"/>
+          <p:cNvSpPr txBox="1">
+            <a:spLocks noGrp="1"/>
+          </p:cNvSpPr>
+          <p:nvPr>
+            <p:ph type="title"/>
+          </p:nvPr>
+        </p:nvSpPr>
+        <p:spPr>
+          <a:xfrm>
+            <a:off x="1981200" y="-12"/>
+            <a:ext cx="8229600" cy="1143000"/>
+          </a:xfrm>
+          <a:prstGeom prst="rect">
+            <a:avLst/>
+          </a:prstGeom>
+        </p:spPr>
+        <p:txBody>
+          <a:bodyPr spcFirstLastPara="1" wrap="square" lIns="91425" tIns="91425" rIns="91425" bIns="91425" anchor="b" anchorCtr="0">
+            <a:noAutofit/>
+          </a:bodyPr>
+          <a:lstStyle/>
+          <a:p>
+            <a:r>
+              <a:rPr lang="en">
+                <a:solidFill>
+                  <a:schemeClr val="accent1"/>
+                </a:solidFill>
+              </a:rPr>
+              <a:t>Recap - inference for one proportion</a:t>
+            </a:r>
+            <a:endParaRPr>
+              <a:solidFill>
+                <a:schemeClr val="accent1"/>
+              </a:solidFill>
+            </a:endParaRPr>
+          </a:p>
+        </p:txBody>
+      </p:sp>
+    </p:spTree>
+  </p:cSld>
+  <p:clrMapOvr>
+    <a:masterClrMapping/>
+  </p:clrMapOvr>
+</p:sld>
+</file>
+
+<file path=ppt/slides/slide61.xml><?xml version="1.0" encoding="utf-8"?>
+<p:sld xmlns:a="http://schemas.openxmlformats.org/drawingml/2006/main" xmlns:r="http://schemas.openxmlformats.org/officeDocument/2006/relationships" xmlns:p="http://schemas.openxmlformats.org/presentationml/2006/main">
+  <p:cSld>
+    <p:spTree>
+      <p:nvGrpSpPr>
+        <p:cNvPr id="1" name="Shape 341"/>
+        <p:cNvGrpSpPr/>
+        <p:nvPr/>
+      </p:nvGrpSpPr>
+      <p:grpSpPr>
+        <a:xfrm>
+          <a:off x="0" y="0"/>
+          <a:ext cx="0" cy="0"/>
+          <a:chOff x="0" y="0"/>
+          <a:chExt cx="0" cy="0"/>
+        </a:xfrm>
+      </p:grpSpPr>
+      <p:sp>
+        <p:nvSpPr>
+          <p:cNvPr id="342" name="Google Shape;342;p55"/>
+          <p:cNvSpPr txBox="1">
+            <a:spLocks noGrp="1"/>
+          </p:cNvSpPr>
+          <p:nvPr>
+            <p:ph type="body" idx="1"/>
+          </p:nvPr>
+        </p:nvSpPr>
+        <p:spPr>
+          <a:xfrm flipH="1">
+            <a:off x="1981200" y="1319800"/>
+            <a:ext cx="7822200" cy="621900"/>
+          </a:xfrm>
+          <a:prstGeom prst="rect">
+            <a:avLst/>
+          </a:prstGeom>
+        </p:spPr>
+        <p:txBody>
+          <a:bodyPr spcFirstLastPara="1" wrap="square" lIns="91425" tIns="91425" rIns="91425" bIns="91425" anchor="t" anchorCtr="0">
+            <a:noAutofit/>
+          </a:bodyPr>
+          <a:lstStyle/>
+          <a:p>
+            <a:pPr marL="0" indent="0">
+              <a:lnSpc>
+                <a:spcPct val="115000"/>
+              </a:lnSpc>
+              <a:spcBef>
+                <a:spcPts val="0"/>
+              </a:spcBef>
+              <a:spcAft>
+                <a:spcPts val="1000"/>
+              </a:spcAft>
+              <a:buNone/>
+            </a:pPr>
+            <a:r>
+              <a:rPr lang="en" sz="2200"/>
+              <a:t>Population parameter: </a:t>
+            </a:r>
+            <a:r>
+              <a:rPr lang="en" sz="2200" i="1"/>
+              <a:t>p</a:t>
+            </a:r>
+            <a:r>
+              <a:rPr lang="en" sz="2200"/>
+              <a:t>, point estimate: </a:t>
+            </a:r>
+            <a:r>
+              <a:rPr lang="en" sz="2200" i="1"/>
+              <a:t>p̂</a:t>
+            </a:r>
+            <a:endParaRPr sz="2200" i="1"/>
+          </a:p>
+        </p:txBody>
+      </p:sp>
+      <p:sp>
+        <p:nvSpPr>
+          <p:cNvPr id="343" name="Google Shape;343;p55"/>
+          <p:cNvSpPr txBox="1">
+            <a:spLocks noGrp="1"/>
+          </p:cNvSpPr>
+          <p:nvPr>
+            <p:ph type="title"/>
+          </p:nvPr>
+        </p:nvSpPr>
+        <p:spPr>
+          <a:xfrm>
+            <a:off x="1981200" y="-12"/>
+            <a:ext cx="8229600" cy="1143000"/>
+          </a:xfrm>
+          <a:prstGeom prst="rect">
+            <a:avLst/>
+          </a:prstGeom>
+        </p:spPr>
+        <p:txBody>
+          <a:bodyPr spcFirstLastPara="1" wrap="square" lIns="91425" tIns="91425" rIns="91425" bIns="91425" anchor="b" anchorCtr="0">
+            <a:noAutofit/>
+          </a:bodyPr>
+          <a:lstStyle/>
+          <a:p>
+            <a:r>
+              <a:rPr lang="en">
+                <a:solidFill>
+                  <a:schemeClr val="accent1"/>
+                </a:solidFill>
+              </a:rPr>
+              <a:t>Recap - inference for one proportion</a:t>
+            </a:r>
+            <a:endParaRPr>
+              <a:solidFill>
+                <a:schemeClr val="accent1"/>
+              </a:solidFill>
+            </a:endParaRPr>
+          </a:p>
+        </p:txBody>
+      </p:sp>
+      <p:sp>
+        <p:nvSpPr>
+          <p:cNvPr id="344" name="Google Shape;344;p55"/>
+          <p:cNvSpPr txBox="1">
+            <a:spLocks noGrp="1"/>
+          </p:cNvSpPr>
+          <p:nvPr>
+            <p:ph type="body" idx="1"/>
+          </p:nvPr>
+        </p:nvSpPr>
+        <p:spPr>
+          <a:xfrm flipH="1">
+            <a:off x="1981200" y="1941700"/>
+            <a:ext cx="7822200" cy="2244900"/>
+          </a:xfrm>
+          <a:prstGeom prst="rect">
+            <a:avLst/>
+          </a:prstGeom>
+        </p:spPr>
+        <p:txBody>
+          <a:bodyPr spcFirstLastPara="1" wrap="square" lIns="91425" tIns="91425" rIns="91425" bIns="91425" anchor="t" anchorCtr="0">
+            <a:noAutofit/>
+          </a:bodyPr>
+          <a:lstStyle/>
+          <a:p>
+            <a:pPr marL="0" indent="0">
+              <a:lnSpc>
+                <a:spcPct val="115000"/>
+              </a:lnSpc>
+              <a:spcBef>
+                <a:spcPts val="0"/>
+              </a:spcBef>
+              <a:buNone/>
+            </a:pPr>
+            <a:r>
+              <a:rPr lang="en" sz="2200"/>
+              <a:t>Conditions</a:t>
+            </a:r>
+            <a:endParaRPr sz="2200"/>
+          </a:p>
+          <a:p>
+            <a:pPr indent="-368300">
+              <a:lnSpc>
+                <a:spcPct val="115000"/>
+              </a:lnSpc>
+              <a:spcBef>
+                <a:spcPts val="0"/>
+              </a:spcBef>
+              <a:buSzPts val="2200"/>
+            </a:pPr>
+            <a:r>
+              <a:rPr lang="en" sz="2200"/>
+              <a:t>independence</a:t>
+            </a:r>
+            <a:br>
+              <a:rPr lang="en" sz="2200"/>
+            </a:br>
+            <a:r>
+              <a:rPr lang="en" sz="2200"/>
+              <a:t>- random sample and 10% condition</a:t>
+            </a:r>
+            <a:endParaRPr sz="2200"/>
+          </a:p>
+          <a:p>
+            <a:pPr indent="-368300">
+              <a:lnSpc>
+                <a:spcPct val="115000"/>
+              </a:lnSpc>
+              <a:spcBef>
+                <a:spcPts val="0"/>
+              </a:spcBef>
+              <a:buSzPts val="2200"/>
+            </a:pPr>
+            <a:r>
+              <a:rPr lang="en" sz="2200"/>
+              <a:t>at least 10 successes and failures</a:t>
+            </a:r>
+            <a:br>
+              <a:rPr lang="en" sz="2200"/>
+            </a:br>
+            <a:r>
+              <a:rPr lang="en" sz="2200"/>
+              <a:t>- if not → randomization</a:t>
+            </a:r>
+            <a:endParaRPr sz="2200"/>
+          </a:p>
+          <a:p>
+            <a:pPr marL="0" indent="0">
+              <a:lnSpc>
+                <a:spcPct val="115000"/>
+              </a:lnSpc>
+              <a:spcBef>
+                <a:spcPts val="1000"/>
+              </a:spcBef>
+              <a:spcAft>
+                <a:spcPts val="1000"/>
+              </a:spcAft>
+              <a:buNone/>
+            </a:pPr>
+            <a:endParaRPr sz="2200"/>
+          </a:p>
+        </p:txBody>
+      </p:sp>
+    </p:spTree>
+  </p:cSld>
+  <p:clrMapOvr>
+    <a:masterClrMapping/>
+  </p:clrMapOvr>
+</p:sld>
+</file>
+
+<file path=ppt/slides/slide62.xml><?xml version="1.0" encoding="utf-8"?>
 <p:sld xmlns:a="http://schemas.openxmlformats.org/drawingml/2006/main" xmlns:r="http://schemas.openxmlformats.org/officeDocument/2006/relationships" xmlns:p="http://schemas.openxmlformats.org/presentationml/2006/main">
   <p:cSld>
     <p:spTree>

--- a/slides/15-single-proportion.pptx
+++ b/slides/15-single-proportion.pptx
@@ -6,71 +6,72 @@
     <p:sldMasterId id="2147483684" r:id="rId2"/>
   </p:sldMasterIdLst>
   <p:notesMasterIdLst>
-    <p:notesMasterId r:id="rId65"/>
+    <p:notesMasterId r:id="rId66"/>
   </p:notesMasterIdLst>
   <p:sldIdLst>
     <p:sldId id="256" r:id="rId3"/>
-    <p:sldId id="298" r:id="rId4"/>
-    <p:sldId id="299" r:id="rId5"/>
-    <p:sldId id="258" r:id="rId6"/>
-    <p:sldId id="300" r:id="rId7"/>
-    <p:sldId id="260" r:id="rId8"/>
-    <p:sldId id="261" r:id="rId9"/>
-    <p:sldId id="262" r:id="rId10"/>
-    <p:sldId id="263" r:id="rId11"/>
-    <p:sldId id="264" r:id="rId12"/>
-    <p:sldId id="265" r:id="rId13"/>
-    <p:sldId id="266" r:id="rId14"/>
-    <p:sldId id="268" r:id="rId15"/>
-    <p:sldId id="269" r:id="rId16"/>
-    <p:sldId id="270" r:id="rId17"/>
-    <p:sldId id="271" r:id="rId18"/>
-    <p:sldId id="272" r:id="rId19"/>
-    <p:sldId id="273" r:id="rId20"/>
-    <p:sldId id="274" r:id="rId21"/>
-    <p:sldId id="275" r:id="rId22"/>
-    <p:sldId id="301" r:id="rId23"/>
-    <p:sldId id="326" r:id="rId24"/>
-    <p:sldId id="327" r:id="rId25"/>
-    <p:sldId id="277" r:id="rId26"/>
-    <p:sldId id="278" r:id="rId27"/>
-    <p:sldId id="279" r:id="rId28"/>
-    <p:sldId id="302" r:id="rId29"/>
-    <p:sldId id="328" r:id="rId30"/>
-    <p:sldId id="281" r:id="rId31"/>
-    <p:sldId id="282" r:id="rId32"/>
-    <p:sldId id="283" r:id="rId33"/>
-    <p:sldId id="284" r:id="rId34"/>
-    <p:sldId id="285" r:id="rId35"/>
-    <p:sldId id="287" r:id="rId36"/>
-    <p:sldId id="303" r:id="rId37"/>
-    <p:sldId id="304" r:id="rId38"/>
-    <p:sldId id="305" r:id="rId39"/>
-    <p:sldId id="309" r:id="rId40"/>
-    <p:sldId id="286" r:id="rId41"/>
-    <p:sldId id="310" r:id="rId42"/>
-    <p:sldId id="306" r:id="rId43"/>
-    <p:sldId id="311" r:id="rId44"/>
-    <p:sldId id="307" r:id="rId45"/>
-    <p:sldId id="312" r:id="rId46"/>
-    <p:sldId id="313" r:id="rId47"/>
-    <p:sldId id="314" r:id="rId48"/>
-    <p:sldId id="315" r:id="rId49"/>
-    <p:sldId id="316" r:id="rId50"/>
-    <p:sldId id="317" r:id="rId51"/>
-    <p:sldId id="318" r:id="rId52"/>
-    <p:sldId id="319" r:id="rId53"/>
-    <p:sldId id="320" r:id="rId54"/>
-    <p:sldId id="321" r:id="rId55"/>
-    <p:sldId id="322" r:id="rId56"/>
-    <p:sldId id="293" r:id="rId57"/>
-    <p:sldId id="294" r:id="rId58"/>
-    <p:sldId id="323" r:id="rId59"/>
-    <p:sldId id="324" r:id="rId60"/>
-    <p:sldId id="325" r:id="rId61"/>
-    <p:sldId id="295" r:id="rId62"/>
-    <p:sldId id="296" r:id="rId63"/>
-    <p:sldId id="297" r:id="rId64"/>
+    <p:sldId id="329" r:id="rId4"/>
+    <p:sldId id="298" r:id="rId5"/>
+    <p:sldId id="299" r:id="rId6"/>
+    <p:sldId id="258" r:id="rId7"/>
+    <p:sldId id="300" r:id="rId8"/>
+    <p:sldId id="260" r:id="rId9"/>
+    <p:sldId id="261" r:id="rId10"/>
+    <p:sldId id="262" r:id="rId11"/>
+    <p:sldId id="263" r:id="rId12"/>
+    <p:sldId id="264" r:id="rId13"/>
+    <p:sldId id="265" r:id="rId14"/>
+    <p:sldId id="266" r:id="rId15"/>
+    <p:sldId id="268" r:id="rId16"/>
+    <p:sldId id="269" r:id="rId17"/>
+    <p:sldId id="270" r:id="rId18"/>
+    <p:sldId id="271" r:id="rId19"/>
+    <p:sldId id="272" r:id="rId20"/>
+    <p:sldId id="273" r:id="rId21"/>
+    <p:sldId id="274" r:id="rId22"/>
+    <p:sldId id="275" r:id="rId23"/>
+    <p:sldId id="301" r:id="rId24"/>
+    <p:sldId id="326" r:id="rId25"/>
+    <p:sldId id="327" r:id="rId26"/>
+    <p:sldId id="277" r:id="rId27"/>
+    <p:sldId id="278" r:id="rId28"/>
+    <p:sldId id="279" r:id="rId29"/>
+    <p:sldId id="302" r:id="rId30"/>
+    <p:sldId id="328" r:id="rId31"/>
+    <p:sldId id="281" r:id="rId32"/>
+    <p:sldId id="282" r:id="rId33"/>
+    <p:sldId id="283" r:id="rId34"/>
+    <p:sldId id="284" r:id="rId35"/>
+    <p:sldId id="285" r:id="rId36"/>
+    <p:sldId id="287" r:id="rId37"/>
+    <p:sldId id="303" r:id="rId38"/>
+    <p:sldId id="304" r:id="rId39"/>
+    <p:sldId id="305" r:id="rId40"/>
+    <p:sldId id="309" r:id="rId41"/>
+    <p:sldId id="286" r:id="rId42"/>
+    <p:sldId id="310" r:id="rId43"/>
+    <p:sldId id="306" r:id="rId44"/>
+    <p:sldId id="311" r:id="rId45"/>
+    <p:sldId id="307" r:id="rId46"/>
+    <p:sldId id="312" r:id="rId47"/>
+    <p:sldId id="313" r:id="rId48"/>
+    <p:sldId id="314" r:id="rId49"/>
+    <p:sldId id="315" r:id="rId50"/>
+    <p:sldId id="316" r:id="rId51"/>
+    <p:sldId id="317" r:id="rId52"/>
+    <p:sldId id="318" r:id="rId53"/>
+    <p:sldId id="319" r:id="rId54"/>
+    <p:sldId id="320" r:id="rId55"/>
+    <p:sldId id="321" r:id="rId56"/>
+    <p:sldId id="322" r:id="rId57"/>
+    <p:sldId id="293" r:id="rId58"/>
+    <p:sldId id="294" r:id="rId59"/>
+    <p:sldId id="323" r:id="rId60"/>
+    <p:sldId id="324" r:id="rId61"/>
+    <p:sldId id="325" r:id="rId62"/>
+    <p:sldId id="295" r:id="rId63"/>
+    <p:sldId id="296" r:id="rId64"/>
+    <p:sldId id="297" r:id="rId65"/>
   </p:sldIdLst>
   <p:sldSz cx="12192000" cy="6858000"/>
   <p:notesSz cx="6858000" cy="9144000"/>
@@ -12821,6 +12822,325 @@
   <p:cSld>
     <p:spTree>
       <p:nvGrpSpPr>
+        <p:cNvPr id="1" name="Shape 88"/>
+        <p:cNvGrpSpPr/>
+        <p:nvPr/>
+      </p:nvGrpSpPr>
+      <p:grpSpPr>
+        <a:xfrm>
+          <a:off x="0" y="0"/>
+          <a:ext cx="0" cy="0"/>
+          <a:chOff x="0" y="0"/>
+          <a:chExt cx="0" cy="0"/>
+        </a:xfrm>
+      </p:grpSpPr>
+      <p:sp>
+        <p:nvSpPr>
+          <p:cNvPr id="89" name="Google Shape;89;p22"/>
+          <p:cNvSpPr txBox="1">
+            <a:spLocks noGrp="1"/>
+          </p:cNvSpPr>
+          <p:nvPr>
+            <p:ph type="title"/>
+          </p:nvPr>
+        </p:nvSpPr>
+        <p:spPr>
+          <a:xfrm>
+            <a:off x="1981200" y="-12"/>
+            <a:ext cx="8229600" cy="1143000"/>
+          </a:xfrm>
+          <a:prstGeom prst="rect">
+            <a:avLst/>
+          </a:prstGeom>
+        </p:spPr>
+        <p:txBody>
+          <a:bodyPr spcFirstLastPara="1" wrap="square" lIns="91425" tIns="91425" rIns="91425" bIns="91425" anchor="b" anchorCtr="0">
+            <a:noAutofit/>
+          </a:bodyPr>
+          <a:lstStyle/>
+          <a:p>
+            <a:r>
+              <a:rPr lang="en">
+                <a:solidFill>
+                  <a:schemeClr val="accent1"/>
+                </a:solidFill>
+              </a:rPr>
+              <a:t>Parameter and point estimate</a:t>
+            </a:r>
+            <a:endParaRPr baseline="30000">
+              <a:solidFill>
+                <a:schemeClr val="accent1"/>
+              </a:solidFill>
+            </a:endParaRPr>
+          </a:p>
+        </p:txBody>
+      </p:sp>
+      <p:sp>
+        <p:nvSpPr>
+          <p:cNvPr id="90" name="Google Shape;90;p22"/>
+          <p:cNvSpPr txBox="1">
+            <a:spLocks noGrp="1"/>
+          </p:cNvSpPr>
+          <p:nvPr>
+            <p:ph type="body" idx="1"/>
+          </p:nvPr>
+        </p:nvSpPr>
+        <p:spPr>
+          <a:xfrm flipH="1">
+            <a:off x="1981075" y="1305775"/>
+            <a:ext cx="7822200" cy="1736100"/>
+          </a:xfrm>
+          <a:prstGeom prst="rect">
+            <a:avLst/>
+          </a:prstGeom>
+        </p:spPr>
+        <p:txBody>
+          <a:bodyPr spcFirstLastPara="1" wrap="square" lIns="91425" tIns="91425" rIns="91425" bIns="91425" anchor="t" anchorCtr="0">
+            <a:noAutofit/>
+          </a:bodyPr>
+          <a:lstStyle/>
+          <a:p>
+            <a:pPr marL="0" indent="0">
+              <a:lnSpc>
+                <a:spcPct val="115000"/>
+              </a:lnSpc>
+              <a:spcBef>
+                <a:spcPts val="0"/>
+              </a:spcBef>
+              <a:buSzPts val="1100"/>
+              <a:buNone/>
+            </a:pPr>
+            <a:r>
+              <a:rPr lang="en" sz="2200" dirty="0">
+                <a:solidFill>
+                  <a:schemeClr val="tx1"/>
+                </a:solidFill>
+              </a:rPr>
+              <a:t>We would like to estimate the proportion of all Americans who have good intuition about experimental design, i.e. would answer “500 get the drug 500 don't”? What are the parameter of interest and the point estimate?</a:t>
+            </a:r>
+            <a:endParaRPr sz="2200" dirty="0">
+              <a:solidFill>
+                <a:schemeClr val="tx1"/>
+              </a:solidFill>
+            </a:endParaRPr>
+          </a:p>
+        </p:txBody>
+      </p:sp>
+      <p:sp>
+        <p:nvSpPr>
+          <p:cNvPr id="91" name="Google Shape;91;p22"/>
+          <p:cNvSpPr txBox="1">
+            <a:spLocks noGrp="1"/>
+          </p:cNvSpPr>
+          <p:nvPr>
+            <p:ph type="body" idx="1"/>
+          </p:nvPr>
+        </p:nvSpPr>
+        <p:spPr>
+          <a:xfrm flipH="1">
+            <a:off x="1981075" y="3131550"/>
+            <a:ext cx="7822200" cy="1481700"/>
+          </a:xfrm>
+          <a:prstGeom prst="rect">
+            <a:avLst/>
+          </a:prstGeom>
+        </p:spPr>
+        <p:txBody>
+          <a:bodyPr spcFirstLastPara="1" wrap="square" lIns="91425" tIns="91425" rIns="91425" bIns="91425" anchor="t" anchorCtr="0">
+            <a:noAutofit/>
+          </a:bodyPr>
+          <a:lstStyle/>
+          <a:p>
+            <a:pPr marL="0" indent="0">
+              <a:lnSpc>
+                <a:spcPct val="115000"/>
+              </a:lnSpc>
+              <a:spcBef>
+                <a:spcPts val="0"/>
+              </a:spcBef>
+              <a:buSzPts val="1100"/>
+              <a:buNone/>
+            </a:pPr>
+            <a:r>
+              <a:rPr lang="en" sz="2200" i="1">
+                <a:solidFill>
+                  <a:schemeClr val="accent1"/>
+                </a:solidFill>
+              </a:rPr>
+              <a:t>Parameter of interest:</a:t>
+            </a:r>
+            <a:r>
+              <a:rPr lang="en" sz="2200"/>
+              <a:t> proportion of </a:t>
+            </a:r>
+            <a:r>
+              <a:rPr lang="en" sz="2200" i="1">
+                <a:solidFill>
+                  <a:srgbClr val="FF9900"/>
+                </a:solidFill>
+              </a:rPr>
+              <a:t>all</a:t>
+            </a:r>
+            <a:r>
+              <a:rPr lang="en" sz="2200"/>
+              <a:t> Americans who have good intuition about experimental design.</a:t>
+            </a:r>
+            <a:endParaRPr sz="2200"/>
+          </a:p>
+          <a:p>
+            <a:pPr marL="0" indent="457200">
+              <a:lnSpc>
+                <a:spcPct val="115000"/>
+              </a:lnSpc>
+              <a:spcBef>
+                <a:spcPts val="0"/>
+              </a:spcBef>
+              <a:buSzPts val="1100"/>
+              <a:buNone/>
+            </a:pPr>
+            <a:r>
+              <a:rPr lang="en" sz="2200" i="1">
+                <a:solidFill>
+                  <a:schemeClr val="accent1"/>
+                </a:solidFill>
+              </a:rPr>
+              <a:t>                         p</a:t>
+            </a:r>
+            <a:r>
+              <a:rPr lang="en" sz="2200"/>
+              <a:t>	a population proportion</a:t>
+            </a:r>
+            <a:endParaRPr sz="2200"/>
+          </a:p>
+          <a:p>
+            <a:pPr marL="0" indent="0">
+              <a:lnSpc>
+                <a:spcPct val="115000"/>
+              </a:lnSpc>
+              <a:spcBef>
+                <a:spcPts val="0"/>
+              </a:spcBef>
+              <a:buSzPts val="1100"/>
+              <a:buNone/>
+            </a:pPr>
+            <a:endParaRPr sz="2200"/>
+          </a:p>
+        </p:txBody>
+      </p:sp>
+      <p:sp>
+        <p:nvSpPr>
+          <p:cNvPr id="92" name="Google Shape;92;p22"/>
+          <p:cNvSpPr txBox="1">
+            <a:spLocks noGrp="1"/>
+          </p:cNvSpPr>
+          <p:nvPr>
+            <p:ph type="body" idx="1"/>
+          </p:nvPr>
+        </p:nvSpPr>
+        <p:spPr>
+          <a:xfrm flipH="1">
+            <a:off x="1981075" y="4613250"/>
+            <a:ext cx="7822200" cy="1481700"/>
+          </a:xfrm>
+          <a:prstGeom prst="rect">
+            <a:avLst/>
+          </a:prstGeom>
+        </p:spPr>
+        <p:txBody>
+          <a:bodyPr spcFirstLastPara="1" wrap="square" lIns="91425" tIns="91425" rIns="91425" bIns="91425" anchor="t" anchorCtr="0">
+            <a:noAutofit/>
+          </a:bodyPr>
+          <a:lstStyle/>
+          <a:p>
+            <a:pPr marL="0" indent="0">
+              <a:lnSpc>
+                <a:spcPct val="115000"/>
+              </a:lnSpc>
+              <a:spcBef>
+                <a:spcPts val="0"/>
+              </a:spcBef>
+              <a:buSzPts val="1100"/>
+              <a:buNone/>
+            </a:pPr>
+            <a:r>
+              <a:rPr lang="en" sz="2200" i="1">
+                <a:solidFill>
+                  <a:schemeClr val="accent1"/>
+                </a:solidFill>
+              </a:rPr>
+              <a:t>Point estimate:</a:t>
+            </a:r>
+            <a:r>
+              <a:rPr lang="en" sz="2200"/>
+              <a:t> proportion of </a:t>
+            </a:r>
+            <a:r>
+              <a:rPr lang="en" sz="2200" i="1">
+                <a:solidFill>
+                  <a:srgbClr val="FF9900"/>
+                </a:solidFill>
+              </a:rPr>
+              <a:t>sampled</a:t>
+            </a:r>
+            <a:r>
+              <a:rPr lang="en" sz="2200"/>
+              <a:t> Americans who have good intuition about experimental design.</a:t>
+            </a:r>
+            <a:endParaRPr sz="2200"/>
+          </a:p>
+          <a:p>
+            <a:pPr marL="0" indent="457200">
+              <a:lnSpc>
+                <a:spcPct val="115000"/>
+              </a:lnSpc>
+              <a:spcBef>
+                <a:spcPts val="0"/>
+              </a:spcBef>
+              <a:buSzPts val="1100"/>
+              <a:buNone/>
+            </a:pPr>
+            <a:r>
+              <a:rPr lang="en" sz="2200" i="1">
+                <a:solidFill>
+                  <a:schemeClr val="accent1"/>
+                </a:solidFill>
+              </a:rPr>
+              <a:t>                         p̂</a:t>
+            </a:r>
+            <a:r>
+              <a:rPr lang="en" sz="2200"/>
+              <a:t>	a sample proportion</a:t>
+            </a:r>
+            <a:endParaRPr sz="2200"/>
+          </a:p>
+          <a:p>
+            <a:pPr marL="0" indent="0">
+              <a:lnSpc>
+                <a:spcPct val="115000"/>
+              </a:lnSpc>
+              <a:spcBef>
+                <a:spcPts val="0"/>
+              </a:spcBef>
+              <a:buSzPts val="1100"/>
+              <a:buNone/>
+            </a:pPr>
+            <a:endParaRPr sz="2200"/>
+          </a:p>
+        </p:txBody>
+      </p:sp>
+    </p:spTree>
+  </p:cSld>
+  <p:clrMapOvr>
+    <a:masterClrMapping/>
+  </p:clrMapOvr>
+</p:sld>
+</file>
+
+<file path=ppt/slides/slide11.xml><?xml version="1.0" encoding="utf-8"?>
+<p:sld xmlns:a="http://schemas.openxmlformats.org/drawingml/2006/main" xmlns:r="http://schemas.openxmlformats.org/officeDocument/2006/relationships" xmlns:p="http://schemas.openxmlformats.org/presentationml/2006/main">
+  <p:cSld>
+    <p:spTree>
+      <p:nvGrpSpPr>
         <p:cNvPr id="1" name="Shape 96"/>
         <p:cNvGrpSpPr/>
         <p:nvPr/>
@@ -12950,7 +13270,7 @@
 </p:sld>
 </file>
 
-<file path=ppt/slides/slide11.xml><?xml version="1.0" encoding="utf-8"?>
+<file path=ppt/slides/slide12.xml><?xml version="1.0" encoding="utf-8"?>
 <p:sld xmlns:a="http://schemas.openxmlformats.org/drawingml/2006/main" xmlns:r="http://schemas.openxmlformats.org/officeDocument/2006/relationships" xmlns:p="http://schemas.openxmlformats.org/presentationml/2006/main">
   <p:cSld>
     <p:spTree>
@@ -13166,7 +13486,7 @@
 </p:sld>
 </file>
 
-<file path=ppt/slides/slide12.xml><?xml version="1.0" encoding="utf-8"?>
+<file path=ppt/slides/slide13.xml><?xml version="1.0" encoding="utf-8"?>
 <p:sld xmlns:a="http://schemas.openxmlformats.org/drawingml/2006/main" xmlns:r="http://schemas.openxmlformats.org/officeDocument/2006/relationships" xmlns:p="http://schemas.openxmlformats.org/presentationml/2006/main">
   <p:cSld>
     <p:spTree>
@@ -13329,31 +13649,31 @@
               <a:buNone/>
             </a:pPr>
             <a:r>
-              <a:rPr lang="en" sz="2000">
+              <a:rPr lang="en" sz="2000" dirty="0">
                 <a:solidFill>
-                  <a:schemeClr val="accent1"/>
+                  <a:schemeClr val="tx1"/>
                 </a:solidFill>
               </a:rPr>
               <a:t>What percent of all Americans have good intuition about experimental design, i.e. would answer "500 get the drug</a:t>
             </a:r>
             <a:br>
-              <a:rPr lang="en" sz="2000">
+              <a:rPr lang="en" sz="2000" dirty="0">
                 <a:solidFill>
-                  <a:schemeClr val="accent1"/>
+                  <a:schemeClr val="tx1"/>
                 </a:solidFill>
               </a:rPr>
             </a:br>
             <a:r>
-              <a:rPr lang="en" sz="2000">
+              <a:rPr lang="en" sz="2000" dirty="0">
                 <a:solidFill>
-                  <a:schemeClr val="accent1"/>
+                  <a:schemeClr val="tx1"/>
                 </a:solidFill>
               </a:rPr>
               <a:t>500 don't"?</a:t>
             </a:r>
-            <a:endParaRPr sz="2000">
+            <a:endParaRPr sz="2000" dirty="0">
               <a:solidFill>
-                <a:schemeClr val="accent1"/>
+                <a:schemeClr val="tx1"/>
               </a:solidFill>
             </a:endParaRPr>
           </a:p>
@@ -13524,7 +13844,7 @@
 </p:sld>
 </file>
 
-<file path=ppt/slides/slide13.xml><?xml version="1.0" encoding="utf-8"?>
+<file path=ppt/slides/slide14.xml><?xml version="1.0" encoding="utf-8"?>
 <p:sld xmlns:a="http://schemas.openxmlformats.org/drawingml/2006/main" xmlns:r="http://schemas.openxmlformats.org/officeDocument/2006/relationships" xmlns:p="http://schemas.openxmlformats.org/presentationml/2006/main">
   <p:cSld>
     <p:spTree>
@@ -13847,7 +14167,7 @@
 </p:sld>
 </file>
 
-<file path=ppt/slides/slide14.xml><?xml version="1.0" encoding="utf-8"?>
+<file path=ppt/slides/slide15.xml><?xml version="1.0" encoding="utf-8"?>
 <p:sld xmlns:a="http://schemas.openxmlformats.org/drawingml/2006/main" xmlns:r="http://schemas.openxmlformats.org/officeDocument/2006/relationships" xmlns:p="http://schemas.openxmlformats.org/presentationml/2006/main">
   <p:cSld>
     <p:spTree>
@@ -14280,7 +14600,7 @@
 </p:sld>
 </file>
 
-<file path=ppt/slides/slide15.xml><?xml version="1.0" encoding="utf-8"?>
+<file path=ppt/slides/slide16.xml><?xml version="1.0" encoding="utf-8"?>
 <p:sld xmlns:a="http://schemas.openxmlformats.org/drawingml/2006/main" xmlns:r="http://schemas.openxmlformats.org/officeDocument/2006/relationships" xmlns:p="http://schemas.openxmlformats.org/presentationml/2006/main">
   <p:cSld>
     <p:spTree>
@@ -14738,7 +15058,7 @@
 </p:sld>
 </file>
 
-<file path=ppt/slides/slide16.xml><?xml version="1.0" encoding="utf-8"?>
+<file path=ppt/slides/slide17.xml><?xml version="1.0" encoding="utf-8"?>
 <p:sld xmlns:a="http://schemas.openxmlformats.org/drawingml/2006/main" xmlns:r="http://schemas.openxmlformats.org/officeDocument/2006/relationships" xmlns:p="http://schemas.openxmlformats.org/presentationml/2006/main">
   <p:cSld>
     <p:spTree>
@@ -14960,7 +15280,7 @@
 </p:sld>
 </file>
 
-<file path=ppt/slides/slide17.xml><?xml version="1.0" encoding="utf-8"?>
+<file path=ppt/slides/slide18.xml><?xml version="1.0" encoding="utf-8"?>
 <p:sld xmlns:a="http://schemas.openxmlformats.org/drawingml/2006/main" xmlns:r="http://schemas.openxmlformats.org/officeDocument/2006/relationships" xmlns:p="http://schemas.openxmlformats.org/presentationml/2006/main">
   <p:cSld>
     <p:spTree>
@@ -15040,18 +15360,6 @@
               </a:rPr>
               <a:t>Estimate (using a 95% confidence interval) the proportion of all Americans who have good intuition about experimental design.</a:t>
             </a:r>
-          </a:p>
-          <a:p>
-            <a:pPr marL="0" indent="0">
-              <a:lnSpc>
-                <a:spcPct val="115000"/>
-              </a:lnSpc>
-              <a:spcBef>
-                <a:spcPts val="1000"/>
-              </a:spcBef>
-              <a:buSzPts val="1100"/>
-              <a:buNone/>
-            </a:pPr>
             <a:endParaRPr lang="en" sz="2000" dirty="0"/>
           </a:p>
           <a:p>
@@ -15222,7 +15530,7 @@
 </p:sld>
 </file>
 
-<file path=ppt/slides/slide18.xml><?xml version="1.0" encoding="utf-8"?>
+<file path=ppt/slides/slide19.xml><?xml version="1.0" encoding="utf-8"?>
 <p:sld xmlns:a="http://schemas.openxmlformats.org/drawingml/2006/main" xmlns:r="http://schemas.openxmlformats.org/officeDocument/2006/relationships" xmlns:p="http://schemas.openxmlformats.org/presentationml/2006/main">
   <p:cSld>
     <p:spTree>
@@ -15302,18 +15610,6 @@
               </a:rPr>
               <a:t>Estimate (using a 95% confidence interval) the proportion of all Americans who have good intuition about experimental design.</a:t>
             </a:r>
-          </a:p>
-          <a:p>
-            <a:pPr marL="0" indent="0">
-              <a:lnSpc>
-                <a:spcPct val="115000"/>
-              </a:lnSpc>
-              <a:spcBef>
-                <a:spcPts val="1000"/>
-              </a:spcBef>
-              <a:buSzPts val="1100"/>
-              <a:buNone/>
-            </a:pPr>
             <a:endParaRPr lang="en" sz="2000" dirty="0"/>
           </a:p>
           <a:p>
@@ -15426,272 +15722,6 @@
             <a:extLst>
               <a:ext uri="{FF2B5EF4-FFF2-40B4-BE49-F238E27FC236}">
                 <a16:creationId xmlns:a16="http://schemas.microsoft.com/office/drawing/2014/main" id="{9DD6D28D-69BE-259B-9198-C44230AA6219}"/>
-              </a:ext>
-            </a:extLst>
-          </p:cNvPr>
-          <p:cNvSpPr txBox="1">
-            <a:spLocks noGrp="1"/>
-          </p:cNvSpPr>
-          <p:nvPr>
-            <p:ph type="title"/>
-          </p:nvPr>
-        </p:nvSpPr>
-        <p:spPr>
-          <a:xfrm>
-            <a:off x="1981200" y="-12"/>
-            <a:ext cx="8229600" cy="1143000"/>
-          </a:xfrm>
-          <a:prstGeom prst="rect">
-            <a:avLst/>
-          </a:prstGeom>
-        </p:spPr>
-        <p:txBody>
-          <a:bodyPr spcFirstLastPara="1" wrap="square" lIns="91425" tIns="91425" rIns="91425" bIns="91425" anchor="b" anchorCtr="0">
-            <a:noAutofit/>
-          </a:bodyPr>
-          <a:lstStyle/>
-          <a:p>
-            <a:r>
-              <a:rPr lang="en" dirty="0">
-                <a:solidFill>
-                  <a:schemeClr val="accent1"/>
-                </a:solidFill>
-              </a:rPr>
-              <a:t>Back to the example ...</a:t>
-            </a:r>
-            <a:endParaRPr baseline="30000" dirty="0">
-              <a:solidFill>
-                <a:schemeClr val="accent1"/>
-              </a:solidFill>
-            </a:endParaRPr>
-          </a:p>
-        </p:txBody>
-      </p:sp>
-    </p:spTree>
-  </p:cSld>
-  <p:clrMapOvr>
-    <a:masterClrMapping/>
-  </p:clrMapOvr>
-</p:sld>
-</file>
-
-<file path=ppt/slides/slide19.xml><?xml version="1.0" encoding="utf-8"?>
-<p:sld xmlns:a="http://schemas.openxmlformats.org/drawingml/2006/main" xmlns:r="http://schemas.openxmlformats.org/officeDocument/2006/relationships" xmlns:p="http://schemas.openxmlformats.org/presentationml/2006/main">
-  <p:cSld>
-    <p:spTree>
-      <p:nvGrpSpPr>
-        <p:cNvPr id="1" name="Shape 171"/>
-        <p:cNvGrpSpPr/>
-        <p:nvPr/>
-      </p:nvGrpSpPr>
-      <p:grpSpPr>
-        <a:xfrm>
-          <a:off x="0" y="0"/>
-          <a:ext cx="0" cy="0"/>
-          <a:chOff x="0" y="0"/>
-          <a:chExt cx="0" cy="0"/>
-        </a:xfrm>
-      </p:grpSpPr>
-      <p:sp>
-        <p:nvSpPr>
-          <p:cNvPr id="172" name="Google Shape;172;p33"/>
-          <p:cNvSpPr txBox="1">
-            <a:spLocks noGrp="1"/>
-          </p:cNvSpPr>
-          <p:nvPr>
-            <p:ph type="body" idx="1"/>
-          </p:nvPr>
-        </p:nvSpPr>
-        <p:spPr>
-          <a:xfrm flipH="1">
-            <a:off x="1981150" y="1305775"/>
-            <a:ext cx="8050800" cy="4845000"/>
-          </a:xfrm>
-          <a:prstGeom prst="rect">
-            <a:avLst/>
-          </a:prstGeom>
-        </p:spPr>
-        <p:txBody>
-          <a:bodyPr spcFirstLastPara="1" wrap="square" lIns="91425" tIns="91425" rIns="91425" bIns="91425" anchor="t" anchorCtr="0">
-            <a:noAutofit/>
-          </a:bodyPr>
-          <a:lstStyle/>
-          <a:p>
-            <a:pPr marL="0" indent="0">
-              <a:lnSpc>
-                <a:spcPct val="115000"/>
-              </a:lnSpc>
-              <a:spcBef>
-                <a:spcPts val="0"/>
-              </a:spcBef>
-              <a:buSzPts val="1100"/>
-              <a:buNone/>
-            </a:pPr>
-            <a:r>
-              <a:rPr lang="en-US" sz="2000" dirty="0">
-                <a:solidFill>
-                  <a:schemeClr val="tx1"/>
-                </a:solidFill>
-              </a:rPr>
-              <a:t>The GSS found that 571 out of 670 (85%) of Americans answered the question on experimental design correctly. </a:t>
-            </a:r>
-          </a:p>
-          <a:p>
-            <a:pPr marL="0" indent="0">
-              <a:lnSpc>
-                <a:spcPct val="115000"/>
-              </a:lnSpc>
-              <a:spcBef>
-                <a:spcPts val="0"/>
-              </a:spcBef>
-              <a:buSzPts val="1100"/>
-              <a:buNone/>
-            </a:pPr>
-            <a:r>
-              <a:rPr lang="en-US" sz="2000" i="1" dirty="0">
-                <a:solidFill>
-                  <a:schemeClr val="tx1"/>
-                </a:solidFill>
-              </a:rPr>
-              <a:t>Estimate (using a 95% confidence interval) the proportion of all Americans who have good intuition about experimental design.</a:t>
-            </a:r>
-          </a:p>
-          <a:p>
-            <a:pPr marL="0" indent="0">
-              <a:lnSpc>
-                <a:spcPct val="115000"/>
-              </a:lnSpc>
-              <a:spcBef>
-                <a:spcPts val="1000"/>
-              </a:spcBef>
-              <a:buSzPts val="1100"/>
-              <a:buNone/>
-            </a:pPr>
-            <a:endParaRPr lang="en" sz="2000" dirty="0"/>
-          </a:p>
-          <a:p>
-            <a:pPr marL="0" indent="0">
-              <a:lnSpc>
-                <a:spcPct val="115000"/>
-              </a:lnSpc>
-              <a:spcBef>
-                <a:spcPts val="1000"/>
-              </a:spcBef>
-              <a:buSzPts val="1100"/>
-              <a:buNone/>
-            </a:pPr>
-            <a:r>
-              <a:rPr lang="en" sz="2000" dirty="0"/>
-              <a:t>Given: </a:t>
-            </a:r>
-            <a:r>
-              <a:rPr lang="en" sz="2000" i="1" dirty="0"/>
-              <a:t>n</a:t>
-            </a:r>
-            <a:r>
-              <a:rPr lang="en" sz="2000" dirty="0"/>
-              <a:t> = 670, </a:t>
-            </a:r>
-            <a:r>
-              <a:rPr lang="en" sz="2000" i="1" dirty="0"/>
-              <a:t>p̂</a:t>
-            </a:r>
-            <a:r>
-              <a:rPr lang="en" sz="2000" dirty="0"/>
-              <a:t> = 0.85. </a:t>
-            </a:r>
-          </a:p>
-          <a:p>
-            <a:pPr marL="0" indent="0">
-              <a:lnSpc>
-                <a:spcPct val="115000"/>
-              </a:lnSpc>
-              <a:spcBef>
-                <a:spcPts val="1000"/>
-              </a:spcBef>
-              <a:buSzPts val="1100"/>
-              <a:buNone/>
-            </a:pPr>
-            <a:r>
-              <a:rPr lang="en" sz="2000" dirty="0"/>
-              <a:t>First check conditions.</a:t>
-            </a:r>
-            <a:endParaRPr sz="2000" dirty="0"/>
-          </a:p>
-          <a:p>
-            <a:pPr indent="-355600">
-              <a:lnSpc>
-                <a:spcPct val="115000"/>
-              </a:lnSpc>
-              <a:spcBef>
-                <a:spcPts val="1000"/>
-              </a:spcBef>
-              <a:buSzPts val="2000"/>
-              <a:buAutoNum type="arabicPeriod"/>
-            </a:pPr>
-            <a:r>
-              <a:rPr lang="en" sz="2000" i="1" dirty="0">
-                <a:solidFill>
-                  <a:schemeClr val="accent1"/>
-                </a:solidFill>
-              </a:rPr>
-              <a:t>Independence</a:t>
-            </a:r>
-            <a:r>
-              <a:rPr lang="en" sz="2000" dirty="0"/>
-              <a:t>: The sample is random, and 670 &lt; 10% of all Americans, therefore we can assume that one respondent's response is independent of another.</a:t>
-            </a:r>
-            <a:endParaRPr sz="2000" dirty="0"/>
-          </a:p>
-          <a:p>
-            <a:pPr indent="-355600">
-              <a:lnSpc>
-                <a:spcPct val="115000"/>
-              </a:lnSpc>
-              <a:spcBef>
-                <a:spcPts val="0"/>
-              </a:spcBef>
-              <a:buSzPts val="2000"/>
-              <a:buAutoNum type="arabicPeriod"/>
-            </a:pPr>
-            <a:r>
-              <a:rPr lang="en" sz="2000" i="1" dirty="0">
-                <a:solidFill>
-                  <a:schemeClr val="accent1"/>
-                </a:solidFill>
-              </a:rPr>
-              <a:t>Success-failure</a:t>
-            </a:r>
-            <a:r>
-              <a:rPr lang="en" sz="2000" dirty="0"/>
-              <a:t>: 571 people answered correctly (successes) and 99 answered incorrectly (failures), both are greater than 10.</a:t>
-            </a:r>
-            <a:endParaRPr sz="2000" dirty="0"/>
-          </a:p>
-          <a:p>
-            <a:pPr marL="0" indent="0">
-              <a:lnSpc>
-                <a:spcPct val="115000"/>
-              </a:lnSpc>
-              <a:spcBef>
-                <a:spcPts val="1000"/>
-              </a:spcBef>
-              <a:spcAft>
-                <a:spcPts val="1000"/>
-              </a:spcAft>
-              <a:buSzPts val="1100"/>
-              <a:buNone/>
-            </a:pPr>
-            <a:endParaRPr sz="2000" dirty="0"/>
-          </a:p>
-        </p:txBody>
-      </p:sp>
-      <p:sp>
-        <p:nvSpPr>
-          <p:cNvPr id="4" name="Google Shape;155;p30">
-            <a:extLst>
-              <a:ext uri="{FF2B5EF4-FFF2-40B4-BE49-F238E27FC236}">
-                <a16:creationId xmlns:a16="http://schemas.microsoft.com/office/drawing/2014/main" id="{2458BE9F-2CE9-01B0-74D1-A399D447C4B9}"/>
               </a:ext>
             </a:extLst>
           </p:cNvPr>
@@ -15781,15 +15811,7 @@
           <a:p>
             <a:r>
               <a:rPr lang="en-US" dirty="0"/>
-              <a:t>RECAP: Inference for </a:t>
-            </a:r>
-            <a:r>
-              <a:rPr lang="en-US" b="1" dirty="0"/>
-              <a:t>means</a:t>
-            </a:r>
-            <a:r>
-              <a:rPr lang="en-US" dirty="0"/>
-              <a:t>  </a:t>
+              <a:t>Reminders</a:t>
             </a:r>
           </a:p>
         </p:txBody>
@@ -15812,160 +15834,33 @@
         </p:nvSpPr>
         <p:spPr>
           <a:xfrm>
-            <a:off x="3481754" y="293077"/>
-            <a:ext cx="8147538" cy="6435969"/>
+            <a:off x="3481754" y="844062"/>
+            <a:ext cx="8147538" cy="5263661"/>
           </a:xfrm>
         </p:spPr>
         <p:txBody>
-          <a:bodyPr anchor="t">
-            <a:normAutofit fontScale="77500" lnSpcReduction="20000"/>
+          <a:bodyPr anchor="ctr">
+            <a:normAutofit/>
           </a:bodyPr>
           <a:lstStyle/>
           <a:p>
-            <a:pPr marL="0" indent="0">
-              <a:buNone/>
-            </a:pPr>
-            <a:r>
-              <a:rPr lang="en-US" sz="3600" dirty="0"/>
-              <a:t>Match the following scenarios to the appropriate test (Z-test, T-test, ANOVA): </a:t>
-            </a:r>
-          </a:p>
-          <a:p>
-            <a:endParaRPr lang="en-US" sz="4400" dirty="0"/>
-          </a:p>
-          <a:p>
-            <a:r>
-              <a:rPr lang="en-US" sz="2900" dirty="0"/>
-              <a:t>Comparing a sample mean to a population mean, N = 50 </a:t>
-            </a:r>
-          </a:p>
-          <a:p>
-            <a:endParaRPr lang="en-US" sz="2900" dirty="0"/>
-          </a:p>
-          <a:p>
-            <a:r>
-              <a:rPr lang="en-US" sz="2900" dirty="0"/>
-              <a:t>Comparing a sample mean to a population mean, N = 20 </a:t>
-            </a:r>
-          </a:p>
-          <a:p>
-            <a:endParaRPr lang="en-US" sz="2900" dirty="0"/>
-          </a:p>
-          <a:p>
-            <a:r>
-              <a:rPr lang="en-US" sz="2900" dirty="0"/>
-              <a:t>Comparing paired means, N = 100 </a:t>
-            </a:r>
-          </a:p>
-          <a:p>
-            <a:endParaRPr lang="en-US" sz="2900" dirty="0"/>
-          </a:p>
-          <a:p>
-            <a:r>
-              <a:rPr lang="en-US" sz="2900" dirty="0"/>
-              <a:t>Comparing paired means, N = 25</a:t>
-            </a:r>
-          </a:p>
-          <a:p>
-            <a:endParaRPr lang="en-US" sz="2900" dirty="0"/>
-          </a:p>
-          <a:p>
-            <a:r>
-              <a:rPr lang="en-US" sz="2900" dirty="0"/>
-              <a:t>Comparing un-paired means, N</a:t>
-            </a:r>
-            <a:r>
-              <a:rPr lang="en-US" sz="2900" baseline="-25000" dirty="0"/>
-              <a:t>a</a:t>
-            </a:r>
-            <a:r>
-              <a:rPr lang="en-US" sz="2900" dirty="0"/>
-              <a:t> = 15, N</a:t>
-            </a:r>
-            <a:r>
-              <a:rPr lang="en-US" sz="2900" baseline="-25000" dirty="0"/>
-              <a:t>b</a:t>
-            </a:r>
-            <a:r>
-              <a:rPr lang="en-US" sz="2900" dirty="0"/>
-              <a:t> = 17 </a:t>
-            </a:r>
-          </a:p>
-          <a:p>
-            <a:endParaRPr lang="en-US" sz="2900" dirty="0"/>
-          </a:p>
-          <a:p>
-            <a:r>
-              <a:rPr lang="en-US" sz="2900" dirty="0"/>
-              <a:t>Comparing un-paired means, N</a:t>
-            </a:r>
-            <a:r>
-              <a:rPr lang="en-US" sz="2900" baseline="-25000" dirty="0"/>
-              <a:t>a</a:t>
-            </a:r>
-            <a:r>
-              <a:rPr lang="en-US" sz="2900" dirty="0"/>
-              <a:t> = 55, N</a:t>
-            </a:r>
-            <a:r>
-              <a:rPr lang="en-US" sz="2900" baseline="-25000" dirty="0"/>
-              <a:t>b</a:t>
-            </a:r>
-            <a:r>
-              <a:rPr lang="en-US" sz="2900" dirty="0"/>
-              <a:t> = 56 </a:t>
-            </a:r>
-          </a:p>
-          <a:p>
-            <a:endParaRPr lang="en-US" sz="2900" dirty="0"/>
-          </a:p>
-          <a:p>
-            <a:r>
-              <a:rPr lang="en-US" sz="2900" dirty="0"/>
-              <a:t>Comparing more than 2 means, N</a:t>
-            </a:r>
-            <a:r>
-              <a:rPr lang="en-US" sz="2900" baseline="-25000" dirty="0"/>
-              <a:t>a</a:t>
-            </a:r>
-            <a:r>
-              <a:rPr lang="en-US" sz="2900" dirty="0"/>
-              <a:t> = 55, N</a:t>
-            </a:r>
-            <a:r>
-              <a:rPr lang="en-US" sz="2900" baseline="-25000" dirty="0"/>
-              <a:t>b</a:t>
-            </a:r>
-            <a:r>
-              <a:rPr lang="en-US" sz="2900" dirty="0"/>
-              <a:t> = 56, N</a:t>
-            </a:r>
-            <a:r>
-              <a:rPr lang="en-US" sz="2900" baseline="-25000" dirty="0"/>
-              <a:t>c</a:t>
-            </a:r>
-            <a:r>
-              <a:rPr lang="en-US" sz="2900" dirty="0"/>
-              <a:t> = 54, N</a:t>
-            </a:r>
-            <a:r>
-              <a:rPr lang="en-US" sz="2900" baseline="-25000" dirty="0"/>
-              <a:t>d</a:t>
-            </a:r>
-            <a:r>
-              <a:rPr lang="en-US" sz="2900" dirty="0"/>
-              <a:t> = 55 </a:t>
-            </a:r>
-          </a:p>
-          <a:p>
-            <a:endParaRPr lang="en-US" sz="2800" dirty="0"/>
+            <a:r>
+              <a:rPr lang="en-US" sz="2400" dirty="0"/>
+              <a:t>Mini-project 2 is DUE today</a:t>
+            </a:r>
+          </a:p>
+          <a:p>
+            <a:r>
+              <a:rPr lang="en-US" sz="2400" dirty="0"/>
+              <a:t>If you have not turned in a final project proposal yet you should ASAP </a:t>
+            </a:r>
           </a:p>
         </p:txBody>
       </p:sp>
     </p:spTree>
     <p:extLst>
       <p:ext uri="{BB962C8B-B14F-4D97-AF65-F5344CB8AC3E}">
-        <p14:creationId xmlns:p14="http://schemas.microsoft.com/office/powerpoint/2010/main" val="456526311"/>
+        <p14:creationId xmlns:p14="http://schemas.microsoft.com/office/powerpoint/2010/main" val="1639946572"/>
       </p:ext>
     </p:extLst>
   </p:cSld>
@@ -15980,7 +15875,7 @@
   <p:cSld>
     <p:spTree>
       <p:nvGrpSpPr>
-        <p:cNvPr id="1" name="Shape 177"/>
+        <p:cNvPr id="1" name="Shape 171"/>
         <p:cNvGrpSpPr/>
         <p:nvPr/>
       </p:nvGrpSpPr>
@@ -15994,7 +15889,195 @@
       </p:grpSpPr>
       <p:sp>
         <p:nvSpPr>
-          <p:cNvPr id="178" name="Google Shape;178;p34"/>
+          <p:cNvPr id="172" name="Google Shape;172;p33"/>
+          <p:cNvSpPr txBox="1">
+            <a:spLocks noGrp="1"/>
+          </p:cNvSpPr>
+          <p:nvPr>
+            <p:ph type="body" idx="1"/>
+          </p:nvPr>
+        </p:nvSpPr>
+        <p:spPr>
+          <a:xfrm flipH="1">
+            <a:off x="1981150" y="1305775"/>
+            <a:ext cx="8050800" cy="4845000"/>
+          </a:xfrm>
+          <a:prstGeom prst="rect">
+            <a:avLst/>
+          </a:prstGeom>
+        </p:spPr>
+        <p:txBody>
+          <a:bodyPr spcFirstLastPara="1" wrap="square" lIns="91425" tIns="91425" rIns="91425" bIns="91425" anchor="t" anchorCtr="0">
+            <a:noAutofit/>
+          </a:bodyPr>
+          <a:lstStyle/>
+          <a:p>
+            <a:pPr marL="0" indent="0">
+              <a:lnSpc>
+                <a:spcPct val="115000"/>
+              </a:lnSpc>
+              <a:spcBef>
+                <a:spcPts val="0"/>
+              </a:spcBef>
+              <a:buSzPts val="1100"/>
+              <a:buNone/>
+            </a:pPr>
+            <a:r>
+              <a:rPr lang="en-US" sz="2000" dirty="0">
+                <a:solidFill>
+                  <a:schemeClr val="tx1"/>
+                </a:solidFill>
+              </a:rPr>
+              <a:t>The GSS found that 571 out of 670 (85%) of Americans answered the question on experimental design correctly. </a:t>
+            </a:r>
+          </a:p>
+          <a:p>
+            <a:pPr marL="0" indent="0">
+              <a:lnSpc>
+                <a:spcPct val="115000"/>
+              </a:lnSpc>
+              <a:spcBef>
+                <a:spcPts val="0"/>
+              </a:spcBef>
+              <a:buSzPts val="1100"/>
+              <a:buNone/>
+            </a:pPr>
+            <a:r>
+              <a:rPr lang="en-US" sz="2000" i="1" dirty="0">
+                <a:solidFill>
+                  <a:schemeClr val="tx1"/>
+                </a:solidFill>
+              </a:rPr>
+              <a:t>Estimate (using a 95% confidence interval) the proportion of all Americans who have good intuition about experimental design.</a:t>
+            </a:r>
+            <a:endParaRPr lang="en" sz="2000" dirty="0"/>
+          </a:p>
+          <a:p>
+            <a:pPr marL="0" indent="0">
+              <a:lnSpc>
+                <a:spcPct val="115000"/>
+              </a:lnSpc>
+              <a:spcBef>
+                <a:spcPts val="1000"/>
+              </a:spcBef>
+              <a:buSzPts val="1100"/>
+              <a:buNone/>
+            </a:pPr>
+            <a:r>
+              <a:rPr lang="en" sz="2000" dirty="0"/>
+              <a:t>Given: </a:t>
+            </a:r>
+            <a:r>
+              <a:rPr lang="en" sz="2000" i="1" dirty="0"/>
+              <a:t>n</a:t>
+            </a:r>
+            <a:r>
+              <a:rPr lang="en" sz="2000" dirty="0"/>
+              <a:t> = 670, </a:t>
+            </a:r>
+            <a:r>
+              <a:rPr lang="en" sz="2000" i="1" dirty="0"/>
+              <a:t>p̂</a:t>
+            </a:r>
+            <a:r>
+              <a:rPr lang="en" sz="2000" dirty="0"/>
+              <a:t> = 0.85. </a:t>
+            </a:r>
+          </a:p>
+          <a:p>
+            <a:pPr marL="0" indent="0">
+              <a:lnSpc>
+                <a:spcPct val="115000"/>
+              </a:lnSpc>
+              <a:spcBef>
+                <a:spcPts val="1000"/>
+              </a:spcBef>
+              <a:buSzPts val="1100"/>
+              <a:buNone/>
+            </a:pPr>
+            <a:r>
+              <a:rPr lang="en" sz="2000" dirty="0"/>
+              <a:t>First check conditions.</a:t>
+            </a:r>
+            <a:endParaRPr sz="2000" dirty="0"/>
+          </a:p>
+          <a:p>
+            <a:pPr indent="-355600">
+              <a:lnSpc>
+                <a:spcPct val="115000"/>
+              </a:lnSpc>
+              <a:spcBef>
+                <a:spcPts val="1000"/>
+              </a:spcBef>
+              <a:buSzPts val="2000"/>
+              <a:buAutoNum type="arabicPeriod"/>
+            </a:pPr>
+            <a:r>
+              <a:rPr lang="en" sz="2000" i="1" dirty="0">
+                <a:solidFill>
+                  <a:schemeClr val="accent1"/>
+                </a:solidFill>
+              </a:rPr>
+              <a:t>Independence</a:t>
+            </a:r>
+            <a:r>
+              <a:rPr lang="en" sz="2000" dirty="0"/>
+              <a:t>: The sample is random, and 670 &lt; 10% of all Americans, therefore we can assume that one respondent's response is independent of another.</a:t>
+            </a:r>
+            <a:endParaRPr sz="2000" dirty="0"/>
+          </a:p>
+          <a:p>
+            <a:pPr indent="-355600">
+              <a:lnSpc>
+                <a:spcPct val="115000"/>
+              </a:lnSpc>
+              <a:spcBef>
+                <a:spcPts val="0"/>
+              </a:spcBef>
+              <a:buSzPts val="2000"/>
+              <a:buAutoNum type="arabicPeriod"/>
+            </a:pPr>
+            <a:r>
+              <a:rPr lang="en" sz="2000" i="1" dirty="0">
+                <a:solidFill>
+                  <a:schemeClr val="accent1"/>
+                </a:solidFill>
+              </a:rPr>
+              <a:t>Success-failure</a:t>
+            </a:r>
+            <a:r>
+              <a:rPr lang="en" sz="2000" dirty="0"/>
+              <a:t>: 571 people answered correctly (successes) and 99 answered incorrectly (failures), both are greater than 10.</a:t>
+            </a:r>
+            <a:endParaRPr sz="2000" dirty="0"/>
+          </a:p>
+          <a:p>
+            <a:pPr marL="0" indent="0">
+              <a:lnSpc>
+                <a:spcPct val="115000"/>
+              </a:lnSpc>
+              <a:spcBef>
+                <a:spcPts val="1000"/>
+              </a:spcBef>
+              <a:spcAft>
+                <a:spcPts val="1000"/>
+              </a:spcAft>
+              <a:buSzPts val="1100"/>
+              <a:buNone/>
+            </a:pPr>
+            <a:endParaRPr sz="2000" dirty="0"/>
+          </a:p>
+        </p:txBody>
+      </p:sp>
+      <p:sp>
+        <p:nvSpPr>
+          <p:cNvPr id="4" name="Google Shape;155;p30">
+            <a:extLst>
+              <a:ext uri="{FF2B5EF4-FFF2-40B4-BE49-F238E27FC236}">
+                <a16:creationId xmlns:a16="http://schemas.microsoft.com/office/drawing/2014/main" id="{2458BE9F-2CE9-01B0-74D1-A399D447C4B9}"/>
+              </a:ext>
+            </a:extLst>
+          </p:cNvPr>
           <p:cNvSpPr txBox="1">
             <a:spLocks noGrp="1"/>
           </p:cNvSpPr>
@@ -16018,14 +16101,14 @@
           <a:lstStyle/>
           <a:p>
             <a:r>
-              <a:rPr lang="en">
+              <a:rPr lang="en" dirty="0">
                 <a:solidFill>
                   <a:schemeClr val="accent1"/>
                 </a:solidFill>
               </a:rPr>
-              <a:t>Practice</a:t>
-            </a:r>
-            <a:endParaRPr baseline="30000">
+              <a:t>Back to the example ...</a:t>
+            </a:r>
+            <a:endParaRPr baseline="30000" dirty="0">
               <a:solidFill>
                 <a:schemeClr val="accent1"/>
               </a:solidFill>
@@ -16033,233 +16116,6 @@
           </a:p>
         </p:txBody>
       </p:sp>
-      <p:sp>
-        <p:nvSpPr>
-          <p:cNvPr id="179" name="Google Shape;179;p34"/>
-          <p:cNvSpPr txBox="1">
-            <a:spLocks noGrp="1"/>
-          </p:cNvSpPr>
-          <p:nvPr>
-            <p:ph type="body" idx="1"/>
-          </p:nvPr>
-        </p:nvSpPr>
-        <p:spPr>
-          <a:xfrm flipH="1">
-            <a:off x="1981075" y="1305775"/>
-            <a:ext cx="7822200" cy="4845000"/>
-          </a:xfrm>
-          <a:prstGeom prst="rect">
-            <a:avLst/>
-          </a:prstGeom>
-        </p:spPr>
-        <p:txBody>
-          <a:bodyPr spcFirstLastPara="1" wrap="square" lIns="91425" tIns="91425" rIns="91425" bIns="91425" anchor="t" anchorCtr="0">
-            <a:noAutofit/>
-          </a:bodyPr>
-          <a:lstStyle/>
-          <a:p>
-            <a:pPr marL="0" indent="0">
-              <a:lnSpc>
-                <a:spcPct val="115000"/>
-              </a:lnSpc>
-              <a:spcBef>
-                <a:spcPts val="0"/>
-              </a:spcBef>
-              <a:buSzPts val="1100"/>
-              <a:buNone/>
-            </a:pPr>
-            <a:r>
-              <a:rPr lang="en" sz="1800" dirty="0">
-                <a:solidFill>
-                  <a:schemeClr val="tx1"/>
-                </a:solidFill>
-              </a:rPr>
-              <a:t>We are given</a:t>
-            </a:r>
-          </a:p>
-          <a:p>
-            <a:pPr marL="0" indent="0">
-              <a:lnSpc>
-                <a:spcPct val="115000"/>
-              </a:lnSpc>
-              <a:spcBef>
-                <a:spcPts val="0"/>
-              </a:spcBef>
-              <a:buSzPts val="1100"/>
-              <a:buNone/>
-            </a:pPr>
-            <a:r>
-              <a:rPr lang="en" sz="1800" dirty="0">
-                <a:solidFill>
-                  <a:schemeClr val="tx1"/>
-                </a:solidFill>
-              </a:rPr>
-              <a:t> </a:t>
-            </a:r>
-            <a:r>
-              <a:rPr lang="en" sz="1800" i="1" dirty="0">
-                <a:solidFill>
-                  <a:schemeClr val="tx1"/>
-                </a:solidFill>
-              </a:rPr>
-              <a:t>n</a:t>
-            </a:r>
-            <a:r>
-              <a:rPr lang="en" sz="1800" dirty="0">
-                <a:solidFill>
-                  <a:schemeClr val="tx1"/>
-                </a:solidFill>
-              </a:rPr>
-              <a:t> = 670, </a:t>
-            </a:r>
-            <a:r>
-              <a:rPr lang="en" sz="1800" i="1" dirty="0">
-                <a:solidFill>
-                  <a:schemeClr val="tx1"/>
-                </a:solidFill>
-              </a:rPr>
-              <a:t>p̂</a:t>
-            </a:r>
-            <a:r>
-              <a:rPr lang="en" sz="1800" dirty="0">
-                <a:solidFill>
-                  <a:schemeClr val="tx1"/>
-                </a:solidFill>
-              </a:rPr>
-              <a:t> = 0.85</a:t>
-            </a:r>
-          </a:p>
-          <a:p>
-            <a:pPr marL="0" indent="0">
-              <a:lnSpc>
-                <a:spcPct val="115000"/>
-              </a:lnSpc>
-              <a:spcBef>
-                <a:spcPts val="0"/>
-              </a:spcBef>
-              <a:buSzPts val="1100"/>
-              <a:buNone/>
-            </a:pPr>
-            <a:r>
-              <a:rPr lang="en" sz="1800" dirty="0">
-                <a:solidFill>
-                  <a:schemeClr val="tx1"/>
-                </a:solidFill>
-              </a:rPr>
-              <a:t>We know: </a:t>
-            </a:r>
-          </a:p>
-          <a:p>
-            <a:pPr marL="0" indent="0">
-              <a:lnSpc>
-                <a:spcPct val="115000"/>
-              </a:lnSpc>
-              <a:spcBef>
-                <a:spcPts val="0"/>
-              </a:spcBef>
-              <a:buSzPts val="1100"/>
-              <a:buNone/>
-            </a:pPr>
-            <a:r>
-              <a:rPr lang="en" sz="1800" i="1" dirty="0">
-                <a:solidFill>
-                  <a:schemeClr val="tx1"/>
-                </a:solidFill>
-              </a:rPr>
-              <a:t>CI = point estimate ± critical value * SE,</a:t>
-            </a:r>
-            <a:endParaRPr sz="1800" dirty="0">
-              <a:solidFill>
-                <a:srgbClr val="4A86E8"/>
-              </a:solidFill>
-            </a:endParaRPr>
-          </a:p>
-          <a:p>
-            <a:pPr marL="0" indent="0">
-              <a:lnSpc>
-                <a:spcPct val="115000"/>
-              </a:lnSpc>
-              <a:spcBef>
-                <a:spcPts val="1000"/>
-              </a:spcBef>
-              <a:spcAft>
-                <a:spcPts val="1000"/>
-              </a:spcAft>
-              <a:buSzPts val="1100"/>
-              <a:buNone/>
-            </a:pPr>
-            <a:r>
-              <a:rPr lang="en" sz="1800" dirty="0">
-                <a:solidFill>
-                  <a:schemeClr val="tx1"/>
-                </a:solidFill>
-              </a:rPr>
-              <a:t>Which of the below is the correct calculation of the 95% confidence interval?</a:t>
-            </a:r>
-            <a:endParaRPr sz="1800" dirty="0">
-              <a:solidFill>
-                <a:schemeClr val="tx1"/>
-              </a:solidFill>
-            </a:endParaRPr>
-          </a:p>
-        </p:txBody>
-      </p:sp>
-      <p:pic>
-        <p:nvPicPr>
-          <p:cNvPr id="180" name="Google Shape;180;p34"/>
-          <p:cNvPicPr preferRelativeResize="0"/>
-          <p:nvPr/>
-        </p:nvPicPr>
-        <p:blipFill>
-          <a:blip r:embed="rId3">
-            <a:alphaModFix/>
-          </a:blip>
-          <a:stretch>
-            <a:fillRect/>
-          </a:stretch>
-        </p:blipFill>
-        <p:spPr>
-          <a:xfrm>
-            <a:off x="6294368" y="2069039"/>
-            <a:ext cx="1980750" cy="737025"/>
-          </a:xfrm>
-          <a:prstGeom prst="rect">
-            <a:avLst/>
-          </a:prstGeom>
-          <a:noFill/>
-          <a:ln>
-            <a:noFill/>
-          </a:ln>
-        </p:spPr>
-      </p:pic>
-      <p:pic>
-        <p:nvPicPr>
-          <p:cNvPr id="181" name="Google Shape;181;p34"/>
-          <p:cNvPicPr preferRelativeResize="0"/>
-          <p:nvPr/>
-        </p:nvPicPr>
-        <p:blipFill>
-          <a:blip r:embed="rId4">
-            <a:alphaModFix/>
-          </a:blip>
-          <a:stretch>
-            <a:fillRect/>
-          </a:stretch>
-        </p:blipFill>
-        <p:spPr>
-          <a:xfrm>
-            <a:off x="1981076" y="3491575"/>
-            <a:ext cx="3044875" cy="2248150"/>
-          </a:xfrm>
-          <a:prstGeom prst="rect">
-            <a:avLst/>
-          </a:prstGeom>
-          <a:noFill/>
-          <a:ln>
-            <a:noFill/>
-          </a:ln>
-        </p:spPr>
-      </p:pic>
     </p:spTree>
   </p:cSld>
   <p:clrMapOvr>
@@ -16489,38 +16345,6 @@
               </a:rPr>
               <a:t>Which of the below is the correct calculation of the 95% confidence interval?</a:t>
             </a:r>
-          </a:p>
-          <a:p>
-            <a:pPr marL="0" indent="0">
-              <a:lnSpc>
-                <a:spcPct val="115000"/>
-              </a:lnSpc>
-              <a:spcBef>
-                <a:spcPts val="1000"/>
-              </a:spcBef>
-              <a:spcAft>
-                <a:spcPts val="1000"/>
-              </a:spcAft>
-              <a:buSzPts val="1100"/>
-              <a:buNone/>
-            </a:pPr>
-            <a:r>
-              <a:rPr lang="en" sz="1800" dirty="0">
-                <a:solidFill>
-                  <a:schemeClr val="tx1"/>
-                </a:solidFill>
-              </a:rPr>
-              <a:t>				</a:t>
-            </a:r>
-            <a:r>
-              <a:rPr lang="en" sz="1800" dirty="0">
-                <a:solidFill>
-                  <a:schemeClr val="tx1"/>
-                </a:solidFill>
-                <a:sym typeface="Wingdings" pitchFamily="2" charset="2"/>
-              </a:rPr>
-              <a:t> (0.82, 0.88) </a:t>
-            </a:r>
             <a:endParaRPr sz="1800" dirty="0">
               <a:solidFill>
                 <a:schemeClr val="tx1"/>
@@ -16574,7 +16398,7 @@
         <p:spPr>
           <a:xfrm>
             <a:off x="1981076" y="3491575"/>
-            <a:ext cx="3044875" cy="2249424"/>
+            <a:ext cx="3044875" cy="2248150"/>
           </a:xfrm>
           <a:prstGeom prst="rect">
             <a:avLst/>
@@ -16585,68 +16409,7 @@
           </a:ln>
         </p:spPr>
       </p:pic>
-      <p:sp>
-        <p:nvSpPr>
-          <p:cNvPr id="2" name="Frame 1">
-            <a:extLst>
-              <a:ext uri="{FF2B5EF4-FFF2-40B4-BE49-F238E27FC236}">
-                <a16:creationId xmlns:a16="http://schemas.microsoft.com/office/drawing/2014/main" id="{B5218A25-0F7F-47E2-F0AE-38165EF6554A}"/>
-              </a:ext>
-            </a:extLst>
-          </p:cNvPr>
-          <p:cNvSpPr/>
-          <p:nvPr/>
-        </p:nvSpPr>
-        <p:spPr>
-          <a:xfrm>
-            <a:off x="1793630" y="3587262"/>
-            <a:ext cx="5697415" cy="464675"/>
-          </a:xfrm>
-          <a:prstGeom prst="frame">
-            <a:avLst/>
-          </a:prstGeom>
-          <a:solidFill>
-            <a:srgbClr val="FFC000"/>
-          </a:solidFill>
-          <a:ln>
-            <a:noFill/>
-          </a:ln>
-        </p:spPr>
-        <p:style>
-          <a:lnRef idx="2">
-            <a:schemeClr val="accent1">
-              <a:shade val="15000"/>
-            </a:schemeClr>
-          </a:lnRef>
-          <a:fillRef idx="1">
-            <a:schemeClr val="accent1"/>
-          </a:fillRef>
-          <a:effectRef idx="0">
-            <a:schemeClr val="accent1"/>
-          </a:effectRef>
-          <a:fontRef idx="minor">
-            <a:schemeClr val="lt1"/>
-          </a:fontRef>
-        </p:style>
-        <p:txBody>
-          <a:bodyPr rtlCol="0" anchor="ctr"/>
-          <a:lstStyle/>
-          <a:p>
-            <a:pPr algn="ctr"/>
-            <a:endParaRPr lang="en-US">
-              <a:solidFill>
-                <a:schemeClr val="tx1"/>
-              </a:solidFill>
-            </a:endParaRPr>
-          </a:p>
-        </p:txBody>
-      </p:sp>
     </p:spTree>
-    <p:extLst>
-      <p:ext uri="{BB962C8B-B14F-4D97-AF65-F5344CB8AC3E}">
-        <p14:creationId xmlns:p14="http://schemas.microsoft.com/office/powerpoint/2010/main" val="2729003395"/>
-      </p:ext>
-    </p:extLst>
   </p:cSld>
   <p:clrMapOvr>
     <a:masterClrMapping/>
@@ -17027,45 +16790,10 @@
           </a:p>
         </p:txBody>
       </p:sp>
-      <p:sp>
-        <p:nvSpPr>
-          <p:cNvPr id="3" name="TextBox 2">
-            <a:extLst>
-              <a:ext uri="{FF2B5EF4-FFF2-40B4-BE49-F238E27FC236}">
-                <a16:creationId xmlns:a16="http://schemas.microsoft.com/office/drawing/2014/main" id="{E8A87E86-D07F-9A23-C139-0CA15CE65173}"/>
-              </a:ext>
-            </a:extLst>
-          </p:cNvPr>
-          <p:cNvSpPr txBox="1"/>
-          <p:nvPr/>
-        </p:nvSpPr>
-        <p:spPr>
-          <a:xfrm>
-            <a:off x="7620626" y="3659159"/>
-            <a:ext cx="4365298" cy="369332"/>
-          </a:xfrm>
-          <a:prstGeom prst="rect">
-            <a:avLst/>
-          </a:prstGeom>
-          <a:noFill/>
-        </p:spPr>
-        <p:txBody>
-          <a:bodyPr wrap="none" rtlCol="0">
-            <a:spAutoFit/>
-          </a:bodyPr>
-          <a:lstStyle/>
-          <a:p>
-            <a:r>
-              <a:rPr lang="en-US" dirty="0"/>
-              <a:t>What is the interpretation of this interval?</a:t>
-            </a:r>
-          </a:p>
-        </p:txBody>
-      </p:sp>
     </p:spTree>
     <p:extLst>
       <p:ext uri="{BB962C8B-B14F-4D97-AF65-F5344CB8AC3E}">
-        <p14:creationId xmlns:p14="http://schemas.microsoft.com/office/powerpoint/2010/main" val="2985263877"/>
+        <p14:creationId xmlns:p14="http://schemas.microsoft.com/office/powerpoint/2010/main" val="2729003395"/>
       </p:ext>
     </p:extLst>
   </p:cSld>
@@ -17462,6 +17190,427 @@
         </p:nvSpPr>
         <p:spPr>
           <a:xfrm>
+            <a:off x="7620626" y="3659159"/>
+            <a:ext cx="4365298" cy="369332"/>
+          </a:xfrm>
+          <a:prstGeom prst="rect">
+            <a:avLst/>
+          </a:prstGeom>
+          <a:noFill/>
+        </p:spPr>
+        <p:txBody>
+          <a:bodyPr wrap="none" rtlCol="0">
+            <a:spAutoFit/>
+          </a:bodyPr>
+          <a:lstStyle/>
+          <a:p>
+            <a:r>
+              <a:rPr lang="en-US" dirty="0"/>
+              <a:t>What is the interpretation of this interval?</a:t>
+            </a:r>
+          </a:p>
+        </p:txBody>
+      </p:sp>
+    </p:spTree>
+    <p:extLst>
+      <p:ext uri="{BB962C8B-B14F-4D97-AF65-F5344CB8AC3E}">
+        <p14:creationId xmlns:p14="http://schemas.microsoft.com/office/powerpoint/2010/main" val="2985263877"/>
+      </p:ext>
+    </p:extLst>
+  </p:cSld>
+  <p:clrMapOvr>
+    <a:masterClrMapping/>
+  </p:clrMapOvr>
+</p:sld>
+</file>
+
+<file path=ppt/slides/slide24.xml><?xml version="1.0" encoding="utf-8"?>
+<p:sld xmlns:a="http://schemas.openxmlformats.org/drawingml/2006/main" xmlns:r="http://schemas.openxmlformats.org/officeDocument/2006/relationships" xmlns:p="http://schemas.openxmlformats.org/presentationml/2006/main">
+  <p:cSld>
+    <p:spTree>
+      <p:nvGrpSpPr>
+        <p:cNvPr id="1" name="Shape 177"/>
+        <p:cNvGrpSpPr/>
+        <p:nvPr/>
+      </p:nvGrpSpPr>
+      <p:grpSpPr>
+        <a:xfrm>
+          <a:off x="0" y="0"/>
+          <a:ext cx="0" cy="0"/>
+          <a:chOff x="0" y="0"/>
+          <a:chExt cx="0" cy="0"/>
+        </a:xfrm>
+      </p:grpSpPr>
+      <p:sp>
+        <p:nvSpPr>
+          <p:cNvPr id="178" name="Google Shape;178;p34"/>
+          <p:cNvSpPr txBox="1">
+            <a:spLocks noGrp="1"/>
+          </p:cNvSpPr>
+          <p:nvPr>
+            <p:ph type="title"/>
+          </p:nvPr>
+        </p:nvSpPr>
+        <p:spPr>
+          <a:xfrm>
+            <a:off x="1981200" y="-12"/>
+            <a:ext cx="8229600" cy="1143000"/>
+          </a:xfrm>
+          <a:prstGeom prst="rect">
+            <a:avLst/>
+          </a:prstGeom>
+        </p:spPr>
+        <p:txBody>
+          <a:bodyPr spcFirstLastPara="1" wrap="square" lIns="91425" tIns="91425" rIns="91425" bIns="91425" anchor="b" anchorCtr="0">
+            <a:noAutofit/>
+          </a:bodyPr>
+          <a:lstStyle/>
+          <a:p>
+            <a:r>
+              <a:rPr lang="en">
+                <a:solidFill>
+                  <a:schemeClr val="accent1"/>
+                </a:solidFill>
+              </a:rPr>
+              <a:t>Practice</a:t>
+            </a:r>
+            <a:endParaRPr baseline="30000">
+              <a:solidFill>
+                <a:schemeClr val="accent1"/>
+              </a:solidFill>
+            </a:endParaRPr>
+          </a:p>
+        </p:txBody>
+      </p:sp>
+      <p:sp>
+        <p:nvSpPr>
+          <p:cNvPr id="179" name="Google Shape;179;p34"/>
+          <p:cNvSpPr txBox="1">
+            <a:spLocks noGrp="1"/>
+          </p:cNvSpPr>
+          <p:nvPr>
+            <p:ph type="body" idx="1"/>
+          </p:nvPr>
+        </p:nvSpPr>
+        <p:spPr>
+          <a:xfrm flipH="1">
+            <a:off x="1981075" y="1305775"/>
+            <a:ext cx="7822200" cy="4845000"/>
+          </a:xfrm>
+          <a:prstGeom prst="rect">
+            <a:avLst/>
+          </a:prstGeom>
+        </p:spPr>
+        <p:txBody>
+          <a:bodyPr spcFirstLastPara="1" wrap="square" lIns="91425" tIns="91425" rIns="91425" bIns="91425" anchor="t" anchorCtr="0">
+            <a:noAutofit/>
+          </a:bodyPr>
+          <a:lstStyle/>
+          <a:p>
+            <a:pPr marL="0" indent="0">
+              <a:lnSpc>
+                <a:spcPct val="115000"/>
+              </a:lnSpc>
+              <a:spcBef>
+                <a:spcPts val="0"/>
+              </a:spcBef>
+              <a:buSzPts val="1100"/>
+              <a:buNone/>
+            </a:pPr>
+            <a:r>
+              <a:rPr lang="en" sz="1800" dirty="0">
+                <a:solidFill>
+                  <a:schemeClr val="tx1"/>
+                </a:solidFill>
+              </a:rPr>
+              <a:t>We are given</a:t>
+            </a:r>
+          </a:p>
+          <a:p>
+            <a:pPr marL="0" indent="0">
+              <a:lnSpc>
+                <a:spcPct val="115000"/>
+              </a:lnSpc>
+              <a:spcBef>
+                <a:spcPts val="0"/>
+              </a:spcBef>
+              <a:buSzPts val="1100"/>
+              <a:buNone/>
+            </a:pPr>
+            <a:r>
+              <a:rPr lang="en" sz="1800" dirty="0">
+                <a:solidFill>
+                  <a:schemeClr val="tx1"/>
+                </a:solidFill>
+              </a:rPr>
+              <a:t> </a:t>
+            </a:r>
+            <a:r>
+              <a:rPr lang="en" sz="1800" i="1" dirty="0">
+                <a:solidFill>
+                  <a:schemeClr val="tx1"/>
+                </a:solidFill>
+              </a:rPr>
+              <a:t>n</a:t>
+            </a:r>
+            <a:r>
+              <a:rPr lang="en" sz="1800" dirty="0">
+                <a:solidFill>
+                  <a:schemeClr val="tx1"/>
+                </a:solidFill>
+              </a:rPr>
+              <a:t> = 670, </a:t>
+            </a:r>
+            <a:r>
+              <a:rPr lang="en" sz="1800" i="1" dirty="0">
+                <a:solidFill>
+                  <a:schemeClr val="tx1"/>
+                </a:solidFill>
+              </a:rPr>
+              <a:t>p̂</a:t>
+            </a:r>
+            <a:r>
+              <a:rPr lang="en" sz="1800" dirty="0">
+                <a:solidFill>
+                  <a:schemeClr val="tx1"/>
+                </a:solidFill>
+              </a:rPr>
+              <a:t> = 0.85</a:t>
+            </a:r>
+          </a:p>
+          <a:p>
+            <a:pPr marL="0" indent="0">
+              <a:lnSpc>
+                <a:spcPct val="115000"/>
+              </a:lnSpc>
+              <a:spcBef>
+                <a:spcPts val="0"/>
+              </a:spcBef>
+              <a:buSzPts val="1100"/>
+              <a:buNone/>
+            </a:pPr>
+            <a:r>
+              <a:rPr lang="en" sz="1800" dirty="0">
+                <a:solidFill>
+                  <a:schemeClr val="tx1"/>
+                </a:solidFill>
+              </a:rPr>
+              <a:t>We know: </a:t>
+            </a:r>
+          </a:p>
+          <a:p>
+            <a:pPr marL="0" indent="0">
+              <a:lnSpc>
+                <a:spcPct val="115000"/>
+              </a:lnSpc>
+              <a:spcBef>
+                <a:spcPts val="0"/>
+              </a:spcBef>
+              <a:buSzPts val="1100"/>
+              <a:buNone/>
+            </a:pPr>
+            <a:r>
+              <a:rPr lang="en" sz="1800" i="1" dirty="0">
+                <a:solidFill>
+                  <a:schemeClr val="tx1"/>
+                </a:solidFill>
+              </a:rPr>
+              <a:t>CI = point estimate ± critical value * SE,</a:t>
+            </a:r>
+            <a:endParaRPr sz="1800" dirty="0">
+              <a:solidFill>
+                <a:srgbClr val="4A86E8"/>
+              </a:solidFill>
+            </a:endParaRPr>
+          </a:p>
+          <a:p>
+            <a:pPr marL="0" indent="0">
+              <a:lnSpc>
+                <a:spcPct val="115000"/>
+              </a:lnSpc>
+              <a:spcBef>
+                <a:spcPts val="1000"/>
+              </a:spcBef>
+              <a:spcAft>
+                <a:spcPts val="1000"/>
+              </a:spcAft>
+              <a:buSzPts val="1100"/>
+              <a:buNone/>
+            </a:pPr>
+            <a:r>
+              <a:rPr lang="en" sz="1800" dirty="0">
+                <a:solidFill>
+                  <a:schemeClr val="tx1"/>
+                </a:solidFill>
+              </a:rPr>
+              <a:t>Which of the below is the correct calculation of the 95% confidence interval?</a:t>
+            </a:r>
+          </a:p>
+          <a:p>
+            <a:pPr marL="0" indent="0">
+              <a:lnSpc>
+                <a:spcPct val="115000"/>
+              </a:lnSpc>
+              <a:spcBef>
+                <a:spcPts val="1000"/>
+              </a:spcBef>
+              <a:spcAft>
+                <a:spcPts val="1000"/>
+              </a:spcAft>
+              <a:buSzPts val="1100"/>
+              <a:buNone/>
+            </a:pPr>
+            <a:r>
+              <a:rPr lang="en" sz="1800" dirty="0">
+                <a:solidFill>
+                  <a:schemeClr val="tx1"/>
+                </a:solidFill>
+              </a:rPr>
+              <a:t>				</a:t>
+            </a:r>
+            <a:r>
+              <a:rPr lang="en" sz="1800" dirty="0">
+                <a:solidFill>
+                  <a:schemeClr val="tx1"/>
+                </a:solidFill>
+                <a:sym typeface="Wingdings" pitchFamily="2" charset="2"/>
+              </a:rPr>
+              <a:t> (0.82, 0.88) </a:t>
+            </a:r>
+            <a:endParaRPr sz="1800" dirty="0">
+              <a:solidFill>
+                <a:schemeClr val="tx1"/>
+              </a:solidFill>
+            </a:endParaRPr>
+          </a:p>
+        </p:txBody>
+      </p:sp>
+      <p:pic>
+        <p:nvPicPr>
+          <p:cNvPr id="180" name="Google Shape;180;p34"/>
+          <p:cNvPicPr preferRelativeResize="0"/>
+          <p:nvPr/>
+        </p:nvPicPr>
+        <p:blipFill>
+          <a:blip r:embed="rId3">
+            <a:alphaModFix/>
+          </a:blip>
+          <a:stretch>
+            <a:fillRect/>
+          </a:stretch>
+        </p:blipFill>
+        <p:spPr>
+          <a:xfrm>
+            <a:off x="6294368" y="2069039"/>
+            <a:ext cx="1980750" cy="737025"/>
+          </a:xfrm>
+          <a:prstGeom prst="rect">
+            <a:avLst/>
+          </a:prstGeom>
+          <a:noFill/>
+          <a:ln>
+            <a:noFill/>
+          </a:ln>
+        </p:spPr>
+      </p:pic>
+      <p:pic>
+        <p:nvPicPr>
+          <p:cNvPr id="181" name="Google Shape;181;p34"/>
+          <p:cNvPicPr preferRelativeResize="0"/>
+          <p:nvPr/>
+        </p:nvPicPr>
+        <p:blipFill>
+          <a:blip r:embed="rId4">
+            <a:alphaModFix/>
+          </a:blip>
+          <a:stretch>
+            <a:fillRect/>
+          </a:stretch>
+        </p:blipFill>
+        <p:spPr>
+          <a:xfrm>
+            <a:off x="1981076" y="3491575"/>
+            <a:ext cx="3044875" cy="2249424"/>
+          </a:xfrm>
+          <a:prstGeom prst="rect">
+            <a:avLst/>
+          </a:prstGeom>
+          <a:noFill/>
+          <a:ln>
+            <a:noFill/>
+          </a:ln>
+        </p:spPr>
+      </p:pic>
+      <p:sp>
+        <p:nvSpPr>
+          <p:cNvPr id="2" name="Frame 1">
+            <a:extLst>
+              <a:ext uri="{FF2B5EF4-FFF2-40B4-BE49-F238E27FC236}">
+                <a16:creationId xmlns:a16="http://schemas.microsoft.com/office/drawing/2014/main" id="{B5218A25-0F7F-47E2-F0AE-38165EF6554A}"/>
+              </a:ext>
+            </a:extLst>
+          </p:cNvPr>
+          <p:cNvSpPr/>
+          <p:nvPr/>
+        </p:nvSpPr>
+        <p:spPr>
+          <a:xfrm>
+            <a:off x="1793630" y="3587262"/>
+            <a:ext cx="5697415" cy="464675"/>
+          </a:xfrm>
+          <a:prstGeom prst="frame">
+            <a:avLst/>
+          </a:prstGeom>
+          <a:solidFill>
+            <a:srgbClr val="FFC000"/>
+          </a:solidFill>
+          <a:ln>
+            <a:noFill/>
+          </a:ln>
+        </p:spPr>
+        <p:style>
+          <a:lnRef idx="2">
+            <a:schemeClr val="accent1">
+              <a:shade val="15000"/>
+            </a:schemeClr>
+          </a:lnRef>
+          <a:fillRef idx="1">
+            <a:schemeClr val="accent1"/>
+          </a:fillRef>
+          <a:effectRef idx="0">
+            <a:schemeClr val="accent1"/>
+          </a:effectRef>
+          <a:fontRef idx="minor">
+            <a:schemeClr val="lt1"/>
+          </a:fontRef>
+        </p:style>
+        <p:txBody>
+          <a:bodyPr rtlCol="0" anchor="ctr"/>
+          <a:lstStyle/>
+          <a:p>
+            <a:pPr algn="ctr"/>
+            <a:endParaRPr lang="en-US">
+              <a:solidFill>
+                <a:schemeClr val="tx1"/>
+              </a:solidFill>
+            </a:endParaRPr>
+          </a:p>
+        </p:txBody>
+      </p:sp>
+      <p:sp>
+        <p:nvSpPr>
+          <p:cNvPr id="3" name="TextBox 2">
+            <a:extLst>
+              <a:ext uri="{FF2B5EF4-FFF2-40B4-BE49-F238E27FC236}">
+                <a16:creationId xmlns:a16="http://schemas.microsoft.com/office/drawing/2014/main" id="{E8A87E86-D07F-9A23-C139-0CA15CE65173}"/>
+              </a:ext>
+            </a:extLst>
+          </p:cNvPr>
+          <p:cNvSpPr txBox="1"/>
+          <p:nvPr/>
+        </p:nvSpPr>
+        <p:spPr>
+          <a:xfrm>
             <a:off x="7620627" y="3659159"/>
             <a:ext cx="4336912" cy="1200329"/>
           </a:xfrm>
@@ -17506,7 +17655,7 @@
 </p:sld>
 </file>
 
-<file path=ppt/slides/slide24.xml><?xml version="1.0" encoding="utf-8"?>
+<file path=ppt/slides/slide25.xml><?xml version="1.0" encoding="utf-8"?>
 <p:sld xmlns:a="http://schemas.openxmlformats.org/drawingml/2006/main" xmlns:r="http://schemas.openxmlformats.org/officeDocument/2006/relationships" xmlns:p="http://schemas.openxmlformats.org/presentationml/2006/main">
   <p:cSld>
     <p:spTree>
@@ -17626,7 +17775,7 @@
 </p:sld>
 </file>
 
-<file path=ppt/slides/slide25.xml><?xml version="1.0" encoding="utf-8"?>
+<file path=ppt/slides/slide26.xml><?xml version="1.0" encoding="utf-8"?>
 <p:sld xmlns:a="http://schemas.openxmlformats.org/drawingml/2006/main" xmlns:r="http://schemas.openxmlformats.org/officeDocument/2006/relationships" xmlns:p="http://schemas.openxmlformats.org/presentationml/2006/main">
   <p:cSld>
     <p:spTree>
@@ -17774,7 +17923,7 @@
 </p:sld>
 </file>
 
-<file path=ppt/slides/slide26.xml><?xml version="1.0" encoding="utf-8"?>
+<file path=ppt/slides/slide27.xml><?xml version="1.0" encoding="utf-8"?>
 <p:sld xmlns:a="http://schemas.openxmlformats.org/drawingml/2006/main" xmlns:r="http://schemas.openxmlformats.org/officeDocument/2006/relationships" xmlns:p="http://schemas.openxmlformats.org/presentationml/2006/main">
   <p:cSld>
     <p:spTree>
@@ -18172,222 +18321,6 @@
 </p:sld>
 </file>
 
-<file path=ppt/slides/slide27.xml><?xml version="1.0" encoding="utf-8"?>
-<p:sld xmlns:a="http://schemas.openxmlformats.org/drawingml/2006/main" xmlns:r="http://schemas.openxmlformats.org/officeDocument/2006/relationships" xmlns:p="http://schemas.openxmlformats.org/presentationml/2006/main">
-  <p:cSld>
-    <p:spTree>
-      <p:nvGrpSpPr>
-        <p:cNvPr id="1" name="Shape 214"/>
-        <p:cNvGrpSpPr/>
-        <p:nvPr/>
-      </p:nvGrpSpPr>
-      <p:grpSpPr>
-        <a:xfrm>
-          <a:off x="0" y="0"/>
-          <a:ext cx="0" cy="0"/>
-          <a:chOff x="0" y="0"/>
-          <a:chExt cx="0" cy="0"/>
-        </a:xfrm>
-      </p:grpSpPr>
-      <p:sp>
-        <p:nvSpPr>
-          <p:cNvPr id="215" name="Google Shape;215;p39"/>
-          <p:cNvSpPr txBox="1">
-            <a:spLocks noGrp="1"/>
-          </p:cNvSpPr>
-          <p:nvPr>
-            <p:ph type="body" idx="1"/>
-          </p:nvPr>
-        </p:nvSpPr>
-        <p:spPr>
-          <a:xfrm flipH="1">
-            <a:off x="1981075" y="1305775"/>
-            <a:ext cx="7822200" cy="882900"/>
-          </a:xfrm>
-          <a:prstGeom prst="rect">
-            <a:avLst/>
-          </a:prstGeom>
-        </p:spPr>
-        <p:txBody>
-          <a:bodyPr spcFirstLastPara="1" wrap="square" lIns="91425" tIns="91425" rIns="91425" bIns="91425" anchor="t" anchorCtr="0">
-            <a:noAutofit/>
-          </a:bodyPr>
-          <a:lstStyle/>
-          <a:p>
-            <a:pPr marL="0" indent="0">
-              <a:lnSpc>
-                <a:spcPct val="115000"/>
-              </a:lnSpc>
-              <a:spcBef>
-                <a:spcPts val="0"/>
-              </a:spcBef>
-              <a:spcAft>
-                <a:spcPts val="1000"/>
-              </a:spcAft>
-              <a:buSzPts val="1100"/>
-              <a:buNone/>
-            </a:pPr>
-            <a:r>
-              <a:rPr lang="en" sz="1800" dirty="0">
-                <a:solidFill>
-                  <a:schemeClr val="tx1"/>
-                </a:solidFill>
-              </a:rPr>
-              <a:t>How many people should you sample in order to cut the margin of error of a 95% confidence interval down to 1%?</a:t>
-            </a:r>
-            <a:endParaRPr sz="1800" dirty="0">
-              <a:solidFill>
-                <a:schemeClr val="tx1"/>
-              </a:solidFill>
-            </a:endParaRPr>
-          </a:p>
-        </p:txBody>
-      </p:sp>
-      <p:sp>
-        <p:nvSpPr>
-          <p:cNvPr id="216" name="Google Shape;216;p39"/>
-          <p:cNvSpPr txBox="1">
-            <a:spLocks noGrp="1"/>
-          </p:cNvSpPr>
-          <p:nvPr>
-            <p:ph type="title"/>
-          </p:nvPr>
-        </p:nvSpPr>
-        <p:spPr>
-          <a:xfrm>
-            <a:off x="1981200" y="-12"/>
-            <a:ext cx="8229600" cy="1143000"/>
-          </a:xfrm>
-          <a:prstGeom prst="rect">
-            <a:avLst/>
-          </a:prstGeom>
-        </p:spPr>
-        <p:txBody>
-          <a:bodyPr spcFirstLastPara="1" wrap="square" lIns="91425" tIns="91425" rIns="91425" bIns="91425" anchor="b" anchorCtr="0">
-            <a:noAutofit/>
-          </a:bodyPr>
-          <a:lstStyle/>
-          <a:p>
-            <a:r>
-              <a:rPr lang="en">
-                <a:solidFill>
-                  <a:schemeClr val="accent1"/>
-                </a:solidFill>
-              </a:rPr>
-              <a:t>Choosing a sample size</a:t>
-            </a:r>
-            <a:endParaRPr baseline="30000">
-              <a:solidFill>
-                <a:schemeClr val="accent1"/>
-              </a:solidFill>
-            </a:endParaRPr>
-          </a:p>
-        </p:txBody>
-      </p:sp>
-      <p:pic>
-        <p:nvPicPr>
-          <p:cNvPr id="217" name="Google Shape;217;p39"/>
-          <p:cNvPicPr preferRelativeResize="0"/>
-          <p:nvPr/>
-        </p:nvPicPr>
-        <p:blipFill>
-          <a:blip r:embed="rId3">
-            <a:alphaModFix/>
-          </a:blip>
-          <a:stretch>
-            <a:fillRect/>
-          </a:stretch>
-        </p:blipFill>
-        <p:spPr>
-          <a:xfrm>
-            <a:off x="5076225" y="2237374"/>
-            <a:ext cx="1760325" cy="365650"/>
-          </a:xfrm>
-          <a:prstGeom prst="rect">
-            <a:avLst/>
-          </a:prstGeom>
-          <a:noFill/>
-          <a:ln>
-            <a:noFill/>
-          </a:ln>
-        </p:spPr>
-      </p:pic>
-      <p:pic>
-        <p:nvPicPr>
-          <p:cNvPr id="218" name="Google Shape;218;p39"/>
-          <p:cNvPicPr preferRelativeResize="0"/>
-          <p:nvPr/>
-        </p:nvPicPr>
-        <p:blipFill>
-          <a:blip r:embed="rId4">
-            <a:alphaModFix/>
-          </a:blip>
-          <a:stretch>
-            <a:fillRect/>
-          </a:stretch>
-        </p:blipFill>
-        <p:spPr>
-          <a:xfrm>
-            <a:off x="2562113" y="2813352"/>
-            <a:ext cx="7677374" cy="731175"/>
-          </a:xfrm>
-          <a:prstGeom prst="rect">
-            <a:avLst/>
-          </a:prstGeom>
-          <a:noFill/>
-          <a:ln>
-            <a:noFill/>
-          </a:ln>
-        </p:spPr>
-      </p:pic>
-      <p:sp>
-        <p:nvSpPr>
-          <p:cNvPr id="2" name="TextBox 1">
-            <a:extLst>
-              <a:ext uri="{FF2B5EF4-FFF2-40B4-BE49-F238E27FC236}">
-                <a16:creationId xmlns:a16="http://schemas.microsoft.com/office/drawing/2014/main" id="{F8631F20-079F-BB0A-99D8-5FC2FE90FF26}"/>
-              </a:ext>
-            </a:extLst>
-          </p:cNvPr>
-          <p:cNvSpPr txBox="1"/>
-          <p:nvPr/>
-        </p:nvSpPr>
-        <p:spPr>
-          <a:xfrm>
-            <a:off x="6046751" y="3593796"/>
-            <a:ext cx="2543908" cy="369332"/>
-          </a:xfrm>
-          <a:prstGeom prst="rect">
-            <a:avLst/>
-          </a:prstGeom>
-          <a:noFill/>
-        </p:spPr>
-        <p:txBody>
-          <a:bodyPr wrap="square" rtlCol="0">
-            <a:spAutoFit/>
-          </a:bodyPr>
-          <a:lstStyle/>
-          <a:p>
-            <a:r>
-              <a:rPr lang="en-US" dirty="0"/>
-              <a:t>solve for n </a:t>
-            </a:r>
-          </a:p>
-        </p:txBody>
-      </p:sp>
-    </p:spTree>
-    <p:extLst>
-      <p:ext uri="{BB962C8B-B14F-4D97-AF65-F5344CB8AC3E}">
-        <p14:creationId xmlns:p14="http://schemas.microsoft.com/office/powerpoint/2010/main" val="1482740347"/>
-      </p:ext>
-    </p:extLst>
-  </p:cSld>
-  <p:clrMapOvr>
-    <a:masterClrMapping/>
-  </p:clrMapOvr>
-</p:sld>
-</file>
-
 <file path=ppt/slides/slide28.xml><?xml version="1.0" encoding="utf-8"?>
 <p:sld xmlns:a="http://schemas.openxmlformats.org/drawingml/2006/main" xmlns:r="http://schemas.openxmlformats.org/officeDocument/2006/relationships" xmlns:p="http://schemas.openxmlformats.org/presentationml/2006/main">
   <p:cSld>
@@ -18556,6 +18489,222 @@
           </a:ln>
         </p:spPr>
       </p:pic>
+      <p:sp>
+        <p:nvSpPr>
+          <p:cNvPr id="2" name="TextBox 1">
+            <a:extLst>
+              <a:ext uri="{FF2B5EF4-FFF2-40B4-BE49-F238E27FC236}">
+                <a16:creationId xmlns:a16="http://schemas.microsoft.com/office/drawing/2014/main" id="{F8631F20-079F-BB0A-99D8-5FC2FE90FF26}"/>
+              </a:ext>
+            </a:extLst>
+          </p:cNvPr>
+          <p:cNvSpPr txBox="1"/>
+          <p:nvPr/>
+        </p:nvSpPr>
+        <p:spPr>
+          <a:xfrm>
+            <a:off x="6046751" y="3593796"/>
+            <a:ext cx="2543908" cy="369332"/>
+          </a:xfrm>
+          <a:prstGeom prst="rect">
+            <a:avLst/>
+          </a:prstGeom>
+          <a:noFill/>
+        </p:spPr>
+        <p:txBody>
+          <a:bodyPr wrap="square" rtlCol="0">
+            <a:spAutoFit/>
+          </a:bodyPr>
+          <a:lstStyle/>
+          <a:p>
+            <a:r>
+              <a:rPr lang="en-US" dirty="0"/>
+              <a:t>solve for n </a:t>
+            </a:r>
+          </a:p>
+        </p:txBody>
+      </p:sp>
+    </p:spTree>
+    <p:extLst>
+      <p:ext uri="{BB962C8B-B14F-4D97-AF65-F5344CB8AC3E}">
+        <p14:creationId xmlns:p14="http://schemas.microsoft.com/office/powerpoint/2010/main" val="1482740347"/>
+      </p:ext>
+    </p:extLst>
+  </p:cSld>
+  <p:clrMapOvr>
+    <a:masterClrMapping/>
+  </p:clrMapOvr>
+</p:sld>
+</file>
+
+<file path=ppt/slides/slide29.xml><?xml version="1.0" encoding="utf-8"?>
+<p:sld xmlns:a="http://schemas.openxmlformats.org/drawingml/2006/main" xmlns:r="http://schemas.openxmlformats.org/officeDocument/2006/relationships" xmlns:p="http://schemas.openxmlformats.org/presentationml/2006/main">
+  <p:cSld>
+    <p:spTree>
+      <p:nvGrpSpPr>
+        <p:cNvPr id="1" name="Shape 214"/>
+        <p:cNvGrpSpPr/>
+        <p:nvPr/>
+      </p:nvGrpSpPr>
+      <p:grpSpPr>
+        <a:xfrm>
+          <a:off x="0" y="0"/>
+          <a:ext cx="0" cy="0"/>
+          <a:chOff x="0" y="0"/>
+          <a:chExt cx="0" cy="0"/>
+        </a:xfrm>
+      </p:grpSpPr>
+      <p:sp>
+        <p:nvSpPr>
+          <p:cNvPr id="215" name="Google Shape;215;p39"/>
+          <p:cNvSpPr txBox="1">
+            <a:spLocks noGrp="1"/>
+          </p:cNvSpPr>
+          <p:nvPr>
+            <p:ph type="body" idx="1"/>
+          </p:nvPr>
+        </p:nvSpPr>
+        <p:spPr>
+          <a:xfrm flipH="1">
+            <a:off x="1981075" y="1305775"/>
+            <a:ext cx="7822200" cy="882900"/>
+          </a:xfrm>
+          <a:prstGeom prst="rect">
+            <a:avLst/>
+          </a:prstGeom>
+        </p:spPr>
+        <p:txBody>
+          <a:bodyPr spcFirstLastPara="1" wrap="square" lIns="91425" tIns="91425" rIns="91425" bIns="91425" anchor="t" anchorCtr="0">
+            <a:noAutofit/>
+          </a:bodyPr>
+          <a:lstStyle/>
+          <a:p>
+            <a:pPr marL="0" indent="0">
+              <a:lnSpc>
+                <a:spcPct val="115000"/>
+              </a:lnSpc>
+              <a:spcBef>
+                <a:spcPts val="0"/>
+              </a:spcBef>
+              <a:spcAft>
+                <a:spcPts val="1000"/>
+              </a:spcAft>
+              <a:buSzPts val="1100"/>
+              <a:buNone/>
+            </a:pPr>
+            <a:r>
+              <a:rPr lang="en" sz="1800" dirty="0">
+                <a:solidFill>
+                  <a:schemeClr val="tx1"/>
+                </a:solidFill>
+              </a:rPr>
+              <a:t>How many people should you sample in order to cut the margin of error of a 95% confidence interval down to 1%?</a:t>
+            </a:r>
+            <a:endParaRPr sz="1800" dirty="0">
+              <a:solidFill>
+                <a:schemeClr val="tx1"/>
+              </a:solidFill>
+            </a:endParaRPr>
+          </a:p>
+        </p:txBody>
+      </p:sp>
+      <p:sp>
+        <p:nvSpPr>
+          <p:cNvPr id="216" name="Google Shape;216;p39"/>
+          <p:cNvSpPr txBox="1">
+            <a:spLocks noGrp="1"/>
+          </p:cNvSpPr>
+          <p:nvPr>
+            <p:ph type="title"/>
+          </p:nvPr>
+        </p:nvSpPr>
+        <p:spPr>
+          <a:xfrm>
+            <a:off x="1981200" y="-12"/>
+            <a:ext cx="8229600" cy="1143000"/>
+          </a:xfrm>
+          <a:prstGeom prst="rect">
+            <a:avLst/>
+          </a:prstGeom>
+        </p:spPr>
+        <p:txBody>
+          <a:bodyPr spcFirstLastPara="1" wrap="square" lIns="91425" tIns="91425" rIns="91425" bIns="91425" anchor="b" anchorCtr="0">
+            <a:noAutofit/>
+          </a:bodyPr>
+          <a:lstStyle/>
+          <a:p>
+            <a:r>
+              <a:rPr lang="en">
+                <a:solidFill>
+                  <a:schemeClr val="accent1"/>
+                </a:solidFill>
+              </a:rPr>
+              <a:t>Choosing a sample size</a:t>
+            </a:r>
+            <a:endParaRPr baseline="30000">
+              <a:solidFill>
+                <a:schemeClr val="accent1"/>
+              </a:solidFill>
+            </a:endParaRPr>
+          </a:p>
+        </p:txBody>
+      </p:sp>
+      <p:pic>
+        <p:nvPicPr>
+          <p:cNvPr id="217" name="Google Shape;217;p39"/>
+          <p:cNvPicPr preferRelativeResize="0"/>
+          <p:nvPr/>
+        </p:nvPicPr>
+        <p:blipFill>
+          <a:blip r:embed="rId3">
+            <a:alphaModFix/>
+          </a:blip>
+          <a:stretch>
+            <a:fillRect/>
+          </a:stretch>
+        </p:blipFill>
+        <p:spPr>
+          <a:xfrm>
+            <a:off x="5076225" y="2237374"/>
+            <a:ext cx="1760325" cy="365650"/>
+          </a:xfrm>
+          <a:prstGeom prst="rect">
+            <a:avLst/>
+          </a:prstGeom>
+          <a:noFill/>
+          <a:ln>
+            <a:noFill/>
+          </a:ln>
+        </p:spPr>
+      </p:pic>
+      <p:pic>
+        <p:nvPicPr>
+          <p:cNvPr id="218" name="Google Shape;218;p39"/>
+          <p:cNvPicPr preferRelativeResize="0"/>
+          <p:nvPr/>
+        </p:nvPicPr>
+        <p:blipFill>
+          <a:blip r:embed="rId4">
+            <a:alphaModFix/>
+          </a:blip>
+          <a:stretch>
+            <a:fillRect/>
+          </a:stretch>
+        </p:blipFill>
+        <p:spPr>
+          <a:xfrm>
+            <a:off x="2562113" y="2813352"/>
+            <a:ext cx="7677374" cy="731175"/>
+          </a:xfrm>
+          <a:prstGeom prst="rect">
+            <a:avLst/>
+          </a:prstGeom>
+          <a:noFill/>
+          <a:ln>
+            <a:noFill/>
+          </a:ln>
+        </p:spPr>
+      </p:pic>
       <p:pic>
         <p:nvPicPr>
           <p:cNvPr id="219" name="Google Shape;219;p39"/>
@@ -18625,238 +18774,6 @@
         <p14:creationId xmlns:p14="http://schemas.microsoft.com/office/powerpoint/2010/main" val="1861428530"/>
       </p:ext>
     </p:extLst>
-  </p:cSld>
-  <p:clrMapOvr>
-    <a:masterClrMapping/>
-  </p:clrMapOvr>
-</p:sld>
-</file>
-
-<file path=ppt/slides/slide29.xml><?xml version="1.0" encoding="utf-8"?>
-<p:sld xmlns:a="http://schemas.openxmlformats.org/drawingml/2006/main" xmlns:r="http://schemas.openxmlformats.org/officeDocument/2006/relationships" xmlns:p="http://schemas.openxmlformats.org/presentationml/2006/main">
-  <p:cSld>
-    <p:spTree>
-      <p:nvGrpSpPr>
-        <p:cNvPr id="1" name="Shape 223"/>
-        <p:cNvGrpSpPr/>
-        <p:nvPr/>
-      </p:nvGrpSpPr>
-      <p:grpSpPr>
-        <a:xfrm>
-          <a:off x="0" y="0"/>
-          <a:ext cx="0" cy="0"/>
-          <a:chOff x="0" y="0"/>
-          <a:chExt cx="0" cy="0"/>
-        </a:xfrm>
-      </p:grpSpPr>
-      <p:sp>
-        <p:nvSpPr>
-          <p:cNvPr id="224" name="Google Shape;224;p40"/>
-          <p:cNvSpPr txBox="1">
-            <a:spLocks noGrp="1"/>
-          </p:cNvSpPr>
-          <p:nvPr>
-            <p:ph type="body" idx="1"/>
-          </p:nvPr>
-        </p:nvSpPr>
-        <p:spPr>
-          <a:xfrm flipH="1">
-            <a:off x="1981075" y="1305775"/>
-            <a:ext cx="7822200" cy="882900"/>
-          </a:xfrm>
-          <a:prstGeom prst="rect">
-            <a:avLst/>
-          </a:prstGeom>
-        </p:spPr>
-        <p:txBody>
-          <a:bodyPr spcFirstLastPara="1" wrap="square" lIns="91425" tIns="91425" rIns="91425" bIns="91425" anchor="t" anchorCtr="0">
-            <a:noAutofit/>
-          </a:bodyPr>
-          <a:lstStyle/>
-          <a:p>
-            <a:pPr marL="0" indent="0">
-              <a:lnSpc>
-                <a:spcPct val="115000"/>
-              </a:lnSpc>
-              <a:spcBef>
-                <a:spcPts val="0"/>
-              </a:spcBef>
-              <a:spcAft>
-                <a:spcPts val="1000"/>
-              </a:spcAft>
-              <a:buSzPts val="1100"/>
-              <a:buNone/>
-            </a:pPr>
-            <a:r>
-              <a:rPr lang="en" sz="1800" dirty="0">
-                <a:solidFill>
-                  <a:schemeClr val="tx1"/>
-                </a:solidFill>
-              </a:rPr>
-              <a:t>How many people should you sample in order to cut the margin of error of a 95% confidence interval down to 1%?</a:t>
-            </a:r>
-            <a:endParaRPr sz="1800" dirty="0">
-              <a:solidFill>
-                <a:schemeClr val="tx1"/>
-              </a:solidFill>
-            </a:endParaRPr>
-          </a:p>
-        </p:txBody>
-      </p:sp>
-      <p:sp>
-        <p:nvSpPr>
-          <p:cNvPr id="225" name="Google Shape;225;p40"/>
-          <p:cNvSpPr txBox="1">
-            <a:spLocks noGrp="1"/>
-          </p:cNvSpPr>
-          <p:nvPr>
-            <p:ph type="title"/>
-          </p:nvPr>
-        </p:nvSpPr>
-        <p:spPr>
-          <a:xfrm>
-            <a:off x="1981200" y="-12"/>
-            <a:ext cx="8229600" cy="1143000"/>
-          </a:xfrm>
-          <a:prstGeom prst="rect">
-            <a:avLst/>
-          </a:prstGeom>
-        </p:spPr>
-        <p:txBody>
-          <a:bodyPr spcFirstLastPara="1" wrap="square" lIns="91425" tIns="91425" rIns="91425" bIns="91425" anchor="b" anchorCtr="0">
-            <a:noAutofit/>
-          </a:bodyPr>
-          <a:lstStyle/>
-          <a:p>
-            <a:r>
-              <a:rPr lang="en">
-                <a:solidFill>
-                  <a:schemeClr val="accent1"/>
-                </a:solidFill>
-              </a:rPr>
-              <a:t>Choosing a sample size</a:t>
-            </a:r>
-            <a:endParaRPr baseline="30000">
-              <a:solidFill>
-                <a:schemeClr val="accent1"/>
-              </a:solidFill>
-            </a:endParaRPr>
-          </a:p>
-        </p:txBody>
-      </p:sp>
-      <p:pic>
-        <p:nvPicPr>
-          <p:cNvPr id="226" name="Google Shape;226;p40"/>
-          <p:cNvPicPr preferRelativeResize="0"/>
-          <p:nvPr/>
-        </p:nvPicPr>
-        <p:blipFill>
-          <a:blip r:embed="rId3">
-            <a:alphaModFix/>
-          </a:blip>
-          <a:stretch>
-            <a:fillRect/>
-          </a:stretch>
-        </p:blipFill>
-        <p:spPr>
-          <a:xfrm>
-            <a:off x="5076225" y="2237374"/>
-            <a:ext cx="1760325" cy="365650"/>
-          </a:xfrm>
-          <a:prstGeom prst="rect">
-            <a:avLst/>
-          </a:prstGeom>
-          <a:noFill/>
-          <a:ln>
-            <a:noFill/>
-          </a:ln>
-        </p:spPr>
-      </p:pic>
-      <p:pic>
-        <p:nvPicPr>
-          <p:cNvPr id="227" name="Google Shape;227;p40"/>
-          <p:cNvPicPr preferRelativeResize="0"/>
-          <p:nvPr/>
-        </p:nvPicPr>
-        <p:blipFill>
-          <a:blip r:embed="rId4">
-            <a:alphaModFix/>
-          </a:blip>
-          <a:stretch>
-            <a:fillRect/>
-          </a:stretch>
-        </p:blipFill>
-        <p:spPr>
-          <a:xfrm>
-            <a:off x="2562113" y="2813352"/>
-            <a:ext cx="7677374" cy="731175"/>
-          </a:xfrm>
-          <a:prstGeom prst="rect">
-            <a:avLst/>
-          </a:prstGeom>
-          <a:noFill/>
-          <a:ln>
-            <a:noFill/>
-          </a:ln>
-        </p:spPr>
-      </p:pic>
-      <p:pic>
-        <p:nvPicPr>
-          <p:cNvPr id="228" name="Google Shape;228;p40"/>
-          <p:cNvPicPr preferRelativeResize="0"/>
-          <p:nvPr/>
-        </p:nvPicPr>
-        <p:blipFill>
-          <a:blip r:embed="rId5">
-            <a:alphaModFix/>
-          </a:blip>
-          <a:stretch>
-            <a:fillRect/>
-          </a:stretch>
-        </p:blipFill>
-        <p:spPr>
-          <a:xfrm>
-            <a:off x="2638326" y="3544525"/>
-            <a:ext cx="3408425" cy="596100"/>
-          </a:xfrm>
-          <a:prstGeom prst="rect">
-            <a:avLst/>
-          </a:prstGeom>
-          <a:noFill/>
-          <a:ln>
-            <a:noFill/>
-          </a:ln>
-        </p:spPr>
-      </p:pic>
-      <p:pic>
-        <p:nvPicPr>
-          <p:cNvPr id="229" name="Google Shape;229;p40"/>
-          <p:cNvPicPr preferRelativeResize="0"/>
-          <p:nvPr/>
-        </p:nvPicPr>
-        <p:blipFill>
-          <a:blip r:embed="rId6">
-            <a:alphaModFix/>
-          </a:blip>
-          <a:stretch>
-            <a:fillRect/>
-          </a:stretch>
-        </p:blipFill>
-        <p:spPr>
-          <a:xfrm>
-            <a:off x="2362201" y="4169201"/>
-            <a:ext cx="3731738" cy="613195"/>
-          </a:xfrm>
-          <a:prstGeom prst="rect">
-            <a:avLst/>
-          </a:prstGeom>
-          <a:noFill/>
-          <a:ln>
-            <a:noFill/>
-          </a:ln>
-        </p:spPr>
-      </p:pic>
-    </p:spTree>
   </p:cSld>
   <p:clrMapOvr>
     <a:masterClrMapping/>
@@ -18886,7 +18803,7 @@
           <p:cNvPr id="2" name="Title 1">
             <a:extLst>
               <a:ext uri="{FF2B5EF4-FFF2-40B4-BE49-F238E27FC236}">
-                <a16:creationId xmlns:a16="http://schemas.microsoft.com/office/drawing/2014/main" id="{8F18AD9A-A821-4CF1-AC23-D07DCC47B5C8}"/>
+                <a16:creationId xmlns:a16="http://schemas.microsoft.com/office/drawing/2014/main" id="{5498E5BA-9D6D-DA69-3329-7155CBB2904F}"/>
               </a:ext>
             </a:extLst>
           </p:cNvPr>
@@ -18904,7 +18821,15 @@
           <a:p>
             <a:r>
               <a:rPr lang="en-US" dirty="0"/>
-              <a:t>Proportions </a:t>
+              <a:t>RECAP: Inference for </a:t>
+            </a:r>
+            <a:r>
+              <a:rPr lang="en-US" b="1" dirty="0"/>
+              <a:t>means</a:t>
+            </a:r>
+            <a:r>
+              <a:rPr lang="en-US" dirty="0"/>
+              <a:t>  </a:t>
             </a:r>
           </a:p>
         </p:txBody>
@@ -18914,7 +18839,7 @@
           <p:cNvPr id="3" name="Content Placeholder 2">
             <a:extLst>
               <a:ext uri="{FF2B5EF4-FFF2-40B4-BE49-F238E27FC236}">
-                <a16:creationId xmlns:a16="http://schemas.microsoft.com/office/drawing/2014/main" id="{64BDE68D-BE25-8EB8-E9CF-4DB38935339F}"/>
+                <a16:creationId xmlns:a16="http://schemas.microsoft.com/office/drawing/2014/main" id="{F0618A48-8A1F-2495-6A36-A57F7E6716B2}"/>
               </a:ext>
             </a:extLst>
           </p:cNvPr>
@@ -18925,40 +18850,162 @@
             <p:ph idx="1"/>
           </p:nvPr>
         </p:nvSpPr>
-        <p:spPr/>
+        <p:spPr>
+          <a:xfrm>
+            <a:off x="3481754" y="293077"/>
+            <a:ext cx="8147538" cy="6435969"/>
+          </a:xfrm>
+        </p:spPr>
         <p:txBody>
           <a:bodyPr anchor="t">
-            <a:normAutofit/>
+            <a:normAutofit fontScale="77500" lnSpcReduction="20000"/>
           </a:bodyPr>
           <a:lstStyle/>
           <a:p>
-            <a:r>
-              <a:rPr lang="en-US" sz="2400" dirty="0"/>
-              <a:t>We can make similar inferences for proportions instead of means </a:t>
-            </a:r>
-          </a:p>
-          <a:p>
-            <a:r>
-              <a:rPr lang="en-US" sz="2400" dirty="0"/>
-              <a:t>Today we will start with one-sample proportions, compared to a population proportion </a:t>
-            </a:r>
-          </a:p>
-          <a:p>
-            <a:r>
-              <a:rPr lang="en-US" sz="2400" dirty="0"/>
-              <a:t>This an analogous to testing whether a one-sample mean differs from a population mean </a:t>
-            </a:r>
-          </a:p>
-          <a:p>
-            <a:pPr lvl="1"/>
-            <a:endParaRPr lang="en-US" sz="2200" dirty="0"/>
+            <a:pPr marL="0" indent="0">
+              <a:buNone/>
+            </a:pPr>
+            <a:r>
+              <a:rPr lang="en-US" sz="3600" dirty="0"/>
+              <a:t>Match the following scenarios to the appropriate test (Z-test, T-test, ANOVA): </a:t>
+            </a:r>
+          </a:p>
+          <a:p>
+            <a:endParaRPr lang="en-US" sz="4400" dirty="0"/>
+          </a:p>
+          <a:p>
+            <a:r>
+              <a:rPr lang="en-US" sz="2900" dirty="0"/>
+              <a:t>Comparing a sample mean to a population mean, N = 50 </a:t>
+            </a:r>
+          </a:p>
+          <a:p>
+            <a:endParaRPr lang="en-US" sz="2900" dirty="0"/>
+          </a:p>
+          <a:p>
+            <a:r>
+              <a:rPr lang="en-US" sz="2900" dirty="0"/>
+              <a:t>Comparing a sample mean to a population mean, N = 20 </a:t>
+            </a:r>
+          </a:p>
+          <a:p>
+            <a:endParaRPr lang="en-US" sz="2900" dirty="0"/>
+          </a:p>
+          <a:p>
+            <a:r>
+              <a:rPr lang="en-US" sz="2900" dirty="0"/>
+              <a:t>Comparing paired means, N = 100 </a:t>
+            </a:r>
+          </a:p>
+          <a:p>
+            <a:endParaRPr lang="en-US" sz="2900" dirty="0"/>
+          </a:p>
+          <a:p>
+            <a:r>
+              <a:rPr lang="en-US" sz="2900" dirty="0"/>
+              <a:t>Comparing paired means, N = 25</a:t>
+            </a:r>
+          </a:p>
+          <a:p>
+            <a:endParaRPr lang="en-US" sz="2900" dirty="0"/>
+          </a:p>
+          <a:p>
+            <a:r>
+              <a:rPr lang="en-US" sz="2900" dirty="0"/>
+              <a:t>Comparing un-paired means, N</a:t>
+            </a:r>
+            <a:r>
+              <a:rPr lang="en-US" sz="2900" baseline="-25000" dirty="0"/>
+              <a:t>a</a:t>
+            </a:r>
+            <a:r>
+              <a:rPr lang="en-US" sz="2900" dirty="0"/>
+              <a:t> = 15, N</a:t>
+            </a:r>
+            <a:r>
+              <a:rPr lang="en-US" sz="2900" baseline="-25000" dirty="0"/>
+              <a:t>b</a:t>
+            </a:r>
+            <a:r>
+              <a:rPr lang="en-US" sz="2900" dirty="0"/>
+              <a:t> = 17 </a:t>
+            </a:r>
+          </a:p>
+          <a:p>
+            <a:endParaRPr lang="en-US" sz="2900" dirty="0"/>
+          </a:p>
+          <a:p>
+            <a:r>
+              <a:rPr lang="en-US" sz="2900" dirty="0"/>
+              <a:t>Comparing un-paired means, N</a:t>
+            </a:r>
+            <a:r>
+              <a:rPr lang="en-US" sz="2900" baseline="-25000" dirty="0"/>
+              <a:t>a</a:t>
+            </a:r>
+            <a:r>
+              <a:rPr lang="en-US" sz="2900" dirty="0"/>
+              <a:t> = 55, N</a:t>
+            </a:r>
+            <a:r>
+              <a:rPr lang="en-US" sz="2900" baseline="-25000" dirty="0"/>
+              <a:t>b</a:t>
+            </a:r>
+            <a:r>
+              <a:rPr lang="en-US" sz="2900" dirty="0"/>
+              <a:t> = 56 </a:t>
+            </a:r>
+          </a:p>
+          <a:p>
+            <a:endParaRPr lang="en-US" sz="2900" dirty="0"/>
+          </a:p>
+          <a:p>
+            <a:r>
+              <a:rPr lang="en-US" sz="2900" dirty="0"/>
+              <a:t>Comparing more than 2 means, N</a:t>
+            </a:r>
+            <a:r>
+              <a:rPr lang="en-US" sz="2900" baseline="-25000" dirty="0"/>
+              <a:t>a</a:t>
+            </a:r>
+            <a:r>
+              <a:rPr lang="en-US" sz="2900" dirty="0"/>
+              <a:t> = 55, N</a:t>
+            </a:r>
+            <a:r>
+              <a:rPr lang="en-US" sz="2900" baseline="-25000" dirty="0"/>
+              <a:t>b</a:t>
+            </a:r>
+            <a:r>
+              <a:rPr lang="en-US" sz="2900" dirty="0"/>
+              <a:t> = 56, N</a:t>
+            </a:r>
+            <a:r>
+              <a:rPr lang="en-US" sz="2900" baseline="-25000" dirty="0"/>
+              <a:t>c</a:t>
+            </a:r>
+            <a:r>
+              <a:rPr lang="en-US" sz="2900" dirty="0"/>
+              <a:t> = 54, N</a:t>
+            </a:r>
+            <a:r>
+              <a:rPr lang="en-US" sz="2900" baseline="-25000" dirty="0"/>
+              <a:t>d</a:t>
+            </a:r>
+            <a:r>
+              <a:rPr lang="en-US" sz="2900" dirty="0"/>
+              <a:t> = 55 </a:t>
+            </a:r>
+          </a:p>
+          <a:p>
+            <a:endParaRPr lang="en-US" sz="2800" dirty="0"/>
           </a:p>
         </p:txBody>
       </p:sp>
     </p:spTree>
     <p:extLst>
       <p:ext uri="{BB962C8B-B14F-4D97-AF65-F5344CB8AC3E}">
-        <p14:creationId xmlns:p14="http://schemas.microsoft.com/office/powerpoint/2010/main" val="1283905563"/>
+        <p14:creationId xmlns:p14="http://schemas.microsoft.com/office/powerpoint/2010/main" val="456526311"/>
       </p:ext>
     </p:extLst>
   </p:cSld>
@@ -18969,6 +19016,238 @@
 </file>
 
 <file path=ppt/slides/slide30.xml><?xml version="1.0" encoding="utf-8"?>
+<p:sld xmlns:a="http://schemas.openxmlformats.org/drawingml/2006/main" xmlns:r="http://schemas.openxmlformats.org/officeDocument/2006/relationships" xmlns:p="http://schemas.openxmlformats.org/presentationml/2006/main">
+  <p:cSld>
+    <p:spTree>
+      <p:nvGrpSpPr>
+        <p:cNvPr id="1" name="Shape 223"/>
+        <p:cNvGrpSpPr/>
+        <p:nvPr/>
+      </p:nvGrpSpPr>
+      <p:grpSpPr>
+        <a:xfrm>
+          <a:off x="0" y="0"/>
+          <a:ext cx="0" cy="0"/>
+          <a:chOff x="0" y="0"/>
+          <a:chExt cx="0" cy="0"/>
+        </a:xfrm>
+      </p:grpSpPr>
+      <p:sp>
+        <p:nvSpPr>
+          <p:cNvPr id="224" name="Google Shape;224;p40"/>
+          <p:cNvSpPr txBox="1">
+            <a:spLocks noGrp="1"/>
+          </p:cNvSpPr>
+          <p:nvPr>
+            <p:ph type="body" idx="1"/>
+          </p:nvPr>
+        </p:nvSpPr>
+        <p:spPr>
+          <a:xfrm flipH="1">
+            <a:off x="1981075" y="1305775"/>
+            <a:ext cx="7822200" cy="882900"/>
+          </a:xfrm>
+          <a:prstGeom prst="rect">
+            <a:avLst/>
+          </a:prstGeom>
+        </p:spPr>
+        <p:txBody>
+          <a:bodyPr spcFirstLastPara="1" wrap="square" lIns="91425" tIns="91425" rIns="91425" bIns="91425" anchor="t" anchorCtr="0">
+            <a:noAutofit/>
+          </a:bodyPr>
+          <a:lstStyle/>
+          <a:p>
+            <a:pPr marL="0" indent="0">
+              <a:lnSpc>
+                <a:spcPct val="115000"/>
+              </a:lnSpc>
+              <a:spcBef>
+                <a:spcPts val="0"/>
+              </a:spcBef>
+              <a:spcAft>
+                <a:spcPts val="1000"/>
+              </a:spcAft>
+              <a:buSzPts val="1100"/>
+              <a:buNone/>
+            </a:pPr>
+            <a:r>
+              <a:rPr lang="en" sz="1800" dirty="0">
+                <a:solidFill>
+                  <a:schemeClr val="tx1"/>
+                </a:solidFill>
+              </a:rPr>
+              <a:t>How many people should you sample in order to cut the margin of error of a 95% confidence interval down to 1%?</a:t>
+            </a:r>
+            <a:endParaRPr sz="1800" dirty="0">
+              <a:solidFill>
+                <a:schemeClr val="tx1"/>
+              </a:solidFill>
+            </a:endParaRPr>
+          </a:p>
+        </p:txBody>
+      </p:sp>
+      <p:sp>
+        <p:nvSpPr>
+          <p:cNvPr id="225" name="Google Shape;225;p40"/>
+          <p:cNvSpPr txBox="1">
+            <a:spLocks noGrp="1"/>
+          </p:cNvSpPr>
+          <p:nvPr>
+            <p:ph type="title"/>
+          </p:nvPr>
+        </p:nvSpPr>
+        <p:spPr>
+          <a:xfrm>
+            <a:off x="1981200" y="-12"/>
+            <a:ext cx="8229600" cy="1143000"/>
+          </a:xfrm>
+          <a:prstGeom prst="rect">
+            <a:avLst/>
+          </a:prstGeom>
+        </p:spPr>
+        <p:txBody>
+          <a:bodyPr spcFirstLastPara="1" wrap="square" lIns="91425" tIns="91425" rIns="91425" bIns="91425" anchor="b" anchorCtr="0">
+            <a:noAutofit/>
+          </a:bodyPr>
+          <a:lstStyle/>
+          <a:p>
+            <a:r>
+              <a:rPr lang="en">
+                <a:solidFill>
+                  <a:schemeClr val="accent1"/>
+                </a:solidFill>
+              </a:rPr>
+              <a:t>Choosing a sample size</a:t>
+            </a:r>
+            <a:endParaRPr baseline="30000">
+              <a:solidFill>
+                <a:schemeClr val="accent1"/>
+              </a:solidFill>
+            </a:endParaRPr>
+          </a:p>
+        </p:txBody>
+      </p:sp>
+      <p:pic>
+        <p:nvPicPr>
+          <p:cNvPr id="226" name="Google Shape;226;p40"/>
+          <p:cNvPicPr preferRelativeResize="0"/>
+          <p:nvPr/>
+        </p:nvPicPr>
+        <p:blipFill>
+          <a:blip r:embed="rId3">
+            <a:alphaModFix/>
+          </a:blip>
+          <a:stretch>
+            <a:fillRect/>
+          </a:stretch>
+        </p:blipFill>
+        <p:spPr>
+          <a:xfrm>
+            <a:off x="5076225" y="2237374"/>
+            <a:ext cx="1760325" cy="365650"/>
+          </a:xfrm>
+          <a:prstGeom prst="rect">
+            <a:avLst/>
+          </a:prstGeom>
+          <a:noFill/>
+          <a:ln>
+            <a:noFill/>
+          </a:ln>
+        </p:spPr>
+      </p:pic>
+      <p:pic>
+        <p:nvPicPr>
+          <p:cNvPr id="227" name="Google Shape;227;p40"/>
+          <p:cNvPicPr preferRelativeResize="0"/>
+          <p:nvPr/>
+        </p:nvPicPr>
+        <p:blipFill>
+          <a:blip r:embed="rId4">
+            <a:alphaModFix/>
+          </a:blip>
+          <a:stretch>
+            <a:fillRect/>
+          </a:stretch>
+        </p:blipFill>
+        <p:spPr>
+          <a:xfrm>
+            <a:off x="2562113" y="2813352"/>
+            <a:ext cx="7677374" cy="731175"/>
+          </a:xfrm>
+          <a:prstGeom prst="rect">
+            <a:avLst/>
+          </a:prstGeom>
+          <a:noFill/>
+          <a:ln>
+            <a:noFill/>
+          </a:ln>
+        </p:spPr>
+      </p:pic>
+      <p:pic>
+        <p:nvPicPr>
+          <p:cNvPr id="228" name="Google Shape;228;p40"/>
+          <p:cNvPicPr preferRelativeResize="0"/>
+          <p:nvPr/>
+        </p:nvPicPr>
+        <p:blipFill>
+          <a:blip r:embed="rId5">
+            <a:alphaModFix/>
+          </a:blip>
+          <a:stretch>
+            <a:fillRect/>
+          </a:stretch>
+        </p:blipFill>
+        <p:spPr>
+          <a:xfrm>
+            <a:off x="2638326" y="3544525"/>
+            <a:ext cx="3408425" cy="596100"/>
+          </a:xfrm>
+          <a:prstGeom prst="rect">
+            <a:avLst/>
+          </a:prstGeom>
+          <a:noFill/>
+          <a:ln>
+            <a:noFill/>
+          </a:ln>
+        </p:spPr>
+      </p:pic>
+      <p:pic>
+        <p:nvPicPr>
+          <p:cNvPr id="229" name="Google Shape;229;p40"/>
+          <p:cNvPicPr preferRelativeResize="0"/>
+          <p:nvPr/>
+        </p:nvPicPr>
+        <p:blipFill>
+          <a:blip r:embed="rId6">
+            <a:alphaModFix/>
+          </a:blip>
+          <a:stretch>
+            <a:fillRect/>
+          </a:stretch>
+        </p:blipFill>
+        <p:spPr>
+          <a:xfrm>
+            <a:off x="2362201" y="4169201"/>
+            <a:ext cx="3731738" cy="613195"/>
+          </a:xfrm>
+          <a:prstGeom prst="rect">
+            <a:avLst/>
+          </a:prstGeom>
+          <a:noFill/>
+          <a:ln>
+            <a:noFill/>
+          </a:ln>
+        </p:spPr>
+      </p:pic>
+    </p:spTree>
+  </p:cSld>
+  <p:clrMapOvr>
+    <a:masterClrMapping/>
+  </p:clrMapOvr>
+</p:sld>
+</file>
+
+<file path=ppt/slides/slide31.xml><?xml version="1.0" encoding="utf-8"?>
 <p:sld xmlns:a="http://schemas.openxmlformats.org/drawingml/2006/main" xmlns:r="http://schemas.openxmlformats.org/officeDocument/2006/relationships" xmlns:p="http://schemas.openxmlformats.org/presentationml/2006/main">
   <p:cSld>
     <p:spTree>
@@ -19228,7 +19507,7 @@
 </p:sld>
 </file>
 
-<file path=ppt/slides/slide31.xml><?xml version="1.0" encoding="utf-8"?>
+<file path=ppt/slides/slide32.xml><?xml version="1.0" encoding="utf-8"?>
 <p:sld xmlns:a="http://schemas.openxmlformats.org/drawingml/2006/main" xmlns:r="http://schemas.openxmlformats.org/officeDocument/2006/relationships" xmlns:p="http://schemas.openxmlformats.org/presentationml/2006/main">
   <p:cSld>
     <p:spTree>
@@ -19389,7 +19668,7 @@
 </p:sld>
 </file>
 
-<file path=ppt/slides/slide32.xml><?xml version="1.0" encoding="utf-8"?>
+<file path=ppt/slides/slide33.xml><?xml version="1.0" encoding="utf-8"?>
 <p:sld xmlns:a="http://schemas.openxmlformats.org/drawingml/2006/main" xmlns:r="http://schemas.openxmlformats.org/officeDocument/2006/relationships" xmlns:p="http://schemas.openxmlformats.org/presentationml/2006/main">
   <p:cSld>
     <p:spTree>
@@ -19566,7 +19845,7 @@
 </p:sld>
 </file>
 
-<file path=ppt/slides/slide33.xml><?xml version="1.0" encoding="utf-8"?>
+<file path=ppt/slides/slide34.xml><?xml version="1.0" encoding="utf-8"?>
 <p:sld xmlns:a="http://schemas.openxmlformats.org/drawingml/2006/main" xmlns:r="http://schemas.openxmlformats.org/officeDocument/2006/relationships" xmlns:p="http://schemas.openxmlformats.org/presentationml/2006/main">
   <p:cSld>
     <p:spTree>
@@ -19735,141 +20014,6 @@
             <a:endParaRPr baseline="30000">
               <a:solidFill>
                 <a:schemeClr val="accent1"/>
-              </a:solidFill>
-            </a:endParaRPr>
-          </a:p>
-        </p:txBody>
-      </p:sp>
-    </p:spTree>
-  </p:cSld>
-  <p:clrMapOvr>
-    <a:masterClrMapping/>
-  </p:clrMapOvr>
-</p:sld>
-</file>
-
-<file path=ppt/slides/slide34.xml><?xml version="1.0" encoding="utf-8"?>
-<p:sld xmlns:a="http://schemas.openxmlformats.org/drawingml/2006/main" xmlns:r="http://schemas.openxmlformats.org/officeDocument/2006/relationships" xmlns:p="http://schemas.openxmlformats.org/presentationml/2006/main">
-  <p:cSld>
-    <p:spTree>
-      <p:nvGrpSpPr>
-        <p:cNvPr id="1" name="Shape 270"/>
-        <p:cNvGrpSpPr/>
-        <p:nvPr/>
-      </p:nvGrpSpPr>
-      <p:grpSpPr>
-        <a:xfrm>
-          <a:off x="0" y="0"/>
-          <a:ext cx="0" cy="0"/>
-          <a:chOff x="0" y="0"/>
-          <a:chExt cx="0" cy="0"/>
-        </a:xfrm>
-      </p:grpSpPr>
-      <p:sp>
-        <p:nvSpPr>
-          <p:cNvPr id="271" name="Google Shape;271;p46"/>
-          <p:cNvSpPr txBox="1">
-            <a:spLocks noGrp="1"/>
-          </p:cNvSpPr>
-          <p:nvPr>
-            <p:ph type="title"/>
-          </p:nvPr>
-        </p:nvSpPr>
-        <p:spPr>
-          <a:xfrm>
-            <a:off x="1981200" y="-12"/>
-            <a:ext cx="8229600" cy="1143000"/>
-          </a:xfrm>
-          <a:prstGeom prst="rect">
-            <a:avLst/>
-          </a:prstGeom>
-        </p:spPr>
-        <p:txBody>
-          <a:bodyPr spcFirstLastPara="1" wrap="square" lIns="91425" tIns="91425" rIns="91425" bIns="91425" anchor="b" anchorCtr="0">
-            <a:noAutofit/>
-          </a:bodyPr>
-          <a:lstStyle/>
-          <a:p>
-            <a:r>
-              <a:rPr lang="en" dirty="0">
-                <a:solidFill>
-                  <a:schemeClr val="accent1"/>
-                </a:solidFill>
-              </a:rPr>
-              <a:t>Hypothesis Testing </a:t>
-            </a:r>
-            <a:endParaRPr dirty="0">
-              <a:solidFill>
-                <a:schemeClr val="accent1"/>
-              </a:solidFill>
-            </a:endParaRPr>
-          </a:p>
-        </p:txBody>
-      </p:sp>
-      <p:sp>
-        <p:nvSpPr>
-          <p:cNvPr id="272" name="Google Shape;272;p46"/>
-          <p:cNvSpPr txBox="1">
-            <a:spLocks noGrp="1"/>
-          </p:cNvSpPr>
-          <p:nvPr>
-            <p:ph type="body" idx="1"/>
-          </p:nvPr>
-        </p:nvSpPr>
-        <p:spPr>
-          <a:xfrm flipH="1">
-            <a:off x="1981075" y="1305775"/>
-            <a:ext cx="7822200" cy="1343100"/>
-          </a:xfrm>
-          <a:prstGeom prst="rect">
-            <a:avLst/>
-          </a:prstGeom>
-        </p:spPr>
-        <p:txBody>
-          <a:bodyPr spcFirstLastPara="1" wrap="square" lIns="91425" tIns="91425" rIns="91425" bIns="91425" anchor="t" anchorCtr="0">
-            <a:noAutofit/>
-          </a:bodyPr>
-          <a:lstStyle/>
-          <a:p>
-            <a:pPr marL="0" indent="0">
-              <a:lnSpc>
-                <a:spcPct val="115000"/>
-              </a:lnSpc>
-              <a:spcBef>
-                <a:spcPts val="0"/>
-              </a:spcBef>
-              <a:buNone/>
-            </a:pPr>
-            <a:r>
-              <a:rPr lang="en" sz="1900" dirty="0">
-                <a:solidFill>
-                  <a:schemeClr val="tx1"/>
-                </a:solidFill>
-              </a:rPr>
-              <a:t>The GSS found that 571 out of 670 (85%) of Americans answered the question on experimental design correctly. </a:t>
-            </a:r>
-          </a:p>
-          <a:p>
-            <a:pPr marL="0" indent="0">
-              <a:lnSpc>
-                <a:spcPct val="115000"/>
-              </a:lnSpc>
-              <a:spcBef>
-                <a:spcPts val="0"/>
-              </a:spcBef>
-              <a:buNone/>
-            </a:pPr>
-            <a:r>
-              <a:rPr lang="en" sz="1900" i="1" dirty="0">
-                <a:solidFill>
-                  <a:schemeClr val="tx1"/>
-                </a:solidFill>
-              </a:rPr>
-              <a:t>Do these data provide convincing evidence that more than 80% of Americans have a good intuition about experimental design?</a:t>
-            </a:r>
-            <a:endParaRPr sz="1900" i="1" dirty="0">
-              <a:solidFill>
-                <a:schemeClr val="tx1"/>
               </a:solidFill>
             </a:endParaRPr>
           </a:p>
@@ -20002,55 +20146,15 @@
               </a:rPr>
               <a:t>Do these data provide convincing evidence that more than 80% of Americans have a good intuition about experimental design?</a:t>
             </a:r>
-          </a:p>
-          <a:p>
-            <a:pPr marL="0" indent="0">
-              <a:lnSpc>
-                <a:spcPct val="115000"/>
-              </a:lnSpc>
-              <a:spcBef>
-                <a:spcPts val="0"/>
-              </a:spcBef>
-              <a:buNone/>
-            </a:pPr>
-            <a:endParaRPr lang="en" sz="1900" i="1" dirty="0">
+            <a:endParaRPr sz="1900" i="1" dirty="0">
               <a:solidFill>
                 <a:schemeClr val="tx1"/>
               </a:solidFill>
             </a:endParaRPr>
           </a:p>
-          <a:p>
-            <a:pPr marL="0" indent="0">
-              <a:lnSpc>
-                <a:spcPct val="115000"/>
-              </a:lnSpc>
-              <a:spcBef>
-                <a:spcPts val="0"/>
-              </a:spcBef>
-              <a:buNone/>
-            </a:pPr>
-            <a:r>
-              <a:rPr lang="en" sz="1900" dirty="0">
-                <a:solidFill>
-                  <a:schemeClr val="tx1"/>
-                </a:solidFill>
-              </a:rPr>
-              <a:t>What are the hypotheses?</a:t>
-            </a:r>
-            <a:endParaRPr sz="1900" dirty="0">
-              <a:solidFill>
-                <a:schemeClr val="tx1"/>
-              </a:solidFill>
-            </a:endParaRPr>
-          </a:p>
         </p:txBody>
       </p:sp>
     </p:spTree>
-    <p:extLst>
-      <p:ext uri="{BB962C8B-B14F-4D97-AF65-F5344CB8AC3E}">
-        <p14:creationId xmlns:p14="http://schemas.microsoft.com/office/powerpoint/2010/main" val="4261185120"/>
-      </p:ext>
-    </p:extLst>
   </p:cSld>
   <p:clrMapOvr>
     <a:masterClrMapping/>
@@ -20204,87 +20308,26 @@
               </a:spcBef>
               <a:buNone/>
             </a:pPr>
-            <a:endParaRPr lang="en" sz="1900" i="1" dirty="0">
-              <a:solidFill>
-                <a:schemeClr val="tx1"/>
-              </a:solidFill>
-            </a:endParaRPr>
-          </a:p>
-          <a:p>
-            <a:pPr marL="0" indent="0">
-              <a:lnSpc>
-                <a:spcPct val="115000"/>
-              </a:lnSpc>
-              <a:spcBef>
-                <a:spcPts val="0"/>
-              </a:spcBef>
-              <a:buNone/>
-            </a:pPr>
-            <a:endParaRPr lang="en" sz="1900" i="1" dirty="0">
-              <a:solidFill>
-                <a:schemeClr val="tx1"/>
-              </a:solidFill>
-            </a:endParaRPr>
-          </a:p>
-          <a:p>
-            <a:pPr marL="0" indent="0">
-              <a:lnSpc>
-                <a:spcPct val="115000"/>
-              </a:lnSpc>
-              <a:spcBef>
-                <a:spcPts val="0"/>
-              </a:spcBef>
-              <a:buNone/>
-            </a:pPr>
             <a:r>
               <a:rPr lang="en" sz="1900" dirty="0">
                 <a:solidFill>
                   <a:schemeClr val="tx1"/>
                 </a:solidFill>
               </a:rPr>
-              <a:t>What test should we use? </a:t>
-            </a:r>
+              <a:t>What are the hypotheses?</a:t>
+            </a:r>
+            <a:endParaRPr sz="1900" dirty="0">
+              <a:solidFill>
+                <a:schemeClr val="tx1"/>
+              </a:solidFill>
+            </a:endParaRPr>
           </a:p>
         </p:txBody>
       </p:sp>
-      <p:pic>
-        <p:nvPicPr>
-          <p:cNvPr id="2" name="Google Shape;279;p47">
-            <a:extLst>
-              <a:ext uri="{FF2B5EF4-FFF2-40B4-BE49-F238E27FC236}">
-                <a16:creationId xmlns:a16="http://schemas.microsoft.com/office/drawing/2014/main" id="{9C64D319-7E42-3521-97C3-944FB5105914}"/>
-              </a:ext>
-            </a:extLst>
-          </p:cNvPr>
-          <p:cNvPicPr preferRelativeResize="0"/>
-          <p:nvPr/>
-        </p:nvPicPr>
-        <p:blipFill>
-          <a:blip r:embed="rId3">
-            <a:alphaModFix/>
-          </a:blip>
-          <a:stretch>
-            <a:fillRect/>
-          </a:stretch>
-        </p:blipFill>
-        <p:spPr>
-          <a:xfrm>
-            <a:off x="2831219" y="2811662"/>
-            <a:ext cx="5154928" cy="819122"/>
-          </a:xfrm>
-          <a:prstGeom prst="rect">
-            <a:avLst/>
-          </a:prstGeom>
-          <a:noFill/>
-          <a:ln>
-            <a:noFill/>
-          </a:ln>
-        </p:spPr>
-      </p:pic>
     </p:spTree>
     <p:extLst>
       <p:ext uri="{BB962C8B-B14F-4D97-AF65-F5344CB8AC3E}">
-        <p14:creationId xmlns:p14="http://schemas.microsoft.com/office/powerpoint/2010/main" val="2203184400"/>
+        <p14:creationId xmlns:p14="http://schemas.microsoft.com/office/powerpoint/2010/main" val="4261185120"/>
       </p:ext>
     </p:extLst>
   </p:cSld>
@@ -20481,25 +20524,6 @@
               <a:t>What test should we use? </a:t>
             </a:r>
           </a:p>
-          <a:p>
-            <a:pPr marL="0" indent="0">
-              <a:lnSpc>
-                <a:spcPct val="115000"/>
-              </a:lnSpc>
-              <a:spcBef>
-                <a:spcPts val="0"/>
-              </a:spcBef>
-              <a:buNone/>
-            </a:pPr>
-            <a:r>
-              <a:rPr lang="en" sz="1900" dirty="0">
-                <a:solidFill>
-                  <a:schemeClr val="tx1"/>
-                </a:solidFill>
-              </a:rPr>
-              <a:t>	- Z-test, N &gt; 50 </a:t>
-            </a:r>
-          </a:p>
         </p:txBody>
       </p:sp>
       <p:pic>
@@ -20539,7 +20563,7 @@
     </p:spTree>
     <p:extLst>
       <p:ext uri="{BB962C8B-B14F-4D97-AF65-F5344CB8AC3E}">
-        <p14:creationId xmlns:p14="http://schemas.microsoft.com/office/powerpoint/2010/main" val="3624248498"/>
+        <p14:creationId xmlns:p14="http://schemas.microsoft.com/office/powerpoint/2010/main" val="2203184400"/>
       </p:ext>
     </p:extLst>
   </p:cSld>
@@ -20755,25 +20779,6 @@
               <a:t>	- Z-test, N &gt; 50 </a:t>
             </a:r>
           </a:p>
-          <a:p>
-            <a:pPr marL="0" indent="0">
-              <a:lnSpc>
-                <a:spcPct val="115000"/>
-              </a:lnSpc>
-              <a:spcBef>
-                <a:spcPts val="0"/>
-              </a:spcBef>
-              <a:buNone/>
-            </a:pPr>
-            <a:r>
-              <a:rPr lang="en" sz="1900" dirty="0">
-                <a:solidFill>
-                  <a:schemeClr val="tx1"/>
-                </a:solidFill>
-              </a:rPr>
-              <a:t>Do we meet the conditions to use it? </a:t>
-            </a:r>
-          </a:p>
         </p:txBody>
       </p:sp>
       <p:pic>
@@ -20813,6 +20818,280 @@
     </p:spTree>
     <p:extLst>
       <p:ext uri="{BB962C8B-B14F-4D97-AF65-F5344CB8AC3E}">
+        <p14:creationId xmlns:p14="http://schemas.microsoft.com/office/powerpoint/2010/main" val="3624248498"/>
+      </p:ext>
+    </p:extLst>
+  </p:cSld>
+  <p:clrMapOvr>
+    <a:masterClrMapping/>
+  </p:clrMapOvr>
+</p:sld>
+</file>
+
+<file path=ppt/slides/slide39.xml><?xml version="1.0" encoding="utf-8"?>
+<p:sld xmlns:a="http://schemas.openxmlformats.org/drawingml/2006/main" xmlns:r="http://schemas.openxmlformats.org/officeDocument/2006/relationships" xmlns:p="http://schemas.openxmlformats.org/presentationml/2006/main">
+  <p:cSld>
+    <p:spTree>
+      <p:nvGrpSpPr>
+        <p:cNvPr id="1" name="Shape 270"/>
+        <p:cNvGrpSpPr/>
+        <p:nvPr/>
+      </p:nvGrpSpPr>
+      <p:grpSpPr>
+        <a:xfrm>
+          <a:off x="0" y="0"/>
+          <a:ext cx="0" cy="0"/>
+          <a:chOff x="0" y="0"/>
+          <a:chExt cx="0" cy="0"/>
+        </a:xfrm>
+      </p:grpSpPr>
+      <p:sp>
+        <p:nvSpPr>
+          <p:cNvPr id="271" name="Google Shape;271;p46"/>
+          <p:cNvSpPr txBox="1">
+            <a:spLocks noGrp="1"/>
+          </p:cNvSpPr>
+          <p:nvPr>
+            <p:ph type="title"/>
+          </p:nvPr>
+        </p:nvSpPr>
+        <p:spPr>
+          <a:xfrm>
+            <a:off x="1981200" y="-12"/>
+            <a:ext cx="8229600" cy="1143000"/>
+          </a:xfrm>
+          <a:prstGeom prst="rect">
+            <a:avLst/>
+          </a:prstGeom>
+        </p:spPr>
+        <p:txBody>
+          <a:bodyPr spcFirstLastPara="1" wrap="square" lIns="91425" tIns="91425" rIns="91425" bIns="91425" anchor="b" anchorCtr="0">
+            <a:noAutofit/>
+          </a:bodyPr>
+          <a:lstStyle/>
+          <a:p>
+            <a:r>
+              <a:rPr lang="en" dirty="0">
+                <a:solidFill>
+                  <a:schemeClr val="accent1"/>
+                </a:solidFill>
+              </a:rPr>
+              <a:t>Hypothesis Testing </a:t>
+            </a:r>
+            <a:endParaRPr dirty="0">
+              <a:solidFill>
+                <a:schemeClr val="accent1"/>
+              </a:solidFill>
+            </a:endParaRPr>
+          </a:p>
+        </p:txBody>
+      </p:sp>
+      <p:sp>
+        <p:nvSpPr>
+          <p:cNvPr id="272" name="Google Shape;272;p46"/>
+          <p:cNvSpPr txBox="1">
+            <a:spLocks noGrp="1"/>
+          </p:cNvSpPr>
+          <p:nvPr>
+            <p:ph type="body" idx="1"/>
+          </p:nvPr>
+        </p:nvSpPr>
+        <p:spPr>
+          <a:xfrm flipH="1">
+            <a:off x="1981075" y="1305775"/>
+            <a:ext cx="7822200" cy="1343100"/>
+          </a:xfrm>
+          <a:prstGeom prst="rect">
+            <a:avLst/>
+          </a:prstGeom>
+        </p:spPr>
+        <p:txBody>
+          <a:bodyPr spcFirstLastPara="1" wrap="square" lIns="91425" tIns="91425" rIns="91425" bIns="91425" anchor="t" anchorCtr="0">
+            <a:noAutofit/>
+          </a:bodyPr>
+          <a:lstStyle/>
+          <a:p>
+            <a:pPr marL="0" indent="0">
+              <a:lnSpc>
+                <a:spcPct val="115000"/>
+              </a:lnSpc>
+              <a:spcBef>
+                <a:spcPts val="0"/>
+              </a:spcBef>
+              <a:buNone/>
+            </a:pPr>
+            <a:r>
+              <a:rPr lang="en" sz="1900" dirty="0">
+                <a:solidFill>
+                  <a:schemeClr val="tx1"/>
+                </a:solidFill>
+              </a:rPr>
+              <a:t>The GSS found that 571 out of 670 (85%) of Americans answered the question on experimental design correctly. </a:t>
+            </a:r>
+          </a:p>
+          <a:p>
+            <a:pPr marL="0" indent="0">
+              <a:lnSpc>
+                <a:spcPct val="115000"/>
+              </a:lnSpc>
+              <a:spcBef>
+                <a:spcPts val="0"/>
+              </a:spcBef>
+              <a:buNone/>
+            </a:pPr>
+            <a:r>
+              <a:rPr lang="en" sz="1900" i="1" dirty="0">
+                <a:solidFill>
+                  <a:schemeClr val="tx1"/>
+                </a:solidFill>
+              </a:rPr>
+              <a:t>Do these data provide convincing evidence that more than 80% of Americans have a good intuition about experimental design?</a:t>
+            </a:r>
+          </a:p>
+          <a:p>
+            <a:pPr marL="0" indent="0">
+              <a:lnSpc>
+                <a:spcPct val="115000"/>
+              </a:lnSpc>
+              <a:spcBef>
+                <a:spcPts val="0"/>
+              </a:spcBef>
+              <a:buNone/>
+            </a:pPr>
+            <a:endParaRPr lang="en" sz="1900" i="1" dirty="0">
+              <a:solidFill>
+                <a:schemeClr val="tx1"/>
+              </a:solidFill>
+            </a:endParaRPr>
+          </a:p>
+          <a:p>
+            <a:pPr marL="0" indent="0">
+              <a:lnSpc>
+                <a:spcPct val="115000"/>
+              </a:lnSpc>
+              <a:spcBef>
+                <a:spcPts val="0"/>
+              </a:spcBef>
+              <a:buNone/>
+            </a:pPr>
+            <a:endParaRPr lang="en" sz="1900" i="1" dirty="0">
+              <a:solidFill>
+                <a:schemeClr val="tx1"/>
+              </a:solidFill>
+            </a:endParaRPr>
+          </a:p>
+          <a:p>
+            <a:pPr marL="0" indent="0">
+              <a:lnSpc>
+                <a:spcPct val="115000"/>
+              </a:lnSpc>
+              <a:spcBef>
+                <a:spcPts val="0"/>
+              </a:spcBef>
+              <a:buNone/>
+            </a:pPr>
+            <a:endParaRPr lang="en" sz="1900" i="1" dirty="0">
+              <a:solidFill>
+                <a:schemeClr val="tx1"/>
+              </a:solidFill>
+            </a:endParaRPr>
+          </a:p>
+          <a:p>
+            <a:pPr marL="0" indent="0">
+              <a:lnSpc>
+                <a:spcPct val="115000"/>
+              </a:lnSpc>
+              <a:spcBef>
+                <a:spcPts val="0"/>
+              </a:spcBef>
+              <a:buNone/>
+            </a:pPr>
+            <a:r>
+              <a:rPr lang="en" sz="1900" dirty="0">
+                <a:solidFill>
+                  <a:schemeClr val="tx1"/>
+                </a:solidFill>
+              </a:rPr>
+              <a:t>What test should we use? </a:t>
+            </a:r>
+          </a:p>
+          <a:p>
+            <a:pPr marL="0" indent="0">
+              <a:lnSpc>
+                <a:spcPct val="115000"/>
+              </a:lnSpc>
+              <a:spcBef>
+                <a:spcPts val="0"/>
+              </a:spcBef>
+              <a:buNone/>
+            </a:pPr>
+            <a:r>
+              <a:rPr lang="en" sz="1900" dirty="0">
+                <a:solidFill>
+                  <a:schemeClr val="tx1"/>
+                </a:solidFill>
+              </a:rPr>
+              <a:t>	- Z-test, N &gt; 50 </a:t>
+            </a:r>
+          </a:p>
+          <a:p>
+            <a:pPr marL="0" indent="0">
+              <a:lnSpc>
+                <a:spcPct val="115000"/>
+              </a:lnSpc>
+              <a:spcBef>
+                <a:spcPts val="0"/>
+              </a:spcBef>
+              <a:buNone/>
+            </a:pPr>
+            <a:r>
+              <a:rPr lang="en" sz="1900" dirty="0">
+                <a:solidFill>
+                  <a:schemeClr val="tx1"/>
+                </a:solidFill>
+              </a:rPr>
+              <a:t>Do we meet the conditions to use it? </a:t>
+            </a:r>
+          </a:p>
+        </p:txBody>
+      </p:sp>
+      <p:pic>
+        <p:nvPicPr>
+          <p:cNvPr id="2" name="Google Shape;279;p47">
+            <a:extLst>
+              <a:ext uri="{FF2B5EF4-FFF2-40B4-BE49-F238E27FC236}">
+                <a16:creationId xmlns:a16="http://schemas.microsoft.com/office/drawing/2014/main" id="{9C64D319-7E42-3521-97C3-944FB5105914}"/>
+              </a:ext>
+            </a:extLst>
+          </p:cNvPr>
+          <p:cNvPicPr preferRelativeResize="0"/>
+          <p:nvPr/>
+        </p:nvPicPr>
+        <p:blipFill>
+          <a:blip r:embed="rId3">
+            <a:alphaModFix/>
+          </a:blip>
+          <a:stretch>
+            <a:fillRect/>
+          </a:stretch>
+        </p:blipFill>
+        <p:spPr>
+          <a:xfrm>
+            <a:off x="2831219" y="2811662"/>
+            <a:ext cx="5154928" cy="819122"/>
+          </a:xfrm>
+          <a:prstGeom prst="rect">
+            <a:avLst/>
+          </a:prstGeom>
+          <a:noFill/>
+          <a:ln>
+            <a:noFill/>
+          </a:ln>
+        </p:spPr>
+      </p:pic>
+    </p:spTree>
+    <p:extLst>
+      <p:ext uri="{BB962C8B-B14F-4D97-AF65-F5344CB8AC3E}">
         <p14:creationId xmlns:p14="http://schemas.microsoft.com/office/powerpoint/2010/main" val="510883188"/>
       </p:ext>
     </p:extLst>
@@ -20823,7 +21102,111 @@
 </p:sld>
 </file>
 
-<file path=ppt/slides/slide39.xml><?xml version="1.0" encoding="utf-8"?>
+<file path=ppt/slides/slide4.xml><?xml version="1.0" encoding="utf-8"?>
+<p:sld xmlns:a="http://schemas.openxmlformats.org/drawingml/2006/main" xmlns:r="http://schemas.openxmlformats.org/officeDocument/2006/relationships" xmlns:p="http://schemas.openxmlformats.org/presentationml/2006/main">
+  <p:cSld>
+    <p:spTree>
+      <p:nvGrpSpPr>
+        <p:cNvPr id="1" name=""/>
+        <p:cNvGrpSpPr/>
+        <p:nvPr/>
+      </p:nvGrpSpPr>
+      <p:grpSpPr>
+        <a:xfrm>
+          <a:off x="0" y="0"/>
+          <a:ext cx="0" cy="0"/>
+          <a:chOff x="0" y="0"/>
+          <a:chExt cx="0" cy="0"/>
+        </a:xfrm>
+      </p:grpSpPr>
+      <p:sp>
+        <p:nvSpPr>
+          <p:cNvPr id="2" name="Title 1">
+            <a:extLst>
+              <a:ext uri="{FF2B5EF4-FFF2-40B4-BE49-F238E27FC236}">
+                <a16:creationId xmlns:a16="http://schemas.microsoft.com/office/drawing/2014/main" id="{8F18AD9A-A821-4CF1-AC23-D07DCC47B5C8}"/>
+              </a:ext>
+            </a:extLst>
+          </p:cNvPr>
+          <p:cNvSpPr>
+            <a:spLocks noGrp="1"/>
+          </p:cNvSpPr>
+          <p:nvPr>
+            <p:ph type="title"/>
+          </p:nvPr>
+        </p:nvSpPr>
+        <p:spPr/>
+        <p:txBody>
+          <a:bodyPr/>
+          <a:lstStyle/>
+          <a:p>
+            <a:r>
+              <a:rPr lang="en-US" dirty="0"/>
+              <a:t>Proportions </a:t>
+            </a:r>
+          </a:p>
+        </p:txBody>
+      </p:sp>
+      <p:sp>
+        <p:nvSpPr>
+          <p:cNvPr id="3" name="Content Placeholder 2">
+            <a:extLst>
+              <a:ext uri="{FF2B5EF4-FFF2-40B4-BE49-F238E27FC236}">
+                <a16:creationId xmlns:a16="http://schemas.microsoft.com/office/drawing/2014/main" id="{64BDE68D-BE25-8EB8-E9CF-4DB38935339F}"/>
+              </a:ext>
+            </a:extLst>
+          </p:cNvPr>
+          <p:cNvSpPr>
+            <a:spLocks noGrp="1"/>
+          </p:cNvSpPr>
+          <p:nvPr>
+            <p:ph idx="1"/>
+          </p:nvPr>
+        </p:nvSpPr>
+        <p:spPr/>
+        <p:txBody>
+          <a:bodyPr anchor="t">
+            <a:normAutofit/>
+          </a:bodyPr>
+          <a:lstStyle/>
+          <a:p>
+            <a:r>
+              <a:rPr lang="en-US" sz="2400" dirty="0"/>
+              <a:t>We can make similar inferences for proportions instead of means </a:t>
+            </a:r>
+          </a:p>
+          <a:p>
+            <a:r>
+              <a:rPr lang="en-US" sz="2400" dirty="0"/>
+              <a:t>Today we will start with one-sample proportions, compared to a population proportion </a:t>
+            </a:r>
+          </a:p>
+          <a:p>
+            <a:r>
+              <a:rPr lang="en-US" sz="2400" dirty="0"/>
+              <a:t>This an analogous to testing whether a one-sample mean differs from a population mean </a:t>
+            </a:r>
+          </a:p>
+          <a:p>
+            <a:pPr lvl="1"/>
+            <a:endParaRPr lang="en-US" sz="2200" dirty="0"/>
+          </a:p>
+        </p:txBody>
+      </p:sp>
+    </p:spTree>
+    <p:extLst>
+      <p:ext uri="{BB962C8B-B14F-4D97-AF65-F5344CB8AC3E}">
+        <p14:creationId xmlns:p14="http://schemas.microsoft.com/office/powerpoint/2010/main" val="1283905563"/>
+      </p:ext>
+    </p:extLst>
+  </p:cSld>
+  <p:clrMapOvr>
+    <a:masterClrMapping/>
+  </p:clrMapOvr>
+</p:sld>
+</file>
+
+<file path=ppt/slides/slide40.xml><?xml version="1.0" encoding="utf-8"?>
 <p:sld xmlns:a="http://schemas.openxmlformats.org/drawingml/2006/main" xmlns:r="http://schemas.openxmlformats.org/officeDocument/2006/relationships" xmlns:p="http://schemas.openxmlformats.org/presentationml/2006/main">
   <p:cSld>
     <p:spTree>
@@ -20999,208 +21382,7 @@
 </p:sld>
 </file>
 
-<file path=ppt/slides/slide4.xml><?xml version="1.0" encoding="utf-8"?>
-<p:sld xmlns:a="http://schemas.openxmlformats.org/drawingml/2006/main" xmlns:r="http://schemas.openxmlformats.org/officeDocument/2006/relationships" xmlns:p="http://schemas.openxmlformats.org/presentationml/2006/main">
-  <p:cSld>
-    <p:spTree>
-      <p:nvGrpSpPr>
-        <p:cNvPr id="1" name="Shape 56"/>
-        <p:cNvGrpSpPr/>
-        <p:nvPr/>
-      </p:nvGrpSpPr>
-      <p:grpSpPr>
-        <a:xfrm>
-          <a:off x="0" y="0"/>
-          <a:ext cx="0" cy="0"/>
-          <a:chOff x="0" y="0"/>
-          <a:chExt cx="0" cy="0"/>
-        </a:xfrm>
-      </p:grpSpPr>
-      <p:sp>
-        <p:nvSpPr>
-          <p:cNvPr id="57" name="Google Shape;57;p17"/>
-          <p:cNvSpPr txBox="1">
-            <a:spLocks noGrp="1"/>
-          </p:cNvSpPr>
-          <p:nvPr>
-            <p:ph type="body" idx="1"/>
-          </p:nvPr>
-        </p:nvSpPr>
-        <p:spPr>
-          <a:xfrm flipH="1">
-            <a:off x="246184" y="1305775"/>
-            <a:ext cx="11465169" cy="3418500"/>
-          </a:xfrm>
-          <a:prstGeom prst="rect">
-            <a:avLst/>
-          </a:prstGeom>
-        </p:spPr>
-        <p:txBody>
-          <a:bodyPr spcFirstLastPara="1" wrap="square" lIns="91425" tIns="91425" rIns="91425" bIns="91425" anchor="t" anchorCtr="0">
-            <a:noAutofit/>
-          </a:bodyPr>
-          <a:lstStyle/>
-          <a:p>
-            <a:pPr marL="0" indent="0">
-              <a:lnSpc>
-                <a:spcPct val="115000"/>
-              </a:lnSpc>
-              <a:spcBef>
-                <a:spcPts val="0"/>
-              </a:spcBef>
-              <a:buNone/>
-            </a:pPr>
-            <a:r>
-              <a:rPr lang="en" sz="2400" dirty="0">
-                <a:solidFill>
-                  <a:schemeClr val="tx1"/>
-                </a:solidFill>
-              </a:rPr>
-              <a:t>The following survey was used to determine if American’s have a good understanding of experimental design. </a:t>
-            </a:r>
-          </a:p>
-          <a:p>
-            <a:pPr marL="0" indent="0">
-              <a:lnSpc>
-                <a:spcPct val="115000"/>
-              </a:lnSpc>
-              <a:spcBef>
-                <a:spcPts val="0"/>
-              </a:spcBef>
-              <a:buNone/>
-            </a:pPr>
-            <a:endParaRPr lang="en" sz="2200" dirty="0">
-              <a:solidFill>
-                <a:schemeClr val="accent1"/>
-              </a:solidFill>
-            </a:endParaRPr>
-          </a:p>
-          <a:p>
-            <a:pPr marL="0" indent="0">
-              <a:lnSpc>
-                <a:spcPct val="115000"/>
-              </a:lnSpc>
-              <a:spcBef>
-                <a:spcPts val="0"/>
-              </a:spcBef>
-              <a:buNone/>
-            </a:pPr>
-            <a:r>
-              <a:rPr lang="en" sz="2200" dirty="0">
-                <a:solidFill>
-                  <a:schemeClr val="accent1"/>
-                </a:solidFill>
-              </a:rPr>
-              <a:t>Two scientists want to know if a certain drug is effective against high blood pressure. The first scientist wants to give the drug to 1000 people with high blood pressure and see how many of them experience lower blood pressure levels. The second scientist wants to give the drug to 500 people with high blood pressure, and not give the drug to another 500 people with high blood pressure, and see how many in both groups experience lower blood pressure levels. Which is the better way to test this drug?</a:t>
-            </a:r>
-            <a:endParaRPr sz="2200" dirty="0">
-              <a:solidFill>
-                <a:schemeClr val="accent1"/>
-              </a:solidFill>
-            </a:endParaRPr>
-          </a:p>
-          <a:p>
-            <a:pPr marL="0" indent="0">
-              <a:lnSpc>
-                <a:spcPct val="115000"/>
-              </a:lnSpc>
-              <a:spcBef>
-                <a:spcPts val="0"/>
-              </a:spcBef>
-              <a:buNone/>
-            </a:pPr>
-            <a:endParaRPr sz="2200" dirty="0">
-              <a:solidFill>
-                <a:schemeClr val="accent1"/>
-              </a:solidFill>
-            </a:endParaRPr>
-          </a:p>
-          <a:p>
-            <a:pPr indent="-368300">
-              <a:lnSpc>
-                <a:spcPct val="115000"/>
-              </a:lnSpc>
-              <a:spcBef>
-                <a:spcPts val="0"/>
-              </a:spcBef>
-              <a:buSzPts val="2200"/>
-              <a:buAutoNum type="alphaLcParenBoth"/>
-            </a:pPr>
-            <a:r>
-              <a:rPr lang="en" sz="2200" dirty="0"/>
-              <a:t>All 1000 get the drug</a:t>
-            </a:r>
-            <a:endParaRPr sz="2200" dirty="0"/>
-          </a:p>
-          <a:p>
-            <a:pPr indent="-368300">
-              <a:lnSpc>
-                <a:spcPct val="115000"/>
-              </a:lnSpc>
-              <a:spcBef>
-                <a:spcPts val="0"/>
-              </a:spcBef>
-              <a:buSzPts val="2200"/>
-              <a:buAutoNum type="alphaLcParenBoth"/>
-            </a:pPr>
-            <a:r>
-              <a:rPr lang="en" sz="2200" dirty="0"/>
-              <a:t>500 get the drug, 500 don’t</a:t>
-            </a:r>
-            <a:endParaRPr sz="2200" dirty="0"/>
-          </a:p>
-        </p:txBody>
-      </p:sp>
-      <p:sp>
-        <p:nvSpPr>
-          <p:cNvPr id="58" name="Google Shape;58;p17"/>
-          <p:cNvSpPr txBox="1">
-            <a:spLocks noGrp="1"/>
-          </p:cNvSpPr>
-          <p:nvPr>
-            <p:ph type="title"/>
-          </p:nvPr>
-        </p:nvSpPr>
-        <p:spPr>
-          <a:xfrm>
-            <a:off x="1981200" y="-12"/>
-            <a:ext cx="8229600" cy="1143000"/>
-          </a:xfrm>
-          <a:prstGeom prst="rect">
-            <a:avLst/>
-          </a:prstGeom>
-        </p:spPr>
-        <p:txBody>
-          <a:bodyPr spcFirstLastPara="1" wrap="square" lIns="91425" tIns="91425" rIns="91425" bIns="91425" anchor="b" anchorCtr="0">
-            <a:noAutofit/>
-          </a:bodyPr>
-          <a:lstStyle/>
-          <a:p>
-            <a:r>
-              <a:rPr lang="en" dirty="0">
-                <a:solidFill>
-                  <a:schemeClr val="accent1"/>
-                </a:solidFill>
-              </a:rPr>
-              <a:t>Motivating Example</a:t>
-            </a:r>
-            <a:endParaRPr baseline="30000" dirty="0">
-              <a:solidFill>
-                <a:schemeClr val="accent1"/>
-              </a:solidFill>
-            </a:endParaRPr>
-          </a:p>
-        </p:txBody>
-      </p:sp>
-    </p:spTree>
-  </p:cSld>
-  <p:clrMapOvr>
-    <a:masterClrMapping/>
-  </p:clrMapOvr>
-</p:sld>
-</file>
-
-<file path=ppt/slides/slide40.xml><?xml version="1.0" encoding="utf-8"?>
+<file path=ppt/slides/slide41.xml><?xml version="1.0" encoding="utf-8"?>
 <p:sld xmlns:a="http://schemas.openxmlformats.org/drawingml/2006/main" xmlns:r="http://schemas.openxmlformats.org/officeDocument/2006/relationships" xmlns:p="http://schemas.openxmlformats.org/presentationml/2006/main">
   <p:cSld>
     <p:spTree>
@@ -21620,7 +21802,7 @@
 </p:sld>
 </file>
 
-<file path=ppt/slides/slide41.xml><?xml version="1.0" encoding="utf-8"?>
+<file path=ppt/slides/slide42.xml><?xml version="1.0" encoding="utf-8"?>
 <p:sld xmlns:a="http://schemas.openxmlformats.org/drawingml/2006/main" xmlns:r="http://schemas.openxmlformats.org/officeDocument/2006/relationships" xmlns:p="http://schemas.openxmlformats.org/presentationml/2006/main">
   <p:cSld>
     <p:spTree>
@@ -21856,7 +22038,7 @@
 </p:sld>
 </file>
 
-<file path=ppt/slides/slide42.xml><?xml version="1.0" encoding="utf-8"?>
+<file path=ppt/slides/slide43.xml><?xml version="1.0" encoding="utf-8"?>
 <p:sld xmlns:a="http://schemas.openxmlformats.org/drawingml/2006/main" xmlns:r="http://schemas.openxmlformats.org/officeDocument/2006/relationships" xmlns:p="http://schemas.openxmlformats.org/presentationml/2006/main">
   <p:cSld>
     <p:spTree>
@@ -22269,7 +22451,7 @@
 </p:sld>
 </file>
 
-<file path=ppt/slides/slide43.xml><?xml version="1.0" encoding="utf-8"?>
+<file path=ppt/slides/slide44.xml><?xml version="1.0" encoding="utf-8"?>
 <p:sld xmlns:a="http://schemas.openxmlformats.org/drawingml/2006/main" xmlns:r="http://schemas.openxmlformats.org/officeDocument/2006/relationships" xmlns:p="http://schemas.openxmlformats.org/presentationml/2006/main">
   <p:cSld>
     <p:spTree>
@@ -22507,7 +22689,7 @@
 </p:sld>
 </file>
 
-<file path=ppt/slides/slide44.xml><?xml version="1.0" encoding="utf-8"?>
+<file path=ppt/slides/slide45.xml><?xml version="1.0" encoding="utf-8"?>
 <p:sld xmlns:a="http://schemas.openxmlformats.org/drawingml/2006/main" xmlns:r="http://schemas.openxmlformats.org/officeDocument/2006/relationships" xmlns:p="http://schemas.openxmlformats.org/presentationml/2006/main">
   <p:cSld>
     <p:spTree>
@@ -22954,7 +23136,7 @@
 </p:sld>
 </file>
 
-<file path=ppt/slides/slide45.xml><?xml version="1.0" encoding="utf-8"?>
+<file path=ppt/slides/slide46.xml><?xml version="1.0" encoding="utf-8"?>
 <p:sld xmlns:a="http://schemas.openxmlformats.org/drawingml/2006/main" xmlns:r="http://schemas.openxmlformats.org/officeDocument/2006/relationships" xmlns:p="http://schemas.openxmlformats.org/presentationml/2006/main">
   <p:cSld>
     <p:spTree>
@@ -23983,7 +24165,7 @@
 </p:sld>
 </file>
 
-<file path=ppt/slides/slide46.xml><?xml version="1.0" encoding="utf-8"?>
+<file path=ppt/slides/slide47.xml><?xml version="1.0" encoding="utf-8"?>
 <p:sld xmlns:a="http://schemas.openxmlformats.org/drawingml/2006/main" xmlns:r="http://schemas.openxmlformats.org/officeDocument/2006/relationships" xmlns:p="http://schemas.openxmlformats.org/presentationml/2006/main">
   <p:cSld>
     <p:spTree>
@@ -25060,7 +25242,7 @@
 </p:sld>
 </file>
 
-<file path=ppt/slides/slide47.xml><?xml version="1.0" encoding="utf-8"?>
+<file path=ppt/slides/slide48.xml><?xml version="1.0" encoding="utf-8"?>
 <p:sld xmlns:a="http://schemas.openxmlformats.org/drawingml/2006/main" xmlns:r="http://schemas.openxmlformats.org/officeDocument/2006/relationships" xmlns:p="http://schemas.openxmlformats.org/presentationml/2006/main">
   <p:cSld>
     <p:spTree>
@@ -26167,7 +26349,7 @@
 </p:sld>
 </file>
 
-<file path=ppt/slides/slide48.xml><?xml version="1.0" encoding="utf-8"?>
+<file path=ppt/slides/slide49.xml><?xml version="1.0" encoding="utf-8"?>
 <p:sld xmlns:a="http://schemas.openxmlformats.org/drawingml/2006/main" xmlns:r="http://schemas.openxmlformats.org/officeDocument/2006/relationships" xmlns:p="http://schemas.openxmlformats.org/presentationml/2006/main">
   <p:cSld>
     <p:spTree>
@@ -26646,7 +26828,208 @@
 </p:sld>
 </file>
 
-<file path=ppt/slides/slide49.xml><?xml version="1.0" encoding="utf-8"?>
+<file path=ppt/slides/slide5.xml><?xml version="1.0" encoding="utf-8"?>
+<p:sld xmlns:a="http://schemas.openxmlformats.org/drawingml/2006/main" xmlns:r="http://schemas.openxmlformats.org/officeDocument/2006/relationships" xmlns:p="http://schemas.openxmlformats.org/presentationml/2006/main">
+  <p:cSld>
+    <p:spTree>
+      <p:nvGrpSpPr>
+        <p:cNvPr id="1" name="Shape 56"/>
+        <p:cNvGrpSpPr/>
+        <p:nvPr/>
+      </p:nvGrpSpPr>
+      <p:grpSpPr>
+        <a:xfrm>
+          <a:off x="0" y="0"/>
+          <a:ext cx="0" cy="0"/>
+          <a:chOff x="0" y="0"/>
+          <a:chExt cx="0" cy="0"/>
+        </a:xfrm>
+      </p:grpSpPr>
+      <p:sp>
+        <p:nvSpPr>
+          <p:cNvPr id="57" name="Google Shape;57;p17"/>
+          <p:cNvSpPr txBox="1">
+            <a:spLocks noGrp="1"/>
+          </p:cNvSpPr>
+          <p:nvPr>
+            <p:ph type="body" idx="1"/>
+          </p:nvPr>
+        </p:nvSpPr>
+        <p:spPr>
+          <a:xfrm flipH="1">
+            <a:off x="246184" y="1305775"/>
+            <a:ext cx="11465169" cy="3418500"/>
+          </a:xfrm>
+          <a:prstGeom prst="rect">
+            <a:avLst/>
+          </a:prstGeom>
+        </p:spPr>
+        <p:txBody>
+          <a:bodyPr spcFirstLastPara="1" wrap="square" lIns="91425" tIns="91425" rIns="91425" bIns="91425" anchor="t" anchorCtr="0">
+            <a:noAutofit/>
+          </a:bodyPr>
+          <a:lstStyle/>
+          <a:p>
+            <a:pPr marL="0" indent="0">
+              <a:lnSpc>
+                <a:spcPct val="115000"/>
+              </a:lnSpc>
+              <a:spcBef>
+                <a:spcPts val="0"/>
+              </a:spcBef>
+              <a:buNone/>
+            </a:pPr>
+            <a:r>
+              <a:rPr lang="en" sz="2400" dirty="0">
+                <a:solidFill>
+                  <a:schemeClr val="tx1"/>
+                </a:solidFill>
+              </a:rPr>
+              <a:t>The following survey was used to determine if American’s have a good understanding of experimental design. </a:t>
+            </a:r>
+          </a:p>
+          <a:p>
+            <a:pPr marL="0" indent="0">
+              <a:lnSpc>
+                <a:spcPct val="115000"/>
+              </a:lnSpc>
+              <a:spcBef>
+                <a:spcPts val="0"/>
+              </a:spcBef>
+              <a:buNone/>
+            </a:pPr>
+            <a:endParaRPr lang="en" sz="2200" dirty="0">
+              <a:solidFill>
+                <a:schemeClr val="accent1"/>
+              </a:solidFill>
+            </a:endParaRPr>
+          </a:p>
+          <a:p>
+            <a:pPr marL="0" indent="0">
+              <a:lnSpc>
+                <a:spcPct val="115000"/>
+              </a:lnSpc>
+              <a:spcBef>
+                <a:spcPts val="0"/>
+              </a:spcBef>
+              <a:buNone/>
+            </a:pPr>
+            <a:r>
+              <a:rPr lang="en" sz="2200" dirty="0">
+                <a:solidFill>
+                  <a:schemeClr val="accent1"/>
+                </a:solidFill>
+              </a:rPr>
+              <a:t>Two scientists want to know if a certain drug is effective against high blood pressure. The first scientist wants to give the drug to 1000 people with high blood pressure and see how many of them experience lower blood pressure levels. The second scientist wants to give the drug to 500 people with high blood pressure, and not give the drug to another 500 people with high blood pressure, and see how many in both groups experience lower blood pressure levels. Which is the better way to test this drug?</a:t>
+            </a:r>
+            <a:endParaRPr sz="2200" dirty="0">
+              <a:solidFill>
+                <a:schemeClr val="accent1"/>
+              </a:solidFill>
+            </a:endParaRPr>
+          </a:p>
+          <a:p>
+            <a:pPr marL="0" indent="0">
+              <a:lnSpc>
+                <a:spcPct val="115000"/>
+              </a:lnSpc>
+              <a:spcBef>
+                <a:spcPts val="0"/>
+              </a:spcBef>
+              <a:buNone/>
+            </a:pPr>
+            <a:endParaRPr sz="2200" dirty="0">
+              <a:solidFill>
+                <a:schemeClr val="accent1"/>
+              </a:solidFill>
+            </a:endParaRPr>
+          </a:p>
+          <a:p>
+            <a:pPr indent="-368300">
+              <a:lnSpc>
+                <a:spcPct val="115000"/>
+              </a:lnSpc>
+              <a:spcBef>
+                <a:spcPts val="0"/>
+              </a:spcBef>
+              <a:buSzPts val="2200"/>
+              <a:buAutoNum type="alphaLcParenBoth"/>
+            </a:pPr>
+            <a:r>
+              <a:rPr lang="en" sz="2200" dirty="0"/>
+              <a:t>All 1000 get the drug</a:t>
+            </a:r>
+            <a:endParaRPr sz="2200" dirty="0"/>
+          </a:p>
+          <a:p>
+            <a:pPr indent="-368300">
+              <a:lnSpc>
+                <a:spcPct val="115000"/>
+              </a:lnSpc>
+              <a:spcBef>
+                <a:spcPts val="0"/>
+              </a:spcBef>
+              <a:buSzPts val="2200"/>
+              <a:buAutoNum type="alphaLcParenBoth"/>
+            </a:pPr>
+            <a:r>
+              <a:rPr lang="en" sz="2200" dirty="0"/>
+              <a:t>500 get the drug, 500 don’t</a:t>
+            </a:r>
+            <a:endParaRPr sz="2200" dirty="0"/>
+          </a:p>
+        </p:txBody>
+      </p:sp>
+      <p:sp>
+        <p:nvSpPr>
+          <p:cNvPr id="58" name="Google Shape;58;p17"/>
+          <p:cNvSpPr txBox="1">
+            <a:spLocks noGrp="1"/>
+          </p:cNvSpPr>
+          <p:nvPr>
+            <p:ph type="title"/>
+          </p:nvPr>
+        </p:nvSpPr>
+        <p:spPr>
+          <a:xfrm>
+            <a:off x="1981200" y="-12"/>
+            <a:ext cx="8229600" cy="1143000"/>
+          </a:xfrm>
+          <a:prstGeom prst="rect">
+            <a:avLst/>
+          </a:prstGeom>
+        </p:spPr>
+        <p:txBody>
+          <a:bodyPr spcFirstLastPara="1" wrap="square" lIns="91425" tIns="91425" rIns="91425" bIns="91425" anchor="b" anchorCtr="0">
+            <a:noAutofit/>
+          </a:bodyPr>
+          <a:lstStyle/>
+          <a:p>
+            <a:r>
+              <a:rPr lang="en" dirty="0">
+                <a:solidFill>
+                  <a:schemeClr val="accent1"/>
+                </a:solidFill>
+              </a:rPr>
+              <a:t>Motivating Example</a:t>
+            </a:r>
+            <a:endParaRPr baseline="30000" dirty="0">
+              <a:solidFill>
+                <a:schemeClr val="accent1"/>
+              </a:solidFill>
+            </a:endParaRPr>
+          </a:p>
+        </p:txBody>
+      </p:sp>
+    </p:spTree>
+  </p:cSld>
+  <p:clrMapOvr>
+    <a:masterClrMapping/>
+  </p:clrMapOvr>
+</p:sld>
+</file>
+
+<file path=ppt/slides/slide50.xml><?xml version="1.0" encoding="utf-8"?>
 <p:sld xmlns:a="http://schemas.openxmlformats.org/drawingml/2006/main" xmlns:r="http://schemas.openxmlformats.org/officeDocument/2006/relationships" xmlns:p="http://schemas.openxmlformats.org/presentationml/2006/main">
   <p:cSld>
     <p:spTree>
@@ -27206,221 +27589,7 @@
 </p:sld>
 </file>
 
-<file path=ppt/slides/slide5.xml><?xml version="1.0" encoding="utf-8"?>
-<p:sld xmlns:a="http://schemas.openxmlformats.org/drawingml/2006/main" xmlns:r="http://schemas.openxmlformats.org/officeDocument/2006/relationships" xmlns:p="http://schemas.openxmlformats.org/presentationml/2006/main">
-  <p:cSld>
-    <p:spTree>
-      <p:nvGrpSpPr>
-        <p:cNvPr id="1" name="Shape 56"/>
-        <p:cNvGrpSpPr/>
-        <p:nvPr/>
-      </p:nvGrpSpPr>
-      <p:grpSpPr>
-        <a:xfrm>
-          <a:off x="0" y="0"/>
-          <a:ext cx="0" cy="0"/>
-          <a:chOff x="0" y="0"/>
-          <a:chExt cx="0" cy="0"/>
-        </a:xfrm>
-      </p:grpSpPr>
-      <p:sp>
-        <p:nvSpPr>
-          <p:cNvPr id="57" name="Google Shape;57;p17"/>
-          <p:cNvSpPr txBox="1">
-            <a:spLocks noGrp="1"/>
-          </p:cNvSpPr>
-          <p:nvPr>
-            <p:ph type="body" idx="1"/>
-          </p:nvPr>
-        </p:nvSpPr>
-        <p:spPr>
-          <a:xfrm flipH="1">
-            <a:off x="246184" y="1305775"/>
-            <a:ext cx="11465169" cy="3418500"/>
-          </a:xfrm>
-          <a:prstGeom prst="rect">
-            <a:avLst/>
-          </a:prstGeom>
-        </p:spPr>
-        <p:txBody>
-          <a:bodyPr spcFirstLastPara="1" wrap="square" lIns="91425" tIns="91425" rIns="91425" bIns="91425" anchor="t" anchorCtr="0">
-            <a:noAutofit/>
-          </a:bodyPr>
-          <a:lstStyle/>
-          <a:p>
-            <a:pPr marL="0" indent="0">
-              <a:lnSpc>
-                <a:spcPct val="115000"/>
-              </a:lnSpc>
-              <a:spcBef>
-                <a:spcPts val="0"/>
-              </a:spcBef>
-              <a:buNone/>
-            </a:pPr>
-            <a:r>
-              <a:rPr lang="en" sz="2400" dirty="0">
-                <a:solidFill>
-                  <a:schemeClr val="tx1"/>
-                </a:solidFill>
-              </a:rPr>
-              <a:t>The following survey was used to determine if American’s have a good understanding of experimental design. </a:t>
-            </a:r>
-          </a:p>
-          <a:p>
-            <a:pPr marL="0" indent="0">
-              <a:lnSpc>
-                <a:spcPct val="115000"/>
-              </a:lnSpc>
-              <a:spcBef>
-                <a:spcPts val="0"/>
-              </a:spcBef>
-              <a:buNone/>
-            </a:pPr>
-            <a:endParaRPr lang="en" sz="2200" dirty="0">
-              <a:solidFill>
-                <a:schemeClr val="accent1"/>
-              </a:solidFill>
-            </a:endParaRPr>
-          </a:p>
-          <a:p>
-            <a:pPr marL="0" indent="0">
-              <a:lnSpc>
-                <a:spcPct val="115000"/>
-              </a:lnSpc>
-              <a:spcBef>
-                <a:spcPts val="0"/>
-              </a:spcBef>
-              <a:buNone/>
-            </a:pPr>
-            <a:r>
-              <a:rPr lang="en" sz="2200" dirty="0">
-                <a:solidFill>
-                  <a:schemeClr val="accent1"/>
-                </a:solidFill>
-              </a:rPr>
-              <a:t>Two scientists want to know if a certain drug is effective against high blood pressure. The first scientist wants to give the drug to 1000 people with high blood pressure and see how many of them experience lower blood pressure levels. The second scientist wants to give the drug to 500 people with high blood pressure, and not give the drug to another 500 people with high blood pressure, and see how many in both groups experience lower blood pressure levels. Which is the better way to test this drug?</a:t>
-            </a:r>
-            <a:endParaRPr sz="2200" dirty="0">
-              <a:solidFill>
-                <a:schemeClr val="accent1"/>
-              </a:solidFill>
-            </a:endParaRPr>
-          </a:p>
-          <a:p>
-            <a:pPr marL="0" indent="0">
-              <a:lnSpc>
-                <a:spcPct val="115000"/>
-              </a:lnSpc>
-              <a:spcBef>
-                <a:spcPts val="0"/>
-              </a:spcBef>
-              <a:buNone/>
-            </a:pPr>
-            <a:endParaRPr sz="2200" dirty="0">
-              <a:solidFill>
-                <a:schemeClr val="accent1"/>
-              </a:solidFill>
-            </a:endParaRPr>
-          </a:p>
-          <a:p>
-            <a:pPr indent="-368300">
-              <a:lnSpc>
-                <a:spcPct val="115000"/>
-              </a:lnSpc>
-              <a:spcBef>
-                <a:spcPts val="0"/>
-              </a:spcBef>
-              <a:buSzPts val="2200"/>
-              <a:buAutoNum type="alphaLcParenBoth"/>
-            </a:pPr>
-            <a:r>
-              <a:rPr lang="en" sz="2200" dirty="0"/>
-              <a:t>All 1000 get the drug</a:t>
-            </a:r>
-            <a:endParaRPr sz="2200" dirty="0"/>
-          </a:p>
-          <a:p>
-            <a:pPr indent="-368300">
-              <a:lnSpc>
-                <a:spcPct val="115000"/>
-              </a:lnSpc>
-              <a:spcBef>
-                <a:spcPts val="0"/>
-              </a:spcBef>
-              <a:buSzPts val="2200"/>
-              <a:buAutoNum type="alphaLcParenBoth"/>
-            </a:pPr>
-            <a:r>
-              <a:rPr lang="en" sz="2200" dirty="0">
-                <a:solidFill>
-                  <a:srgbClr val="FFC000"/>
-                </a:solidFill>
-              </a:rPr>
-              <a:t>500 get the drug, 500 don’t</a:t>
-            </a:r>
-            <a:endParaRPr sz="2200" dirty="0">
-              <a:solidFill>
-                <a:srgbClr val="FFC000"/>
-              </a:solidFill>
-            </a:endParaRPr>
-          </a:p>
-        </p:txBody>
-      </p:sp>
-      <p:sp>
-        <p:nvSpPr>
-          <p:cNvPr id="58" name="Google Shape;58;p17"/>
-          <p:cNvSpPr txBox="1">
-            <a:spLocks noGrp="1"/>
-          </p:cNvSpPr>
-          <p:nvPr>
-            <p:ph type="title"/>
-          </p:nvPr>
-        </p:nvSpPr>
-        <p:spPr>
-          <a:xfrm>
-            <a:off x="1981200" y="-12"/>
-            <a:ext cx="8229600" cy="1143000"/>
-          </a:xfrm>
-          <a:prstGeom prst="rect">
-            <a:avLst/>
-          </a:prstGeom>
-        </p:spPr>
-        <p:txBody>
-          <a:bodyPr spcFirstLastPara="1" wrap="square" lIns="91425" tIns="91425" rIns="91425" bIns="91425" anchor="b" anchorCtr="0">
-            <a:noAutofit/>
-          </a:bodyPr>
-          <a:lstStyle/>
-          <a:p>
-            <a:r>
-              <a:rPr lang="en" dirty="0">
-                <a:solidFill>
-                  <a:schemeClr val="accent1"/>
-                </a:solidFill>
-              </a:rPr>
-              <a:t>Motivating Example</a:t>
-            </a:r>
-            <a:endParaRPr baseline="30000" dirty="0">
-              <a:solidFill>
-                <a:schemeClr val="accent1"/>
-              </a:solidFill>
-            </a:endParaRPr>
-          </a:p>
-        </p:txBody>
-      </p:sp>
-    </p:spTree>
-    <p:extLst>
-      <p:ext uri="{BB962C8B-B14F-4D97-AF65-F5344CB8AC3E}">
-        <p14:creationId xmlns:p14="http://schemas.microsoft.com/office/powerpoint/2010/main" val="568848114"/>
-      </p:ext>
-    </p:extLst>
-  </p:cSld>
-  <p:clrMapOvr>
-    <a:masterClrMapping/>
-  </p:clrMapOvr>
-</p:sld>
-</file>
-
-<file path=ppt/slides/slide50.xml><?xml version="1.0" encoding="utf-8"?>
+<file path=ppt/slides/slide51.xml><?xml version="1.0" encoding="utf-8"?>
 <p:sld xmlns:a="http://schemas.openxmlformats.org/drawingml/2006/main" xmlns:r="http://schemas.openxmlformats.org/officeDocument/2006/relationships" xmlns:p="http://schemas.openxmlformats.org/presentationml/2006/main">
   <p:cSld>
     <p:spTree>
@@ -28122,7 +28291,7 @@
 </p:sld>
 </file>
 
-<file path=ppt/slides/slide51.xml><?xml version="1.0" encoding="utf-8"?>
+<file path=ppt/slides/slide52.xml><?xml version="1.0" encoding="utf-8"?>
 <p:sld xmlns:a="http://schemas.openxmlformats.org/drawingml/2006/main" xmlns:r="http://schemas.openxmlformats.org/officeDocument/2006/relationships" xmlns:p="http://schemas.openxmlformats.org/presentationml/2006/main">
   <p:cSld>
     <p:spTree>
@@ -29163,7 +29332,7 @@
 </p:sld>
 </file>
 
-<file path=ppt/slides/slide52.xml><?xml version="1.0" encoding="utf-8"?>
+<file path=ppt/slides/slide53.xml><?xml version="1.0" encoding="utf-8"?>
 <p:sld xmlns:a="http://schemas.openxmlformats.org/drawingml/2006/main" xmlns:r="http://schemas.openxmlformats.org/officeDocument/2006/relationships" xmlns:p="http://schemas.openxmlformats.org/presentationml/2006/main">
   <p:cSld>
     <p:spTree>
@@ -30164,7 +30333,7 @@
 </p:sld>
 </file>
 
-<file path=ppt/slides/slide53.xml><?xml version="1.0" encoding="utf-8"?>
+<file path=ppt/slides/slide54.xml><?xml version="1.0" encoding="utf-8"?>
 <p:sld xmlns:a="http://schemas.openxmlformats.org/drawingml/2006/main" xmlns:r="http://schemas.openxmlformats.org/officeDocument/2006/relationships" xmlns:p="http://schemas.openxmlformats.org/presentationml/2006/main">
   <p:cSld>
     <p:spTree>
@@ -31184,7 +31353,7 @@
 </p:sld>
 </file>
 
-<file path=ppt/slides/slide54.xml><?xml version="1.0" encoding="utf-8"?>
+<file path=ppt/slides/slide55.xml><?xml version="1.0" encoding="utf-8"?>
 <p:sld xmlns:a="http://schemas.openxmlformats.org/drawingml/2006/main" xmlns:r="http://schemas.openxmlformats.org/officeDocument/2006/relationships" xmlns:p="http://schemas.openxmlformats.org/presentationml/2006/main">
   <p:cSld>
     <p:spTree>
@@ -32042,7 +32211,7 @@
 </p:sld>
 </file>
 
-<file path=ppt/slides/slide55.xml><?xml version="1.0" encoding="utf-8"?>
+<file path=ppt/slides/slide56.xml><?xml version="1.0" encoding="utf-8"?>
 <p:sld xmlns:a="http://schemas.openxmlformats.org/drawingml/2006/main" xmlns:r="http://schemas.openxmlformats.org/officeDocument/2006/relationships" xmlns:p="http://schemas.openxmlformats.org/presentationml/2006/main">
   <p:cSld>
     <p:spTree>
@@ -32163,193 +32332,6 @@
       <p:sp>
         <p:nvSpPr>
           <p:cNvPr id="325" name="Google Shape;325;p52"/>
-          <p:cNvSpPr txBox="1">
-            <a:spLocks noGrp="1"/>
-          </p:cNvSpPr>
-          <p:nvPr>
-            <p:ph type="title"/>
-          </p:nvPr>
-        </p:nvSpPr>
-        <p:spPr>
-          <a:xfrm>
-            <a:off x="1981200" y="-12"/>
-            <a:ext cx="8229600" cy="1143000"/>
-          </a:xfrm>
-          <a:prstGeom prst="rect">
-            <a:avLst/>
-          </a:prstGeom>
-        </p:spPr>
-        <p:txBody>
-          <a:bodyPr spcFirstLastPara="1" wrap="square" lIns="91425" tIns="91425" rIns="91425" bIns="91425" anchor="b" anchorCtr="0">
-            <a:noAutofit/>
-          </a:bodyPr>
-          <a:lstStyle/>
-          <a:p>
-            <a:r>
-              <a:rPr lang="en">
-                <a:solidFill>
-                  <a:schemeClr val="accent1"/>
-                </a:solidFill>
-              </a:rPr>
-              <a:t>Practice</a:t>
-            </a:r>
-            <a:endParaRPr>
-              <a:solidFill>
-                <a:schemeClr val="accent1"/>
-              </a:solidFill>
-            </a:endParaRPr>
-          </a:p>
-        </p:txBody>
-      </p:sp>
-    </p:spTree>
-  </p:cSld>
-  <p:clrMapOvr>
-    <a:masterClrMapping/>
-  </p:clrMapOvr>
-</p:sld>
-</file>
-
-<file path=ppt/slides/slide56.xml><?xml version="1.0" encoding="utf-8"?>
-<p:sld xmlns:a="http://schemas.openxmlformats.org/drawingml/2006/main" xmlns:r="http://schemas.openxmlformats.org/officeDocument/2006/relationships" xmlns:p="http://schemas.openxmlformats.org/presentationml/2006/main">
-  <p:cSld>
-    <p:spTree>
-      <p:nvGrpSpPr>
-        <p:cNvPr id="1" name="Shape 329"/>
-        <p:cNvGrpSpPr/>
-        <p:nvPr/>
-      </p:nvGrpSpPr>
-      <p:grpSpPr>
-        <a:xfrm>
-          <a:off x="0" y="0"/>
-          <a:ext cx="0" cy="0"/>
-          <a:chOff x="0" y="0"/>
-          <a:chExt cx="0" cy="0"/>
-        </a:xfrm>
-      </p:grpSpPr>
-      <p:sp>
-        <p:nvSpPr>
-          <p:cNvPr id="330" name="Google Shape;330;p53"/>
-          <p:cNvSpPr txBox="1">
-            <a:spLocks noGrp="1"/>
-          </p:cNvSpPr>
-          <p:nvPr>
-            <p:ph type="body" idx="1"/>
-          </p:nvPr>
-        </p:nvSpPr>
-        <p:spPr>
-          <a:xfrm flipH="1">
-            <a:off x="1981075" y="1305775"/>
-            <a:ext cx="7822200" cy="4126800"/>
-          </a:xfrm>
-          <a:prstGeom prst="rect">
-            <a:avLst/>
-          </a:prstGeom>
-        </p:spPr>
-        <p:txBody>
-          <a:bodyPr spcFirstLastPara="1" wrap="square" lIns="91425" tIns="91425" rIns="91425" bIns="91425" anchor="t" anchorCtr="0">
-            <a:noAutofit/>
-          </a:bodyPr>
-          <a:lstStyle/>
-          <a:p>
-            <a:pPr marL="0" indent="0">
-              <a:lnSpc>
-                <a:spcPct val="115000"/>
-              </a:lnSpc>
-              <a:spcBef>
-                <a:spcPts val="0"/>
-              </a:spcBef>
-              <a:buNone/>
-            </a:pPr>
-            <a:r>
-              <a:rPr lang="en" sz="2200" dirty="0">
-                <a:solidFill>
-                  <a:schemeClr val="accent1"/>
-                </a:solidFill>
-              </a:rPr>
-              <a:t>11% of 1,001 Americans responding to a 2006 Gallup survey stated that they have objections to celebrating Halloween on religious grounds. At 95% confidence level, the margin of error for this survey is ±3%. A news piece on this study's findings states: "More than 10% of all Americans have objections on religious grounds to celebrating Halloween." At 95% confidence level, is this news piece's statement justified?</a:t>
-            </a:r>
-            <a:endParaRPr sz="2200" dirty="0">
-              <a:solidFill>
-                <a:schemeClr val="accent1"/>
-              </a:solidFill>
-            </a:endParaRPr>
-          </a:p>
-          <a:p>
-            <a:pPr indent="-368300">
-              <a:lnSpc>
-                <a:spcPct val="115000"/>
-              </a:lnSpc>
-              <a:spcBef>
-                <a:spcPts val="1000"/>
-              </a:spcBef>
-              <a:buSzPts val="2200"/>
-              <a:buAutoNum type="alphaLcParenBoth"/>
-            </a:pPr>
-            <a:r>
-              <a:rPr lang="en" sz="2200" dirty="0"/>
-              <a:t>Yes</a:t>
-            </a:r>
-            <a:endParaRPr sz="2200" dirty="0"/>
-          </a:p>
-          <a:p>
-            <a:pPr indent="-368300">
-              <a:lnSpc>
-                <a:spcPct val="115000"/>
-              </a:lnSpc>
-              <a:spcBef>
-                <a:spcPts val="0"/>
-              </a:spcBef>
-              <a:buClr>
-                <a:srgbClr val="FF9900"/>
-              </a:buClr>
-              <a:buSzPts val="2200"/>
-              <a:buAutoNum type="alphaLcParenBoth"/>
-            </a:pPr>
-            <a:r>
-              <a:rPr lang="en" sz="2200" i="1" dirty="0">
-                <a:solidFill>
-                  <a:srgbClr val="FF9900"/>
-                </a:solidFill>
-              </a:rPr>
-              <a:t>No </a:t>
-            </a:r>
-            <a:r>
-              <a:rPr lang="en" sz="2200" i="1" dirty="0">
-                <a:solidFill>
-                  <a:srgbClr val="FF9900"/>
-                </a:solidFill>
-                <a:sym typeface="Wingdings" pitchFamily="2" charset="2"/>
-              </a:rPr>
-              <a:t> (8%, 14%) includes 8%, 9%, 10% </a:t>
-            </a:r>
-            <a:endParaRPr sz="2200" i="1" dirty="0">
-              <a:solidFill>
-                <a:srgbClr val="FF9900"/>
-              </a:solidFill>
-            </a:endParaRPr>
-          </a:p>
-          <a:p>
-            <a:pPr indent="-368300">
-              <a:lnSpc>
-                <a:spcPct val="115000"/>
-              </a:lnSpc>
-              <a:spcBef>
-                <a:spcPts val="0"/>
-              </a:spcBef>
-              <a:buSzPts val="2200"/>
-              <a:buAutoNum type="alphaLcParenBoth"/>
-            </a:pPr>
-            <a:r>
-              <a:rPr lang="en" sz="2200" dirty="0"/>
-              <a:t>Can’t tell</a:t>
-            </a:r>
-            <a:endParaRPr sz="2200" dirty="0"/>
-          </a:p>
-        </p:txBody>
-      </p:sp>
-      <p:sp>
-        <p:nvSpPr>
-          <p:cNvPr id="331" name="Google Shape;331;p53"/>
           <p:cNvSpPr txBox="1">
             <a:spLocks noGrp="1"/>
           </p:cNvSpPr>
@@ -32415,6 +32397,127 @@
       </p:grpSpPr>
       <p:sp>
         <p:nvSpPr>
+          <p:cNvPr id="330" name="Google Shape;330;p53"/>
+          <p:cNvSpPr txBox="1">
+            <a:spLocks noGrp="1"/>
+          </p:cNvSpPr>
+          <p:nvPr>
+            <p:ph type="body" idx="1"/>
+          </p:nvPr>
+        </p:nvSpPr>
+        <p:spPr>
+          <a:xfrm flipH="1">
+            <a:off x="1981075" y="1305775"/>
+            <a:ext cx="7822200" cy="4126800"/>
+          </a:xfrm>
+          <a:prstGeom prst="rect">
+            <a:avLst/>
+          </a:prstGeom>
+        </p:spPr>
+        <p:txBody>
+          <a:bodyPr spcFirstLastPara="1" wrap="square" lIns="91425" tIns="91425" rIns="91425" bIns="91425" anchor="t" anchorCtr="0">
+            <a:noAutofit/>
+          </a:bodyPr>
+          <a:lstStyle/>
+          <a:p>
+            <a:pPr marL="0" indent="0">
+              <a:lnSpc>
+                <a:spcPct val="115000"/>
+              </a:lnSpc>
+              <a:spcBef>
+                <a:spcPts val="0"/>
+              </a:spcBef>
+              <a:buNone/>
+            </a:pPr>
+            <a:r>
+              <a:rPr lang="en" sz="2200" dirty="0">
+                <a:solidFill>
+                  <a:schemeClr val="accent1"/>
+                </a:solidFill>
+              </a:rPr>
+              <a:t>11% of 1,001 Americans responding to a 2006 Gallup survey stated that they have objections to celebrating Halloween on religious grounds. At 95% confidence level, the margin of error for this survey is ±3%. A news piece on this study's findings states: "More than 10% of all Americans have objections on religious grounds to celebrating Halloween." At 95% confidence level, is this news piece's statement justified?</a:t>
+            </a:r>
+            <a:endParaRPr sz="2200" dirty="0">
+              <a:solidFill>
+                <a:schemeClr val="accent1"/>
+              </a:solidFill>
+            </a:endParaRPr>
+          </a:p>
+          <a:p>
+            <a:pPr indent="-368300">
+              <a:lnSpc>
+                <a:spcPct val="115000"/>
+              </a:lnSpc>
+              <a:spcBef>
+                <a:spcPts val="1000"/>
+              </a:spcBef>
+              <a:buSzPts val="2200"/>
+              <a:buAutoNum type="alphaLcParenBoth"/>
+            </a:pPr>
+            <a:r>
+              <a:rPr lang="en" sz="2200" dirty="0"/>
+              <a:t>Yes</a:t>
+            </a:r>
+            <a:endParaRPr sz="2200" dirty="0"/>
+          </a:p>
+          <a:p>
+            <a:pPr indent="-368300">
+              <a:lnSpc>
+                <a:spcPct val="115000"/>
+              </a:lnSpc>
+              <a:spcBef>
+                <a:spcPts val="0"/>
+              </a:spcBef>
+              <a:buClr>
+                <a:srgbClr val="FF9900"/>
+              </a:buClr>
+              <a:buSzPts val="2200"/>
+              <a:buAutoNum type="alphaLcParenBoth"/>
+            </a:pPr>
+            <a:r>
+              <a:rPr lang="en" sz="2200" i="1" dirty="0">
+                <a:solidFill>
+                  <a:srgbClr val="FF9900"/>
+                </a:solidFill>
+              </a:rPr>
+              <a:t>No </a:t>
+            </a:r>
+            <a:r>
+              <a:rPr lang="en" sz="2200" i="1" dirty="0">
+                <a:solidFill>
+                  <a:srgbClr val="FF9900"/>
+                </a:solidFill>
+                <a:sym typeface="Wingdings" pitchFamily="2" charset="2"/>
+              </a:rPr>
+              <a:t> (8%, 14%) includes 8%, 9%, 10% </a:t>
+            </a:r>
+            <a:endParaRPr sz="2200" i="1" dirty="0">
+              <a:solidFill>
+                <a:srgbClr val="FF9900"/>
+              </a:solidFill>
+            </a:endParaRPr>
+          </a:p>
+          <a:p>
+            <a:pPr indent="-368300">
+              <a:lnSpc>
+                <a:spcPct val="115000"/>
+              </a:lnSpc>
+              <a:spcBef>
+                <a:spcPts val="0"/>
+              </a:spcBef>
+              <a:buSzPts val="2200"/>
+              <a:buAutoNum type="alphaLcParenBoth"/>
+            </a:pPr>
+            <a:r>
+              <a:rPr lang="en" sz="2200" dirty="0"/>
+              <a:t>Can’t tell</a:t>
+            </a:r>
+            <a:endParaRPr sz="2200" dirty="0"/>
+          </a:p>
+        </p:txBody>
+      </p:sp>
+      <p:sp>
+        <p:nvSpPr>
           <p:cNvPr id="331" name="Google Shape;331;p53"/>
           <p:cNvSpPr txBox="1">
             <a:spLocks noGrp="1"/>
@@ -32454,72 +32557,7 @@
           </a:p>
         </p:txBody>
       </p:sp>
-      <p:pic>
-        <p:nvPicPr>
-          <p:cNvPr id="5" name="Picture 4" descr="A close-up of a text&#10;&#10;Description automatically generated">
-            <a:extLst>
-              <a:ext uri="{FF2B5EF4-FFF2-40B4-BE49-F238E27FC236}">
-                <a16:creationId xmlns:a16="http://schemas.microsoft.com/office/drawing/2014/main" id="{AB626374-4986-F701-3C96-5CA06B612792}"/>
-              </a:ext>
-            </a:extLst>
-          </p:cNvPr>
-          <p:cNvPicPr>
-            <a:picLocks noChangeAspect="1"/>
-          </p:cNvPicPr>
-          <p:nvPr/>
-        </p:nvPicPr>
-        <p:blipFill>
-          <a:blip r:embed="rId3"/>
-          <a:stretch>
-            <a:fillRect/>
-          </a:stretch>
-        </p:blipFill>
-        <p:spPr>
-          <a:xfrm>
-            <a:off x="641349" y="1264138"/>
-            <a:ext cx="10697519" cy="2545862"/>
-          </a:xfrm>
-          <a:prstGeom prst="rect">
-            <a:avLst/>
-          </a:prstGeom>
-        </p:spPr>
-      </p:pic>
-      <p:pic>
-        <p:nvPicPr>
-          <p:cNvPr id="7" name="Picture 6" descr="A close-up of a text&#10;&#10;Description automatically generated">
-            <a:extLst>
-              <a:ext uri="{FF2B5EF4-FFF2-40B4-BE49-F238E27FC236}">
-                <a16:creationId xmlns:a16="http://schemas.microsoft.com/office/drawing/2014/main" id="{F44A0A60-16F2-0C5C-D80E-E78AD79906CC}"/>
-              </a:ext>
-            </a:extLst>
-          </p:cNvPr>
-          <p:cNvPicPr>
-            <a:picLocks noChangeAspect="1"/>
-          </p:cNvPicPr>
-          <p:nvPr/>
-        </p:nvPicPr>
-        <p:blipFill>
-          <a:blip r:embed="rId4"/>
-          <a:stretch>
-            <a:fillRect/>
-          </a:stretch>
-        </p:blipFill>
-        <p:spPr>
-          <a:xfrm>
-            <a:off x="641349" y="3810000"/>
-            <a:ext cx="10697518" cy="2532028"/>
-          </a:xfrm>
-          <a:prstGeom prst="rect">
-            <a:avLst/>
-          </a:prstGeom>
-        </p:spPr>
-      </p:pic>
     </p:spTree>
-    <p:extLst>
-      <p:ext uri="{BB962C8B-B14F-4D97-AF65-F5344CB8AC3E}">
-        <p14:creationId xmlns:p14="http://schemas.microsoft.com/office/powerpoint/2010/main" val="777352758"/>
-      </p:ext>
-    </p:extLst>
   </p:cSld>
   <p:clrMapOvr>
     <a:masterClrMapping/>
@@ -32587,10 +32625,10 @@
       </p:sp>
       <p:pic>
         <p:nvPicPr>
-          <p:cNvPr id="3" name="Picture 2" descr="A math problem with numbers and equations&#10;&#10;Description automatically generated with medium confidence">
+          <p:cNvPr id="5" name="Picture 4" descr="A close-up of a text&#10;&#10;Description automatically generated">
             <a:extLst>
               <a:ext uri="{FF2B5EF4-FFF2-40B4-BE49-F238E27FC236}">
-                <a16:creationId xmlns:a16="http://schemas.microsoft.com/office/drawing/2014/main" id="{7D502E57-ECA9-FD85-35AB-3727646D08A3}"/>
+                <a16:creationId xmlns:a16="http://schemas.microsoft.com/office/drawing/2014/main" id="{AB626374-4986-F701-3C96-5CA06B612792}"/>
               </a:ext>
             </a:extLst>
           </p:cNvPr>
@@ -32607,58 +32645,48 @@
         </p:blipFill>
         <p:spPr>
           <a:xfrm>
-            <a:off x="1324707" y="1274041"/>
-            <a:ext cx="10120218" cy="4309918"/>
+            <a:off x="641349" y="1264138"/>
+            <a:ext cx="10697519" cy="2545862"/>
           </a:xfrm>
           <a:prstGeom prst="rect">
             <a:avLst/>
           </a:prstGeom>
         </p:spPr>
       </p:pic>
-      <p:sp>
-        <p:nvSpPr>
-          <p:cNvPr id="4" name="TextBox 3">
+      <p:pic>
+        <p:nvPicPr>
+          <p:cNvPr id="7" name="Picture 6" descr="A close-up of a text&#10;&#10;Description automatically generated">
             <a:extLst>
               <a:ext uri="{FF2B5EF4-FFF2-40B4-BE49-F238E27FC236}">
-                <a16:creationId xmlns:a16="http://schemas.microsoft.com/office/drawing/2014/main" id="{6B1284E4-0CD2-1191-522B-90FC4D9D6CF3}"/>
+                <a16:creationId xmlns:a16="http://schemas.microsoft.com/office/drawing/2014/main" id="{F44A0A60-16F2-0C5C-D80E-E78AD79906CC}"/>
               </a:ext>
             </a:extLst>
           </p:cNvPr>
-          <p:cNvSpPr txBox="1"/>
+          <p:cNvPicPr>
+            <a:picLocks noChangeAspect="1"/>
+          </p:cNvPicPr>
           <p:nvPr/>
-        </p:nvSpPr>
+        </p:nvPicPr>
+        <p:blipFill>
+          <a:blip r:embed="rId4"/>
+          <a:stretch>
+            <a:fillRect/>
+          </a:stretch>
+        </p:blipFill>
         <p:spPr>
           <a:xfrm>
-            <a:off x="1899138" y="4297324"/>
-            <a:ext cx="8698523" cy="923330"/>
+            <a:off x="641349" y="3810000"/>
+            <a:ext cx="10697518" cy="2532028"/>
           </a:xfrm>
           <a:prstGeom prst="rect">
             <a:avLst/>
           </a:prstGeom>
-          <a:solidFill>
-            <a:schemeClr val="bg1"/>
-          </a:solidFill>
-        </p:spPr>
-        <p:txBody>
-          <a:bodyPr wrap="square" rtlCol="0">
-            <a:spAutoFit/>
-          </a:bodyPr>
-          <a:lstStyle/>
-          <a:p>
-            <a:r>
-              <a:rPr lang="en-US" dirty="0"/>
-              <a:t>No, our confidence interval is below 70%, it suggests less than 70% of Americans think drivers should be required to re-take the road test. </a:t>
-            </a:r>
-          </a:p>
-          <a:p>
-            <a:endParaRPr lang="en-US" dirty="0"/>
-          </a:p>
-        </p:txBody>
-      </p:sp>
+        </p:spPr>
+      </p:pic>
     </p:spTree>
     <p:extLst>
       <p:ext uri="{BB962C8B-B14F-4D97-AF65-F5344CB8AC3E}">
-        <p14:creationId xmlns:p14="http://schemas.microsoft.com/office/powerpoint/2010/main" val="1399765246"/>
+        <p14:creationId xmlns:p14="http://schemas.microsoft.com/office/powerpoint/2010/main" val="777352758"/>
       </p:ext>
     </p:extLst>
   </p:cSld>
@@ -32728,6 +32756,361 @@
       </p:sp>
       <p:pic>
         <p:nvPicPr>
+          <p:cNvPr id="3" name="Picture 2" descr="A math problem with numbers and equations&#10;&#10;Description automatically generated with medium confidence">
+            <a:extLst>
+              <a:ext uri="{FF2B5EF4-FFF2-40B4-BE49-F238E27FC236}">
+                <a16:creationId xmlns:a16="http://schemas.microsoft.com/office/drawing/2014/main" id="{7D502E57-ECA9-FD85-35AB-3727646D08A3}"/>
+              </a:ext>
+            </a:extLst>
+          </p:cNvPr>
+          <p:cNvPicPr>
+            <a:picLocks noChangeAspect="1"/>
+          </p:cNvPicPr>
+          <p:nvPr/>
+        </p:nvPicPr>
+        <p:blipFill>
+          <a:blip r:embed="rId3"/>
+          <a:stretch>
+            <a:fillRect/>
+          </a:stretch>
+        </p:blipFill>
+        <p:spPr>
+          <a:xfrm>
+            <a:off x="1324707" y="1274041"/>
+            <a:ext cx="10120218" cy="4309918"/>
+          </a:xfrm>
+          <a:prstGeom prst="rect">
+            <a:avLst/>
+          </a:prstGeom>
+        </p:spPr>
+      </p:pic>
+      <p:sp>
+        <p:nvSpPr>
+          <p:cNvPr id="4" name="TextBox 3">
+            <a:extLst>
+              <a:ext uri="{FF2B5EF4-FFF2-40B4-BE49-F238E27FC236}">
+                <a16:creationId xmlns:a16="http://schemas.microsoft.com/office/drawing/2014/main" id="{6B1284E4-0CD2-1191-522B-90FC4D9D6CF3}"/>
+              </a:ext>
+            </a:extLst>
+          </p:cNvPr>
+          <p:cNvSpPr txBox="1"/>
+          <p:nvPr/>
+        </p:nvSpPr>
+        <p:spPr>
+          <a:xfrm>
+            <a:off x="1899138" y="4297324"/>
+            <a:ext cx="8698523" cy="923330"/>
+          </a:xfrm>
+          <a:prstGeom prst="rect">
+            <a:avLst/>
+          </a:prstGeom>
+          <a:solidFill>
+            <a:schemeClr val="bg1"/>
+          </a:solidFill>
+        </p:spPr>
+        <p:txBody>
+          <a:bodyPr wrap="square" rtlCol="0">
+            <a:spAutoFit/>
+          </a:bodyPr>
+          <a:lstStyle/>
+          <a:p>
+            <a:r>
+              <a:rPr lang="en-US" dirty="0"/>
+              <a:t>No, our confidence interval is below 70%, it suggests less than 70% of Americans think drivers should be required to re-take the road test. </a:t>
+            </a:r>
+          </a:p>
+          <a:p>
+            <a:endParaRPr lang="en-US" dirty="0"/>
+          </a:p>
+        </p:txBody>
+      </p:sp>
+    </p:spTree>
+    <p:extLst>
+      <p:ext uri="{BB962C8B-B14F-4D97-AF65-F5344CB8AC3E}">
+        <p14:creationId xmlns:p14="http://schemas.microsoft.com/office/powerpoint/2010/main" val="1399765246"/>
+      </p:ext>
+    </p:extLst>
+  </p:cSld>
+  <p:clrMapOvr>
+    <a:masterClrMapping/>
+  </p:clrMapOvr>
+</p:sld>
+</file>
+
+<file path=ppt/slides/slide6.xml><?xml version="1.0" encoding="utf-8"?>
+<p:sld xmlns:a="http://schemas.openxmlformats.org/drawingml/2006/main" xmlns:r="http://schemas.openxmlformats.org/officeDocument/2006/relationships" xmlns:p="http://schemas.openxmlformats.org/presentationml/2006/main">
+  <p:cSld>
+    <p:spTree>
+      <p:nvGrpSpPr>
+        <p:cNvPr id="1" name="Shape 56"/>
+        <p:cNvGrpSpPr/>
+        <p:nvPr/>
+      </p:nvGrpSpPr>
+      <p:grpSpPr>
+        <a:xfrm>
+          <a:off x="0" y="0"/>
+          <a:ext cx="0" cy="0"/>
+          <a:chOff x="0" y="0"/>
+          <a:chExt cx="0" cy="0"/>
+        </a:xfrm>
+      </p:grpSpPr>
+      <p:sp>
+        <p:nvSpPr>
+          <p:cNvPr id="57" name="Google Shape;57;p17"/>
+          <p:cNvSpPr txBox="1">
+            <a:spLocks noGrp="1"/>
+          </p:cNvSpPr>
+          <p:nvPr>
+            <p:ph type="body" idx="1"/>
+          </p:nvPr>
+        </p:nvSpPr>
+        <p:spPr>
+          <a:xfrm flipH="1">
+            <a:off x="246184" y="1305775"/>
+            <a:ext cx="11465169" cy="3418500"/>
+          </a:xfrm>
+          <a:prstGeom prst="rect">
+            <a:avLst/>
+          </a:prstGeom>
+        </p:spPr>
+        <p:txBody>
+          <a:bodyPr spcFirstLastPara="1" wrap="square" lIns="91425" tIns="91425" rIns="91425" bIns="91425" anchor="t" anchorCtr="0">
+            <a:noAutofit/>
+          </a:bodyPr>
+          <a:lstStyle/>
+          <a:p>
+            <a:pPr marL="0" indent="0">
+              <a:lnSpc>
+                <a:spcPct val="115000"/>
+              </a:lnSpc>
+              <a:spcBef>
+                <a:spcPts val="0"/>
+              </a:spcBef>
+              <a:buNone/>
+            </a:pPr>
+            <a:r>
+              <a:rPr lang="en" sz="2400" dirty="0">
+                <a:solidFill>
+                  <a:schemeClr val="tx1"/>
+                </a:solidFill>
+              </a:rPr>
+              <a:t>The following survey was used to determine if American’s have a good understanding of experimental design. </a:t>
+            </a:r>
+          </a:p>
+          <a:p>
+            <a:pPr marL="0" indent="0">
+              <a:lnSpc>
+                <a:spcPct val="115000"/>
+              </a:lnSpc>
+              <a:spcBef>
+                <a:spcPts val="0"/>
+              </a:spcBef>
+              <a:buNone/>
+            </a:pPr>
+            <a:endParaRPr lang="en" sz="2200" dirty="0">
+              <a:solidFill>
+                <a:schemeClr val="accent1"/>
+              </a:solidFill>
+            </a:endParaRPr>
+          </a:p>
+          <a:p>
+            <a:pPr marL="0" indent="0">
+              <a:lnSpc>
+                <a:spcPct val="115000"/>
+              </a:lnSpc>
+              <a:spcBef>
+                <a:spcPts val="0"/>
+              </a:spcBef>
+              <a:buNone/>
+            </a:pPr>
+            <a:r>
+              <a:rPr lang="en" sz="2200" dirty="0">
+                <a:solidFill>
+                  <a:schemeClr val="accent1"/>
+                </a:solidFill>
+              </a:rPr>
+              <a:t>Two scientists want to know if a certain drug is effective against high blood pressure. The first scientist wants to give the drug to 1000 people with high blood pressure and see how many of them experience lower blood pressure levels. The second scientist wants to give the drug to 500 people with high blood pressure, and not give the drug to another 500 people with high blood pressure, and see how many in both groups experience lower blood pressure levels. Which is the better way to test this drug?</a:t>
+            </a:r>
+            <a:endParaRPr sz="2200" dirty="0">
+              <a:solidFill>
+                <a:schemeClr val="accent1"/>
+              </a:solidFill>
+            </a:endParaRPr>
+          </a:p>
+          <a:p>
+            <a:pPr marL="0" indent="0">
+              <a:lnSpc>
+                <a:spcPct val="115000"/>
+              </a:lnSpc>
+              <a:spcBef>
+                <a:spcPts val="0"/>
+              </a:spcBef>
+              <a:buNone/>
+            </a:pPr>
+            <a:endParaRPr sz="2200" dirty="0">
+              <a:solidFill>
+                <a:schemeClr val="accent1"/>
+              </a:solidFill>
+            </a:endParaRPr>
+          </a:p>
+          <a:p>
+            <a:pPr indent="-368300">
+              <a:lnSpc>
+                <a:spcPct val="115000"/>
+              </a:lnSpc>
+              <a:spcBef>
+                <a:spcPts val="0"/>
+              </a:spcBef>
+              <a:buSzPts val="2200"/>
+              <a:buAutoNum type="alphaLcParenBoth"/>
+            </a:pPr>
+            <a:r>
+              <a:rPr lang="en" sz="2200" dirty="0"/>
+              <a:t>All 1000 get the drug</a:t>
+            </a:r>
+            <a:endParaRPr sz="2200" dirty="0"/>
+          </a:p>
+          <a:p>
+            <a:pPr indent="-368300">
+              <a:lnSpc>
+                <a:spcPct val="115000"/>
+              </a:lnSpc>
+              <a:spcBef>
+                <a:spcPts val="0"/>
+              </a:spcBef>
+              <a:buSzPts val="2200"/>
+              <a:buAutoNum type="alphaLcParenBoth"/>
+            </a:pPr>
+            <a:r>
+              <a:rPr lang="en" sz="2200" dirty="0">
+                <a:solidFill>
+                  <a:srgbClr val="FFC000"/>
+                </a:solidFill>
+              </a:rPr>
+              <a:t>500 get the drug, 500 don’t</a:t>
+            </a:r>
+            <a:endParaRPr sz="2200" dirty="0">
+              <a:solidFill>
+                <a:srgbClr val="FFC000"/>
+              </a:solidFill>
+            </a:endParaRPr>
+          </a:p>
+        </p:txBody>
+      </p:sp>
+      <p:sp>
+        <p:nvSpPr>
+          <p:cNvPr id="58" name="Google Shape;58;p17"/>
+          <p:cNvSpPr txBox="1">
+            <a:spLocks noGrp="1"/>
+          </p:cNvSpPr>
+          <p:nvPr>
+            <p:ph type="title"/>
+          </p:nvPr>
+        </p:nvSpPr>
+        <p:spPr>
+          <a:xfrm>
+            <a:off x="1981200" y="-12"/>
+            <a:ext cx="8229600" cy="1143000"/>
+          </a:xfrm>
+          <a:prstGeom prst="rect">
+            <a:avLst/>
+          </a:prstGeom>
+        </p:spPr>
+        <p:txBody>
+          <a:bodyPr spcFirstLastPara="1" wrap="square" lIns="91425" tIns="91425" rIns="91425" bIns="91425" anchor="b" anchorCtr="0">
+            <a:noAutofit/>
+          </a:bodyPr>
+          <a:lstStyle/>
+          <a:p>
+            <a:r>
+              <a:rPr lang="en" dirty="0">
+                <a:solidFill>
+                  <a:schemeClr val="accent1"/>
+                </a:solidFill>
+              </a:rPr>
+              <a:t>Motivating Example</a:t>
+            </a:r>
+            <a:endParaRPr baseline="30000" dirty="0">
+              <a:solidFill>
+                <a:schemeClr val="accent1"/>
+              </a:solidFill>
+            </a:endParaRPr>
+          </a:p>
+        </p:txBody>
+      </p:sp>
+    </p:spTree>
+    <p:extLst>
+      <p:ext uri="{BB962C8B-B14F-4D97-AF65-F5344CB8AC3E}">
+        <p14:creationId xmlns:p14="http://schemas.microsoft.com/office/powerpoint/2010/main" val="568848114"/>
+      </p:ext>
+    </p:extLst>
+  </p:cSld>
+  <p:clrMapOvr>
+    <a:masterClrMapping/>
+  </p:clrMapOvr>
+</p:sld>
+</file>
+
+<file path=ppt/slides/slide60.xml><?xml version="1.0" encoding="utf-8"?>
+<p:sld xmlns:a="http://schemas.openxmlformats.org/drawingml/2006/main" xmlns:r="http://schemas.openxmlformats.org/officeDocument/2006/relationships" xmlns:p="http://schemas.openxmlformats.org/presentationml/2006/main">
+  <p:cSld>
+    <p:spTree>
+      <p:nvGrpSpPr>
+        <p:cNvPr id="1" name="Shape 329"/>
+        <p:cNvGrpSpPr/>
+        <p:nvPr/>
+      </p:nvGrpSpPr>
+      <p:grpSpPr>
+        <a:xfrm>
+          <a:off x="0" y="0"/>
+          <a:ext cx="0" cy="0"/>
+          <a:chOff x="0" y="0"/>
+          <a:chExt cx="0" cy="0"/>
+        </a:xfrm>
+      </p:grpSpPr>
+      <p:sp>
+        <p:nvSpPr>
+          <p:cNvPr id="331" name="Google Shape;331;p53"/>
+          <p:cNvSpPr txBox="1">
+            <a:spLocks noGrp="1"/>
+          </p:cNvSpPr>
+          <p:nvPr>
+            <p:ph type="title"/>
+          </p:nvPr>
+        </p:nvSpPr>
+        <p:spPr>
+          <a:xfrm>
+            <a:off x="1981200" y="-12"/>
+            <a:ext cx="8229600" cy="1143000"/>
+          </a:xfrm>
+          <a:prstGeom prst="rect">
+            <a:avLst/>
+          </a:prstGeom>
+        </p:spPr>
+        <p:txBody>
+          <a:bodyPr spcFirstLastPara="1" wrap="square" lIns="91425" tIns="91425" rIns="91425" bIns="91425" anchor="b" anchorCtr="0">
+            <a:noAutofit/>
+          </a:bodyPr>
+          <a:lstStyle/>
+          <a:p>
+            <a:r>
+              <a:rPr lang="en">
+                <a:solidFill>
+                  <a:schemeClr val="accent1"/>
+                </a:solidFill>
+              </a:rPr>
+              <a:t>Practice</a:t>
+            </a:r>
+            <a:endParaRPr>
+              <a:solidFill>
+                <a:schemeClr val="accent1"/>
+              </a:solidFill>
+            </a:endParaRPr>
+          </a:p>
+        </p:txBody>
+      </p:sp>
+      <p:pic>
+        <p:nvPicPr>
           <p:cNvPr id="3" name="Picture 2" descr="A math equations and numbers on a page&#10;&#10;Description automatically generated with medium confidence">
             <a:extLst>
               <a:ext uri="{FF2B5EF4-FFF2-40B4-BE49-F238E27FC236}">
@@ -32769,7 +33152,697 @@
 </p:sld>
 </file>
 
-<file path=ppt/slides/slide6.xml><?xml version="1.0" encoding="utf-8"?>
+<file path=ppt/slides/slide61.xml><?xml version="1.0" encoding="utf-8"?>
+<p:sld xmlns:a="http://schemas.openxmlformats.org/drawingml/2006/main" xmlns:r="http://schemas.openxmlformats.org/officeDocument/2006/relationships" xmlns:p="http://schemas.openxmlformats.org/presentationml/2006/main">
+  <p:cSld>
+    <p:spTree>
+      <p:nvGrpSpPr>
+        <p:cNvPr id="1" name="Shape 335"/>
+        <p:cNvGrpSpPr/>
+        <p:nvPr/>
+      </p:nvGrpSpPr>
+      <p:grpSpPr>
+        <a:xfrm>
+          <a:off x="0" y="0"/>
+          <a:ext cx="0" cy="0"/>
+          <a:chOff x="0" y="0"/>
+          <a:chExt cx="0" cy="0"/>
+        </a:xfrm>
+      </p:grpSpPr>
+      <p:sp>
+        <p:nvSpPr>
+          <p:cNvPr id="336" name="Google Shape;336;p54"/>
+          <p:cNvSpPr txBox="1">
+            <a:spLocks noGrp="1"/>
+          </p:cNvSpPr>
+          <p:nvPr>
+            <p:ph type="body" idx="1"/>
+          </p:nvPr>
+        </p:nvSpPr>
+        <p:spPr>
+          <a:xfrm flipH="1">
+            <a:off x="1981200" y="1319800"/>
+            <a:ext cx="7822200" cy="621900"/>
+          </a:xfrm>
+          <a:prstGeom prst="rect">
+            <a:avLst/>
+          </a:prstGeom>
+        </p:spPr>
+        <p:txBody>
+          <a:bodyPr spcFirstLastPara="1" wrap="square" lIns="91425" tIns="91425" rIns="91425" bIns="91425" anchor="t" anchorCtr="0">
+            <a:noAutofit/>
+          </a:bodyPr>
+          <a:lstStyle/>
+          <a:p>
+            <a:pPr marL="0" indent="0">
+              <a:lnSpc>
+                <a:spcPct val="115000"/>
+              </a:lnSpc>
+              <a:spcBef>
+                <a:spcPts val="0"/>
+              </a:spcBef>
+              <a:spcAft>
+                <a:spcPts val="1000"/>
+              </a:spcAft>
+              <a:buNone/>
+            </a:pPr>
+            <a:r>
+              <a:rPr lang="en" sz="2200"/>
+              <a:t>Population parameter: </a:t>
+            </a:r>
+            <a:r>
+              <a:rPr lang="en" sz="2200" i="1"/>
+              <a:t>p</a:t>
+            </a:r>
+            <a:r>
+              <a:rPr lang="en" sz="2200"/>
+              <a:t>, point estimate: </a:t>
+            </a:r>
+            <a:r>
+              <a:rPr lang="en" sz="2200" i="1"/>
+              <a:t>p̂</a:t>
+            </a:r>
+            <a:endParaRPr sz="2200" i="1"/>
+          </a:p>
+        </p:txBody>
+      </p:sp>
+      <p:sp>
+        <p:nvSpPr>
+          <p:cNvPr id="337" name="Google Shape;337;p54"/>
+          <p:cNvSpPr txBox="1">
+            <a:spLocks noGrp="1"/>
+          </p:cNvSpPr>
+          <p:nvPr>
+            <p:ph type="title"/>
+          </p:nvPr>
+        </p:nvSpPr>
+        <p:spPr>
+          <a:xfrm>
+            <a:off x="1981200" y="-12"/>
+            <a:ext cx="8229600" cy="1143000"/>
+          </a:xfrm>
+          <a:prstGeom prst="rect">
+            <a:avLst/>
+          </a:prstGeom>
+        </p:spPr>
+        <p:txBody>
+          <a:bodyPr spcFirstLastPara="1" wrap="square" lIns="91425" tIns="91425" rIns="91425" bIns="91425" anchor="b" anchorCtr="0">
+            <a:noAutofit/>
+          </a:bodyPr>
+          <a:lstStyle/>
+          <a:p>
+            <a:r>
+              <a:rPr lang="en">
+                <a:solidFill>
+                  <a:schemeClr val="accent1"/>
+                </a:solidFill>
+              </a:rPr>
+              <a:t>Recap - inference for one proportion</a:t>
+            </a:r>
+            <a:endParaRPr>
+              <a:solidFill>
+                <a:schemeClr val="accent1"/>
+              </a:solidFill>
+            </a:endParaRPr>
+          </a:p>
+        </p:txBody>
+      </p:sp>
+    </p:spTree>
+  </p:cSld>
+  <p:clrMapOvr>
+    <a:masterClrMapping/>
+  </p:clrMapOvr>
+</p:sld>
+</file>
+
+<file path=ppt/slides/slide62.xml><?xml version="1.0" encoding="utf-8"?>
+<p:sld xmlns:a="http://schemas.openxmlformats.org/drawingml/2006/main" xmlns:r="http://schemas.openxmlformats.org/officeDocument/2006/relationships" xmlns:p="http://schemas.openxmlformats.org/presentationml/2006/main">
+  <p:cSld>
+    <p:spTree>
+      <p:nvGrpSpPr>
+        <p:cNvPr id="1" name="Shape 341"/>
+        <p:cNvGrpSpPr/>
+        <p:nvPr/>
+      </p:nvGrpSpPr>
+      <p:grpSpPr>
+        <a:xfrm>
+          <a:off x="0" y="0"/>
+          <a:ext cx="0" cy="0"/>
+          <a:chOff x="0" y="0"/>
+          <a:chExt cx="0" cy="0"/>
+        </a:xfrm>
+      </p:grpSpPr>
+      <p:sp>
+        <p:nvSpPr>
+          <p:cNvPr id="342" name="Google Shape;342;p55"/>
+          <p:cNvSpPr txBox="1">
+            <a:spLocks noGrp="1"/>
+          </p:cNvSpPr>
+          <p:nvPr>
+            <p:ph type="body" idx="1"/>
+          </p:nvPr>
+        </p:nvSpPr>
+        <p:spPr>
+          <a:xfrm flipH="1">
+            <a:off x="1981200" y="1319800"/>
+            <a:ext cx="7822200" cy="621900"/>
+          </a:xfrm>
+          <a:prstGeom prst="rect">
+            <a:avLst/>
+          </a:prstGeom>
+        </p:spPr>
+        <p:txBody>
+          <a:bodyPr spcFirstLastPara="1" wrap="square" lIns="91425" tIns="91425" rIns="91425" bIns="91425" anchor="t" anchorCtr="0">
+            <a:noAutofit/>
+          </a:bodyPr>
+          <a:lstStyle/>
+          <a:p>
+            <a:pPr marL="0" indent="0">
+              <a:lnSpc>
+                <a:spcPct val="115000"/>
+              </a:lnSpc>
+              <a:spcBef>
+                <a:spcPts val="0"/>
+              </a:spcBef>
+              <a:spcAft>
+                <a:spcPts val="1000"/>
+              </a:spcAft>
+              <a:buNone/>
+            </a:pPr>
+            <a:r>
+              <a:rPr lang="en" sz="2200"/>
+              <a:t>Population parameter: </a:t>
+            </a:r>
+            <a:r>
+              <a:rPr lang="en" sz="2200" i="1"/>
+              <a:t>p</a:t>
+            </a:r>
+            <a:r>
+              <a:rPr lang="en" sz="2200"/>
+              <a:t>, point estimate: </a:t>
+            </a:r>
+            <a:r>
+              <a:rPr lang="en" sz="2200" i="1"/>
+              <a:t>p̂</a:t>
+            </a:r>
+            <a:endParaRPr sz="2200" i="1"/>
+          </a:p>
+        </p:txBody>
+      </p:sp>
+      <p:sp>
+        <p:nvSpPr>
+          <p:cNvPr id="343" name="Google Shape;343;p55"/>
+          <p:cNvSpPr txBox="1">
+            <a:spLocks noGrp="1"/>
+          </p:cNvSpPr>
+          <p:nvPr>
+            <p:ph type="title"/>
+          </p:nvPr>
+        </p:nvSpPr>
+        <p:spPr>
+          <a:xfrm>
+            <a:off x="1981200" y="-12"/>
+            <a:ext cx="8229600" cy="1143000"/>
+          </a:xfrm>
+          <a:prstGeom prst="rect">
+            <a:avLst/>
+          </a:prstGeom>
+        </p:spPr>
+        <p:txBody>
+          <a:bodyPr spcFirstLastPara="1" wrap="square" lIns="91425" tIns="91425" rIns="91425" bIns="91425" anchor="b" anchorCtr="0">
+            <a:noAutofit/>
+          </a:bodyPr>
+          <a:lstStyle/>
+          <a:p>
+            <a:r>
+              <a:rPr lang="en">
+                <a:solidFill>
+                  <a:schemeClr val="accent1"/>
+                </a:solidFill>
+              </a:rPr>
+              <a:t>Recap - inference for one proportion</a:t>
+            </a:r>
+            <a:endParaRPr>
+              <a:solidFill>
+                <a:schemeClr val="accent1"/>
+              </a:solidFill>
+            </a:endParaRPr>
+          </a:p>
+        </p:txBody>
+      </p:sp>
+      <p:sp>
+        <p:nvSpPr>
+          <p:cNvPr id="344" name="Google Shape;344;p55"/>
+          <p:cNvSpPr txBox="1">
+            <a:spLocks noGrp="1"/>
+          </p:cNvSpPr>
+          <p:nvPr>
+            <p:ph type="body" idx="1"/>
+          </p:nvPr>
+        </p:nvSpPr>
+        <p:spPr>
+          <a:xfrm flipH="1">
+            <a:off x="1981200" y="1941700"/>
+            <a:ext cx="7822200" cy="2244900"/>
+          </a:xfrm>
+          <a:prstGeom prst="rect">
+            <a:avLst/>
+          </a:prstGeom>
+        </p:spPr>
+        <p:txBody>
+          <a:bodyPr spcFirstLastPara="1" wrap="square" lIns="91425" tIns="91425" rIns="91425" bIns="91425" anchor="t" anchorCtr="0">
+            <a:noAutofit/>
+          </a:bodyPr>
+          <a:lstStyle/>
+          <a:p>
+            <a:pPr marL="0" indent="0">
+              <a:lnSpc>
+                <a:spcPct val="115000"/>
+              </a:lnSpc>
+              <a:spcBef>
+                <a:spcPts val="0"/>
+              </a:spcBef>
+              <a:buNone/>
+            </a:pPr>
+            <a:r>
+              <a:rPr lang="en" sz="2200"/>
+              <a:t>Conditions</a:t>
+            </a:r>
+            <a:endParaRPr sz="2200"/>
+          </a:p>
+          <a:p>
+            <a:pPr indent="-368300">
+              <a:lnSpc>
+                <a:spcPct val="115000"/>
+              </a:lnSpc>
+              <a:spcBef>
+                <a:spcPts val="0"/>
+              </a:spcBef>
+              <a:buSzPts val="2200"/>
+            </a:pPr>
+            <a:r>
+              <a:rPr lang="en" sz="2200"/>
+              <a:t>independence</a:t>
+            </a:r>
+            <a:br>
+              <a:rPr lang="en" sz="2200"/>
+            </a:br>
+            <a:r>
+              <a:rPr lang="en" sz="2200"/>
+              <a:t>- random sample and 10% condition</a:t>
+            </a:r>
+            <a:endParaRPr sz="2200"/>
+          </a:p>
+          <a:p>
+            <a:pPr indent="-368300">
+              <a:lnSpc>
+                <a:spcPct val="115000"/>
+              </a:lnSpc>
+              <a:spcBef>
+                <a:spcPts val="0"/>
+              </a:spcBef>
+              <a:buSzPts val="2200"/>
+            </a:pPr>
+            <a:r>
+              <a:rPr lang="en" sz="2200"/>
+              <a:t>at least 10 successes and failures</a:t>
+            </a:r>
+            <a:br>
+              <a:rPr lang="en" sz="2200"/>
+            </a:br>
+            <a:r>
+              <a:rPr lang="en" sz="2200"/>
+              <a:t>- if not → randomization</a:t>
+            </a:r>
+            <a:endParaRPr sz="2200"/>
+          </a:p>
+          <a:p>
+            <a:pPr marL="0" indent="0">
+              <a:lnSpc>
+                <a:spcPct val="115000"/>
+              </a:lnSpc>
+              <a:spcBef>
+                <a:spcPts val="1000"/>
+              </a:spcBef>
+              <a:spcAft>
+                <a:spcPts val="1000"/>
+              </a:spcAft>
+              <a:buNone/>
+            </a:pPr>
+            <a:endParaRPr sz="2200"/>
+          </a:p>
+        </p:txBody>
+      </p:sp>
+    </p:spTree>
+  </p:cSld>
+  <p:clrMapOvr>
+    <a:masterClrMapping/>
+  </p:clrMapOvr>
+</p:sld>
+</file>
+
+<file path=ppt/slides/slide63.xml><?xml version="1.0" encoding="utf-8"?>
+<p:sld xmlns:a="http://schemas.openxmlformats.org/drawingml/2006/main" xmlns:r="http://schemas.openxmlformats.org/officeDocument/2006/relationships" xmlns:p="http://schemas.openxmlformats.org/presentationml/2006/main">
+  <p:cSld>
+    <p:spTree>
+      <p:nvGrpSpPr>
+        <p:cNvPr id="1" name="Shape 348"/>
+        <p:cNvGrpSpPr/>
+        <p:nvPr/>
+      </p:nvGrpSpPr>
+      <p:grpSpPr>
+        <a:xfrm>
+          <a:off x="0" y="0"/>
+          <a:ext cx="0" cy="0"/>
+          <a:chOff x="0" y="0"/>
+          <a:chExt cx="0" cy="0"/>
+        </a:xfrm>
+      </p:grpSpPr>
+      <p:sp>
+        <p:nvSpPr>
+          <p:cNvPr id="349" name="Google Shape;349;p56"/>
+          <p:cNvSpPr txBox="1">
+            <a:spLocks noGrp="1"/>
+          </p:cNvSpPr>
+          <p:nvPr>
+            <p:ph type="body" idx="1"/>
+          </p:nvPr>
+        </p:nvSpPr>
+        <p:spPr>
+          <a:xfrm flipH="1">
+            <a:off x="1981200" y="1319800"/>
+            <a:ext cx="7822200" cy="621900"/>
+          </a:xfrm>
+          <a:prstGeom prst="rect">
+            <a:avLst/>
+          </a:prstGeom>
+        </p:spPr>
+        <p:txBody>
+          <a:bodyPr spcFirstLastPara="1" wrap="square" lIns="91425" tIns="91425" rIns="91425" bIns="91425" anchor="t" anchorCtr="0">
+            <a:noAutofit/>
+          </a:bodyPr>
+          <a:lstStyle/>
+          <a:p>
+            <a:pPr marL="0" indent="0">
+              <a:lnSpc>
+                <a:spcPct val="115000"/>
+              </a:lnSpc>
+              <a:spcBef>
+                <a:spcPts val="0"/>
+              </a:spcBef>
+              <a:spcAft>
+                <a:spcPts val="1000"/>
+              </a:spcAft>
+              <a:buNone/>
+            </a:pPr>
+            <a:r>
+              <a:rPr lang="en" sz="2200"/>
+              <a:t>Population parameter: </a:t>
+            </a:r>
+            <a:r>
+              <a:rPr lang="en" sz="2200" i="1"/>
+              <a:t>p</a:t>
+            </a:r>
+            <a:r>
+              <a:rPr lang="en" sz="2200"/>
+              <a:t>, point estimate: </a:t>
+            </a:r>
+            <a:r>
+              <a:rPr lang="en" sz="2200" i="1"/>
+              <a:t>p̂</a:t>
+            </a:r>
+            <a:endParaRPr sz="2200" i="1"/>
+          </a:p>
+        </p:txBody>
+      </p:sp>
+      <p:sp>
+        <p:nvSpPr>
+          <p:cNvPr id="350" name="Google Shape;350;p56"/>
+          <p:cNvSpPr txBox="1">
+            <a:spLocks noGrp="1"/>
+          </p:cNvSpPr>
+          <p:nvPr>
+            <p:ph type="body" idx="1"/>
+          </p:nvPr>
+        </p:nvSpPr>
+        <p:spPr>
+          <a:xfrm flipH="1">
+            <a:off x="1981200" y="4186600"/>
+            <a:ext cx="7822200" cy="2244900"/>
+          </a:xfrm>
+          <a:prstGeom prst="rect">
+            <a:avLst/>
+          </a:prstGeom>
+        </p:spPr>
+        <p:txBody>
+          <a:bodyPr spcFirstLastPara="1" wrap="square" lIns="91425" tIns="91425" rIns="91425" bIns="91425" anchor="t" anchorCtr="0">
+            <a:noAutofit/>
+          </a:bodyPr>
+          <a:lstStyle/>
+          <a:p>
+            <a:pPr marL="0" indent="0">
+              <a:lnSpc>
+                <a:spcPct val="115000"/>
+              </a:lnSpc>
+              <a:spcBef>
+                <a:spcPts val="0"/>
+              </a:spcBef>
+              <a:buSzPts val="1100"/>
+              <a:buNone/>
+            </a:pPr>
+            <a:r>
+              <a:rPr lang="en" sz="2200"/>
+              <a:t>Standard error: </a:t>
+            </a:r>
+            <a:endParaRPr sz="2200"/>
+          </a:p>
+          <a:p>
+            <a:pPr indent="-368300">
+              <a:lnSpc>
+                <a:spcPct val="115000"/>
+              </a:lnSpc>
+              <a:spcBef>
+                <a:spcPts val="1000"/>
+              </a:spcBef>
+              <a:buSzPts val="2200"/>
+            </a:pPr>
+            <a:r>
+              <a:rPr lang="en" sz="2200"/>
+              <a:t>for CI: use </a:t>
+            </a:r>
+            <a:r>
+              <a:rPr lang="en" sz="2200" i="1"/>
+              <a:t>p̂</a:t>
+            </a:r>
+            <a:endParaRPr sz="2200" i="1"/>
+          </a:p>
+          <a:p>
+            <a:pPr indent="-368300">
+              <a:lnSpc>
+                <a:spcPct val="115000"/>
+              </a:lnSpc>
+              <a:spcBef>
+                <a:spcPts val="0"/>
+              </a:spcBef>
+              <a:buSzPts val="2200"/>
+            </a:pPr>
+            <a:r>
+              <a:rPr lang="en" sz="2200"/>
+              <a:t>for HT: use </a:t>
+            </a:r>
+            <a:r>
+              <a:rPr lang="en" sz="2200" i="1"/>
+              <a:t>p</a:t>
+            </a:r>
+            <a:r>
+              <a:rPr lang="en" sz="2200" i="1" baseline="-25000"/>
+              <a:t>0</a:t>
+            </a:r>
+            <a:endParaRPr sz="2200" i="1" baseline="-25000"/>
+          </a:p>
+        </p:txBody>
+      </p:sp>
+      <p:sp>
+        <p:nvSpPr>
+          <p:cNvPr id="351" name="Google Shape;351;p56"/>
+          <p:cNvSpPr txBox="1">
+            <a:spLocks noGrp="1"/>
+          </p:cNvSpPr>
+          <p:nvPr>
+            <p:ph type="title"/>
+          </p:nvPr>
+        </p:nvSpPr>
+        <p:spPr>
+          <a:xfrm>
+            <a:off x="1981200" y="-12"/>
+            <a:ext cx="8229600" cy="1143000"/>
+          </a:xfrm>
+          <a:prstGeom prst="rect">
+            <a:avLst/>
+          </a:prstGeom>
+        </p:spPr>
+        <p:txBody>
+          <a:bodyPr spcFirstLastPara="1" wrap="square" lIns="91425" tIns="91425" rIns="91425" bIns="91425" anchor="b" anchorCtr="0">
+            <a:noAutofit/>
+          </a:bodyPr>
+          <a:lstStyle/>
+          <a:p>
+            <a:r>
+              <a:rPr lang="en">
+                <a:solidFill>
+                  <a:schemeClr val="accent1"/>
+                </a:solidFill>
+              </a:rPr>
+              <a:t>Recap - inference for one proportion</a:t>
+            </a:r>
+            <a:endParaRPr>
+              <a:solidFill>
+                <a:schemeClr val="accent1"/>
+              </a:solidFill>
+            </a:endParaRPr>
+          </a:p>
+        </p:txBody>
+      </p:sp>
+      <p:sp>
+        <p:nvSpPr>
+          <p:cNvPr id="352" name="Google Shape;352;p56"/>
+          <p:cNvSpPr txBox="1">
+            <a:spLocks noGrp="1"/>
+          </p:cNvSpPr>
+          <p:nvPr>
+            <p:ph type="body" idx="1"/>
+          </p:nvPr>
+        </p:nvSpPr>
+        <p:spPr>
+          <a:xfrm flipH="1">
+            <a:off x="1981200" y="1941700"/>
+            <a:ext cx="7822200" cy="2244900"/>
+          </a:xfrm>
+          <a:prstGeom prst="rect">
+            <a:avLst/>
+          </a:prstGeom>
+        </p:spPr>
+        <p:txBody>
+          <a:bodyPr spcFirstLastPara="1" wrap="square" lIns="91425" tIns="91425" rIns="91425" bIns="91425" anchor="t" anchorCtr="0">
+            <a:noAutofit/>
+          </a:bodyPr>
+          <a:lstStyle/>
+          <a:p>
+            <a:pPr marL="0" indent="0">
+              <a:lnSpc>
+                <a:spcPct val="115000"/>
+              </a:lnSpc>
+              <a:spcBef>
+                <a:spcPts val="0"/>
+              </a:spcBef>
+              <a:buNone/>
+            </a:pPr>
+            <a:r>
+              <a:rPr lang="en" sz="2200"/>
+              <a:t>Conditions</a:t>
+            </a:r>
+            <a:endParaRPr sz="2200"/>
+          </a:p>
+          <a:p>
+            <a:pPr indent="-368300">
+              <a:lnSpc>
+                <a:spcPct val="115000"/>
+              </a:lnSpc>
+              <a:spcBef>
+                <a:spcPts val="0"/>
+              </a:spcBef>
+              <a:buSzPts val="2200"/>
+            </a:pPr>
+            <a:r>
+              <a:rPr lang="en" sz="2200"/>
+              <a:t>independence</a:t>
+            </a:r>
+            <a:br>
+              <a:rPr lang="en" sz="2200"/>
+            </a:br>
+            <a:r>
+              <a:rPr lang="en" sz="2200"/>
+              <a:t>- random sample and 10% condition</a:t>
+            </a:r>
+            <a:endParaRPr sz="2200"/>
+          </a:p>
+          <a:p>
+            <a:pPr indent="-368300">
+              <a:lnSpc>
+                <a:spcPct val="115000"/>
+              </a:lnSpc>
+              <a:spcBef>
+                <a:spcPts val="0"/>
+              </a:spcBef>
+              <a:buSzPts val="2200"/>
+            </a:pPr>
+            <a:r>
+              <a:rPr lang="en" sz="2200"/>
+              <a:t>at least 10 successes and failures</a:t>
+            </a:r>
+            <a:br>
+              <a:rPr lang="en" sz="2200"/>
+            </a:br>
+            <a:r>
+              <a:rPr lang="en" sz="2200"/>
+              <a:t>- if not → randomization</a:t>
+            </a:r>
+            <a:endParaRPr sz="2200"/>
+          </a:p>
+          <a:p>
+            <a:pPr marL="0" indent="0">
+              <a:lnSpc>
+                <a:spcPct val="115000"/>
+              </a:lnSpc>
+              <a:spcBef>
+                <a:spcPts val="1000"/>
+              </a:spcBef>
+              <a:spcAft>
+                <a:spcPts val="1000"/>
+              </a:spcAft>
+              <a:buNone/>
+            </a:pPr>
+            <a:endParaRPr sz="2200"/>
+          </a:p>
+        </p:txBody>
+      </p:sp>
+      <p:pic>
+        <p:nvPicPr>
+          <p:cNvPr id="353" name="Google Shape;353;p56"/>
+          <p:cNvPicPr preferRelativeResize="0"/>
+          <p:nvPr/>
+        </p:nvPicPr>
+        <p:blipFill>
+          <a:blip r:embed="rId3">
+            <a:alphaModFix/>
+          </a:blip>
+          <a:stretch>
+            <a:fillRect/>
+          </a:stretch>
+        </p:blipFill>
+        <p:spPr>
+          <a:xfrm>
+            <a:off x="4020075" y="4096825"/>
+            <a:ext cx="1809750" cy="666750"/>
+          </a:xfrm>
+          <a:prstGeom prst="rect">
+            <a:avLst/>
+          </a:prstGeom>
+          <a:noFill/>
+          <a:ln>
+            <a:noFill/>
+          </a:ln>
+        </p:spPr>
+      </p:pic>
+    </p:spTree>
+  </p:cSld>
+  <p:clrMapOvr>
+    <a:masterClrMapping/>
+  </p:clrMapOvr>
+</p:sld>
+</file>
+
+<file path=ppt/slides/slide7.xml><?xml version="1.0" encoding="utf-8"?>
 <p:sld xmlns:a="http://schemas.openxmlformats.org/drawingml/2006/main" xmlns:r="http://schemas.openxmlformats.org/officeDocument/2006/relationships" xmlns:p="http://schemas.openxmlformats.org/presentationml/2006/main">
   <p:cSld>
     <p:spTree>
@@ -32909,697 +33982,7 @@
 </p:sld>
 </file>
 
-<file path=ppt/slides/slide60.xml><?xml version="1.0" encoding="utf-8"?>
-<p:sld xmlns:a="http://schemas.openxmlformats.org/drawingml/2006/main" xmlns:r="http://schemas.openxmlformats.org/officeDocument/2006/relationships" xmlns:p="http://schemas.openxmlformats.org/presentationml/2006/main">
-  <p:cSld>
-    <p:spTree>
-      <p:nvGrpSpPr>
-        <p:cNvPr id="1" name="Shape 335"/>
-        <p:cNvGrpSpPr/>
-        <p:nvPr/>
-      </p:nvGrpSpPr>
-      <p:grpSpPr>
-        <a:xfrm>
-          <a:off x="0" y="0"/>
-          <a:ext cx="0" cy="0"/>
-          <a:chOff x="0" y="0"/>
-          <a:chExt cx="0" cy="0"/>
-        </a:xfrm>
-      </p:grpSpPr>
-      <p:sp>
-        <p:nvSpPr>
-          <p:cNvPr id="336" name="Google Shape;336;p54"/>
-          <p:cNvSpPr txBox="1">
-            <a:spLocks noGrp="1"/>
-          </p:cNvSpPr>
-          <p:nvPr>
-            <p:ph type="body" idx="1"/>
-          </p:nvPr>
-        </p:nvSpPr>
-        <p:spPr>
-          <a:xfrm flipH="1">
-            <a:off x="1981200" y="1319800"/>
-            <a:ext cx="7822200" cy="621900"/>
-          </a:xfrm>
-          <a:prstGeom prst="rect">
-            <a:avLst/>
-          </a:prstGeom>
-        </p:spPr>
-        <p:txBody>
-          <a:bodyPr spcFirstLastPara="1" wrap="square" lIns="91425" tIns="91425" rIns="91425" bIns="91425" anchor="t" anchorCtr="0">
-            <a:noAutofit/>
-          </a:bodyPr>
-          <a:lstStyle/>
-          <a:p>
-            <a:pPr marL="0" indent="0">
-              <a:lnSpc>
-                <a:spcPct val="115000"/>
-              </a:lnSpc>
-              <a:spcBef>
-                <a:spcPts val="0"/>
-              </a:spcBef>
-              <a:spcAft>
-                <a:spcPts val="1000"/>
-              </a:spcAft>
-              <a:buNone/>
-            </a:pPr>
-            <a:r>
-              <a:rPr lang="en" sz="2200"/>
-              <a:t>Population parameter: </a:t>
-            </a:r>
-            <a:r>
-              <a:rPr lang="en" sz="2200" i="1"/>
-              <a:t>p</a:t>
-            </a:r>
-            <a:r>
-              <a:rPr lang="en" sz="2200"/>
-              <a:t>, point estimate: </a:t>
-            </a:r>
-            <a:r>
-              <a:rPr lang="en" sz="2200" i="1"/>
-              <a:t>p̂</a:t>
-            </a:r>
-            <a:endParaRPr sz="2200" i="1"/>
-          </a:p>
-        </p:txBody>
-      </p:sp>
-      <p:sp>
-        <p:nvSpPr>
-          <p:cNvPr id="337" name="Google Shape;337;p54"/>
-          <p:cNvSpPr txBox="1">
-            <a:spLocks noGrp="1"/>
-          </p:cNvSpPr>
-          <p:nvPr>
-            <p:ph type="title"/>
-          </p:nvPr>
-        </p:nvSpPr>
-        <p:spPr>
-          <a:xfrm>
-            <a:off x="1981200" y="-12"/>
-            <a:ext cx="8229600" cy="1143000"/>
-          </a:xfrm>
-          <a:prstGeom prst="rect">
-            <a:avLst/>
-          </a:prstGeom>
-        </p:spPr>
-        <p:txBody>
-          <a:bodyPr spcFirstLastPara="1" wrap="square" lIns="91425" tIns="91425" rIns="91425" bIns="91425" anchor="b" anchorCtr="0">
-            <a:noAutofit/>
-          </a:bodyPr>
-          <a:lstStyle/>
-          <a:p>
-            <a:r>
-              <a:rPr lang="en">
-                <a:solidFill>
-                  <a:schemeClr val="accent1"/>
-                </a:solidFill>
-              </a:rPr>
-              <a:t>Recap - inference for one proportion</a:t>
-            </a:r>
-            <a:endParaRPr>
-              <a:solidFill>
-                <a:schemeClr val="accent1"/>
-              </a:solidFill>
-            </a:endParaRPr>
-          </a:p>
-        </p:txBody>
-      </p:sp>
-    </p:spTree>
-  </p:cSld>
-  <p:clrMapOvr>
-    <a:masterClrMapping/>
-  </p:clrMapOvr>
-</p:sld>
-</file>
-
-<file path=ppt/slides/slide61.xml><?xml version="1.0" encoding="utf-8"?>
-<p:sld xmlns:a="http://schemas.openxmlformats.org/drawingml/2006/main" xmlns:r="http://schemas.openxmlformats.org/officeDocument/2006/relationships" xmlns:p="http://schemas.openxmlformats.org/presentationml/2006/main">
-  <p:cSld>
-    <p:spTree>
-      <p:nvGrpSpPr>
-        <p:cNvPr id="1" name="Shape 341"/>
-        <p:cNvGrpSpPr/>
-        <p:nvPr/>
-      </p:nvGrpSpPr>
-      <p:grpSpPr>
-        <a:xfrm>
-          <a:off x="0" y="0"/>
-          <a:ext cx="0" cy="0"/>
-          <a:chOff x="0" y="0"/>
-          <a:chExt cx="0" cy="0"/>
-        </a:xfrm>
-      </p:grpSpPr>
-      <p:sp>
-        <p:nvSpPr>
-          <p:cNvPr id="342" name="Google Shape;342;p55"/>
-          <p:cNvSpPr txBox="1">
-            <a:spLocks noGrp="1"/>
-          </p:cNvSpPr>
-          <p:nvPr>
-            <p:ph type="body" idx="1"/>
-          </p:nvPr>
-        </p:nvSpPr>
-        <p:spPr>
-          <a:xfrm flipH="1">
-            <a:off x="1981200" y="1319800"/>
-            <a:ext cx="7822200" cy="621900"/>
-          </a:xfrm>
-          <a:prstGeom prst="rect">
-            <a:avLst/>
-          </a:prstGeom>
-        </p:spPr>
-        <p:txBody>
-          <a:bodyPr spcFirstLastPara="1" wrap="square" lIns="91425" tIns="91425" rIns="91425" bIns="91425" anchor="t" anchorCtr="0">
-            <a:noAutofit/>
-          </a:bodyPr>
-          <a:lstStyle/>
-          <a:p>
-            <a:pPr marL="0" indent="0">
-              <a:lnSpc>
-                <a:spcPct val="115000"/>
-              </a:lnSpc>
-              <a:spcBef>
-                <a:spcPts val="0"/>
-              </a:spcBef>
-              <a:spcAft>
-                <a:spcPts val="1000"/>
-              </a:spcAft>
-              <a:buNone/>
-            </a:pPr>
-            <a:r>
-              <a:rPr lang="en" sz="2200"/>
-              <a:t>Population parameter: </a:t>
-            </a:r>
-            <a:r>
-              <a:rPr lang="en" sz="2200" i="1"/>
-              <a:t>p</a:t>
-            </a:r>
-            <a:r>
-              <a:rPr lang="en" sz="2200"/>
-              <a:t>, point estimate: </a:t>
-            </a:r>
-            <a:r>
-              <a:rPr lang="en" sz="2200" i="1"/>
-              <a:t>p̂</a:t>
-            </a:r>
-            <a:endParaRPr sz="2200" i="1"/>
-          </a:p>
-        </p:txBody>
-      </p:sp>
-      <p:sp>
-        <p:nvSpPr>
-          <p:cNvPr id="343" name="Google Shape;343;p55"/>
-          <p:cNvSpPr txBox="1">
-            <a:spLocks noGrp="1"/>
-          </p:cNvSpPr>
-          <p:nvPr>
-            <p:ph type="title"/>
-          </p:nvPr>
-        </p:nvSpPr>
-        <p:spPr>
-          <a:xfrm>
-            <a:off x="1981200" y="-12"/>
-            <a:ext cx="8229600" cy="1143000"/>
-          </a:xfrm>
-          <a:prstGeom prst="rect">
-            <a:avLst/>
-          </a:prstGeom>
-        </p:spPr>
-        <p:txBody>
-          <a:bodyPr spcFirstLastPara="1" wrap="square" lIns="91425" tIns="91425" rIns="91425" bIns="91425" anchor="b" anchorCtr="0">
-            <a:noAutofit/>
-          </a:bodyPr>
-          <a:lstStyle/>
-          <a:p>
-            <a:r>
-              <a:rPr lang="en">
-                <a:solidFill>
-                  <a:schemeClr val="accent1"/>
-                </a:solidFill>
-              </a:rPr>
-              <a:t>Recap - inference for one proportion</a:t>
-            </a:r>
-            <a:endParaRPr>
-              <a:solidFill>
-                <a:schemeClr val="accent1"/>
-              </a:solidFill>
-            </a:endParaRPr>
-          </a:p>
-        </p:txBody>
-      </p:sp>
-      <p:sp>
-        <p:nvSpPr>
-          <p:cNvPr id="344" name="Google Shape;344;p55"/>
-          <p:cNvSpPr txBox="1">
-            <a:spLocks noGrp="1"/>
-          </p:cNvSpPr>
-          <p:nvPr>
-            <p:ph type="body" idx="1"/>
-          </p:nvPr>
-        </p:nvSpPr>
-        <p:spPr>
-          <a:xfrm flipH="1">
-            <a:off x="1981200" y="1941700"/>
-            <a:ext cx="7822200" cy="2244900"/>
-          </a:xfrm>
-          <a:prstGeom prst="rect">
-            <a:avLst/>
-          </a:prstGeom>
-        </p:spPr>
-        <p:txBody>
-          <a:bodyPr spcFirstLastPara="1" wrap="square" lIns="91425" tIns="91425" rIns="91425" bIns="91425" anchor="t" anchorCtr="0">
-            <a:noAutofit/>
-          </a:bodyPr>
-          <a:lstStyle/>
-          <a:p>
-            <a:pPr marL="0" indent="0">
-              <a:lnSpc>
-                <a:spcPct val="115000"/>
-              </a:lnSpc>
-              <a:spcBef>
-                <a:spcPts val="0"/>
-              </a:spcBef>
-              <a:buNone/>
-            </a:pPr>
-            <a:r>
-              <a:rPr lang="en" sz="2200"/>
-              <a:t>Conditions</a:t>
-            </a:r>
-            <a:endParaRPr sz="2200"/>
-          </a:p>
-          <a:p>
-            <a:pPr indent="-368300">
-              <a:lnSpc>
-                <a:spcPct val="115000"/>
-              </a:lnSpc>
-              <a:spcBef>
-                <a:spcPts val="0"/>
-              </a:spcBef>
-              <a:buSzPts val="2200"/>
-            </a:pPr>
-            <a:r>
-              <a:rPr lang="en" sz="2200"/>
-              <a:t>independence</a:t>
-            </a:r>
-            <a:br>
-              <a:rPr lang="en" sz="2200"/>
-            </a:br>
-            <a:r>
-              <a:rPr lang="en" sz="2200"/>
-              <a:t>- random sample and 10% condition</a:t>
-            </a:r>
-            <a:endParaRPr sz="2200"/>
-          </a:p>
-          <a:p>
-            <a:pPr indent="-368300">
-              <a:lnSpc>
-                <a:spcPct val="115000"/>
-              </a:lnSpc>
-              <a:spcBef>
-                <a:spcPts val="0"/>
-              </a:spcBef>
-              <a:buSzPts val="2200"/>
-            </a:pPr>
-            <a:r>
-              <a:rPr lang="en" sz="2200"/>
-              <a:t>at least 10 successes and failures</a:t>
-            </a:r>
-            <a:br>
-              <a:rPr lang="en" sz="2200"/>
-            </a:br>
-            <a:r>
-              <a:rPr lang="en" sz="2200"/>
-              <a:t>- if not → randomization</a:t>
-            </a:r>
-            <a:endParaRPr sz="2200"/>
-          </a:p>
-          <a:p>
-            <a:pPr marL="0" indent="0">
-              <a:lnSpc>
-                <a:spcPct val="115000"/>
-              </a:lnSpc>
-              <a:spcBef>
-                <a:spcPts val="1000"/>
-              </a:spcBef>
-              <a:spcAft>
-                <a:spcPts val="1000"/>
-              </a:spcAft>
-              <a:buNone/>
-            </a:pPr>
-            <a:endParaRPr sz="2200"/>
-          </a:p>
-        </p:txBody>
-      </p:sp>
-    </p:spTree>
-  </p:cSld>
-  <p:clrMapOvr>
-    <a:masterClrMapping/>
-  </p:clrMapOvr>
-</p:sld>
-</file>
-
-<file path=ppt/slides/slide62.xml><?xml version="1.0" encoding="utf-8"?>
-<p:sld xmlns:a="http://schemas.openxmlformats.org/drawingml/2006/main" xmlns:r="http://schemas.openxmlformats.org/officeDocument/2006/relationships" xmlns:p="http://schemas.openxmlformats.org/presentationml/2006/main">
-  <p:cSld>
-    <p:spTree>
-      <p:nvGrpSpPr>
-        <p:cNvPr id="1" name="Shape 348"/>
-        <p:cNvGrpSpPr/>
-        <p:nvPr/>
-      </p:nvGrpSpPr>
-      <p:grpSpPr>
-        <a:xfrm>
-          <a:off x="0" y="0"/>
-          <a:ext cx="0" cy="0"/>
-          <a:chOff x="0" y="0"/>
-          <a:chExt cx="0" cy="0"/>
-        </a:xfrm>
-      </p:grpSpPr>
-      <p:sp>
-        <p:nvSpPr>
-          <p:cNvPr id="349" name="Google Shape;349;p56"/>
-          <p:cNvSpPr txBox="1">
-            <a:spLocks noGrp="1"/>
-          </p:cNvSpPr>
-          <p:nvPr>
-            <p:ph type="body" idx="1"/>
-          </p:nvPr>
-        </p:nvSpPr>
-        <p:spPr>
-          <a:xfrm flipH="1">
-            <a:off x="1981200" y="1319800"/>
-            <a:ext cx="7822200" cy="621900"/>
-          </a:xfrm>
-          <a:prstGeom prst="rect">
-            <a:avLst/>
-          </a:prstGeom>
-        </p:spPr>
-        <p:txBody>
-          <a:bodyPr spcFirstLastPara="1" wrap="square" lIns="91425" tIns="91425" rIns="91425" bIns="91425" anchor="t" anchorCtr="0">
-            <a:noAutofit/>
-          </a:bodyPr>
-          <a:lstStyle/>
-          <a:p>
-            <a:pPr marL="0" indent="0">
-              <a:lnSpc>
-                <a:spcPct val="115000"/>
-              </a:lnSpc>
-              <a:spcBef>
-                <a:spcPts val="0"/>
-              </a:spcBef>
-              <a:spcAft>
-                <a:spcPts val="1000"/>
-              </a:spcAft>
-              <a:buNone/>
-            </a:pPr>
-            <a:r>
-              <a:rPr lang="en" sz="2200"/>
-              <a:t>Population parameter: </a:t>
-            </a:r>
-            <a:r>
-              <a:rPr lang="en" sz="2200" i="1"/>
-              <a:t>p</a:t>
-            </a:r>
-            <a:r>
-              <a:rPr lang="en" sz="2200"/>
-              <a:t>, point estimate: </a:t>
-            </a:r>
-            <a:r>
-              <a:rPr lang="en" sz="2200" i="1"/>
-              <a:t>p̂</a:t>
-            </a:r>
-            <a:endParaRPr sz="2200" i="1"/>
-          </a:p>
-        </p:txBody>
-      </p:sp>
-      <p:sp>
-        <p:nvSpPr>
-          <p:cNvPr id="350" name="Google Shape;350;p56"/>
-          <p:cNvSpPr txBox="1">
-            <a:spLocks noGrp="1"/>
-          </p:cNvSpPr>
-          <p:nvPr>
-            <p:ph type="body" idx="1"/>
-          </p:nvPr>
-        </p:nvSpPr>
-        <p:spPr>
-          <a:xfrm flipH="1">
-            <a:off x="1981200" y="4186600"/>
-            <a:ext cx="7822200" cy="2244900"/>
-          </a:xfrm>
-          <a:prstGeom prst="rect">
-            <a:avLst/>
-          </a:prstGeom>
-        </p:spPr>
-        <p:txBody>
-          <a:bodyPr spcFirstLastPara="1" wrap="square" lIns="91425" tIns="91425" rIns="91425" bIns="91425" anchor="t" anchorCtr="0">
-            <a:noAutofit/>
-          </a:bodyPr>
-          <a:lstStyle/>
-          <a:p>
-            <a:pPr marL="0" indent="0">
-              <a:lnSpc>
-                <a:spcPct val="115000"/>
-              </a:lnSpc>
-              <a:spcBef>
-                <a:spcPts val="0"/>
-              </a:spcBef>
-              <a:buSzPts val="1100"/>
-              <a:buNone/>
-            </a:pPr>
-            <a:r>
-              <a:rPr lang="en" sz="2200"/>
-              <a:t>Standard error: </a:t>
-            </a:r>
-            <a:endParaRPr sz="2200"/>
-          </a:p>
-          <a:p>
-            <a:pPr indent="-368300">
-              <a:lnSpc>
-                <a:spcPct val="115000"/>
-              </a:lnSpc>
-              <a:spcBef>
-                <a:spcPts val="1000"/>
-              </a:spcBef>
-              <a:buSzPts val="2200"/>
-            </a:pPr>
-            <a:r>
-              <a:rPr lang="en" sz="2200"/>
-              <a:t>for CI: use </a:t>
-            </a:r>
-            <a:r>
-              <a:rPr lang="en" sz="2200" i="1"/>
-              <a:t>p̂</a:t>
-            </a:r>
-            <a:endParaRPr sz="2200" i="1"/>
-          </a:p>
-          <a:p>
-            <a:pPr indent="-368300">
-              <a:lnSpc>
-                <a:spcPct val="115000"/>
-              </a:lnSpc>
-              <a:spcBef>
-                <a:spcPts val="0"/>
-              </a:spcBef>
-              <a:buSzPts val="2200"/>
-            </a:pPr>
-            <a:r>
-              <a:rPr lang="en" sz="2200"/>
-              <a:t>for HT: use </a:t>
-            </a:r>
-            <a:r>
-              <a:rPr lang="en" sz="2200" i="1"/>
-              <a:t>p</a:t>
-            </a:r>
-            <a:r>
-              <a:rPr lang="en" sz="2200" i="1" baseline="-25000"/>
-              <a:t>0</a:t>
-            </a:r>
-            <a:endParaRPr sz="2200" i="1" baseline="-25000"/>
-          </a:p>
-        </p:txBody>
-      </p:sp>
-      <p:sp>
-        <p:nvSpPr>
-          <p:cNvPr id="351" name="Google Shape;351;p56"/>
-          <p:cNvSpPr txBox="1">
-            <a:spLocks noGrp="1"/>
-          </p:cNvSpPr>
-          <p:nvPr>
-            <p:ph type="title"/>
-          </p:nvPr>
-        </p:nvSpPr>
-        <p:spPr>
-          <a:xfrm>
-            <a:off x="1981200" y="-12"/>
-            <a:ext cx="8229600" cy="1143000"/>
-          </a:xfrm>
-          <a:prstGeom prst="rect">
-            <a:avLst/>
-          </a:prstGeom>
-        </p:spPr>
-        <p:txBody>
-          <a:bodyPr spcFirstLastPara="1" wrap="square" lIns="91425" tIns="91425" rIns="91425" bIns="91425" anchor="b" anchorCtr="0">
-            <a:noAutofit/>
-          </a:bodyPr>
-          <a:lstStyle/>
-          <a:p>
-            <a:r>
-              <a:rPr lang="en">
-                <a:solidFill>
-                  <a:schemeClr val="accent1"/>
-                </a:solidFill>
-              </a:rPr>
-              <a:t>Recap - inference for one proportion</a:t>
-            </a:r>
-            <a:endParaRPr>
-              <a:solidFill>
-                <a:schemeClr val="accent1"/>
-              </a:solidFill>
-            </a:endParaRPr>
-          </a:p>
-        </p:txBody>
-      </p:sp>
-      <p:sp>
-        <p:nvSpPr>
-          <p:cNvPr id="352" name="Google Shape;352;p56"/>
-          <p:cNvSpPr txBox="1">
-            <a:spLocks noGrp="1"/>
-          </p:cNvSpPr>
-          <p:nvPr>
-            <p:ph type="body" idx="1"/>
-          </p:nvPr>
-        </p:nvSpPr>
-        <p:spPr>
-          <a:xfrm flipH="1">
-            <a:off x="1981200" y="1941700"/>
-            <a:ext cx="7822200" cy="2244900"/>
-          </a:xfrm>
-          <a:prstGeom prst="rect">
-            <a:avLst/>
-          </a:prstGeom>
-        </p:spPr>
-        <p:txBody>
-          <a:bodyPr spcFirstLastPara="1" wrap="square" lIns="91425" tIns="91425" rIns="91425" bIns="91425" anchor="t" anchorCtr="0">
-            <a:noAutofit/>
-          </a:bodyPr>
-          <a:lstStyle/>
-          <a:p>
-            <a:pPr marL="0" indent="0">
-              <a:lnSpc>
-                <a:spcPct val="115000"/>
-              </a:lnSpc>
-              <a:spcBef>
-                <a:spcPts val="0"/>
-              </a:spcBef>
-              <a:buNone/>
-            </a:pPr>
-            <a:r>
-              <a:rPr lang="en" sz="2200"/>
-              <a:t>Conditions</a:t>
-            </a:r>
-            <a:endParaRPr sz="2200"/>
-          </a:p>
-          <a:p>
-            <a:pPr indent="-368300">
-              <a:lnSpc>
-                <a:spcPct val="115000"/>
-              </a:lnSpc>
-              <a:spcBef>
-                <a:spcPts val="0"/>
-              </a:spcBef>
-              <a:buSzPts val="2200"/>
-            </a:pPr>
-            <a:r>
-              <a:rPr lang="en" sz="2200"/>
-              <a:t>independence</a:t>
-            </a:r>
-            <a:br>
-              <a:rPr lang="en" sz="2200"/>
-            </a:br>
-            <a:r>
-              <a:rPr lang="en" sz="2200"/>
-              <a:t>- random sample and 10% condition</a:t>
-            </a:r>
-            <a:endParaRPr sz="2200"/>
-          </a:p>
-          <a:p>
-            <a:pPr indent="-368300">
-              <a:lnSpc>
-                <a:spcPct val="115000"/>
-              </a:lnSpc>
-              <a:spcBef>
-                <a:spcPts val="0"/>
-              </a:spcBef>
-              <a:buSzPts val="2200"/>
-            </a:pPr>
-            <a:r>
-              <a:rPr lang="en" sz="2200"/>
-              <a:t>at least 10 successes and failures</a:t>
-            </a:r>
-            <a:br>
-              <a:rPr lang="en" sz="2200"/>
-            </a:br>
-            <a:r>
-              <a:rPr lang="en" sz="2200"/>
-              <a:t>- if not → randomization</a:t>
-            </a:r>
-            <a:endParaRPr sz="2200"/>
-          </a:p>
-          <a:p>
-            <a:pPr marL="0" indent="0">
-              <a:lnSpc>
-                <a:spcPct val="115000"/>
-              </a:lnSpc>
-              <a:spcBef>
-                <a:spcPts val="1000"/>
-              </a:spcBef>
-              <a:spcAft>
-                <a:spcPts val="1000"/>
-              </a:spcAft>
-              <a:buNone/>
-            </a:pPr>
-            <a:endParaRPr sz="2200"/>
-          </a:p>
-        </p:txBody>
-      </p:sp>
-      <p:pic>
-        <p:nvPicPr>
-          <p:cNvPr id="353" name="Google Shape;353;p56"/>
-          <p:cNvPicPr preferRelativeResize="0"/>
-          <p:nvPr/>
-        </p:nvPicPr>
-        <p:blipFill>
-          <a:blip r:embed="rId3">
-            <a:alphaModFix/>
-          </a:blip>
-          <a:stretch>
-            <a:fillRect/>
-          </a:stretch>
-        </p:blipFill>
-        <p:spPr>
-          <a:xfrm>
-            <a:off x="4020075" y="4096825"/>
-            <a:ext cx="1809750" cy="666750"/>
-          </a:xfrm>
-          <a:prstGeom prst="rect">
-            <a:avLst/>
-          </a:prstGeom>
-          <a:noFill/>
-          <a:ln>
-            <a:noFill/>
-          </a:ln>
-        </p:spPr>
-      </p:pic>
-    </p:spTree>
-  </p:cSld>
-  <p:clrMapOvr>
-    <a:masterClrMapping/>
-  </p:clrMapOvr>
-</p:sld>
-</file>
-
-<file path=ppt/slides/slide7.xml><?xml version="1.0" encoding="utf-8"?>
+<file path=ppt/slides/slide8.xml><?xml version="1.0" encoding="utf-8"?>
 <p:sld xmlns:a="http://schemas.openxmlformats.org/drawingml/2006/main" xmlns:r="http://schemas.openxmlformats.org/officeDocument/2006/relationships" xmlns:p="http://schemas.openxmlformats.org/presentationml/2006/main">
   <p:cSld>
     <p:spTree>
@@ -33716,7 +34099,7 @@
 </p:sld>
 </file>
 
-<file path=ppt/slides/slide8.xml><?xml version="1.0" encoding="utf-8"?>
+<file path=ppt/slides/slide9.xml><?xml version="1.0" encoding="utf-8"?>
 <p:sld xmlns:a="http://schemas.openxmlformats.org/drawingml/2006/main" xmlns:r="http://schemas.openxmlformats.org/officeDocument/2006/relationships" xmlns:p="http://schemas.openxmlformats.org/presentationml/2006/main">
   <p:cSld>
     <p:spTree>
@@ -33908,325 +34291,6 @@
             <a:r>
               <a:rPr lang="en" sz="2200"/>
               <a:t>	a population proportion</a:t>
-            </a:r>
-            <a:endParaRPr sz="2200"/>
-          </a:p>
-          <a:p>
-            <a:pPr marL="0" indent="0">
-              <a:lnSpc>
-                <a:spcPct val="115000"/>
-              </a:lnSpc>
-              <a:spcBef>
-                <a:spcPts val="0"/>
-              </a:spcBef>
-              <a:buSzPts val="1100"/>
-              <a:buNone/>
-            </a:pPr>
-            <a:endParaRPr sz="2200"/>
-          </a:p>
-        </p:txBody>
-      </p:sp>
-    </p:spTree>
-  </p:cSld>
-  <p:clrMapOvr>
-    <a:masterClrMapping/>
-  </p:clrMapOvr>
-</p:sld>
-</file>
-
-<file path=ppt/slides/slide9.xml><?xml version="1.0" encoding="utf-8"?>
-<p:sld xmlns:a="http://schemas.openxmlformats.org/drawingml/2006/main" xmlns:r="http://schemas.openxmlformats.org/officeDocument/2006/relationships" xmlns:p="http://schemas.openxmlformats.org/presentationml/2006/main">
-  <p:cSld>
-    <p:spTree>
-      <p:nvGrpSpPr>
-        <p:cNvPr id="1" name="Shape 88"/>
-        <p:cNvGrpSpPr/>
-        <p:nvPr/>
-      </p:nvGrpSpPr>
-      <p:grpSpPr>
-        <a:xfrm>
-          <a:off x="0" y="0"/>
-          <a:ext cx="0" cy="0"/>
-          <a:chOff x="0" y="0"/>
-          <a:chExt cx="0" cy="0"/>
-        </a:xfrm>
-      </p:grpSpPr>
-      <p:sp>
-        <p:nvSpPr>
-          <p:cNvPr id="89" name="Google Shape;89;p22"/>
-          <p:cNvSpPr txBox="1">
-            <a:spLocks noGrp="1"/>
-          </p:cNvSpPr>
-          <p:nvPr>
-            <p:ph type="title"/>
-          </p:nvPr>
-        </p:nvSpPr>
-        <p:spPr>
-          <a:xfrm>
-            <a:off x="1981200" y="-12"/>
-            <a:ext cx="8229600" cy="1143000"/>
-          </a:xfrm>
-          <a:prstGeom prst="rect">
-            <a:avLst/>
-          </a:prstGeom>
-        </p:spPr>
-        <p:txBody>
-          <a:bodyPr spcFirstLastPara="1" wrap="square" lIns="91425" tIns="91425" rIns="91425" bIns="91425" anchor="b" anchorCtr="0">
-            <a:noAutofit/>
-          </a:bodyPr>
-          <a:lstStyle/>
-          <a:p>
-            <a:r>
-              <a:rPr lang="en">
-                <a:solidFill>
-                  <a:schemeClr val="accent1"/>
-                </a:solidFill>
-              </a:rPr>
-              <a:t>Parameter and point estimate</a:t>
-            </a:r>
-            <a:endParaRPr baseline="30000">
-              <a:solidFill>
-                <a:schemeClr val="accent1"/>
-              </a:solidFill>
-            </a:endParaRPr>
-          </a:p>
-        </p:txBody>
-      </p:sp>
-      <p:sp>
-        <p:nvSpPr>
-          <p:cNvPr id="90" name="Google Shape;90;p22"/>
-          <p:cNvSpPr txBox="1">
-            <a:spLocks noGrp="1"/>
-          </p:cNvSpPr>
-          <p:nvPr>
-            <p:ph type="body" idx="1"/>
-          </p:nvPr>
-        </p:nvSpPr>
-        <p:spPr>
-          <a:xfrm flipH="1">
-            <a:off x="1981075" y="1305775"/>
-            <a:ext cx="7822200" cy="1736100"/>
-          </a:xfrm>
-          <a:prstGeom prst="rect">
-            <a:avLst/>
-          </a:prstGeom>
-        </p:spPr>
-        <p:txBody>
-          <a:bodyPr spcFirstLastPara="1" wrap="square" lIns="91425" tIns="91425" rIns="91425" bIns="91425" anchor="t" anchorCtr="0">
-            <a:noAutofit/>
-          </a:bodyPr>
-          <a:lstStyle/>
-          <a:p>
-            <a:pPr marL="0" indent="0">
-              <a:lnSpc>
-                <a:spcPct val="115000"/>
-              </a:lnSpc>
-              <a:spcBef>
-                <a:spcPts val="0"/>
-              </a:spcBef>
-              <a:buSzPts val="1100"/>
-              <a:buNone/>
-            </a:pPr>
-            <a:r>
-              <a:rPr lang="en" sz="2200">
-                <a:solidFill>
-                  <a:schemeClr val="accent1"/>
-                </a:solidFill>
-              </a:rPr>
-              <a:t>We would like to estimate the proportion of all Americans who have good intuition about experimental design, i.e. would answer “500 get the drug 500 don't”? What are the parameter of interest and the point estimate?</a:t>
-            </a:r>
-            <a:endParaRPr sz="2200">
-              <a:solidFill>
-                <a:schemeClr val="accent1"/>
-              </a:solidFill>
-            </a:endParaRPr>
-          </a:p>
-        </p:txBody>
-      </p:sp>
-      <p:sp>
-        <p:nvSpPr>
-          <p:cNvPr id="91" name="Google Shape;91;p22"/>
-          <p:cNvSpPr txBox="1">
-            <a:spLocks noGrp="1"/>
-          </p:cNvSpPr>
-          <p:nvPr>
-            <p:ph type="body" idx="1"/>
-          </p:nvPr>
-        </p:nvSpPr>
-        <p:spPr>
-          <a:xfrm flipH="1">
-            <a:off x="1981075" y="3131550"/>
-            <a:ext cx="7822200" cy="1481700"/>
-          </a:xfrm>
-          <a:prstGeom prst="rect">
-            <a:avLst/>
-          </a:prstGeom>
-        </p:spPr>
-        <p:txBody>
-          <a:bodyPr spcFirstLastPara="1" wrap="square" lIns="91425" tIns="91425" rIns="91425" bIns="91425" anchor="t" anchorCtr="0">
-            <a:noAutofit/>
-          </a:bodyPr>
-          <a:lstStyle/>
-          <a:p>
-            <a:pPr marL="0" indent="0">
-              <a:lnSpc>
-                <a:spcPct val="115000"/>
-              </a:lnSpc>
-              <a:spcBef>
-                <a:spcPts val="0"/>
-              </a:spcBef>
-              <a:buSzPts val="1100"/>
-              <a:buNone/>
-            </a:pPr>
-            <a:r>
-              <a:rPr lang="en" sz="2200" i="1">
-                <a:solidFill>
-                  <a:schemeClr val="accent1"/>
-                </a:solidFill>
-              </a:rPr>
-              <a:t>Parameter of interest:</a:t>
-            </a:r>
-            <a:r>
-              <a:rPr lang="en" sz="2200"/>
-              <a:t> proportion of </a:t>
-            </a:r>
-            <a:r>
-              <a:rPr lang="en" sz="2200" i="1">
-                <a:solidFill>
-                  <a:srgbClr val="FF9900"/>
-                </a:solidFill>
-              </a:rPr>
-              <a:t>all</a:t>
-            </a:r>
-            <a:r>
-              <a:rPr lang="en" sz="2200"/>
-              <a:t> Americans who have good intuition about experimental design.</a:t>
-            </a:r>
-            <a:endParaRPr sz="2200"/>
-          </a:p>
-          <a:p>
-            <a:pPr marL="0" indent="457200">
-              <a:lnSpc>
-                <a:spcPct val="115000"/>
-              </a:lnSpc>
-              <a:spcBef>
-                <a:spcPts val="0"/>
-              </a:spcBef>
-              <a:buSzPts val="1100"/>
-              <a:buNone/>
-            </a:pPr>
-            <a:r>
-              <a:rPr lang="en" sz="2200" i="1">
-                <a:solidFill>
-                  <a:schemeClr val="accent1"/>
-                </a:solidFill>
-              </a:rPr>
-              <a:t>                         p</a:t>
-            </a:r>
-            <a:r>
-              <a:rPr lang="en" sz="2200"/>
-              <a:t>	a population proportion</a:t>
-            </a:r>
-            <a:endParaRPr sz="2200"/>
-          </a:p>
-          <a:p>
-            <a:pPr marL="0" indent="0">
-              <a:lnSpc>
-                <a:spcPct val="115000"/>
-              </a:lnSpc>
-              <a:spcBef>
-                <a:spcPts val="0"/>
-              </a:spcBef>
-              <a:buSzPts val="1100"/>
-              <a:buNone/>
-            </a:pPr>
-            <a:endParaRPr sz="2200"/>
-          </a:p>
-        </p:txBody>
-      </p:sp>
-      <p:sp>
-        <p:nvSpPr>
-          <p:cNvPr id="92" name="Google Shape;92;p22"/>
-          <p:cNvSpPr txBox="1">
-            <a:spLocks noGrp="1"/>
-          </p:cNvSpPr>
-          <p:nvPr>
-            <p:ph type="body" idx="1"/>
-          </p:nvPr>
-        </p:nvSpPr>
-        <p:spPr>
-          <a:xfrm flipH="1">
-            <a:off x="1981075" y="4613250"/>
-            <a:ext cx="7822200" cy="1481700"/>
-          </a:xfrm>
-          <a:prstGeom prst="rect">
-            <a:avLst/>
-          </a:prstGeom>
-        </p:spPr>
-        <p:txBody>
-          <a:bodyPr spcFirstLastPara="1" wrap="square" lIns="91425" tIns="91425" rIns="91425" bIns="91425" anchor="t" anchorCtr="0">
-            <a:noAutofit/>
-          </a:bodyPr>
-          <a:lstStyle/>
-          <a:p>
-            <a:pPr marL="0" indent="0">
-              <a:lnSpc>
-                <a:spcPct val="115000"/>
-              </a:lnSpc>
-              <a:spcBef>
-                <a:spcPts val="0"/>
-              </a:spcBef>
-              <a:buSzPts val="1100"/>
-              <a:buNone/>
-            </a:pPr>
-            <a:r>
-              <a:rPr lang="en" sz="2200" i="1">
-                <a:solidFill>
-                  <a:schemeClr val="accent1"/>
-                </a:solidFill>
-              </a:rPr>
-              <a:t>Point estimate:</a:t>
-            </a:r>
-            <a:r>
-              <a:rPr lang="en" sz="2200"/>
-              <a:t> proportion of </a:t>
-            </a:r>
-            <a:r>
-              <a:rPr lang="en" sz="2200" i="1">
-                <a:solidFill>
-                  <a:srgbClr val="FF9900"/>
-                </a:solidFill>
-              </a:rPr>
-              <a:t>sampled</a:t>
-            </a:r>
-            <a:r>
-              <a:rPr lang="en" sz="2200"/>
-              <a:t> Americans who have good intuition about experimental design.</a:t>
-            </a:r>
-            <a:endParaRPr sz="2200"/>
-          </a:p>
-          <a:p>
-            <a:pPr marL="0" indent="457200">
-              <a:lnSpc>
-                <a:spcPct val="115000"/>
-              </a:lnSpc>
-              <a:spcBef>
-                <a:spcPts val="0"/>
-              </a:spcBef>
-              <a:buSzPts val="1100"/>
-              <a:buNone/>
-            </a:pPr>
-            <a:r>
-              <a:rPr lang="en" sz="2200" i="1">
-                <a:solidFill>
-                  <a:schemeClr val="accent1"/>
-                </a:solidFill>
-              </a:rPr>
-              <a:t>                         p̂</a:t>
-            </a:r>
-            <a:r>
-              <a:rPr lang="en" sz="2200"/>
-              <a:t>	a sample proportion</a:t>
             </a:r>
             <a:endParaRPr sz="2200"/>
           </a:p>

--- a/slides/15-single-proportion.pptx
+++ b/slides/15-single-proportion.pptx
@@ -6,7 +6,7 @@
     <p:sldMasterId id="2147483684" r:id="rId2"/>
   </p:sldMasterIdLst>
   <p:notesMasterIdLst>
-    <p:notesMasterId r:id="rId66"/>
+    <p:notesMasterId r:id="rId67"/>
   </p:notesMasterIdLst>
   <p:sldIdLst>
     <p:sldId id="256" r:id="rId3"/>
@@ -49,29 +49,30 @@
     <p:sldId id="305" r:id="rId40"/>
     <p:sldId id="309" r:id="rId41"/>
     <p:sldId id="286" r:id="rId42"/>
-    <p:sldId id="310" r:id="rId43"/>
-    <p:sldId id="306" r:id="rId44"/>
-    <p:sldId id="311" r:id="rId45"/>
-    <p:sldId id="307" r:id="rId46"/>
-    <p:sldId id="312" r:id="rId47"/>
-    <p:sldId id="313" r:id="rId48"/>
-    <p:sldId id="314" r:id="rId49"/>
-    <p:sldId id="315" r:id="rId50"/>
-    <p:sldId id="316" r:id="rId51"/>
-    <p:sldId id="317" r:id="rId52"/>
-    <p:sldId id="318" r:id="rId53"/>
-    <p:sldId id="319" r:id="rId54"/>
-    <p:sldId id="320" r:id="rId55"/>
-    <p:sldId id="321" r:id="rId56"/>
-    <p:sldId id="322" r:id="rId57"/>
-    <p:sldId id="293" r:id="rId58"/>
-    <p:sldId id="294" r:id="rId59"/>
-    <p:sldId id="323" r:id="rId60"/>
-    <p:sldId id="324" r:id="rId61"/>
-    <p:sldId id="325" r:id="rId62"/>
-    <p:sldId id="295" r:id="rId63"/>
-    <p:sldId id="296" r:id="rId64"/>
-    <p:sldId id="297" r:id="rId65"/>
+    <p:sldId id="330" r:id="rId43"/>
+    <p:sldId id="310" r:id="rId44"/>
+    <p:sldId id="306" r:id="rId45"/>
+    <p:sldId id="311" r:id="rId46"/>
+    <p:sldId id="307" r:id="rId47"/>
+    <p:sldId id="312" r:id="rId48"/>
+    <p:sldId id="313" r:id="rId49"/>
+    <p:sldId id="314" r:id="rId50"/>
+    <p:sldId id="315" r:id="rId51"/>
+    <p:sldId id="316" r:id="rId52"/>
+    <p:sldId id="317" r:id="rId53"/>
+    <p:sldId id="318" r:id="rId54"/>
+    <p:sldId id="319" r:id="rId55"/>
+    <p:sldId id="320" r:id="rId56"/>
+    <p:sldId id="321" r:id="rId57"/>
+    <p:sldId id="322" r:id="rId58"/>
+    <p:sldId id="293" r:id="rId59"/>
+    <p:sldId id="294" r:id="rId60"/>
+    <p:sldId id="323" r:id="rId61"/>
+    <p:sldId id="324" r:id="rId62"/>
+    <p:sldId id="325" r:id="rId63"/>
+    <p:sldId id="295" r:id="rId64"/>
+    <p:sldId id="296" r:id="rId65"/>
+    <p:sldId id="297" r:id="rId66"/>
   </p:sldIdLst>
   <p:sldSz cx="12192000" cy="6858000"/>
   <p:notesSz cx="6858000" cy="9144000"/>
@@ -3796,7 +3797,7 @@
     </p:spTree>
     <p:extLst>
       <p:ext uri="{BB962C8B-B14F-4D97-AF65-F5344CB8AC3E}">
-        <p14:creationId xmlns:p14="http://schemas.microsoft.com/office/powerpoint/2010/main" val="3076819359"/>
+        <p14:creationId xmlns:p14="http://schemas.microsoft.com/office/powerpoint/2010/main" val="810374000"/>
       </p:ext>
     </p:extLst>
   </p:cSld>
@@ -3905,7 +3906,7 @@
     </p:spTree>
     <p:extLst>
       <p:ext uri="{BB962C8B-B14F-4D97-AF65-F5344CB8AC3E}">
-        <p14:creationId xmlns:p14="http://schemas.microsoft.com/office/powerpoint/2010/main" val="1075968681"/>
+        <p14:creationId xmlns:p14="http://schemas.microsoft.com/office/powerpoint/2010/main" val="3076819359"/>
       </p:ext>
     </p:extLst>
   </p:cSld>
@@ -4014,7 +4015,7 @@
     </p:spTree>
     <p:extLst>
       <p:ext uri="{BB962C8B-B14F-4D97-AF65-F5344CB8AC3E}">
-        <p14:creationId xmlns:p14="http://schemas.microsoft.com/office/powerpoint/2010/main" val="1174912738"/>
+        <p14:creationId xmlns:p14="http://schemas.microsoft.com/office/powerpoint/2010/main" val="1075968681"/>
       </p:ext>
     </p:extLst>
   </p:cSld>
@@ -4133,7 +4134,7 @@
   <p:cSld>
     <p:spTree>
       <p:nvGrpSpPr>
-        <p:cNvPr id="1" name="Shape 259"/>
+        <p:cNvPr id="1" name="Shape 267"/>
         <p:cNvGrpSpPr/>
         <p:nvPr/>
       </p:nvGrpSpPr>
@@ -4147,7 +4148,7 @@
       </p:grpSpPr>
       <p:sp>
         <p:nvSpPr>
-          <p:cNvPr id="260" name="Google Shape;260;g2bec3cab4_014:notes"/>
+          <p:cNvPr id="268" name="Google Shape;268;g2bec3cab4_021:notes"/>
           <p:cNvSpPr>
             <a:spLocks noGrp="1" noRot="1" noChangeAspect="1"/>
           </p:cNvSpPr>
@@ -4188,7 +4189,7 @@
       </p:sp>
       <p:sp>
         <p:nvSpPr>
-          <p:cNvPr id="261" name="Google Shape;261;g2bec3cab4_014:notes"/>
+          <p:cNvPr id="269" name="Google Shape;269;g2bec3cab4_021:notes"/>
           <p:cNvSpPr txBox="1">
             <a:spLocks noGrp="1"/>
           </p:cNvSpPr>
@@ -4227,7 +4228,7 @@
     </p:spTree>
     <p:extLst>
       <p:ext uri="{BB962C8B-B14F-4D97-AF65-F5344CB8AC3E}">
-        <p14:creationId xmlns:p14="http://schemas.microsoft.com/office/powerpoint/2010/main" val="2830476836"/>
+        <p14:creationId xmlns:p14="http://schemas.microsoft.com/office/powerpoint/2010/main" val="1174912738"/>
       </p:ext>
     </p:extLst>
   </p:cSld>
@@ -4242,7 +4243,7 @@
   <p:cSld>
     <p:spTree>
       <p:nvGrpSpPr>
-        <p:cNvPr id="1" name="Shape 267"/>
+        <p:cNvPr id="1" name="Shape 259"/>
         <p:cNvGrpSpPr/>
         <p:nvPr/>
       </p:nvGrpSpPr>
@@ -4256,7 +4257,7 @@
       </p:grpSpPr>
       <p:sp>
         <p:nvSpPr>
-          <p:cNvPr id="268" name="Google Shape;268;g2bec3cab4_021:notes"/>
+          <p:cNvPr id="260" name="Google Shape;260;g2bec3cab4_014:notes"/>
           <p:cNvSpPr>
             <a:spLocks noGrp="1" noRot="1" noChangeAspect="1"/>
           </p:cNvSpPr>
@@ -4297,7 +4298,7 @@
       </p:sp>
       <p:sp>
         <p:nvSpPr>
-          <p:cNvPr id="269" name="Google Shape;269;g2bec3cab4_021:notes"/>
+          <p:cNvPr id="261" name="Google Shape;261;g2bec3cab4_014:notes"/>
           <p:cNvSpPr txBox="1">
             <a:spLocks noGrp="1"/>
           </p:cNvSpPr>
@@ -4336,7 +4337,7 @@
     </p:spTree>
     <p:extLst>
       <p:ext uri="{BB962C8B-B14F-4D97-AF65-F5344CB8AC3E}">
-        <p14:creationId xmlns:p14="http://schemas.microsoft.com/office/powerpoint/2010/main" val="2012820248"/>
+        <p14:creationId xmlns:p14="http://schemas.microsoft.com/office/powerpoint/2010/main" val="2830476836"/>
       </p:ext>
     </p:extLst>
   </p:cSld>
@@ -4445,7 +4446,7 @@
     </p:spTree>
     <p:extLst>
       <p:ext uri="{BB962C8B-B14F-4D97-AF65-F5344CB8AC3E}">
-        <p14:creationId xmlns:p14="http://schemas.microsoft.com/office/powerpoint/2010/main" val="622992528"/>
+        <p14:creationId xmlns:p14="http://schemas.microsoft.com/office/powerpoint/2010/main" val="2012820248"/>
       </p:ext>
     </p:extLst>
   </p:cSld>
@@ -4554,7 +4555,7 @@
     </p:spTree>
     <p:extLst>
       <p:ext uri="{BB962C8B-B14F-4D97-AF65-F5344CB8AC3E}">
-        <p14:creationId xmlns:p14="http://schemas.microsoft.com/office/powerpoint/2010/main" val="1862975749"/>
+        <p14:creationId xmlns:p14="http://schemas.microsoft.com/office/powerpoint/2010/main" val="622992528"/>
       </p:ext>
     </p:extLst>
   </p:cSld>
@@ -4663,7 +4664,7 @@
     </p:spTree>
     <p:extLst>
       <p:ext uri="{BB962C8B-B14F-4D97-AF65-F5344CB8AC3E}">
-        <p14:creationId xmlns:p14="http://schemas.microsoft.com/office/powerpoint/2010/main" val="995242391"/>
+        <p14:creationId xmlns:p14="http://schemas.microsoft.com/office/powerpoint/2010/main" val="1862975749"/>
       </p:ext>
     </p:extLst>
   </p:cSld>
@@ -4772,7 +4773,7 @@
     </p:spTree>
     <p:extLst>
       <p:ext uri="{BB962C8B-B14F-4D97-AF65-F5344CB8AC3E}">
-        <p14:creationId xmlns:p14="http://schemas.microsoft.com/office/powerpoint/2010/main" val="1892160654"/>
+        <p14:creationId xmlns:p14="http://schemas.microsoft.com/office/powerpoint/2010/main" val="995242391"/>
       </p:ext>
     </p:extLst>
   </p:cSld>
@@ -4881,7 +4882,7 @@
     </p:spTree>
     <p:extLst>
       <p:ext uri="{BB962C8B-B14F-4D97-AF65-F5344CB8AC3E}">
-        <p14:creationId xmlns:p14="http://schemas.microsoft.com/office/powerpoint/2010/main" val="1135465642"/>
+        <p14:creationId xmlns:p14="http://schemas.microsoft.com/office/powerpoint/2010/main" val="1892160654"/>
       </p:ext>
     </p:extLst>
   </p:cSld>
@@ -4990,7 +4991,7 @@
     </p:spTree>
     <p:extLst>
       <p:ext uri="{BB962C8B-B14F-4D97-AF65-F5344CB8AC3E}">
-        <p14:creationId xmlns:p14="http://schemas.microsoft.com/office/powerpoint/2010/main" val="1584082183"/>
+        <p14:creationId xmlns:p14="http://schemas.microsoft.com/office/powerpoint/2010/main" val="1135465642"/>
       </p:ext>
     </p:extLst>
   </p:cSld>
@@ -5099,7 +5100,7 @@
     </p:spTree>
     <p:extLst>
       <p:ext uri="{BB962C8B-B14F-4D97-AF65-F5344CB8AC3E}">
-        <p14:creationId xmlns:p14="http://schemas.microsoft.com/office/powerpoint/2010/main" val="3149443652"/>
+        <p14:creationId xmlns:p14="http://schemas.microsoft.com/office/powerpoint/2010/main" val="1584082183"/>
       </p:ext>
     </p:extLst>
   </p:cSld>
@@ -5208,7 +5209,7 @@
     </p:spTree>
     <p:extLst>
       <p:ext uri="{BB962C8B-B14F-4D97-AF65-F5344CB8AC3E}">
-        <p14:creationId xmlns:p14="http://schemas.microsoft.com/office/powerpoint/2010/main" val="330527751"/>
+        <p14:creationId xmlns:p14="http://schemas.microsoft.com/office/powerpoint/2010/main" val="3149443652"/>
       </p:ext>
     </p:extLst>
   </p:cSld>
@@ -5421,7 +5422,7 @@
     </p:spTree>
     <p:extLst>
       <p:ext uri="{BB962C8B-B14F-4D97-AF65-F5344CB8AC3E}">
-        <p14:creationId xmlns:p14="http://schemas.microsoft.com/office/powerpoint/2010/main" val="195899564"/>
+        <p14:creationId xmlns:p14="http://schemas.microsoft.com/office/powerpoint/2010/main" val="330527751"/>
       </p:ext>
     </p:extLst>
   </p:cSld>
@@ -5530,7 +5531,7 @@
     </p:spTree>
     <p:extLst>
       <p:ext uri="{BB962C8B-B14F-4D97-AF65-F5344CB8AC3E}">
-        <p14:creationId xmlns:p14="http://schemas.microsoft.com/office/powerpoint/2010/main" val="447812835"/>
+        <p14:creationId xmlns:p14="http://schemas.microsoft.com/office/powerpoint/2010/main" val="195899564"/>
       </p:ext>
     </p:extLst>
   </p:cSld>
@@ -5545,7 +5546,7 @@
   <p:cSld>
     <p:spTree>
       <p:nvGrpSpPr>
-        <p:cNvPr id="1" name="Shape 320"/>
+        <p:cNvPr id="1" name="Shape 267"/>
         <p:cNvGrpSpPr/>
         <p:nvPr/>
       </p:nvGrpSpPr>
@@ -5559,7 +5560,7 @@
       </p:grpSpPr>
       <p:sp>
         <p:nvSpPr>
-          <p:cNvPr id="321" name="Google Shape;321;g2bfff8405_0128:notes"/>
+          <p:cNvPr id="268" name="Google Shape;268;g2bec3cab4_021:notes"/>
           <p:cNvSpPr>
             <a:spLocks noGrp="1" noRot="1" noChangeAspect="1"/>
           </p:cNvSpPr>
@@ -5600,7 +5601,7 @@
       </p:sp>
       <p:sp>
         <p:nvSpPr>
-          <p:cNvPr id="322" name="Google Shape;322;g2bfff8405_0128:notes"/>
+          <p:cNvPr id="269" name="Google Shape;269;g2bec3cab4_021:notes"/>
           <p:cNvSpPr txBox="1">
             <a:spLocks noGrp="1"/>
           </p:cNvSpPr>
@@ -5637,6 +5638,11 @@
         </p:txBody>
       </p:sp>
     </p:spTree>
+    <p:extLst>
+      <p:ext uri="{BB962C8B-B14F-4D97-AF65-F5344CB8AC3E}">
+        <p14:creationId xmlns:p14="http://schemas.microsoft.com/office/powerpoint/2010/main" val="447812835"/>
+      </p:ext>
+    </p:extLst>
   </p:cSld>
   <p:clrMapOvr>
     <a:masterClrMapping/>
@@ -5649,7 +5655,7 @@
   <p:cSld>
     <p:spTree>
       <p:nvGrpSpPr>
-        <p:cNvPr id="1" name="Shape 326"/>
+        <p:cNvPr id="1" name="Shape 320"/>
         <p:cNvGrpSpPr/>
         <p:nvPr/>
       </p:nvGrpSpPr>
@@ -5663,7 +5669,7 @@
       </p:grpSpPr>
       <p:sp>
         <p:nvSpPr>
-          <p:cNvPr id="327" name="Google Shape;327;g1dd659cad_078:notes"/>
+          <p:cNvPr id="321" name="Google Shape;321;g2bfff8405_0128:notes"/>
           <p:cNvSpPr>
             <a:spLocks noGrp="1" noRot="1" noChangeAspect="1"/>
           </p:cNvSpPr>
@@ -5704,7 +5710,7 @@
       </p:sp>
       <p:sp>
         <p:nvSpPr>
-          <p:cNvPr id="328" name="Google Shape;328;g1dd659cad_078:notes"/>
+          <p:cNvPr id="322" name="Google Shape;322;g2bfff8405_0128:notes"/>
           <p:cNvSpPr txBox="1">
             <a:spLocks noGrp="1"/>
           </p:cNvSpPr>
@@ -5845,11 +5851,6 @@
         </p:txBody>
       </p:sp>
     </p:spTree>
-    <p:extLst>
-      <p:ext uri="{BB962C8B-B14F-4D97-AF65-F5344CB8AC3E}">
-        <p14:creationId xmlns:p14="http://schemas.microsoft.com/office/powerpoint/2010/main" val="3608035711"/>
-      </p:ext>
-    </p:extLst>
   </p:cSld>
   <p:clrMapOvr>
     <a:masterClrMapping/>
@@ -5956,7 +5957,7 @@
     </p:spTree>
     <p:extLst>
       <p:ext uri="{BB962C8B-B14F-4D97-AF65-F5344CB8AC3E}">
-        <p14:creationId xmlns:p14="http://schemas.microsoft.com/office/powerpoint/2010/main" val="379731489"/>
+        <p14:creationId xmlns:p14="http://schemas.microsoft.com/office/powerpoint/2010/main" val="3608035711"/>
       </p:ext>
     </p:extLst>
   </p:cSld>
@@ -6065,7 +6066,7 @@
     </p:spTree>
     <p:extLst>
       <p:ext uri="{BB962C8B-B14F-4D97-AF65-F5344CB8AC3E}">
-        <p14:creationId xmlns:p14="http://schemas.microsoft.com/office/powerpoint/2010/main" val="3594537089"/>
+        <p14:creationId xmlns:p14="http://schemas.microsoft.com/office/powerpoint/2010/main" val="379731489"/>
       </p:ext>
     </p:extLst>
   </p:cSld>
@@ -6080,7 +6081,7 @@
   <p:cSld>
     <p:spTree>
       <p:nvGrpSpPr>
-        <p:cNvPr id="1" name="Shape 332"/>
+        <p:cNvPr id="1" name="Shape 326"/>
         <p:cNvGrpSpPr/>
         <p:nvPr/>
       </p:nvGrpSpPr>
@@ -6094,7 +6095,7 @@
       </p:grpSpPr>
       <p:sp>
         <p:nvSpPr>
-          <p:cNvPr id="333" name="Google Shape;333;g2bec3cab4_034:notes"/>
+          <p:cNvPr id="327" name="Google Shape;327;g1dd659cad_078:notes"/>
           <p:cNvSpPr>
             <a:spLocks noGrp="1" noRot="1" noChangeAspect="1"/>
           </p:cNvSpPr>
@@ -6135,7 +6136,7 @@
       </p:sp>
       <p:sp>
         <p:nvSpPr>
-          <p:cNvPr id="334" name="Google Shape;334;g2bec3cab4_034:notes"/>
+          <p:cNvPr id="328" name="Google Shape;328;g1dd659cad_078:notes"/>
           <p:cNvSpPr txBox="1">
             <a:spLocks noGrp="1"/>
           </p:cNvSpPr>
@@ -6172,6 +6173,11 @@
         </p:txBody>
       </p:sp>
     </p:spTree>
+    <p:extLst>
+      <p:ext uri="{BB962C8B-B14F-4D97-AF65-F5344CB8AC3E}">
+        <p14:creationId xmlns:p14="http://schemas.microsoft.com/office/powerpoint/2010/main" val="3594537089"/>
+      </p:ext>
+    </p:extLst>
   </p:cSld>
   <p:clrMapOvr>
     <a:masterClrMapping/>
@@ -6184,7 +6190,7 @@
   <p:cSld>
     <p:spTree>
       <p:nvGrpSpPr>
-        <p:cNvPr id="1" name="Shape 338"/>
+        <p:cNvPr id="1" name="Shape 332"/>
         <p:cNvGrpSpPr/>
         <p:nvPr/>
       </p:nvGrpSpPr>
@@ -6198,7 +6204,7 @@
       </p:grpSpPr>
       <p:sp>
         <p:nvSpPr>
-          <p:cNvPr id="339" name="Google Shape;339;g18eb21b77d_0_301:notes"/>
+          <p:cNvPr id="333" name="Google Shape;333;g2bec3cab4_034:notes"/>
           <p:cNvSpPr>
             <a:spLocks noGrp="1" noRot="1" noChangeAspect="1"/>
           </p:cNvSpPr>
@@ -6239,7 +6245,7 @@
       </p:sp>
       <p:sp>
         <p:nvSpPr>
-          <p:cNvPr id="340" name="Google Shape;340;g18eb21b77d_0_301:notes"/>
+          <p:cNvPr id="334" name="Google Shape;334;g2bec3cab4_034:notes"/>
           <p:cNvSpPr txBox="1">
             <a:spLocks noGrp="1"/>
           </p:cNvSpPr>
@@ -6288,7 +6294,7 @@
   <p:cSld>
     <p:spTree>
       <p:nvGrpSpPr>
-        <p:cNvPr id="1" name="Shape 345"/>
+        <p:cNvPr id="1" name="Shape 338"/>
         <p:cNvGrpSpPr/>
         <p:nvPr/>
       </p:nvGrpSpPr>
@@ -6302,7 +6308,7 @@
       </p:grpSpPr>
       <p:sp>
         <p:nvSpPr>
-          <p:cNvPr id="346" name="Google Shape;346;g18eb21b77d_0_293:notes"/>
+          <p:cNvPr id="339" name="Google Shape;339;g18eb21b77d_0_301:notes"/>
           <p:cNvSpPr>
             <a:spLocks noGrp="1" noRot="1" noChangeAspect="1"/>
           </p:cNvSpPr>
@@ -6343,7 +6349,7 @@
       </p:sp>
       <p:sp>
         <p:nvSpPr>
-          <p:cNvPr id="347" name="Google Shape;347;g18eb21b77d_0_293:notes"/>
+          <p:cNvPr id="340" name="Google Shape;340;g18eb21b77d_0_301:notes"/>
           <p:cNvSpPr txBox="1">
             <a:spLocks noGrp="1"/>
           </p:cNvSpPr>
@@ -6448,6 +6454,110 @@
       <p:sp>
         <p:nvSpPr>
           <p:cNvPr id="87" name="Google Shape;87;g18eb21b77d_0_31:notes"/>
+          <p:cNvSpPr txBox="1">
+            <a:spLocks noGrp="1"/>
+          </p:cNvSpPr>
+          <p:nvPr>
+            <p:ph type="body" idx="1"/>
+          </p:nvPr>
+        </p:nvSpPr>
+        <p:spPr>
+          <a:xfrm>
+            <a:off x="685800" y="4343400"/>
+            <a:ext cx="5486400" cy="4114800"/>
+          </a:xfrm>
+          <a:prstGeom prst="rect">
+            <a:avLst/>
+          </a:prstGeom>
+        </p:spPr>
+        <p:txBody>
+          <a:bodyPr spcFirstLastPara="1" wrap="square" lIns="91425" tIns="91425" rIns="91425" bIns="91425" anchor="t" anchorCtr="0">
+            <a:noAutofit/>
+          </a:bodyPr>
+          <a:lstStyle/>
+          <a:p>
+            <a:pPr marL="0" lvl="0" indent="0" algn="l" rtl="0">
+              <a:spcBef>
+                <a:spcPts val="0"/>
+              </a:spcBef>
+              <a:spcAft>
+                <a:spcPts val="0"/>
+              </a:spcAft>
+              <a:buNone/>
+            </a:pPr>
+            <a:endParaRPr/>
+          </a:p>
+        </p:txBody>
+      </p:sp>
+    </p:spTree>
+  </p:cSld>
+  <p:clrMapOvr>
+    <a:masterClrMapping/>
+  </p:clrMapOvr>
+</p:notes>
+</file>
+
+<file path=ppt/notesSlides/notesSlide60.xml><?xml version="1.0" encoding="utf-8"?>
+<p:notes xmlns:a="http://schemas.openxmlformats.org/drawingml/2006/main" xmlns:r="http://schemas.openxmlformats.org/officeDocument/2006/relationships" xmlns:p="http://schemas.openxmlformats.org/presentationml/2006/main" showMasterSp="0" showMasterPhAnim="0">
+  <p:cSld>
+    <p:spTree>
+      <p:nvGrpSpPr>
+        <p:cNvPr id="1" name="Shape 345"/>
+        <p:cNvGrpSpPr/>
+        <p:nvPr/>
+      </p:nvGrpSpPr>
+      <p:grpSpPr>
+        <a:xfrm>
+          <a:off x="0" y="0"/>
+          <a:ext cx="0" cy="0"/>
+          <a:chOff x="0" y="0"/>
+          <a:chExt cx="0" cy="0"/>
+        </a:xfrm>
+      </p:grpSpPr>
+      <p:sp>
+        <p:nvSpPr>
+          <p:cNvPr id="346" name="Google Shape;346;g18eb21b77d_0_293:notes"/>
+          <p:cNvSpPr>
+            <a:spLocks noGrp="1" noRot="1" noChangeAspect="1"/>
+          </p:cNvSpPr>
+          <p:nvPr>
+            <p:ph type="sldImg" idx="2"/>
+          </p:nvPr>
+        </p:nvSpPr>
+        <p:spPr>
+          <a:xfrm>
+            <a:off x="381000" y="685800"/>
+            <a:ext cx="6096000" cy="3429000"/>
+          </a:xfrm>
+          <a:custGeom>
+            <a:avLst/>
+            <a:gdLst/>
+            <a:ahLst/>
+            <a:cxnLst/>
+            <a:rect l="l" t="t" r="r" b="b"/>
+            <a:pathLst>
+              <a:path w="120000" h="120000" extrusionOk="0">
+                <a:moveTo>
+                  <a:pt x="0" y="0"/>
+                </a:moveTo>
+                <a:lnTo>
+                  <a:pt x="120000" y="0"/>
+                </a:lnTo>
+                <a:lnTo>
+                  <a:pt x="120000" y="120000"/>
+                </a:lnTo>
+                <a:lnTo>
+                  <a:pt x="0" y="120000"/>
+                </a:lnTo>
+                <a:close/>
+              </a:path>
+            </a:pathLst>
+          </a:custGeom>
+        </p:spPr>
+      </p:sp>
+      <p:sp>
+        <p:nvSpPr>
+          <p:cNvPr id="347" name="Google Shape;347;g18eb21b77d_0_293:notes"/>
           <p:cNvSpPr txBox="1">
             <a:spLocks noGrp="1"/>
           </p:cNvSpPr>
@@ -17940,8 +18050,8 @@
           <a:chExt cx="0" cy="0"/>
         </a:xfrm>
       </p:grpSpPr>
-      <mc:AlternateContent xmlns:mc="http://schemas.openxmlformats.org/markup-compatibility/2006">
-        <mc:Choice xmlns:a14="http://schemas.microsoft.com/office/drawing/2010/main" Requires="a14">
+      <mc:AlternateContent xmlns:mc="http://schemas.openxmlformats.org/markup-compatibility/2006" xmlns:a14="http://schemas.microsoft.com/office/drawing/2010/main">
+        <mc:Choice Requires="a14">
           <p:sp>
             <p:nvSpPr>
               <p:cNvPr id="207" name="Google Shape;207;p38"/>
@@ -18175,7 +18285,7 @@
             </p:txBody>
           </p:sp>
         </mc:Choice>
-        <mc:Fallback>
+        <mc:Fallback xmlns="">
           <p:sp>
             <p:nvSpPr>
               <p:cNvPr id="207" name="Google Shape;207;p38"/>
@@ -21317,6 +21427,53 @@
               <a:rPr lang="en" sz="2200" dirty="0"/>
               <a:t>successes and failures, calculated using the null value</a:t>
             </a:r>
+          </a:p>
+          <a:p>
+            <a:pPr marL="88900" indent="0">
+              <a:lnSpc>
+                <a:spcPct val="115000"/>
+              </a:lnSpc>
+              <a:spcBef>
+                <a:spcPts val="0"/>
+              </a:spcBef>
+              <a:buSzPts val="2200"/>
+              <a:buNone/>
+            </a:pPr>
+            <a:r>
+              <a:rPr lang="en" sz="2200" dirty="0"/>
+              <a:t>Independence:</a:t>
+            </a:r>
+          </a:p>
+          <a:p>
+            <a:pPr marL="431800" indent="-342900">
+              <a:lnSpc>
+                <a:spcPct val="115000"/>
+              </a:lnSpc>
+              <a:spcBef>
+                <a:spcPts val="0"/>
+              </a:spcBef>
+              <a:buSzPts val="2200"/>
+            </a:pPr>
+            <a:r>
+              <a:rPr lang="en" sz="2200" dirty="0"/>
+              <a:t>Observations must be </a:t>
+            </a:r>
+            <a:r>
+              <a:rPr lang="en" sz="2200" dirty="0" err="1"/>
+              <a:t>independ</a:t>
+            </a:r>
+            <a:r>
+              <a:rPr lang="en-US" sz="2200" dirty="0"/>
+              <a:t>e</a:t>
+            </a:r>
+            <a:r>
+              <a:rPr lang="en" sz="2200" dirty="0" err="1"/>
+              <a:t>nt</a:t>
+            </a:r>
+            <a:r>
+              <a:rPr lang="en" sz="2200" dirty="0"/>
+              <a:t> of each other </a:t>
+            </a:r>
             <a:endParaRPr sz="2200" dirty="0"/>
           </a:p>
           <a:p>
@@ -21364,7 +21521,7 @@
                   <a:schemeClr val="accent1"/>
                 </a:solidFill>
               </a:rPr>
-              <a:t>CI vs. HT for proportions</a:t>
+              <a:t>Hypothesis Test for proportions</a:t>
             </a:r>
             <a:endParaRPr dirty="0">
               <a:solidFill>
@@ -21383,6 +21540,280 @@
 </file>
 
 <file path=ppt/slides/slide41.xml><?xml version="1.0" encoding="utf-8"?>
+<p:sld xmlns:a="http://schemas.openxmlformats.org/drawingml/2006/main" xmlns:r="http://schemas.openxmlformats.org/officeDocument/2006/relationships" xmlns:p="http://schemas.openxmlformats.org/presentationml/2006/main">
+  <p:cSld>
+    <p:spTree>
+      <p:nvGrpSpPr>
+        <p:cNvPr id="1" name="Shape 270"/>
+        <p:cNvGrpSpPr/>
+        <p:nvPr/>
+      </p:nvGrpSpPr>
+      <p:grpSpPr>
+        <a:xfrm>
+          <a:off x="0" y="0"/>
+          <a:ext cx="0" cy="0"/>
+          <a:chOff x="0" y="0"/>
+          <a:chExt cx="0" cy="0"/>
+        </a:xfrm>
+      </p:grpSpPr>
+      <p:sp>
+        <p:nvSpPr>
+          <p:cNvPr id="271" name="Google Shape;271;p46"/>
+          <p:cNvSpPr txBox="1">
+            <a:spLocks noGrp="1"/>
+          </p:cNvSpPr>
+          <p:nvPr>
+            <p:ph type="title"/>
+          </p:nvPr>
+        </p:nvSpPr>
+        <p:spPr>
+          <a:xfrm>
+            <a:off x="1981200" y="-12"/>
+            <a:ext cx="8229600" cy="1143000"/>
+          </a:xfrm>
+          <a:prstGeom prst="rect">
+            <a:avLst/>
+          </a:prstGeom>
+        </p:spPr>
+        <p:txBody>
+          <a:bodyPr spcFirstLastPara="1" wrap="square" lIns="91425" tIns="91425" rIns="91425" bIns="91425" anchor="b" anchorCtr="0">
+            <a:noAutofit/>
+          </a:bodyPr>
+          <a:lstStyle/>
+          <a:p>
+            <a:r>
+              <a:rPr lang="en" dirty="0">
+                <a:solidFill>
+                  <a:schemeClr val="accent1"/>
+                </a:solidFill>
+              </a:rPr>
+              <a:t>Hypothesis Testing </a:t>
+            </a:r>
+            <a:endParaRPr dirty="0">
+              <a:solidFill>
+                <a:schemeClr val="accent1"/>
+              </a:solidFill>
+            </a:endParaRPr>
+          </a:p>
+        </p:txBody>
+      </p:sp>
+      <p:sp>
+        <p:nvSpPr>
+          <p:cNvPr id="272" name="Google Shape;272;p46"/>
+          <p:cNvSpPr txBox="1">
+            <a:spLocks noGrp="1"/>
+          </p:cNvSpPr>
+          <p:nvPr>
+            <p:ph type="body" idx="1"/>
+          </p:nvPr>
+        </p:nvSpPr>
+        <p:spPr>
+          <a:xfrm flipH="1">
+            <a:off x="1981075" y="1305775"/>
+            <a:ext cx="7822200" cy="1343100"/>
+          </a:xfrm>
+          <a:prstGeom prst="rect">
+            <a:avLst/>
+          </a:prstGeom>
+        </p:spPr>
+        <p:txBody>
+          <a:bodyPr spcFirstLastPara="1" wrap="square" lIns="91425" tIns="91425" rIns="91425" bIns="91425" anchor="t" anchorCtr="0">
+            <a:noAutofit/>
+          </a:bodyPr>
+          <a:lstStyle/>
+          <a:p>
+            <a:pPr marL="0" indent="0">
+              <a:lnSpc>
+                <a:spcPct val="115000"/>
+              </a:lnSpc>
+              <a:spcBef>
+                <a:spcPts val="0"/>
+              </a:spcBef>
+              <a:buNone/>
+            </a:pPr>
+            <a:r>
+              <a:rPr lang="en" sz="1900" dirty="0">
+                <a:solidFill>
+                  <a:schemeClr val="tx1"/>
+                </a:solidFill>
+              </a:rPr>
+              <a:t>The GSS found that 571 out of 670 (85%) of Americans answered the question on experimental design correctly. </a:t>
+            </a:r>
+          </a:p>
+          <a:p>
+            <a:pPr marL="0" indent="0">
+              <a:lnSpc>
+                <a:spcPct val="115000"/>
+              </a:lnSpc>
+              <a:spcBef>
+                <a:spcPts val="0"/>
+              </a:spcBef>
+              <a:buNone/>
+            </a:pPr>
+            <a:r>
+              <a:rPr lang="en" sz="1900" i="1" dirty="0">
+                <a:solidFill>
+                  <a:schemeClr val="tx1"/>
+                </a:solidFill>
+              </a:rPr>
+              <a:t>Do these data provide convincing evidence that more than 80% of Americans have a good intuition about experimental design?</a:t>
+            </a:r>
+          </a:p>
+          <a:p>
+            <a:pPr marL="0" indent="0">
+              <a:lnSpc>
+                <a:spcPct val="115000"/>
+              </a:lnSpc>
+              <a:spcBef>
+                <a:spcPts val="0"/>
+              </a:spcBef>
+              <a:buNone/>
+            </a:pPr>
+            <a:endParaRPr lang="en" sz="1900" i="1" dirty="0">
+              <a:solidFill>
+                <a:schemeClr val="tx1"/>
+              </a:solidFill>
+            </a:endParaRPr>
+          </a:p>
+          <a:p>
+            <a:pPr marL="0" indent="0">
+              <a:lnSpc>
+                <a:spcPct val="115000"/>
+              </a:lnSpc>
+              <a:spcBef>
+                <a:spcPts val="0"/>
+              </a:spcBef>
+              <a:buNone/>
+            </a:pPr>
+            <a:endParaRPr lang="en" sz="1900" i="1" dirty="0">
+              <a:solidFill>
+                <a:schemeClr val="tx1"/>
+              </a:solidFill>
+            </a:endParaRPr>
+          </a:p>
+          <a:p>
+            <a:pPr marL="0" indent="0">
+              <a:lnSpc>
+                <a:spcPct val="115000"/>
+              </a:lnSpc>
+              <a:spcBef>
+                <a:spcPts val="0"/>
+              </a:spcBef>
+              <a:buNone/>
+            </a:pPr>
+            <a:endParaRPr lang="en" sz="1900" i="1" dirty="0">
+              <a:solidFill>
+                <a:schemeClr val="tx1"/>
+              </a:solidFill>
+            </a:endParaRPr>
+          </a:p>
+          <a:p>
+            <a:pPr marL="0" indent="0">
+              <a:lnSpc>
+                <a:spcPct val="115000"/>
+              </a:lnSpc>
+              <a:spcBef>
+                <a:spcPts val="0"/>
+              </a:spcBef>
+              <a:buNone/>
+            </a:pPr>
+            <a:r>
+              <a:rPr lang="en" sz="1900" dirty="0">
+                <a:solidFill>
+                  <a:schemeClr val="tx1"/>
+                </a:solidFill>
+              </a:rPr>
+              <a:t>What test should we use? </a:t>
+            </a:r>
+          </a:p>
+          <a:p>
+            <a:pPr marL="0" indent="0">
+              <a:lnSpc>
+                <a:spcPct val="115000"/>
+              </a:lnSpc>
+              <a:spcBef>
+                <a:spcPts val="0"/>
+              </a:spcBef>
+              <a:buNone/>
+            </a:pPr>
+            <a:r>
+              <a:rPr lang="en" sz="1900" dirty="0">
+                <a:solidFill>
+                  <a:schemeClr val="tx1"/>
+                </a:solidFill>
+              </a:rPr>
+              <a:t>	- Z-test, N &gt; 50 </a:t>
+            </a:r>
+          </a:p>
+          <a:p>
+            <a:pPr marL="0" indent="0">
+              <a:lnSpc>
+                <a:spcPct val="115000"/>
+              </a:lnSpc>
+              <a:spcBef>
+                <a:spcPts val="0"/>
+              </a:spcBef>
+              <a:buNone/>
+            </a:pPr>
+            <a:r>
+              <a:rPr lang="en" sz="1900" dirty="0">
+                <a:solidFill>
+                  <a:schemeClr val="tx1"/>
+                </a:solidFill>
+              </a:rPr>
+              <a:t>Do we meet the conditions to use it? </a:t>
+            </a:r>
+          </a:p>
+        </p:txBody>
+      </p:sp>
+      <p:pic>
+        <p:nvPicPr>
+          <p:cNvPr id="2" name="Google Shape;279;p47">
+            <a:extLst>
+              <a:ext uri="{FF2B5EF4-FFF2-40B4-BE49-F238E27FC236}">
+                <a16:creationId xmlns:a16="http://schemas.microsoft.com/office/drawing/2014/main" id="{9C64D319-7E42-3521-97C3-944FB5105914}"/>
+              </a:ext>
+            </a:extLst>
+          </p:cNvPr>
+          <p:cNvPicPr preferRelativeResize="0"/>
+          <p:nvPr/>
+        </p:nvPicPr>
+        <p:blipFill>
+          <a:blip r:embed="rId3">
+            <a:alphaModFix/>
+          </a:blip>
+          <a:stretch>
+            <a:fillRect/>
+          </a:stretch>
+        </p:blipFill>
+        <p:spPr>
+          <a:xfrm>
+            <a:off x="2831219" y="2811662"/>
+            <a:ext cx="5154928" cy="819122"/>
+          </a:xfrm>
+          <a:prstGeom prst="rect">
+            <a:avLst/>
+          </a:prstGeom>
+          <a:noFill/>
+          <a:ln>
+            <a:noFill/>
+          </a:ln>
+        </p:spPr>
+      </p:pic>
+    </p:spTree>
+    <p:extLst>
+      <p:ext uri="{BB962C8B-B14F-4D97-AF65-F5344CB8AC3E}">
+        <p14:creationId xmlns:p14="http://schemas.microsoft.com/office/powerpoint/2010/main" val="3685384939"/>
+      </p:ext>
+    </p:extLst>
+  </p:cSld>
+  <p:clrMapOvr>
+    <a:masterClrMapping/>
+  </p:clrMapOvr>
+</p:sld>
+</file>
+
+<file path=ppt/slides/slide42.xml><?xml version="1.0" encoding="utf-8"?>
 <p:sld xmlns:a="http://schemas.openxmlformats.org/drawingml/2006/main" xmlns:r="http://schemas.openxmlformats.org/officeDocument/2006/relationships" xmlns:p="http://schemas.openxmlformats.org/presentationml/2006/main">
   <p:cSld>
     <p:spTree>
@@ -21802,7 +22233,7 @@
 </p:sld>
 </file>
 
-<file path=ppt/slides/slide42.xml><?xml version="1.0" encoding="utf-8"?>
+<file path=ppt/slides/slide43.xml><?xml version="1.0" encoding="utf-8"?>
 <p:sld xmlns:a="http://schemas.openxmlformats.org/drawingml/2006/main" xmlns:r="http://schemas.openxmlformats.org/officeDocument/2006/relationships" xmlns:p="http://schemas.openxmlformats.org/presentationml/2006/main">
   <p:cSld>
     <p:spTree>
@@ -22038,7 +22469,7 @@
 </p:sld>
 </file>
 
-<file path=ppt/slides/slide43.xml><?xml version="1.0" encoding="utf-8"?>
+<file path=ppt/slides/slide44.xml><?xml version="1.0" encoding="utf-8"?>
 <p:sld xmlns:a="http://schemas.openxmlformats.org/drawingml/2006/main" xmlns:r="http://schemas.openxmlformats.org/officeDocument/2006/relationships" xmlns:p="http://schemas.openxmlformats.org/presentationml/2006/main">
   <p:cSld>
     <p:spTree>
@@ -22451,7 +22882,7 @@
 </p:sld>
 </file>
 
-<file path=ppt/slides/slide44.xml><?xml version="1.0" encoding="utf-8"?>
+<file path=ppt/slides/slide45.xml><?xml version="1.0" encoding="utf-8"?>
 <p:sld xmlns:a="http://schemas.openxmlformats.org/drawingml/2006/main" xmlns:r="http://schemas.openxmlformats.org/officeDocument/2006/relationships" xmlns:p="http://schemas.openxmlformats.org/presentationml/2006/main">
   <p:cSld>
     <p:spTree>
@@ -22689,7 +23120,7 @@
 </p:sld>
 </file>
 
-<file path=ppt/slides/slide45.xml><?xml version="1.0" encoding="utf-8"?>
+<file path=ppt/slides/slide46.xml><?xml version="1.0" encoding="utf-8"?>
 <p:sld xmlns:a="http://schemas.openxmlformats.org/drawingml/2006/main" xmlns:r="http://schemas.openxmlformats.org/officeDocument/2006/relationships" xmlns:p="http://schemas.openxmlformats.org/presentationml/2006/main">
   <p:cSld>
     <p:spTree>
@@ -23136,7 +23567,7 @@
 </p:sld>
 </file>
 
-<file path=ppt/slides/slide46.xml><?xml version="1.0" encoding="utf-8"?>
+<file path=ppt/slides/slide47.xml><?xml version="1.0" encoding="utf-8"?>
 <p:sld xmlns:a="http://schemas.openxmlformats.org/drawingml/2006/main" xmlns:r="http://schemas.openxmlformats.org/officeDocument/2006/relationships" xmlns:p="http://schemas.openxmlformats.org/presentationml/2006/main">
   <p:cSld>
     <p:spTree>
@@ -24165,7 +24596,7 @@
 </p:sld>
 </file>
 
-<file path=ppt/slides/slide47.xml><?xml version="1.0" encoding="utf-8"?>
+<file path=ppt/slides/slide48.xml><?xml version="1.0" encoding="utf-8"?>
 <p:sld xmlns:a="http://schemas.openxmlformats.org/drawingml/2006/main" xmlns:r="http://schemas.openxmlformats.org/officeDocument/2006/relationships" xmlns:p="http://schemas.openxmlformats.org/presentationml/2006/main">
   <p:cSld>
     <p:spTree>
@@ -25242,7 +25673,7 @@
 </p:sld>
 </file>
 
-<file path=ppt/slides/slide48.xml><?xml version="1.0" encoding="utf-8"?>
+<file path=ppt/slides/slide49.xml><?xml version="1.0" encoding="utf-8"?>
 <p:sld xmlns:a="http://schemas.openxmlformats.org/drawingml/2006/main" xmlns:r="http://schemas.openxmlformats.org/officeDocument/2006/relationships" xmlns:p="http://schemas.openxmlformats.org/presentationml/2006/main">
   <p:cSld>
     <p:spTree>
@@ -26349,7 +26780,208 @@
 </p:sld>
 </file>
 
-<file path=ppt/slides/slide49.xml><?xml version="1.0" encoding="utf-8"?>
+<file path=ppt/slides/slide5.xml><?xml version="1.0" encoding="utf-8"?>
+<p:sld xmlns:a="http://schemas.openxmlformats.org/drawingml/2006/main" xmlns:r="http://schemas.openxmlformats.org/officeDocument/2006/relationships" xmlns:p="http://schemas.openxmlformats.org/presentationml/2006/main">
+  <p:cSld>
+    <p:spTree>
+      <p:nvGrpSpPr>
+        <p:cNvPr id="1" name="Shape 56"/>
+        <p:cNvGrpSpPr/>
+        <p:nvPr/>
+      </p:nvGrpSpPr>
+      <p:grpSpPr>
+        <a:xfrm>
+          <a:off x="0" y="0"/>
+          <a:ext cx="0" cy="0"/>
+          <a:chOff x="0" y="0"/>
+          <a:chExt cx="0" cy="0"/>
+        </a:xfrm>
+      </p:grpSpPr>
+      <p:sp>
+        <p:nvSpPr>
+          <p:cNvPr id="57" name="Google Shape;57;p17"/>
+          <p:cNvSpPr txBox="1">
+            <a:spLocks noGrp="1"/>
+          </p:cNvSpPr>
+          <p:nvPr>
+            <p:ph type="body" idx="1"/>
+          </p:nvPr>
+        </p:nvSpPr>
+        <p:spPr>
+          <a:xfrm flipH="1">
+            <a:off x="246184" y="1305775"/>
+            <a:ext cx="11465169" cy="3418500"/>
+          </a:xfrm>
+          <a:prstGeom prst="rect">
+            <a:avLst/>
+          </a:prstGeom>
+        </p:spPr>
+        <p:txBody>
+          <a:bodyPr spcFirstLastPara="1" wrap="square" lIns="91425" tIns="91425" rIns="91425" bIns="91425" anchor="t" anchorCtr="0">
+            <a:noAutofit/>
+          </a:bodyPr>
+          <a:lstStyle/>
+          <a:p>
+            <a:pPr marL="0" indent="0">
+              <a:lnSpc>
+                <a:spcPct val="115000"/>
+              </a:lnSpc>
+              <a:spcBef>
+                <a:spcPts val="0"/>
+              </a:spcBef>
+              <a:buNone/>
+            </a:pPr>
+            <a:r>
+              <a:rPr lang="en" sz="2400" dirty="0">
+                <a:solidFill>
+                  <a:schemeClr val="tx1"/>
+                </a:solidFill>
+              </a:rPr>
+              <a:t>The following survey was used to determine if American’s have a good understanding of experimental design. </a:t>
+            </a:r>
+          </a:p>
+          <a:p>
+            <a:pPr marL="0" indent="0">
+              <a:lnSpc>
+                <a:spcPct val="115000"/>
+              </a:lnSpc>
+              <a:spcBef>
+                <a:spcPts val="0"/>
+              </a:spcBef>
+              <a:buNone/>
+            </a:pPr>
+            <a:endParaRPr lang="en" sz="2200" dirty="0">
+              <a:solidFill>
+                <a:schemeClr val="accent1"/>
+              </a:solidFill>
+            </a:endParaRPr>
+          </a:p>
+          <a:p>
+            <a:pPr marL="0" indent="0">
+              <a:lnSpc>
+                <a:spcPct val="115000"/>
+              </a:lnSpc>
+              <a:spcBef>
+                <a:spcPts val="0"/>
+              </a:spcBef>
+              <a:buNone/>
+            </a:pPr>
+            <a:r>
+              <a:rPr lang="en" sz="2200" dirty="0">
+                <a:solidFill>
+                  <a:schemeClr val="accent1"/>
+                </a:solidFill>
+              </a:rPr>
+              <a:t>Two scientists want to know if a certain drug is effective against high blood pressure. The first scientist wants to give the drug to 1000 people with high blood pressure and see how many of them experience lower blood pressure levels. The second scientist wants to give the drug to 500 people with high blood pressure, and not give the drug to another 500 people with high blood pressure, and see how many in both groups experience lower blood pressure levels. Which is the better way to test this drug?</a:t>
+            </a:r>
+            <a:endParaRPr sz="2200" dirty="0">
+              <a:solidFill>
+                <a:schemeClr val="accent1"/>
+              </a:solidFill>
+            </a:endParaRPr>
+          </a:p>
+          <a:p>
+            <a:pPr marL="0" indent="0">
+              <a:lnSpc>
+                <a:spcPct val="115000"/>
+              </a:lnSpc>
+              <a:spcBef>
+                <a:spcPts val="0"/>
+              </a:spcBef>
+              <a:buNone/>
+            </a:pPr>
+            <a:endParaRPr sz="2200" dirty="0">
+              <a:solidFill>
+                <a:schemeClr val="accent1"/>
+              </a:solidFill>
+            </a:endParaRPr>
+          </a:p>
+          <a:p>
+            <a:pPr indent="-368300">
+              <a:lnSpc>
+                <a:spcPct val="115000"/>
+              </a:lnSpc>
+              <a:spcBef>
+                <a:spcPts val="0"/>
+              </a:spcBef>
+              <a:buSzPts val="2200"/>
+              <a:buAutoNum type="alphaLcParenBoth"/>
+            </a:pPr>
+            <a:r>
+              <a:rPr lang="en" sz="2200" dirty="0"/>
+              <a:t>All 1000 get the drug</a:t>
+            </a:r>
+            <a:endParaRPr sz="2200" dirty="0"/>
+          </a:p>
+          <a:p>
+            <a:pPr indent="-368300">
+              <a:lnSpc>
+                <a:spcPct val="115000"/>
+              </a:lnSpc>
+              <a:spcBef>
+                <a:spcPts val="0"/>
+              </a:spcBef>
+              <a:buSzPts val="2200"/>
+              <a:buAutoNum type="alphaLcParenBoth"/>
+            </a:pPr>
+            <a:r>
+              <a:rPr lang="en" sz="2200" dirty="0"/>
+              <a:t>500 get the drug, 500 don’t</a:t>
+            </a:r>
+            <a:endParaRPr sz="2200" dirty="0"/>
+          </a:p>
+        </p:txBody>
+      </p:sp>
+      <p:sp>
+        <p:nvSpPr>
+          <p:cNvPr id="58" name="Google Shape;58;p17"/>
+          <p:cNvSpPr txBox="1">
+            <a:spLocks noGrp="1"/>
+          </p:cNvSpPr>
+          <p:nvPr>
+            <p:ph type="title"/>
+          </p:nvPr>
+        </p:nvSpPr>
+        <p:spPr>
+          <a:xfrm>
+            <a:off x="1981200" y="-12"/>
+            <a:ext cx="8229600" cy="1143000"/>
+          </a:xfrm>
+          <a:prstGeom prst="rect">
+            <a:avLst/>
+          </a:prstGeom>
+        </p:spPr>
+        <p:txBody>
+          <a:bodyPr spcFirstLastPara="1" wrap="square" lIns="91425" tIns="91425" rIns="91425" bIns="91425" anchor="b" anchorCtr="0">
+            <a:noAutofit/>
+          </a:bodyPr>
+          <a:lstStyle/>
+          <a:p>
+            <a:r>
+              <a:rPr lang="en" dirty="0">
+                <a:solidFill>
+                  <a:schemeClr val="accent1"/>
+                </a:solidFill>
+              </a:rPr>
+              <a:t>Motivating Example</a:t>
+            </a:r>
+            <a:endParaRPr baseline="30000" dirty="0">
+              <a:solidFill>
+                <a:schemeClr val="accent1"/>
+              </a:solidFill>
+            </a:endParaRPr>
+          </a:p>
+        </p:txBody>
+      </p:sp>
+    </p:spTree>
+  </p:cSld>
+  <p:clrMapOvr>
+    <a:masterClrMapping/>
+  </p:clrMapOvr>
+</p:sld>
+</file>
+
+<file path=ppt/slides/slide50.xml><?xml version="1.0" encoding="utf-8"?>
 <p:sld xmlns:a="http://schemas.openxmlformats.org/drawingml/2006/main" xmlns:r="http://schemas.openxmlformats.org/officeDocument/2006/relationships" xmlns:p="http://schemas.openxmlformats.org/presentationml/2006/main">
   <p:cSld>
     <p:spTree>
@@ -26828,208 +27460,7 @@
 </p:sld>
 </file>
 
-<file path=ppt/slides/slide5.xml><?xml version="1.0" encoding="utf-8"?>
-<p:sld xmlns:a="http://schemas.openxmlformats.org/drawingml/2006/main" xmlns:r="http://schemas.openxmlformats.org/officeDocument/2006/relationships" xmlns:p="http://schemas.openxmlformats.org/presentationml/2006/main">
-  <p:cSld>
-    <p:spTree>
-      <p:nvGrpSpPr>
-        <p:cNvPr id="1" name="Shape 56"/>
-        <p:cNvGrpSpPr/>
-        <p:nvPr/>
-      </p:nvGrpSpPr>
-      <p:grpSpPr>
-        <a:xfrm>
-          <a:off x="0" y="0"/>
-          <a:ext cx="0" cy="0"/>
-          <a:chOff x="0" y="0"/>
-          <a:chExt cx="0" cy="0"/>
-        </a:xfrm>
-      </p:grpSpPr>
-      <p:sp>
-        <p:nvSpPr>
-          <p:cNvPr id="57" name="Google Shape;57;p17"/>
-          <p:cNvSpPr txBox="1">
-            <a:spLocks noGrp="1"/>
-          </p:cNvSpPr>
-          <p:nvPr>
-            <p:ph type="body" idx="1"/>
-          </p:nvPr>
-        </p:nvSpPr>
-        <p:spPr>
-          <a:xfrm flipH="1">
-            <a:off x="246184" y="1305775"/>
-            <a:ext cx="11465169" cy="3418500"/>
-          </a:xfrm>
-          <a:prstGeom prst="rect">
-            <a:avLst/>
-          </a:prstGeom>
-        </p:spPr>
-        <p:txBody>
-          <a:bodyPr spcFirstLastPara="1" wrap="square" lIns="91425" tIns="91425" rIns="91425" bIns="91425" anchor="t" anchorCtr="0">
-            <a:noAutofit/>
-          </a:bodyPr>
-          <a:lstStyle/>
-          <a:p>
-            <a:pPr marL="0" indent="0">
-              <a:lnSpc>
-                <a:spcPct val="115000"/>
-              </a:lnSpc>
-              <a:spcBef>
-                <a:spcPts val="0"/>
-              </a:spcBef>
-              <a:buNone/>
-            </a:pPr>
-            <a:r>
-              <a:rPr lang="en" sz="2400" dirty="0">
-                <a:solidFill>
-                  <a:schemeClr val="tx1"/>
-                </a:solidFill>
-              </a:rPr>
-              <a:t>The following survey was used to determine if American’s have a good understanding of experimental design. </a:t>
-            </a:r>
-          </a:p>
-          <a:p>
-            <a:pPr marL="0" indent="0">
-              <a:lnSpc>
-                <a:spcPct val="115000"/>
-              </a:lnSpc>
-              <a:spcBef>
-                <a:spcPts val="0"/>
-              </a:spcBef>
-              <a:buNone/>
-            </a:pPr>
-            <a:endParaRPr lang="en" sz="2200" dirty="0">
-              <a:solidFill>
-                <a:schemeClr val="accent1"/>
-              </a:solidFill>
-            </a:endParaRPr>
-          </a:p>
-          <a:p>
-            <a:pPr marL="0" indent="0">
-              <a:lnSpc>
-                <a:spcPct val="115000"/>
-              </a:lnSpc>
-              <a:spcBef>
-                <a:spcPts val="0"/>
-              </a:spcBef>
-              <a:buNone/>
-            </a:pPr>
-            <a:r>
-              <a:rPr lang="en" sz="2200" dirty="0">
-                <a:solidFill>
-                  <a:schemeClr val="accent1"/>
-                </a:solidFill>
-              </a:rPr>
-              <a:t>Two scientists want to know if a certain drug is effective against high blood pressure. The first scientist wants to give the drug to 1000 people with high blood pressure and see how many of them experience lower blood pressure levels. The second scientist wants to give the drug to 500 people with high blood pressure, and not give the drug to another 500 people with high blood pressure, and see how many in both groups experience lower blood pressure levels. Which is the better way to test this drug?</a:t>
-            </a:r>
-            <a:endParaRPr sz="2200" dirty="0">
-              <a:solidFill>
-                <a:schemeClr val="accent1"/>
-              </a:solidFill>
-            </a:endParaRPr>
-          </a:p>
-          <a:p>
-            <a:pPr marL="0" indent="0">
-              <a:lnSpc>
-                <a:spcPct val="115000"/>
-              </a:lnSpc>
-              <a:spcBef>
-                <a:spcPts val="0"/>
-              </a:spcBef>
-              <a:buNone/>
-            </a:pPr>
-            <a:endParaRPr sz="2200" dirty="0">
-              <a:solidFill>
-                <a:schemeClr val="accent1"/>
-              </a:solidFill>
-            </a:endParaRPr>
-          </a:p>
-          <a:p>
-            <a:pPr indent="-368300">
-              <a:lnSpc>
-                <a:spcPct val="115000"/>
-              </a:lnSpc>
-              <a:spcBef>
-                <a:spcPts val="0"/>
-              </a:spcBef>
-              <a:buSzPts val="2200"/>
-              <a:buAutoNum type="alphaLcParenBoth"/>
-            </a:pPr>
-            <a:r>
-              <a:rPr lang="en" sz="2200" dirty="0"/>
-              <a:t>All 1000 get the drug</a:t>
-            </a:r>
-            <a:endParaRPr sz="2200" dirty="0"/>
-          </a:p>
-          <a:p>
-            <a:pPr indent="-368300">
-              <a:lnSpc>
-                <a:spcPct val="115000"/>
-              </a:lnSpc>
-              <a:spcBef>
-                <a:spcPts val="0"/>
-              </a:spcBef>
-              <a:buSzPts val="2200"/>
-              <a:buAutoNum type="alphaLcParenBoth"/>
-            </a:pPr>
-            <a:r>
-              <a:rPr lang="en" sz="2200" dirty="0"/>
-              <a:t>500 get the drug, 500 don’t</a:t>
-            </a:r>
-            <a:endParaRPr sz="2200" dirty="0"/>
-          </a:p>
-        </p:txBody>
-      </p:sp>
-      <p:sp>
-        <p:nvSpPr>
-          <p:cNvPr id="58" name="Google Shape;58;p17"/>
-          <p:cNvSpPr txBox="1">
-            <a:spLocks noGrp="1"/>
-          </p:cNvSpPr>
-          <p:nvPr>
-            <p:ph type="title"/>
-          </p:nvPr>
-        </p:nvSpPr>
-        <p:spPr>
-          <a:xfrm>
-            <a:off x="1981200" y="-12"/>
-            <a:ext cx="8229600" cy="1143000"/>
-          </a:xfrm>
-          <a:prstGeom prst="rect">
-            <a:avLst/>
-          </a:prstGeom>
-        </p:spPr>
-        <p:txBody>
-          <a:bodyPr spcFirstLastPara="1" wrap="square" lIns="91425" tIns="91425" rIns="91425" bIns="91425" anchor="b" anchorCtr="0">
-            <a:noAutofit/>
-          </a:bodyPr>
-          <a:lstStyle/>
-          <a:p>
-            <a:r>
-              <a:rPr lang="en" dirty="0">
-                <a:solidFill>
-                  <a:schemeClr val="accent1"/>
-                </a:solidFill>
-              </a:rPr>
-              <a:t>Motivating Example</a:t>
-            </a:r>
-            <a:endParaRPr baseline="30000" dirty="0">
-              <a:solidFill>
-                <a:schemeClr val="accent1"/>
-              </a:solidFill>
-            </a:endParaRPr>
-          </a:p>
-        </p:txBody>
-      </p:sp>
-    </p:spTree>
-  </p:cSld>
-  <p:clrMapOvr>
-    <a:masterClrMapping/>
-  </p:clrMapOvr>
-</p:sld>
-</file>
-
-<file path=ppt/slides/slide50.xml><?xml version="1.0" encoding="utf-8"?>
+<file path=ppt/slides/slide51.xml><?xml version="1.0" encoding="utf-8"?>
 <p:sld xmlns:a="http://schemas.openxmlformats.org/drawingml/2006/main" xmlns:r="http://schemas.openxmlformats.org/officeDocument/2006/relationships" xmlns:p="http://schemas.openxmlformats.org/presentationml/2006/main">
   <p:cSld>
     <p:spTree>
@@ -27589,7 +28020,7 @@
 </p:sld>
 </file>
 
-<file path=ppt/slides/slide51.xml><?xml version="1.0" encoding="utf-8"?>
+<file path=ppt/slides/slide52.xml><?xml version="1.0" encoding="utf-8"?>
 <p:sld xmlns:a="http://schemas.openxmlformats.org/drawingml/2006/main" xmlns:r="http://schemas.openxmlformats.org/officeDocument/2006/relationships" xmlns:p="http://schemas.openxmlformats.org/presentationml/2006/main">
   <p:cSld>
     <p:spTree>
@@ -28291,7 +28722,7 @@
 </p:sld>
 </file>
 
-<file path=ppt/slides/slide52.xml><?xml version="1.0" encoding="utf-8"?>
+<file path=ppt/slides/slide53.xml><?xml version="1.0" encoding="utf-8"?>
 <p:sld xmlns:a="http://schemas.openxmlformats.org/drawingml/2006/main" xmlns:r="http://schemas.openxmlformats.org/officeDocument/2006/relationships" xmlns:p="http://schemas.openxmlformats.org/presentationml/2006/main">
   <p:cSld>
     <p:spTree>
@@ -29332,7 +29763,7 @@
 </p:sld>
 </file>
 
-<file path=ppt/slides/slide53.xml><?xml version="1.0" encoding="utf-8"?>
+<file path=ppt/slides/slide54.xml><?xml version="1.0" encoding="utf-8"?>
 <p:sld xmlns:a="http://schemas.openxmlformats.org/drawingml/2006/main" xmlns:r="http://schemas.openxmlformats.org/officeDocument/2006/relationships" xmlns:p="http://schemas.openxmlformats.org/presentationml/2006/main">
   <p:cSld>
     <p:spTree>
@@ -30333,7 +30764,7 @@
 </p:sld>
 </file>
 
-<file path=ppt/slides/slide54.xml><?xml version="1.0" encoding="utf-8"?>
+<file path=ppt/slides/slide55.xml><?xml version="1.0" encoding="utf-8"?>
 <p:sld xmlns:a="http://schemas.openxmlformats.org/drawingml/2006/main" xmlns:r="http://schemas.openxmlformats.org/officeDocument/2006/relationships" xmlns:p="http://schemas.openxmlformats.org/presentationml/2006/main">
   <p:cSld>
     <p:spTree>
@@ -31353,7 +31784,7 @@
 </p:sld>
 </file>
 
-<file path=ppt/slides/slide55.xml><?xml version="1.0" encoding="utf-8"?>
+<file path=ppt/slides/slide56.xml><?xml version="1.0" encoding="utf-8"?>
 <p:sld xmlns:a="http://schemas.openxmlformats.org/drawingml/2006/main" xmlns:r="http://schemas.openxmlformats.org/officeDocument/2006/relationships" xmlns:p="http://schemas.openxmlformats.org/presentationml/2006/main">
   <p:cSld>
     <p:spTree>
@@ -32211,7 +32642,7 @@
 </p:sld>
 </file>
 
-<file path=ppt/slides/slide56.xml><?xml version="1.0" encoding="utf-8"?>
+<file path=ppt/slides/slide57.xml><?xml version="1.0" encoding="utf-8"?>
 <p:sld xmlns:a="http://schemas.openxmlformats.org/drawingml/2006/main" xmlns:r="http://schemas.openxmlformats.org/officeDocument/2006/relationships" xmlns:p="http://schemas.openxmlformats.org/presentationml/2006/main">
   <p:cSld>
     <p:spTree>
@@ -32332,193 +32763,6 @@
       <p:sp>
         <p:nvSpPr>
           <p:cNvPr id="325" name="Google Shape;325;p52"/>
-          <p:cNvSpPr txBox="1">
-            <a:spLocks noGrp="1"/>
-          </p:cNvSpPr>
-          <p:nvPr>
-            <p:ph type="title"/>
-          </p:nvPr>
-        </p:nvSpPr>
-        <p:spPr>
-          <a:xfrm>
-            <a:off x="1981200" y="-12"/>
-            <a:ext cx="8229600" cy="1143000"/>
-          </a:xfrm>
-          <a:prstGeom prst="rect">
-            <a:avLst/>
-          </a:prstGeom>
-        </p:spPr>
-        <p:txBody>
-          <a:bodyPr spcFirstLastPara="1" wrap="square" lIns="91425" tIns="91425" rIns="91425" bIns="91425" anchor="b" anchorCtr="0">
-            <a:noAutofit/>
-          </a:bodyPr>
-          <a:lstStyle/>
-          <a:p>
-            <a:r>
-              <a:rPr lang="en">
-                <a:solidFill>
-                  <a:schemeClr val="accent1"/>
-                </a:solidFill>
-              </a:rPr>
-              <a:t>Practice</a:t>
-            </a:r>
-            <a:endParaRPr>
-              <a:solidFill>
-                <a:schemeClr val="accent1"/>
-              </a:solidFill>
-            </a:endParaRPr>
-          </a:p>
-        </p:txBody>
-      </p:sp>
-    </p:spTree>
-  </p:cSld>
-  <p:clrMapOvr>
-    <a:masterClrMapping/>
-  </p:clrMapOvr>
-</p:sld>
-</file>
-
-<file path=ppt/slides/slide57.xml><?xml version="1.0" encoding="utf-8"?>
-<p:sld xmlns:a="http://schemas.openxmlformats.org/drawingml/2006/main" xmlns:r="http://schemas.openxmlformats.org/officeDocument/2006/relationships" xmlns:p="http://schemas.openxmlformats.org/presentationml/2006/main">
-  <p:cSld>
-    <p:spTree>
-      <p:nvGrpSpPr>
-        <p:cNvPr id="1" name="Shape 329"/>
-        <p:cNvGrpSpPr/>
-        <p:nvPr/>
-      </p:nvGrpSpPr>
-      <p:grpSpPr>
-        <a:xfrm>
-          <a:off x="0" y="0"/>
-          <a:ext cx="0" cy="0"/>
-          <a:chOff x="0" y="0"/>
-          <a:chExt cx="0" cy="0"/>
-        </a:xfrm>
-      </p:grpSpPr>
-      <p:sp>
-        <p:nvSpPr>
-          <p:cNvPr id="330" name="Google Shape;330;p53"/>
-          <p:cNvSpPr txBox="1">
-            <a:spLocks noGrp="1"/>
-          </p:cNvSpPr>
-          <p:nvPr>
-            <p:ph type="body" idx="1"/>
-          </p:nvPr>
-        </p:nvSpPr>
-        <p:spPr>
-          <a:xfrm flipH="1">
-            <a:off x="1981075" y="1305775"/>
-            <a:ext cx="7822200" cy="4126800"/>
-          </a:xfrm>
-          <a:prstGeom prst="rect">
-            <a:avLst/>
-          </a:prstGeom>
-        </p:spPr>
-        <p:txBody>
-          <a:bodyPr spcFirstLastPara="1" wrap="square" lIns="91425" tIns="91425" rIns="91425" bIns="91425" anchor="t" anchorCtr="0">
-            <a:noAutofit/>
-          </a:bodyPr>
-          <a:lstStyle/>
-          <a:p>
-            <a:pPr marL="0" indent="0">
-              <a:lnSpc>
-                <a:spcPct val="115000"/>
-              </a:lnSpc>
-              <a:spcBef>
-                <a:spcPts val="0"/>
-              </a:spcBef>
-              <a:buNone/>
-            </a:pPr>
-            <a:r>
-              <a:rPr lang="en" sz="2200" dirty="0">
-                <a:solidFill>
-                  <a:schemeClr val="accent1"/>
-                </a:solidFill>
-              </a:rPr>
-              <a:t>11% of 1,001 Americans responding to a 2006 Gallup survey stated that they have objections to celebrating Halloween on religious grounds. At 95% confidence level, the margin of error for this survey is ±3%. A news piece on this study's findings states: "More than 10% of all Americans have objections on religious grounds to celebrating Halloween." At 95% confidence level, is this news piece's statement justified?</a:t>
-            </a:r>
-            <a:endParaRPr sz="2200" dirty="0">
-              <a:solidFill>
-                <a:schemeClr val="accent1"/>
-              </a:solidFill>
-            </a:endParaRPr>
-          </a:p>
-          <a:p>
-            <a:pPr indent="-368300">
-              <a:lnSpc>
-                <a:spcPct val="115000"/>
-              </a:lnSpc>
-              <a:spcBef>
-                <a:spcPts val="1000"/>
-              </a:spcBef>
-              <a:buSzPts val="2200"/>
-              <a:buAutoNum type="alphaLcParenBoth"/>
-            </a:pPr>
-            <a:r>
-              <a:rPr lang="en" sz="2200" dirty="0"/>
-              <a:t>Yes</a:t>
-            </a:r>
-            <a:endParaRPr sz="2200" dirty="0"/>
-          </a:p>
-          <a:p>
-            <a:pPr indent="-368300">
-              <a:lnSpc>
-                <a:spcPct val="115000"/>
-              </a:lnSpc>
-              <a:spcBef>
-                <a:spcPts val="0"/>
-              </a:spcBef>
-              <a:buClr>
-                <a:srgbClr val="FF9900"/>
-              </a:buClr>
-              <a:buSzPts val="2200"/>
-              <a:buAutoNum type="alphaLcParenBoth"/>
-            </a:pPr>
-            <a:r>
-              <a:rPr lang="en" sz="2200" i="1" dirty="0">
-                <a:solidFill>
-                  <a:srgbClr val="FF9900"/>
-                </a:solidFill>
-              </a:rPr>
-              <a:t>No </a:t>
-            </a:r>
-            <a:r>
-              <a:rPr lang="en" sz="2200" i="1" dirty="0">
-                <a:solidFill>
-                  <a:srgbClr val="FF9900"/>
-                </a:solidFill>
-                <a:sym typeface="Wingdings" pitchFamily="2" charset="2"/>
-              </a:rPr>
-              <a:t> (8%, 14%) includes 8%, 9%, 10% </a:t>
-            </a:r>
-            <a:endParaRPr sz="2200" i="1" dirty="0">
-              <a:solidFill>
-                <a:srgbClr val="FF9900"/>
-              </a:solidFill>
-            </a:endParaRPr>
-          </a:p>
-          <a:p>
-            <a:pPr indent="-368300">
-              <a:lnSpc>
-                <a:spcPct val="115000"/>
-              </a:lnSpc>
-              <a:spcBef>
-                <a:spcPts val="0"/>
-              </a:spcBef>
-              <a:buSzPts val="2200"/>
-              <a:buAutoNum type="alphaLcParenBoth"/>
-            </a:pPr>
-            <a:r>
-              <a:rPr lang="en" sz="2200" dirty="0"/>
-              <a:t>Can’t tell</a:t>
-            </a:r>
-            <a:endParaRPr sz="2200" dirty="0"/>
-          </a:p>
-        </p:txBody>
-      </p:sp>
-      <p:sp>
-        <p:nvSpPr>
-          <p:cNvPr id="331" name="Google Shape;331;p53"/>
           <p:cNvSpPr txBox="1">
             <a:spLocks noGrp="1"/>
           </p:cNvSpPr>
@@ -32584,6 +32828,127 @@
       </p:grpSpPr>
       <p:sp>
         <p:nvSpPr>
+          <p:cNvPr id="330" name="Google Shape;330;p53"/>
+          <p:cNvSpPr txBox="1">
+            <a:spLocks noGrp="1"/>
+          </p:cNvSpPr>
+          <p:nvPr>
+            <p:ph type="body" idx="1"/>
+          </p:nvPr>
+        </p:nvSpPr>
+        <p:spPr>
+          <a:xfrm flipH="1">
+            <a:off x="1981075" y="1305775"/>
+            <a:ext cx="7822200" cy="4126800"/>
+          </a:xfrm>
+          <a:prstGeom prst="rect">
+            <a:avLst/>
+          </a:prstGeom>
+        </p:spPr>
+        <p:txBody>
+          <a:bodyPr spcFirstLastPara="1" wrap="square" lIns="91425" tIns="91425" rIns="91425" bIns="91425" anchor="t" anchorCtr="0">
+            <a:noAutofit/>
+          </a:bodyPr>
+          <a:lstStyle/>
+          <a:p>
+            <a:pPr marL="0" indent="0">
+              <a:lnSpc>
+                <a:spcPct val="115000"/>
+              </a:lnSpc>
+              <a:spcBef>
+                <a:spcPts val="0"/>
+              </a:spcBef>
+              <a:buNone/>
+            </a:pPr>
+            <a:r>
+              <a:rPr lang="en" sz="2200" dirty="0">
+                <a:solidFill>
+                  <a:schemeClr val="accent1"/>
+                </a:solidFill>
+              </a:rPr>
+              <a:t>11% of 1,001 Americans responding to a 2006 Gallup survey stated that they have objections to celebrating Halloween on religious grounds. At 95% confidence level, the margin of error for this survey is ±3%. A news piece on this study's findings states: "More than 10% of all Americans have objections on religious grounds to celebrating Halloween." At 95% confidence level, is this news piece's statement justified?</a:t>
+            </a:r>
+            <a:endParaRPr sz="2200" dirty="0">
+              <a:solidFill>
+                <a:schemeClr val="accent1"/>
+              </a:solidFill>
+            </a:endParaRPr>
+          </a:p>
+          <a:p>
+            <a:pPr indent="-368300">
+              <a:lnSpc>
+                <a:spcPct val="115000"/>
+              </a:lnSpc>
+              <a:spcBef>
+                <a:spcPts val="1000"/>
+              </a:spcBef>
+              <a:buSzPts val="2200"/>
+              <a:buAutoNum type="alphaLcParenBoth"/>
+            </a:pPr>
+            <a:r>
+              <a:rPr lang="en" sz="2200" dirty="0"/>
+              <a:t>Yes</a:t>
+            </a:r>
+            <a:endParaRPr sz="2200" dirty="0"/>
+          </a:p>
+          <a:p>
+            <a:pPr indent="-368300">
+              <a:lnSpc>
+                <a:spcPct val="115000"/>
+              </a:lnSpc>
+              <a:spcBef>
+                <a:spcPts val="0"/>
+              </a:spcBef>
+              <a:buClr>
+                <a:srgbClr val="FF9900"/>
+              </a:buClr>
+              <a:buSzPts val="2200"/>
+              <a:buAutoNum type="alphaLcParenBoth"/>
+            </a:pPr>
+            <a:r>
+              <a:rPr lang="en" sz="2200" i="1" dirty="0">
+                <a:solidFill>
+                  <a:srgbClr val="FF9900"/>
+                </a:solidFill>
+              </a:rPr>
+              <a:t>No </a:t>
+            </a:r>
+            <a:r>
+              <a:rPr lang="en" sz="2200" i="1" dirty="0">
+                <a:solidFill>
+                  <a:srgbClr val="FF9900"/>
+                </a:solidFill>
+                <a:sym typeface="Wingdings" pitchFamily="2" charset="2"/>
+              </a:rPr>
+              <a:t> (8%, 14%) includes 8%, 9%, 10% </a:t>
+            </a:r>
+            <a:endParaRPr sz="2200" i="1" dirty="0">
+              <a:solidFill>
+                <a:srgbClr val="FF9900"/>
+              </a:solidFill>
+            </a:endParaRPr>
+          </a:p>
+          <a:p>
+            <a:pPr indent="-368300">
+              <a:lnSpc>
+                <a:spcPct val="115000"/>
+              </a:lnSpc>
+              <a:spcBef>
+                <a:spcPts val="0"/>
+              </a:spcBef>
+              <a:buSzPts val="2200"/>
+              <a:buAutoNum type="alphaLcParenBoth"/>
+            </a:pPr>
+            <a:r>
+              <a:rPr lang="en" sz="2200" dirty="0"/>
+              <a:t>Can’t tell</a:t>
+            </a:r>
+            <a:endParaRPr sz="2200" dirty="0"/>
+          </a:p>
+        </p:txBody>
+      </p:sp>
+      <p:sp>
+        <p:nvSpPr>
           <p:cNvPr id="331" name="Google Shape;331;p53"/>
           <p:cNvSpPr txBox="1">
             <a:spLocks noGrp="1"/>
@@ -32623,72 +32988,7 @@
           </a:p>
         </p:txBody>
       </p:sp>
-      <p:pic>
-        <p:nvPicPr>
-          <p:cNvPr id="5" name="Picture 4" descr="A close-up of a text&#10;&#10;Description automatically generated">
-            <a:extLst>
-              <a:ext uri="{FF2B5EF4-FFF2-40B4-BE49-F238E27FC236}">
-                <a16:creationId xmlns:a16="http://schemas.microsoft.com/office/drawing/2014/main" id="{AB626374-4986-F701-3C96-5CA06B612792}"/>
-              </a:ext>
-            </a:extLst>
-          </p:cNvPr>
-          <p:cNvPicPr>
-            <a:picLocks noChangeAspect="1"/>
-          </p:cNvPicPr>
-          <p:nvPr/>
-        </p:nvPicPr>
-        <p:blipFill>
-          <a:blip r:embed="rId3"/>
-          <a:stretch>
-            <a:fillRect/>
-          </a:stretch>
-        </p:blipFill>
-        <p:spPr>
-          <a:xfrm>
-            <a:off x="641349" y="1264138"/>
-            <a:ext cx="10697519" cy="2545862"/>
-          </a:xfrm>
-          <a:prstGeom prst="rect">
-            <a:avLst/>
-          </a:prstGeom>
-        </p:spPr>
-      </p:pic>
-      <p:pic>
-        <p:nvPicPr>
-          <p:cNvPr id="7" name="Picture 6" descr="A close-up of a text&#10;&#10;Description automatically generated">
-            <a:extLst>
-              <a:ext uri="{FF2B5EF4-FFF2-40B4-BE49-F238E27FC236}">
-                <a16:creationId xmlns:a16="http://schemas.microsoft.com/office/drawing/2014/main" id="{F44A0A60-16F2-0C5C-D80E-E78AD79906CC}"/>
-              </a:ext>
-            </a:extLst>
-          </p:cNvPr>
-          <p:cNvPicPr>
-            <a:picLocks noChangeAspect="1"/>
-          </p:cNvPicPr>
-          <p:nvPr/>
-        </p:nvPicPr>
-        <p:blipFill>
-          <a:blip r:embed="rId4"/>
-          <a:stretch>
-            <a:fillRect/>
-          </a:stretch>
-        </p:blipFill>
-        <p:spPr>
-          <a:xfrm>
-            <a:off x="641349" y="3810000"/>
-            <a:ext cx="10697518" cy="2532028"/>
-          </a:xfrm>
-          <a:prstGeom prst="rect">
-            <a:avLst/>
-          </a:prstGeom>
-        </p:spPr>
-      </p:pic>
     </p:spTree>
-    <p:extLst>
-      <p:ext uri="{BB962C8B-B14F-4D97-AF65-F5344CB8AC3E}">
-        <p14:creationId xmlns:p14="http://schemas.microsoft.com/office/powerpoint/2010/main" val="777352758"/>
-      </p:ext>
-    </p:extLst>
   </p:cSld>
   <p:clrMapOvr>
     <a:masterClrMapping/>
@@ -32756,10 +33056,10 @@
       </p:sp>
       <p:pic>
         <p:nvPicPr>
-          <p:cNvPr id="3" name="Picture 2" descr="A math problem with numbers and equations&#10;&#10;Description automatically generated with medium confidence">
+          <p:cNvPr id="5" name="Picture 4" descr="A close-up of a text&#10;&#10;Description automatically generated">
             <a:extLst>
               <a:ext uri="{FF2B5EF4-FFF2-40B4-BE49-F238E27FC236}">
-                <a16:creationId xmlns:a16="http://schemas.microsoft.com/office/drawing/2014/main" id="{7D502E57-ECA9-FD85-35AB-3727646D08A3}"/>
+                <a16:creationId xmlns:a16="http://schemas.microsoft.com/office/drawing/2014/main" id="{AB626374-4986-F701-3C96-5CA06B612792}"/>
               </a:ext>
             </a:extLst>
           </p:cNvPr>
@@ -32776,58 +33076,48 @@
         </p:blipFill>
         <p:spPr>
           <a:xfrm>
-            <a:off x="1324707" y="1274041"/>
-            <a:ext cx="10120218" cy="4309918"/>
+            <a:off x="641349" y="1264138"/>
+            <a:ext cx="10697519" cy="2545862"/>
           </a:xfrm>
           <a:prstGeom prst="rect">
             <a:avLst/>
           </a:prstGeom>
         </p:spPr>
       </p:pic>
-      <p:sp>
-        <p:nvSpPr>
-          <p:cNvPr id="4" name="TextBox 3">
+      <p:pic>
+        <p:nvPicPr>
+          <p:cNvPr id="7" name="Picture 6" descr="A close-up of a text&#10;&#10;Description automatically generated">
             <a:extLst>
               <a:ext uri="{FF2B5EF4-FFF2-40B4-BE49-F238E27FC236}">
-                <a16:creationId xmlns:a16="http://schemas.microsoft.com/office/drawing/2014/main" id="{6B1284E4-0CD2-1191-522B-90FC4D9D6CF3}"/>
+                <a16:creationId xmlns:a16="http://schemas.microsoft.com/office/drawing/2014/main" id="{F44A0A60-16F2-0C5C-D80E-E78AD79906CC}"/>
               </a:ext>
             </a:extLst>
           </p:cNvPr>
-          <p:cNvSpPr txBox="1"/>
+          <p:cNvPicPr>
+            <a:picLocks noChangeAspect="1"/>
+          </p:cNvPicPr>
           <p:nvPr/>
-        </p:nvSpPr>
+        </p:nvPicPr>
+        <p:blipFill>
+          <a:blip r:embed="rId4"/>
+          <a:stretch>
+            <a:fillRect/>
+          </a:stretch>
+        </p:blipFill>
         <p:spPr>
           <a:xfrm>
-            <a:off x="1899138" y="4297324"/>
-            <a:ext cx="8698523" cy="923330"/>
+            <a:off x="641349" y="3810000"/>
+            <a:ext cx="10697518" cy="2532028"/>
           </a:xfrm>
           <a:prstGeom prst="rect">
             <a:avLst/>
           </a:prstGeom>
-          <a:solidFill>
-            <a:schemeClr val="bg1"/>
-          </a:solidFill>
-        </p:spPr>
-        <p:txBody>
-          <a:bodyPr wrap="square" rtlCol="0">
-            <a:spAutoFit/>
-          </a:bodyPr>
-          <a:lstStyle/>
-          <a:p>
-            <a:r>
-              <a:rPr lang="en-US" dirty="0"/>
-              <a:t>No, our confidence interval is below 70%, it suggests less than 70% of Americans think drivers should be required to re-take the road test. </a:t>
-            </a:r>
-          </a:p>
-          <a:p>
-            <a:endParaRPr lang="en-US" dirty="0"/>
-          </a:p>
-        </p:txBody>
-      </p:sp>
+        </p:spPr>
+      </p:pic>
     </p:spTree>
     <p:extLst>
       <p:ext uri="{BB962C8B-B14F-4D97-AF65-F5344CB8AC3E}">
-        <p14:creationId xmlns:p14="http://schemas.microsoft.com/office/powerpoint/2010/main" val="1399765246"/>
+        <p14:creationId xmlns:p14="http://schemas.microsoft.com/office/powerpoint/2010/main" val="777352758"/>
       </p:ext>
     </p:extLst>
   </p:cSld>
@@ -33111,6 +33401,147 @@
       </p:sp>
       <p:pic>
         <p:nvPicPr>
+          <p:cNvPr id="3" name="Picture 2" descr="A math problem with numbers and equations&#10;&#10;Description automatically generated with medium confidence">
+            <a:extLst>
+              <a:ext uri="{FF2B5EF4-FFF2-40B4-BE49-F238E27FC236}">
+                <a16:creationId xmlns:a16="http://schemas.microsoft.com/office/drawing/2014/main" id="{7D502E57-ECA9-FD85-35AB-3727646D08A3}"/>
+              </a:ext>
+            </a:extLst>
+          </p:cNvPr>
+          <p:cNvPicPr>
+            <a:picLocks noChangeAspect="1"/>
+          </p:cNvPicPr>
+          <p:nvPr/>
+        </p:nvPicPr>
+        <p:blipFill>
+          <a:blip r:embed="rId3"/>
+          <a:stretch>
+            <a:fillRect/>
+          </a:stretch>
+        </p:blipFill>
+        <p:spPr>
+          <a:xfrm>
+            <a:off x="1324707" y="1274041"/>
+            <a:ext cx="10120218" cy="4309918"/>
+          </a:xfrm>
+          <a:prstGeom prst="rect">
+            <a:avLst/>
+          </a:prstGeom>
+        </p:spPr>
+      </p:pic>
+      <p:sp>
+        <p:nvSpPr>
+          <p:cNvPr id="4" name="TextBox 3">
+            <a:extLst>
+              <a:ext uri="{FF2B5EF4-FFF2-40B4-BE49-F238E27FC236}">
+                <a16:creationId xmlns:a16="http://schemas.microsoft.com/office/drawing/2014/main" id="{6B1284E4-0CD2-1191-522B-90FC4D9D6CF3}"/>
+              </a:ext>
+            </a:extLst>
+          </p:cNvPr>
+          <p:cNvSpPr txBox="1"/>
+          <p:nvPr/>
+        </p:nvSpPr>
+        <p:spPr>
+          <a:xfrm>
+            <a:off x="1899138" y="4297324"/>
+            <a:ext cx="8698523" cy="923330"/>
+          </a:xfrm>
+          <a:prstGeom prst="rect">
+            <a:avLst/>
+          </a:prstGeom>
+          <a:solidFill>
+            <a:schemeClr val="bg1"/>
+          </a:solidFill>
+        </p:spPr>
+        <p:txBody>
+          <a:bodyPr wrap="square" rtlCol="0">
+            <a:spAutoFit/>
+          </a:bodyPr>
+          <a:lstStyle/>
+          <a:p>
+            <a:r>
+              <a:rPr lang="en-US" dirty="0"/>
+              <a:t>No, our confidence interval is below 70%, it suggests less than 70% of Americans think drivers should be required to re-take the road test. </a:t>
+            </a:r>
+          </a:p>
+          <a:p>
+            <a:endParaRPr lang="en-US" dirty="0"/>
+          </a:p>
+        </p:txBody>
+      </p:sp>
+    </p:spTree>
+    <p:extLst>
+      <p:ext uri="{BB962C8B-B14F-4D97-AF65-F5344CB8AC3E}">
+        <p14:creationId xmlns:p14="http://schemas.microsoft.com/office/powerpoint/2010/main" val="1399765246"/>
+      </p:ext>
+    </p:extLst>
+  </p:cSld>
+  <p:clrMapOvr>
+    <a:masterClrMapping/>
+  </p:clrMapOvr>
+</p:sld>
+</file>
+
+<file path=ppt/slides/slide61.xml><?xml version="1.0" encoding="utf-8"?>
+<p:sld xmlns:a="http://schemas.openxmlformats.org/drawingml/2006/main" xmlns:r="http://schemas.openxmlformats.org/officeDocument/2006/relationships" xmlns:p="http://schemas.openxmlformats.org/presentationml/2006/main">
+  <p:cSld>
+    <p:spTree>
+      <p:nvGrpSpPr>
+        <p:cNvPr id="1" name="Shape 329"/>
+        <p:cNvGrpSpPr/>
+        <p:nvPr/>
+      </p:nvGrpSpPr>
+      <p:grpSpPr>
+        <a:xfrm>
+          <a:off x="0" y="0"/>
+          <a:ext cx="0" cy="0"/>
+          <a:chOff x="0" y="0"/>
+          <a:chExt cx="0" cy="0"/>
+        </a:xfrm>
+      </p:grpSpPr>
+      <p:sp>
+        <p:nvSpPr>
+          <p:cNvPr id="331" name="Google Shape;331;p53"/>
+          <p:cNvSpPr txBox="1">
+            <a:spLocks noGrp="1"/>
+          </p:cNvSpPr>
+          <p:nvPr>
+            <p:ph type="title"/>
+          </p:nvPr>
+        </p:nvSpPr>
+        <p:spPr>
+          <a:xfrm>
+            <a:off x="1981200" y="-12"/>
+            <a:ext cx="8229600" cy="1143000"/>
+          </a:xfrm>
+          <a:prstGeom prst="rect">
+            <a:avLst/>
+          </a:prstGeom>
+        </p:spPr>
+        <p:txBody>
+          <a:bodyPr spcFirstLastPara="1" wrap="square" lIns="91425" tIns="91425" rIns="91425" bIns="91425" anchor="b" anchorCtr="0">
+            <a:noAutofit/>
+          </a:bodyPr>
+          <a:lstStyle/>
+          <a:p>
+            <a:r>
+              <a:rPr lang="en">
+                <a:solidFill>
+                  <a:schemeClr val="accent1"/>
+                </a:solidFill>
+              </a:rPr>
+              <a:t>Practice</a:t>
+            </a:r>
+            <a:endParaRPr>
+              <a:solidFill>
+                <a:schemeClr val="accent1"/>
+              </a:solidFill>
+            </a:endParaRPr>
+          </a:p>
+        </p:txBody>
+      </p:sp>
+      <p:pic>
+        <p:nvPicPr>
           <p:cNvPr id="3" name="Picture 2" descr="A math equations and numbers on a page&#10;&#10;Description automatically generated with medium confidence">
             <a:extLst>
               <a:ext uri="{FF2B5EF4-FFF2-40B4-BE49-F238E27FC236}">
@@ -33152,7 +33583,7 @@
 </p:sld>
 </file>
 
-<file path=ppt/slides/slide61.xml><?xml version="1.0" encoding="utf-8"?>
+<file path=ppt/slides/slide62.xml><?xml version="1.0" encoding="utf-8"?>
 <p:sld xmlns:a="http://schemas.openxmlformats.org/drawingml/2006/main" xmlns:r="http://schemas.openxmlformats.org/officeDocument/2006/relationships" xmlns:p="http://schemas.openxmlformats.org/presentationml/2006/main">
   <p:cSld>
     <p:spTree>
@@ -33275,7 +33706,7 @@
 </p:sld>
 </file>
 
-<file path=ppt/slides/slide62.xml><?xml version="1.0" encoding="utf-8"?>
+<file path=ppt/slides/slide63.xml><?xml version="1.0" encoding="utf-8"?>
 <p:sld xmlns:a="http://schemas.openxmlformats.org/drawingml/2006/main" xmlns:r="http://schemas.openxmlformats.org/officeDocument/2006/relationships" xmlns:p="http://schemas.openxmlformats.org/presentationml/2006/main">
   <p:cSld>
     <p:spTree>
@@ -33501,7 +33932,7 @@
 </p:sld>
 </file>
 
-<file path=ppt/slides/slide63.xml><?xml version="1.0" encoding="utf-8"?>
+<file path=ppt/slides/slide64.xml><?xml version="1.0" encoding="utf-8"?>
 <p:sld xmlns:a="http://schemas.openxmlformats.org/drawingml/2006/main" xmlns:r="http://schemas.openxmlformats.org/officeDocument/2006/relationships" xmlns:p="http://schemas.openxmlformats.org/presentationml/2006/main">
   <p:cSld>
     <p:spTree>

--- a/slides/15-single-proportion.pptx
+++ b/slides/15-single-proportion.pptx
@@ -22035,29 +22035,8 @@
                   <a:schemeClr val="tx1"/>
                 </a:solidFill>
               </a:rPr>
-              <a:t>Do we meet the conditions to use it? (</a:t>
-            </a:r>
-            <a:r>
-              <a:rPr lang="en-US" sz="2000" dirty="0"/>
-              <a:t>At least 10 </a:t>
-            </a:r>
-            <a:r>
-              <a:rPr lang="en-US" sz="2000" i="1" dirty="0">
-                <a:solidFill>
-                  <a:srgbClr val="FF9900"/>
-                </a:solidFill>
-              </a:rPr>
-              <a:t>expected </a:t>
-            </a:r>
-            <a:r>
-              <a:rPr lang="en-US" sz="2000" dirty="0"/>
-              <a:t>successes and failures, calculated using the null value)</a:t>
-            </a:r>
-            <a:endParaRPr lang="en" sz="1900" dirty="0">
-              <a:solidFill>
-                <a:schemeClr val="tx1"/>
-              </a:solidFill>
-            </a:endParaRPr>
+              <a:t>Do we meet the conditions to use it? </a:t>
+            </a:r>
           </a:p>
           <a:p>
             <a:pPr marL="0" indent="0">
@@ -22176,7 +22155,7 @@
         </p:blipFill>
         <p:spPr>
           <a:xfrm>
-            <a:off x="9514114" y="4829629"/>
+            <a:off x="9502391" y="4442768"/>
             <a:ext cx="914400" cy="914400"/>
           </a:xfrm>
           <a:prstGeom prst="rect">
@@ -22212,7 +22191,7 @@
         </p:blipFill>
         <p:spPr>
           <a:xfrm>
-            <a:off x="5820228" y="5243287"/>
+            <a:off x="5796782" y="4899968"/>
             <a:ext cx="914400" cy="914400"/>
           </a:xfrm>
           <a:prstGeom prst="rect">
